--- a/17.5/橙子.pptx
+++ b/17.5/橙子.pptx
@@ -6,30 +6,39 @@
     <p:sldMasterId id="2147483659" r:id="rId2"/>
   </p:sldMasterIdLst>
   <p:notesMasterIdLst>
-    <p:notesMasterId r:id="rId24"/>
+    <p:notesMasterId r:id="rId33"/>
   </p:notesMasterIdLst>
   <p:sldIdLst>
     <p:sldId id="256" r:id="rId3"/>
-    <p:sldId id="284" r:id="rId4"/>
-    <p:sldId id="292" r:id="rId5"/>
-    <p:sldId id="293" r:id="rId6"/>
-    <p:sldId id="290" r:id="rId7"/>
-    <p:sldId id="291" r:id="rId8"/>
-    <p:sldId id="285" r:id="rId9"/>
-    <p:sldId id="288" r:id="rId10"/>
-    <p:sldId id="281" r:id="rId11"/>
-    <p:sldId id="268" r:id="rId12"/>
-    <p:sldId id="264" r:id="rId13"/>
-    <p:sldId id="266" r:id="rId14"/>
-    <p:sldId id="265" r:id="rId15"/>
-    <p:sldId id="270" r:id="rId16"/>
-    <p:sldId id="271" r:id="rId17"/>
-    <p:sldId id="274" r:id="rId18"/>
-    <p:sldId id="273" r:id="rId19"/>
-    <p:sldId id="278" r:id="rId20"/>
-    <p:sldId id="279" r:id="rId21"/>
-    <p:sldId id="280" r:id="rId22"/>
-    <p:sldId id="289" r:id="rId23"/>
+    <p:sldId id="303" r:id="rId4"/>
+    <p:sldId id="284" r:id="rId5"/>
+    <p:sldId id="297" r:id="rId6"/>
+    <p:sldId id="295" r:id="rId7"/>
+    <p:sldId id="294" r:id="rId8"/>
+    <p:sldId id="296" r:id="rId9"/>
+    <p:sldId id="292" r:id="rId10"/>
+    <p:sldId id="298" r:id="rId11"/>
+    <p:sldId id="299" r:id="rId12"/>
+    <p:sldId id="300" r:id="rId13"/>
+    <p:sldId id="293" r:id="rId14"/>
+    <p:sldId id="301" r:id="rId15"/>
+    <p:sldId id="290" r:id="rId16"/>
+    <p:sldId id="291" r:id="rId17"/>
+    <p:sldId id="285" r:id="rId18"/>
+    <p:sldId id="288" r:id="rId19"/>
+    <p:sldId id="281" r:id="rId20"/>
+    <p:sldId id="268" r:id="rId21"/>
+    <p:sldId id="264" r:id="rId22"/>
+    <p:sldId id="266" r:id="rId23"/>
+    <p:sldId id="265" r:id="rId24"/>
+    <p:sldId id="270" r:id="rId25"/>
+    <p:sldId id="271" r:id="rId26"/>
+    <p:sldId id="274" r:id="rId27"/>
+    <p:sldId id="273" r:id="rId28"/>
+    <p:sldId id="278" r:id="rId29"/>
+    <p:sldId id="279" r:id="rId30"/>
+    <p:sldId id="280" r:id="rId31"/>
+    <p:sldId id="289" r:id="rId32"/>
   </p:sldIdLst>
   <p:sldSz cx="12192000" cy="6858000"/>
   <p:notesSz cx="6858000" cy="9144000"/>
@@ -645,7 +654,7 @@
           <a:p>
             <a:fld id="{8B8BE235-F15E-488C-BF5A-F80F5EF86DE2}" type="slidenum">
               <a:rPr lang="zh-CN" altLang="en-US" smtClean="0"/>
-              <a:t>10</a:t>
+              <a:t>11</a:t>
             </a:fld>
             <a:endParaRPr lang="zh-CN" altLang="en-US"/>
           </a:p>
@@ -654,7 +663,7 @@
     </p:spTree>
     <p:extLst>
       <p:ext uri="{BB962C8B-B14F-4D97-AF65-F5344CB8AC3E}">
-        <p14:creationId xmlns:p14="http://schemas.microsoft.com/office/powerpoint/2010/main" val="2385263199"/>
+        <p14:creationId xmlns:p14="http://schemas.microsoft.com/office/powerpoint/2010/main" val="952584703"/>
       </p:ext>
     </p:extLst>
   </p:cSld>
@@ -729,7 +738,7 @@
           <a:p>
             <a:fld id="{8B8BE235-F15E-488C-BF5A-F80F5EF86DE2}" type="slidenum">
               <a:rPr lang="zh-CN" altLang="en-US" smtClean="0"/>
-              <a:t>11</a:t>
+              <a:t>12</a:t>
             </a:fld>
             <a:endParaRPr lang="zh-CN" altLang="en-US"/>
           </a:p>
@@ -738,7 +747,7 @@
     </p:spTree>
     <p:extLst>
       <p:ext uri="{BB962C8B-B14F-4D97-AF65-F5344CB8AC3E}">
-        <p14:creationId xmlns:p14="http://schemas.microsoft.com/office/powerpoint/2010/main" val="3179654728"/>
+        <p14:creationId xmlns:p14="http://schemas.microsoft.com/office/powerpoint/2010/main" val="1210160944"/>
       </p:ext>
     </p:extLst>
   </p:cSld>
@@ -813,7 +822,7 @@
           <a:p>
             <a:fld id="{8B8BE235-F15E-488C-BF5A-F80F5EF86DE2}" type="slidenum">
               <a:rPr lang="zh-CN" altLang="en-US" smtClean="0"/>
-              <a:t>12</a:t>
+              <a:t>13</a:t>
             </a:fld>
             <a:endParaRPr lang="zh-CN" altLang="en-US"/>
           </a:p>
@@ -822,7 +831,7 @@
     </p:spTree>
     <p:extLst>
       <p:ext uri="{BB962C8B-B14F-4D97-AF65-F5344CB8AC3E}">
-        <p14:creationId xmlns:p14="http://schemas.microsoft.com/office/powerpoint/2010/main" val="1836330398"/>
+        <p14:creationId xmlns:p14="http://schemas.microsoft.com/office/powerpoint/2010/main" val="4012838015"/>
       </p:ext>
     </p:extLst>
   </p:cSld>
@@ -897,7 +906,763 @@
           <a:p>
             <a:fld id="{8B8BE235-F15E-488C-BF5A-F80F5EF86DE2}" type="slidenum">
               <a:rPr lang="zh-CN" altLang="en-US" smtClean="0"/>
-              <a:t>13</a:t>
+              <a:t>14</a:t>
+            </a:fld>
+            <a:endParaRPr lang="zh-CN" altLang="en-US"/>
+          </a:p>
+        </p:txBody>
+      </p:sp>
+    </p:spTree>
+    <p:extLst>
+      <p:ext uri="{BB962C8B-B14F-4D97-AF65-F5344CB8AC3E}">
+        <p14:creationId xmlns:p14="http://schemas.microsoft.com/office/powerpoint/2010/main" val="4249103444"/>
+      </p:ext>
+    </p:extLst>
+  </p:cSld>
+  <p:clrMapOvr>
+    <a:masterClrMapping/>
+  </p:clrMapOvr>
+</p:notes>
+</file>
+
+<file path=ppt/notesSlides/notesSlide14.xml><?xml version="1.0" encoding="utf-8"?>
+<p:notes xmlns:a="http://schemas.openxmlformats.org/drawingml/2006/main" xmlns:r="http://schemas.openxmlformats.org/officeDocument/2006/relationships" xmlns:p="http://schemas.openxmlformats.org/presentationml/2006/main">
+  <p:cSld>
+    <p:spTree>
+      <p:nvGrpSpPr>
+        <p:cNvPr id="1" name=""/>
+        <p:cNvGrpSpPr/>
+        <p:nvPr/>
+      </p:nvGrpSpPr>
+      <p:grpSpPr>
+        <a:xfrm>
+          <a:off x="0" y="0"/>
+          <a:ext cx="0" cy="0"/>
+          <a:chOff x="0" y="0"/>
+          <a:chExt cx="0" cy="0"/>
+        </a:xfrm>
+      </p:grpSpPr>
+      <p:sp>
+        <p:nvSpPr>
+          <p:cNvPr id="2" name="幻灯片图像占位符 1"/>
+          <p:cNvSpPr>
+            <a:spLocks noGrp="1" noRot="1" noChangeAspect="1"/>
+          </p:cNvSpPr>
+          <p:nvPr>
+            <p:ph type="sldImg"/>
+          </p:nvPr>
+        </p:nvSpPr>
+        <p:spPr/>
+      </p:sp>
+      <p:sp>
+        <p:nvSpPr>
+          <p:cNvPr id="3" name="备注占位符 2"/>
+          <p:cNvSpPr>
+            <a:spLocks noGrp="1"/>
+          </p:cNvSpPr>
+          <p:nvPr>
+            <p:ph type="body" idx="1"/>
+          </p:nvPr>
+        </p:nvSpPr>
+        <p:spPr/>
+        <p:txBody>
+          <a:bodyPr/>
+          <a:lstStyle/>
+          <a:p>
+            <a:endParaRPr lang="zh-CN" altLang="en-US"/>
+          </a:p>
+        </p:txBody>
+      </p:sp>
+      <p:sp>
+        <p:nvSpPr>
+          <p:cNvPr id="4" name="灯片编号占位符 3"/>
+          <p:cNvSpPr>
+            <a:spLocks noGrp="1"/>
+          </p:cNvSpPr>
+          <p:nvPr>
+            <p:ph type="sldNum" sz="quarter" idx="10"/>
+          </p:nvPr>
+        </p:nvSpPr>
+        <p:spPr/>
+        <p:txBody>
+          <a:bodyPr/>
+          <a:lstStyle/>
+          <a:p>
+            <a:fld id="{8B8BE235-F15E-488C-BF5A-F80F5EF86DE2}" type="slidenum">
+              <a:rPr lang="zh-CN" altLang="en-US" smtClean="0"/>
+              <a:t>15</a:t>
+            </a:fld>
+            <a:endParaRPr lang="zh-CN" altLang="en-US"/>
+          </a:p>
+        </p:txBody>
+      </p:sp>
+    </p:spTree>
+    <p:extLst>
+      <p:ext uri="{BB962C8B-B14F-4D97-AF65-F5344CB8AC3E}">
+        <p14:creationId xmlns:p14="http://schemas.microsoft.com/office/powerpoint/2010/main" val="3468536495"/>
+      </p:ext>
+    </p:extLst>
+  </p:cSld>
+  <p:clrMapOvr>
+    <a:masterClrMapping/>
+  </p:clrMapOvr>
+</p:notes>
+</file>
+
+<file path=ppt/notesSlides/notesSlide15.xml><?xml version="1.0" encoding="utf-8"?>
+<p:notes xmlns:a="http://schemas.openxmlformats.org/drawingml/2006/main" xmlns:r="http://schemas.openxmlformats.org/officeDocument/2006/relationships" xmlns:p="http://schemas.openxmlformats.org/presentationml/2006/main">
+  <p:cSld>
+    <p:spTree>
+      <p:nvGrpSpPr>
+        <p:cNvPr id="1" name=""/>
+        <p:cNvGrpSpPr/>
+        <p:nvPr/>
+      </p:nvGrpSpPr>
+      <p:grpSpPr>
+        <a:xfrm>
+          <a:off x="0" y="0"/>
+          <a:ext cx="0" cy="0"/>
+          <a:chOff x="0" y="0"/>
+          <a:chExt cx="0" cy="0"/>
+        </a:xfrm>
+      </p:grpSpPr>
+      <p:sp>
+        <p:nvSpPr>
+          <p:cNvPr id="2" name="幻灯片图像占位符 1"/>
+          <p:cNvSpPr>
+            <a:spLocks noGrp="1" noRot="1" noChangeAspect="1"/>
+          </p:cNvSpPr>
+          <p:nvPr>
+            <p:ph type="sldImg"/>
+          </p:nvPr>
+        </p:nvSpPr>
+        <p:spPr/>
+      </p:sp>
+      <p:sp>
+        <p:nvSpPr>
+          <p:cNvPr id="3" name="备注占位符 2"/>
+          <p:cNvSpPr>
+            <a:spLocks noGrp="1"/>
+          </p:cNvSpPr>
+          <p:nvPr>
+            <p:ph type="body" idx="1"/>
+          </p:nvPr>
+        </p:nvSpPr>
+        <p:spPr/>
+        <p:txBody>
+          <a:bodyPr/>
+          <a:lstStyle/>
+          <a:p>
+            <a:endParaRPr lang="zh-CN" altLang="en-US"/>
+          </a:p>
+        </p:txBody>
+      </p:sp>
+      <p:sp>
+        <p:nvSpPr>
+          <p:cNvPr id="4" name="灯片编号占位符 3"/>
+          <p:cNvSpPr>
+            <a:spLocks noGrp="1"/>
+          </p:cNvSpPr>
+          <p:nvPr>
+            <p:ph type="sldNum" sz="quarter" idx="10"/>
+          </p:nvPr>
+        </p:nvSpPr>
+        <p:spPr/>
+        <p:txBody>
+          <a:bodyPr/>
+          <a:lstStyle/>
+          <a:p>
+            <a:fld id="{8B8BE235-F15E-488C-BF5A-F80F5EF86DE2}" type="slidenum">
+              <a:rPr lang="zh-CN" altLang="en-US" smtClean="0"/>
+              <a:t>16</a:t>
+            </a:fld>
+            <a:endParaRPr lang="zh-CN" altLang="en-US"/>
+          </a:p>
+        </p:txBody>
+      </p:sp>
+    </p:spTree>
+    <p:extLst>
+      <p:ext uri="{BB962C8B-B14F-4D97-AF65-F5344CB8AC3E}">
+        <p14:creationId xmlns:p14="http://schemas.microsoft.com/office/powerpoint/2010/main" val="2526841430"/>
+      </p:ext>
+    </p:extLst>
+  </p:cSld>
+  <p:clrMapOvr>
+    <a:masterClrMapping/>
+  </p:clrMapOvr>
+</p:notes>
+</file>
+
+<file path=ppt/notesSlides/notesSlide16.xml><?xml version="1.0" encoding="utf-8"?>
+<p:notes xmlns:a="http://schemas.openxmlformats.org/drawingml/2006/main" xmlns:r="http://schemas.openxmlformats.org/officeDocument/2006/relationships" xmlns:p="http://schemas.openxmlformats.org/presentationml/2006/main">
+  <p:cSld>
+    <p:spTree>
+      <p:nvGrpSpPr>
+        <p:cNvPr id="1" name=""/>
+        <p:cNvGrpSpPr/>
+        <p:nvPr/>
+      </p:nvGrpSpPr>
+      <p:grpSpPr>
+        <a:xfrm>
+          <a:off x="0" y="0"/>
+          <a:ext cx="0" cy="0"/>
+          <a:chOff x="0" y="0"/>
+          <a:chExt cx="0" cy="0"/>
+        </a:xfrm>
+      </p:grpSpPr>
+      <p:sp>
+        <p:nvSpPr>
+          <p:cNvPr id="2" name="幻灯片图像占位符 1"/>
+          <p:cNvSpPr>
+            <a:spLocks noGrp="1" noRot="1" noChangeAspect="1"/>
+          </p:cNvSpPr>
+          <p:nvPr>
+            <p:ph type="sldImg"/>
+          </p:nvPr>
+        </p:nvSpPr>
+        <p:spPr/>
+      </p:sp>
+      <p:sp>
+        <p:nvSpPr>
+          <p:cNvPr id="3" name="备注占位符 2"/>
+          <p:cNvSpPr>
+            <a:spLocks noGrp="1"/>
+          </p:cNvSpPr>
+          <p:nvPr>
+            <p:ph type="body" idx="1"/>
+          </p:nvPr>
+        </p:nvSpPr>
+        <p:spPr/>
+        <p:txBody>
+          <a:bodyPr/>
+          <a:lstStyle/>
+          <a:p>
+            <a:endParaRPr lang="zh-CN" altLang="en-US"/>
+          </a:p>
+        </p:txBody>
+      </p:sp>
+      <p:sp>
+        <p:nvSpPr>
+          <p:cNvPr id="4" name="灯片编号占位符 3"/>
+          <p:cNvSpPr>
+            <a:spLocks noGrp="1"/>
+          </p:cNvSpPr>
+          <p:nvPr>
+            <p:ph type="sldNum" sz="quarter" idx="10"/>
+          </p:nvPr>
+        </p:nvSpPr>
+        <p:spPr/>
+        <p:txBody>
+          <a:bodyPr/>
+          <a:lstStyle/>
+          <a:p>
+            <a:fld id="{64E73910-F208-4636-A090-B1B04B1D62DC}" type="slidenum">
+              <a:rPr lang="zh-CN" altLang="en-US" smtClean="0"/>
+              <a:t>17</a:t>
+            </a:fld>
+            <a:endParaRPr lang="zh-CN" altLang="en-US"/>
+          </a:p>
+        </p:txBody>
+      </p:sp>
+    </p:spTree>
+    <p:extLst>
+      <p:ext uri="{BB962C8B-B14F-4D97-AF65-F5344CB8AC3E}">
+        <p14:creationId xmlns:p14="http://schemas.microsoft.com/office/powerpoint/2010/main" val="613833178"/>
+      </p:ext>
+    </p:extLst>
+  </p:cSld>
+  <p:clrMapOvr>
+    <a:masterClrMapping/>
+  </p:clrMapOvr>
+</p:notes>
+</file>
+
+<file path=ppt/notesSlides/notesSlide17.xml><?xml version="1.0" encoding="utf-8"?>
+<p:notes xmlns:a="http://schemas.openxmlformats.org/drawingml/2006/main" xmlns:r="http://schemas.openxmlformats.org/officeDocument/2006/relationships" xmlns:p="http://schemas.openxmlformats.org/presentationml/2006/main">
+  <p:cSld>
+    <p:spTree>
+      <p:nvGrpSpPr>
+        <p:cNvPr id="1" name=""/>
+        <p:cNvGrpSpPr/>
+        <p:nvPr/>
+      </p:nvGrpSpPr>
+      <p:grpSpPr>
+        <a:xfrm>
+          <a:off x="0" y="0"/>
+          <a:ext cx="0" cy="0"/>
+          <a:chOff x="0" y="0"/>
+          <a:chExt cx="0" cy="0"/>
+        </a:xfrm>
+      </p:grpSpPr>
+      <p:sp>
+        <p:nvSpPr>
+          <p:cNvPr id="2" name="幻灯片图像占位符 1"/>
+          <p:cNvSpPr>
+            <a:spLocks noGrp="1" noRot="1" noChangeAspect="1"/>
+          </p:cNvSpPr>
+          <p:nvPr>
+            <p:ph type="sldImg"/>
+          </p:nvPr>
+        </p:nvSpPr>
+        <p:spPr/>
+      </p:sp>
+      <p:sp>
+        <p:nvSpPr>
+          <p:cNvPr id="3" name="备注占位符 2"/>
+          <p:cNvSpPr>
+            <a:spLocks noGrp="1"/>
+          </p:cNvSpPr>
+          <p:nvPr>
+            <p:ph type="body" idx="1"/>
+          </p:nvPr>
+        </p:nvSpPr>
+        <p:spPr/>
+        <p:txBody>
+          <a:bodyPr/>
+          <a:lstStyle/>
+          <a:p>
+            <a:endParaRPr lang="zh-CN" altLang="en-US"/>
+          </a:p>
+        </p:txBody>
+      </p:sp>
+      <p:sp>
+        <p:nvSpPr>
+          <p:cNvPr id="4" name="灯片编号占位符 3"/>
+          <p:cNvSpPr>
+            <a:spLocks noGrp="1"/>
+          </p:cNvSpPr>
+          <p:nvPr>
+            <p:ph type="sldNum" sz="quarter" idx="10"/>
+          </p:nvPr>
+        </p:nvSpPr>
+        <p:spPr/>
+        <p:txBody>
+          <a:bodyPr/>
+          <a:lstStyle/>
+          <a:p>
+            <a:fld id="{8B8BE235-F15E-488C-BF5A-F80F5EF86DE2}" type="slidenum">
+              <a:rPr lang="zh-CN" altLang="en-US" smtClean="0"/>
+              <a:t>18</a:t>
+            </a:fld>
+            <a:endParaRPr lang="zh-CN" altLang="en-US"/>
+          </a:p>
+        </p:txBody>
+      </p:sp>
+    </p:spTree>
+    <p:extLst>
+      <p:ext uri="{BB962C8B-B14F-4D97-AF65-F5344CB8AC3E}">
+        <p14:creationId xmlns:p14="http://schemas.microsoft.com/office/powerpoint/2010/main" val="1190649412"/>
+      </p:ext>
+    </p:extLst>
+  </p:cSld>
+  <p:clrMapOvr>
+    <a:masterClrMapping/>
+  </p:clrMapOvr>
+</p:notes>
+</file>
+
+<file path=ppt/notesSlides/notesSlide18.xml><?xml version="1.0" encoding="utf-8"?>
+<p:notes xmlns:a="http://schemas.openxmlformats.org/drawingml/2006/main" xmlns:r="http://schemas.openxmlformats.org/officeDocument/2006/relationships" xmlns:p="http://schemas.openxmlformats.org/presentationml/2006/main">
+  <p:cSld>
+    <p:spTree>
+      <p:nvGrpSpPr>
+        <p:cNvPr id="1" name=""/>
+        <p:cNvGrpSpPr/>
+        <p:nvPr/>
+      </p:nvGrpSpPr>
+      <p:grpSpPr>
+        <a:xfrm>
+          <a:off x="0" y="0"/>
+          <a:ext cx="0" cy="0"/>
+          <a:chOff x="0" y="0"/>
+          <a:chExt cx="0" cy="0"/>
+        </a:xfrm>
+      </p:grpSpPr>
+      <p:sp>
+        <p:nvSpPr>
+          <p:cNvPr id="2" name="幻灯片图像占位符 1"/>
+          <p:cNvSpPr>
+            <a:spLocks noGrp="1" noRot="1" noChangeAspect="1"/>
+          </p:cNvSpPr>
+          <p:nvPr>
+            <p:ph type="sldImg"/>
+          </p:nvPr>
+        </p:nvSpPr>
+        <p:spPr/>
+      </p:sp>
+      <p:sp>
+        <p:nvSpPr>
+          <p:cNvPr id="3" name="备注占位符 2"/>
+          <p:cNvSpPr>
+            <a:spLocks noGrp="1"/>
+          </p:cNvSpPr>
+          <p:nvPr>
+            <p:ph type="body" idx="1"/>
+          </p:nvPr>
+        </p:nvSpPr>
+        <p:spPr/>
+        <p:txBody>
+          <a:bodyPr/>
+          <a:lstStyle/>
+          <a:p>
+            <a:endParaRPr lang="zh-CN" altLang="en-US"/>
+          </a:p>
+        </p:txBody>
+      </p:sp>
+      <p:sp>
+        <p:nvSpPr>
+          <p:cNvPr id="4" name="灯片编号占位符 3"/>
+          <p:cNvSpPr>
+            <a:spLocks noGrp="1"/>
+          </p:cNvSpPr>
+          <p:nvPr>
+            <p:ph type="sldNum" sz="quarter" idx="10"/>
+          </p:nvPr>
+        </p:nvSpPr>
+        <p:spPr/>
+        <p:txBody>
+          <a:bodyPr/>
+          <a:lstStyle/>
+          <a:p>
+            <a:fld id="{8B8BE235-F15E-488C-BF5A-F80F5EF86DE2}" type="slidenum">
+              <a:rPr lang="zh-CN" altLang="en-US" smtClean="0"/>
+              <a:t>19</a:t>
+            </a:fld>
+            <a:endParaRPr lang="zh-CN" altLang="en-US"/>
+          </a:p>
+        </p:txBody>
+      </p:sp>
+    </p:spTree>
+    <p:extLst>
+      <p:ext uri="{BB962C8B-B14F-4D97-AF65-F5344CB8AC3E}">
+        <p14:creationId xmlns:p14="http://schemas.microsoft.com/office/powerpoint/2010/main" val="2385263199"/>
+      </p:ext>
+    </p:extLst>
+  </p:cSld>
+  <p:clrMapOvr>
+    <a:masterClrMapping/>
+  </p:clrMapOvr>
+</p:notes>
+</file>
+
+<file path=ppt/notesSlides/notesSlide19.xml><?xml version="1.0" encoding="utf-8"?>
+<p:notes xmlns:a="http://schemas.openxmlformats.org/drawingml/2006/main" xmlns:r="http://schemas.openxmlformats.org/officeDocument/2006/relationships" xmlns:p="http://schemas.openxmlformats.org/presentationml/2006/main">
+  <p:cSld>
+    <p:spTree>
+      <p:nvGrpSpPr>
+        <p:cNvPr id="1" name=""/>
+        <p:cNvGrpSpPr/>
+        <p:nvPr/>
+      </p:nvGrpSpPr>
+      <p:grpSpPr>
+        <a:xfrm>
+          <a:off x="0" y="0"/>
+          <a:ext cx="0" cy="0"/>
+          <a:chOff x="0" y="0"/>
+          <a:chExt cx="0" cy="0"/>
+        </a:xfrm>
+      </p:grpSpPr>
+      <p:sp>
+        <p:nvSpPr>
+          <p:cNvPr id="2" name="幻灯片图像占位符 1"/>
+          <p:cNvSpPr>
+            <a:spLocks noGrp="1" noRot="1" noChangeAspect="1"/>
+          </p:cNvSpPr>
+          <p:nvPr>
+            <p:ph type="sldImg"/>
+          </p:nvPr>
+        </p:nvSpPr>
+        <p:spPr/>
+      </p:sp>
+      <p:sp>
+        <p:nvSpPr>
+          <p:cNvPr id="3" name="备注占位符 2"/>
+          <p:cNvSpPr>
+            <a:spLocks noGrp="1"/>
+          </p:cNvSpPr>
+          <p:nvPr>
+            <p:ph type="body" idx="1"/>
+          </p:nvPr>
+        </p:nvSpPr>
+        <p:spPr/>
+        <p:txBody>
+          <a:bodyPr/>
+          <a:lstStyle/>
+          <a:p>
+            <a:endParaRPr lang="zh-CN" altLang="en-US"/>
+          </a:p>
+        </p:txBody>
+      </p:sp>
+      <p:sp>
+        <p:nvSpPr>
+          <p:cNvPr id="4" name="灯片编号占位符 3"/>
+          <p:cNvSpPr>
+            <a:spLocks noGrp="1"/>
+          </p:cNvSpPr>
+          <p:nvPr>
+            <p:ph type="sldNum" sz="quarter" idx="10"/>
+          </p:nvPr>
+        </p:nvSpPr>
+        <p:spPr/>
+        <p:txBody>
+          <a:bodyPr/>
+          <a:lstStyle/>
+          <a:p>
+            <a:fld id="{8B8BE235-F15E-488C-BF5A-F80F5EF86DE2}" type="slidenum">
+              <a:rPr lang="zh-CN" altLang="en-US" smtClean="0"/>
+              <a:t>20</a:t>
+            </a:fld>
+            <a:endParaRPr lang="zh-CN" altLang="en-US"/>
+          </a:p>
+        </p:txBody>
+      </p:sp>
+    </p:spTree>
+    <p:extLst>
+      <p:ext uri="{BB962C8B-B14F-4D97-AF65-F5344CB8AC3E}">
+        <p14:creationId xmlns:p14="http://schemas.microsoft.com/office/powerpoint/2010/main" val="3179654728"/>
+      </p:ext>
+    </p:extLst>
+  </p:cSld>
+  <p:clrMapOvr>
+    <a:masterClrMapping/>
+  </p:clrMapOvr>
+</p:notes>
+</file>
+
+<file path=ppt/notesSlides/notesSlide2.xml><?xml version="1.0" encoding="utf-8"?>
+<p:notes xmlns:a="http://schemas.openxmlformats.org/drawingml/2006/main" xmlns:r="http://schemas.openxmlformats.org/officeDocument/2006/relationships" xmlns:p="http://schemas.openxmlformats.org/presentationml/2006/main">
+  <p:cSld>
+    <p:spTree>
+      <p:nvGrpSpPr>
+        <p:cNvPr id="1" name=""/>
+        <p:cNvGrpSpPr/>
+        <p:nvPr/>
+      </p:nvGrpSpPr>
+      <p:grpSpPr>
+        <a:xfrm>
+          <a:off x="0" y="0"/>
+          <a:ext cx="0" cy="0"/>
+          <a:chOff x="0" y="0"/>
+          <a:chExt cx="0" cy="0"/>
+        </a:xfrm>
+      </p:grpSpPr>
+      <p:sp>
+        <p:nvSpPr>
+          <p:cNvPr id="2" name="幻灯片图像占位符 1"/>
+          <p:cNvSpPr>
+            <a:spLocks noGrp="1" noRot="1" noChangeAspect="1"/>
+          </p:cNvSpPr>
+          <p:nvPr>
+            <p:ph type="sldImg"/>
+          </p:nvPr>
+        </p:nvSpPr>
+        <p:spPr/>
+      </p:sp>
+      <p:sp>
+        <p:nvSpPr>
+          <p:cNvPr id="3" name="备注占位符 2"/>
+          <p:cNvSpPr>
+            <a:spLocks noGrp="1"/>
+          </p:cNvSpPr>
+          <p:nvPr>
+            <p:ph type="body" idx="1"/>
+          </p:nvPr>
+        </p:nvSpPr>
+        <p:spPr/>
+        <p:txBody>
+          <a:bodyPr/>
+          <a:lstStyle/>
+          <a:p>
+            <a:endParaRPr lang="zh-CN" altLang="en-US"/>
+          </a:p>
+        </p:txBody>
+      </p:sp>
+      <p:sp>
+        <p:nvSpPr>
+          <p:cNvPr id="4" name="灯片编号占位符 3"/>
+          <p:cNvSpPr>
+            <a:spLocks noGrp="1"/>
+          </p:cNvSpPr>
+          <p:nvPr>
+            <p:ph type="sldNum" sz="quarter" idx="10"/>
+          </p:nvPr>
+        </p:nvSpPr>
+        <p:spPr/>
+        <p:txBody>
+          <a:bodyPr/>
+          <a:lstStyle/>
+          <a:p>
+            <a:fld id="{8B8BE235-F15E-488C-BF5A-F80F5EF86DE2}" type="slidenum">
+              <a:rPr lang="zh-CN" altLang="en-US" smtClean="0"/>
+              <a:t>3</a:t>
+            </a:fld>
+            <a:endParaRPr lang="zh-CN" altLang="en-US"/>
+          </a:p>
+        </p:txBody>
+      </p:sp>
+    </p:spTree>
+    <p:extLst>
+      <p:ext uri="{BB962C8B-B14F-4D97-AF65-F5344CB8AC3E}">
+        <p14:creationId xmlns:p14="http://schemas.microsoft.com/office/powerpoint/2010/main" val="3156023362"/>
+      </p:ext>
+    </p:extLst>
+  </p:cSld>
+  <p:clrMapOvr>
+    <a:masterClrMapping/>
+  </p:clrMapOvr>
+</p:notes>
+</file>
+
+<file path=ppt/notesSlides/notesSlide20.xml><?xml version="1.0" encoding="utf-8"?>
+<p:notes xmlns:a="http://schemas.openxmlformats.org/drawingml/2006/main" xmlns:r="http://schemas.openxmlformats.org/officeDocument/2006/relationships" xmlns:p="http://schemas.openxmlformats.org/presentationml/2006/main">
+  <p:cSld>
+    <p:spTree>
+      <p:nvGrpSpPr>
+        <p:cNvPr id="1" name=""/>
+        <p:cNvGrpSpPr/>
+        <p:nvPr/>
+      </p:nvGrpSpPr>
+      <p:grpSpPr>
+        <a:xfrm>
+          <a:off x="0" y="0"/>
+          <a:ext cx="0" cy="0"/>
+          <a:chOff x="0" y="0"/>
+          <a:chExt cx="0" cy="0"/>
+        </a:xfrm>
+      </p:grpSpPr>
+      <p:sp>
+        <p:nvSpPr>
+          <p:cNvPr id="2" name="幻灯片图像占位符 1"/>
+          <p:cNvSpPr>
+            <a:spLocks noGrp="1" noRot="1" noChangeAspect="1"/>
+          </p:cNvSpPr>
+          <p:nvPr>
+            <p:ph type="sldImg"/>
+          </p:nvPr>
+        </p:nvSpPr>
+        <p:spPr/>
+      </p:sp>
+      <p:sp>
+        <p:nvSpPr>
+          <p:cNvPr id="3" name="备注占位符 2"/>
+          <p:cNvSpPr>
+            <a:spLocks noGrp="1"/>
+          </p:cNvSpPr>
+          <p:nvPr>
+            <p:ph type="body" idx="1"/>
+          </p:nvPr>
+        </p:nvSpPr>
+        <p:spPr/>
+        <p:txBody>
+          <a:bodyPr/>
+          <a:lstStyle/>
+          <a:p>
+            <a:endParaRPr lang="zh-CN" altLang="en-US"/>
+          </a:p>
+        </p:txBody>
+      </p:sp>
+      <p:sp>
+        <p:nvSpPr>
+          <p:cNvPr id="4" name="灯片编号占位符 3"/>
+          <p:cNvSpPr>
+            <a:spLocks noGrp="1"/>
+          </p:cNvSpPr>
+          <p:nvPr>
+            <p:ph type="sldNum" sz="quarter" idx="10"/>
+          </p:nvPr>
+        </p:nvSpPr>
+        <p:spPr/>
+        <p:txBody>
+          <a:bodyPr/>
+          <a:lstStyle/>
+          <a:p>
+            <a:fld id="{8B8BE235-F15E-488C-BF5A-F80F5EF86DE2}" type="slidenum">
+              <a:rPr lang="zh-CN" altLang="en-US" smtClean="0"/>
+              <a:t>21</a:t>
+            </a:fld>
+            <a:endParaRPr lang="zh-CN" altLang="en-US"/>
+          </a:p>
+        </p:txBody>
+      </p:sp>
+    </p:spTree>
+    <p:extLst>
+      <p:ext uri="{BB962C8B-B14F-4D97-AF65-F5344CB8AC3E}">
+        <p14:creationId xmlns:p14="http://schemas.microsoft.com/office/powerpoint/2010/main" val="1836330398"/>
+      </p:ext>
+    </p:extLst>
+  </p:cSld>
+  <p:clrMapOvr>
+    <a:masterClrMapping/>
+  </p:clrMapOvr>
+</p:notes>
+</file>
+
+<file path=ppt/notesSlides/notesSlide21.xml><?xml version="1.0" encoding="utf-8"?>
+<p:notes xmlns:a="http://schemas.openxmlformats.org/drawingml/2006/main" xmlns:r="http://schemas.openxmlformats.org/officeDocument/2006/relationships" xmlns:p="http://schemas.openxmlformats.org/presentationml/2006/main">
+  <p:cSld>
+    <p:spTree>
+      <p:nvGrpSpPr>
+        <p:cNvPr id="1" name=""/>
+        <p:cNvGrpSpPr/>
+        <p:nvPr/>
+      </p:nvGrpSpPr>
+      <p:grpSpPr>
+        <a:xfrm>
+          <a:off x="0" y="0"/>
+          <a:ext cx="0" cy="0"/>
+          <a:chOff x="0" y="0"/>
+          <a:chExt cx="0" cy="0"/>
+        </a:xfrm>
+      </p:grpSpPr>
+      <p:sp>
+        <p:nvSpPr>
+          <p:cNvPr id="2" name="幻灯片图像占位符 1"/>
+          <p:cNvSpPr>
+            <a:spLocks noGrp="1" noRot="1" noChangeAspect="1"/>
+          </p:cNvSpPr>
+          <p:nvPr>
+            <p:ph type="sldImg"/>
+          </p:nvPr>
+        </p:nvSpPr>
+        <p:spPr/>
+      </p:sp>
+      <p:sp>
+        <p:nvSpPr>
+          <p:cNvPr id="3" name="备注占位符 2"/>
+          <p:cNvSpPr>
+            <a:spLocks noGrp="1"/>
+          </p:cNvSpPr>
+          <p:nvPr>
+            <p:ph type="body" idx="1"/>
+          </p:nvPr>
+        </p:nvSpPr>
+        <p:spPr/>
+        <p:txBody>
+          <a:bodyPr/>
+          <a:lstStyle/>
+          <a:p>
+            <a:endParaRPr lang="zh-CN" altLang="en-US"/>
+          </a:p>
+        </p:txBody>
+      </p:sp>
+      <p:sp>
+        <p:nvSpPr>
+          <p:cNvPr id="4" name="灯片编号占位符 3"/>
+          <p:cNvSpPr>
+            <a:spLocks noGrp="1"/>
+          </p:cNvSpPr>
+          <p:nvPr>
+            <p:ph type="sldNum" sz="quarter" idx="10"/>
+          </p:nvPr>
+        </p:nvSpPr>
+        <p:spPr/>
+        <p:txBody>
+          <a:bodyPr/>
+          <a:lstStyle/>
+          <a:p>
+            <a:fld id="{8B8BE235-F15E-488C-BF5A-F80F5EF86DE2}" type="slidenum">
+              <a:rPr lang="zh-CN" altLang="en-US" smtClean="0"/>
+              <a:t>22</a:t>
             </a:fld>
             <a:endParaRPr lang="zh-CN" altLang="en-US"/>
           </a:p>
@@ -916,7 +1681,7 @@
 </p:notes>
 </file>
 
-<file path=ppt/notesSlides/notesSlide14.xml><?xml version="1.0" encoding="utf-8"?>
+<file path=ppt/notesSlides/notesSlide22.xml><?xml version="1.0" encoding="utf-8"?>
 <p:notes xmlns:a="http://schemas.openxmlformats.org/drawingml/2006/main" xmlns:r="http://schemas.openxmlformats.org/officeDocument/2006/relationships" xmlns:p="http://schemas.openxmlformats.org/presentationml/2006/main">
   <p:cSld>
     <p:spTree>
@@ -1153,7 +1918,7 @@
               <a:rPr lang="zh-CN" altLang="en-US" smtClean="0">
                 <a:latin typeface="Calibri" pitchFamily="34" charset="0"/>
               </a:rPr>
-              <a:t>14</a:t>
+              <a:t>23</a:t>
             </a:fld>
             <a:endParaRPr lang="zh-CN" altLang="en-US">
               <a:latin typeface="Calibri" pitchFamily="34" charset="0"/>
@@ -1174,7 +1939,7 @@
 </p:notes>
 </file>
 
-<file path=ppt/notesSlides/notesSlide15.xml><?xml version="1.0" encoding="utf-8"?>
+<file path=ppt/notesSlides/notesSlide23.xml><?xml version="1.0" encoding="utf-8"?>
 <p:notes xmlns:a="http://schemas.openxmlformats.org/drawingml/2006/main" xmlns:r="http://schemas.openxmlformats.org/officeDocument/2006/relationships" xmlns:p="http://schemas.openxmlformats.org/presentationml/2006/main">
   <p:cSld>
     <p:spTree>
@@ -1411,7 +2176,7 @@
               <a:rPr lang="zh-CN" altLang="en-US" smtClean="0">
                 <a:latin typeface="Calibri" pitchFamily="34" charset="0"/>
               </a:rPr>
-              <a:t>15</a:t>
+              <a:t>24</a:t>
             </a:fld>
             <a:endParaRPr lang="zh-CN" altLang="en-US">
               <a:latin typeface="Calibri" pitchFamily="34" charset="0"/>
@@ -1432,7 +2197,7 @@
 </p:notes>
 </file>
 
-<file path=ppt/notesSlides/notesSlide16.xml><?xml version="1.0" encoding="utf-8"?>
+<file path=ppt/notesSlides/notesSlide24.xml><?xml version="1.0" encoding="utf-8"?>
 <p:notes xmlns:a="http://schemas.openxmlformats.org/drawingml/2006/main" xmlns:r="http://schemas.openxmlformats.org/officeDocument/2006/relationships" xmlns:p="http://schemas.openxmlformats.org/presentationml/2006/main">
   <p:cSld>
     <p:spTree>
@@ -1497,7 +2262,7 @@
           <a:p>
             <a:fld id="{8B8BE235-F15E-488C-BF5A-F80F5EF86DE2}" type="slidenum">
               <a:rPr lang="zh-CN" altLang="en-US" smtClean="0"/>
-              <a:t>16</a:t>
+              <a:t>25</a:t>
             </a:fld>
             <a:endParaRPr lang="zh-CN" altLang="en-US"/>
           </a:p>
@@ -1516,7 +2281,7 @@
 </p:notes>
 </file>
 
-<file path=ppt/notesSlides/notesSlide17.xml><?xml version="1.0" encoding="utf-8"?>
+<file path=ppt/notesSlides/notesSlide25.xml><?xml version="1.0" encoding="utf-8"?>
 <p:notes xmlns:a="http://schemas.openxmlformats.org/drawingml/2006/main" xmlns:r="http://schemas.openxmlformats.org/officeDocument/2006/relationships" xmlns:p="http://schemas.openxmlformats.org/presentationml/2006/main">
   <p:cSld>
     <p:spTree>
@@ -1581,7 +2346,7 @@
           <a:p>
             <a:fld id="{8B8BE235-F15E-488C-BF5A-F80F5EF86DE2}" type="slidenum">
               <a:rPr lang="zh-CN" altLang="en-US" smtClean="0"/>
-              <a:t>17</a:t>
+              <a:t>26</a:t>
             </a:fld>
             <a:endParaRPr lang="zh-CN" altLang="en-US"/>
           </a:p>
@@ -1600,7 +2365,7 @@
 </p:notes>
 </file>
 
-<file path=ppt/notesSlides/notesSlide18.xml><?xml version="1.0" encoding="utf-8"?>
+<file path=ppt/notesSlides/notesSlide26.xml><?xml version="1.0" encoding="utf-8"?>
 <p:notes xmlns:a="http://schemas.openxmlformats.org/drawingml/2006/main" xmlns:r="http://schemas.openxmlformats.org/officeDocument/2006/relationships" xmlns:p="http://schemas.openxmlformats.org/presentationml/2006/main" showMasterSp="0">
   <p:cSld>
     <p:bg bwMode="auto">
@@ -1834,7 +2599,7 @@
                 <a:latin typeface="Calibri" pitchFamily="34" charset="0"/>
                 <a:ea typeface="宋体" pitchFamily="2" charset="-122"/>
               </a:rPr>
-              <a:t>18</a:t>
+              <a:t>27</a:t>
             </a:fld>
             <a:endParaRPr lang="zh-CN" altLang="en-US" sz="1200">
               <a:latin typeface="Calibri" pitchFamily="34" charset="0"/>
@@ -1856,7 +2621,7 @@
 </p:notes>
 </file>
 
-<file path=ppt/notesSlides/notesSlide19.xml><?xml version="1.0" encoding="utf-8"?>
+<file path=ppt/notesSlides/notesSlide27.xml><?xml version="1.0" encoding="utf-8"?>
 <p:notes xmlns:a="http://schemas.openxmlformats.org/drawingml/2006/main" xmlns:r="http://schemas.openxmlformats.org/officeDocument/2006/relationships" xmlns:p="http://schemas.openxmlformats.org/presentationml/2006/main" showMasterSp="0">
   <p:cSld>
     <p:bg bwMode="auto">
@@ -2090,7 +2855,7 @@
                 <a:latin typeface="Calibri" pitchFamily="34" charset="0"/>
                 <a:ea typeface="宋体" pitchFamily="2" charset="-122"/>
               </a:rPr>
-              <a:t>19</a:t>
+              <a:t>28</a:t>
             </a:fld>
             <a:endParaRPr lang="zh-CN" altLang="en-US" sz="1200">
               <a:latin typeface="Calibri" pitchFamily="34" charset="0"/>
@@ -2112,91 +2877,7 @@
 </p:notes>
 </file>
 
-<file path=ppt/notesSlides/notesSlide2.xml><?xml version="1.0" encoding="utf-8"?>
-<p:notes xmlns:a="http://schemas.openxmlformats.org/drawingml/2006/main" xmlns:r="http://schemas.openxmlformats.org/officeDocument/2006/relationships" xmlns:p="http://schemas.openxmlformats.org/presentationml/2006/main">
-  <p:cSld>
-    <p:spTree>
-      <p:nvGrpSpPr>
-        <p:cNvPr id="1" name=""/>
-        <p:cNvGrpSpPr/>
-        <p:nvPr/>
-      </p:nvGrpSpPr>
-      <p:grpSpPr>
-        <a:xfrm>
-          <a:off x="0" y="0"/>
-          <a:ext cx="0" cy="0"/>
-          <a:chOff x="0" y="0"/>
-          <a:chExt cx="0" cy="0"/>
-        </a:xfrm>
-      </p:grpSpPr>
-      <p:sp>
-        <p:nvSpPr>
-          <p:cNvPr id="2" name="幻灯片图像占位符 1"/>
-          <p:cNvSpPr>
-            <a:spLocks noGrp="1" noRot="1" noChangeAspect="1"/>
-          </p:cNvSpPr>
-          <p:nvPr>
-            <p:ph type="sldImg"/>
-          </p:nvPr>
-        </p:nvSpPr>
-        <p:spPr/>
-      </p:sp>
-      <p:sp>
-        <p:nvSpPr>
-          <p:cNvPr id="3" name="备注占位符 2"/>
-          <p:cNvSpPr>
-            <a:spLocks noGrp="1"/>
-          </p:cNvSpPr>
-          <p:nvPr>
-            <p:ph type="body" idx="1"/>
-          </p:nvPr>
-        </p:nvSpPr>
-        <p:spPr/>
-        <p:txBody>
-          <a:bodyPr/>
-          <a:lstStyle/>
-          <a:p>
-            <a:endParaRPr lang="zh-CN" altLang="en-US"/>
-          </a:p>
-        </p:txBody>
-      </p:sp>
-      <p:sp>
-        <p:nvSpPr>
-          <p:cNvPr id="4" name="灯片编号占位符 3"/>
-          <p:cNvSpPr>
-            <a:spLocks noGrp="1"/>
-          </p:cNvSpPr>
-          <p:nvPr>
-            <p:ph type="sldNum" sz="quarter" idx="10"/>
-          </p:nvPr>
-        </p:nvSpPr>
-        <p:spPr/>
-        <p:txBody>
-          <a:bodyPr/>
-          <a:lstStyle/>
-          <a:p>
-            <a:fld id="{8B8BE235-F15E-488C-BF5A-F80F5EF86DE2}" type="slidenum">
-              <a:rPr lang="zh-CN" altLang="en-US" smtClean="0"/>
-              <a:t>2</a:t>
-            </a:fld>
-            <a:endParaRPr lang="zh-CN" altLang="en-US"/>
-          </a:p>
-        </p:txBody>
-      </p:sp>
-    </p:spTree>
-    <p:extLst>
-      <p:ext uri="{BB962C8B-B14F-4D97-AF65-F5344CB8AC3E}">
-        <p14:creationId xmlns:p14="http://schemas.microsoft.com/office/powerpoint/2010/main" val="3156023362"/>
-      </p:ext>
-    </p:extLst>
-  </p:cSld>
-  <p:clrMapOvr>
-    <a:masterClrMapping/>
-  </p:clrMapOvr>
-</p:notes>
-</file>
-
-<file path=ppt/notesSlides/notesSlide20.xml><?xml version="1.0" encoding="utf-8"?>
+<file path=ppt/notesSlides/notesSlide28.xml><?xml version="1.0" encoding="utf-8"?>
 <p:notes xmlns:a="http://schemas.openxmlformats.org/drawingml/2006/main" xmlns:r="http://schemas.openxmlformats.org/officeDocument/2006/relationships" xmlns:p="http://schemas.openxmlformats.org/presentationml/2006/main">
   <p:cSld>
     <p:spTree>
@@ -2442,7 +3123,7 @@
                 <a:latin typeface="Calibri" pitchFamily="34" charset="0"/>
                 <a:ea typeface="宋体" pitchFamily="2" charset="-122"/>
               </a:rPr>
-              <a:t>20</a:t>
+              <a:t>29</a:t>
             </a:fld>
             <a:endParaRPr lang="zh-CN" altLang="en-US">
               <a:latin typeface="Calibri" pitchFamily="34" charset="0"/>
@@ -2529,7 +3210,7 @@
           <a:p>
             <a:fld id="{8B8BE235-F15E-488C-BF5A-F80F5EF86DE2}" type="slidenum">
               <a:rPr lang="zh-CN" altLang="en-US" smtClean="0"/>
-              <a:t>3</a:t>
+              <a:t>4</a:t>
             </a:fld>
             <a:endParaRPr lang="zh-CN" altLang="en-US"/>
           </a:p>
@@ -2538,7 +3219,7 @@
     </p:spTree>
     <p:extLst>
       <p:ext uri="{BB962C8B-B14F-4D97-AF65-F5344CB8AC3E}">
-        <p14:creationId xmlns:p14="http://schemas.microsoft.com/office/powerpoint/2010/main" val="560135155"/>
+        <p14:creationId xmlns:p14="http://schemas.microsoft.com/office/powerpoint/2010/main" val="2547238570"/>
       </p:ext>
     </p:extLst>
   </p:cSld>
@@ -2613,7 +3294,7 @@
           <a:p>
             <a:fld id="{8B8BE235-F15E-488C-BF5A-F80F5EF86DE2}" type="slidenum">
               <a:rPr lang="zh-CN" altLang="en-US" smtClean="0"/>
-              <a:t>4</a:t>
+              <a:t>5</a:t>
             </a:fld>
             <a:endParaRPr lang="zh-CN" altLang="en-US"/>
           </a:p>
@@ -2622,7 +3303,7 @@
     </p:spTree>
     <p:extLst>
       <p:ext uri="{BB962C8B-B14F-4D97-AF65-F5344CB8AC3E}">
-        <p14:creationId xmlns:p14="http://schemas.microsoft.com/office/powerpoint/2010/main" val="1210160944"/>
+        <p14:creationId xmlns:p14="http://schemas.microsoft.com/office/powerpoint/2010/main" val="3630487891"/>
       </p:ext>
     </p:extLst>
   </p:cSld>
@@ -2697,7 +3378,7 @@
           <a:p>
             <a:fld id="{8B8BE235-F15E-488C-BF5A-F80F5EF86DE2}" type="slidenum">
               <a:rPr lang="zh-CN" altLang="en-US" smtClean="0"/>
-              <a:t>5</a:t>
+              <a:t>6</a:t>
             </a:fld>
             <a:endParaRPr lang="zh-CN" altLang="en-US"/>
           </a:p>
@@ -2706,7 +3387,7 @@
     </p:spTree>
     <p:extLst>
       <p:ext uri="{BB962C8B-B14F-4D97-AF65-F5344CB8AC3E}">
-        <p14:creationId xmlns:p14="http://schemas.microsoft.com/office/powerpoint/2010/main" val="4249103444"/>
+        <p14:creationId xmlns:p14="http://schemas.microsoft.com/office/powerpoint/2010/main" val="3716395061"/>
       </p:ext>
     </p:extLst>
   </p:cSld>
@@ -2781,7 +3462,7 @@
           <a:p>
             <a:fld id="{8B8BE235-F15E-488C-BF5A-F80F5EF86DE2}" type="slidenum">
               <a:rPr lang="zh-CN" altLang="en-US" smtClean="0"/>
-              <a:t>6</a:t>
+              <a:t>7</a:t>
             </a:fld>
             <a:endParaRPr lang="zh-CN" altLang="en-US"/>
           </a:p>
@@ -2790,7 +3471,7 @@
     </p:spTree>
     <p:extLst>
       <p:ext uri="{BB962C8B-B14F-4D97-AF65-F5344CB8AC3E}">
-        <p14:creationId xmlns:p14="http://schemas.microsoft.com/office/powerpoint/2010/main" val="3468536495"/>
+        <p14:creationId xmlns:p14="http://schemas.microsoft.com/office/powerpoint/2010/main" val="1632200500"/>
       </p:ext>
     </p:extLst>
   </p:cSld>
@@ -2865,7 +3546,7 @@
           <a:p>
             <a:fld id="{8B8BE235-F15E-488C-BF5A-F80F5EF86DE2}" type="slidenum">
               <a:rPr lang="zh-CN" altLang="en-US" smtClean="0"/>
-              <a:t>7</a:t>
+              <a:t>8</a:t>
             </a:fld>
             <a:endParaRPr lang="zh-CN" altLang="en-US"/>
           </a:p>
@@ -2874,7 +3555,7 @@
     </p:spTree>
     <p:extLst>
       <p:ext uri="{BB962C8B-B14F-4D97-AF65-F5344CB8AC3E}">
-        <p14:creationId xmlns:p14="http://schemas.microsoft.com/office/powerpoint/2010/main" val="2526841430"/>
+        <p14:creationId xmlns:p14="http://schemas.microsoft.com/office/powerpoint/2010/main" val="560135155"/>
       </p:ext>
     </p:extLst>
   </p:cSld>
@@ -2947,9 +3628,9 @@
           <a:bodyPr/>
           <a:lstStyle/>
           <a:p>
-            <a:fld id="{64E73910-F208-4636-A090-B1B04B1D62DC}" type="slidenum">
+            <a:fld id="{8B8BE235-F15E-488C-BF5A-F80F5EF86DE2}" type="slidenum">
               <a:rPr lang="zh-CN" altLang="en-US" smtClean="0"/>
-              <a:t>8</a:t>
+              <a:t>9</a:t>
             </a:fld>
             <a:endParaRPr lang="zh-CN" altLang="en-US"/>
           </a:p>
@@ -2958,7 +3639,7 @@
     </p:spTree>
     <p:extLst>
       <p:ext uri="{BB962C8B-B14F-4D97-AF65-F5344CB8AC3E}">
-        <p14:creationId xmlns:p14="http://schemas.microsoft.com/office/powerpoint/2010/main" val="613833178"/>
+        <p14:creationId xmlns:p14="http://schemas.microsoft.com/office/powerpoint/2010/main" val="1338441449"/>
       </p:ext>
     </p:extLst>
   </p:cSld>
@@ -3033,7 +3714,7 @@
           <a:p>
             <a:fld id="{8B8BE235-F15E-488C-BF5A-F80F5EF86DE2}" type="slidenum">
               <a:rPr lang="zh-CN" altLang="en-US" smtClean="0"/>
-              <a:t>9</a:t>
+              <a:t>10</a:t>
             </a:fld>
             <a:endParaRPr lang="zh-CN" altLang="en-US"/>
           </a:p>
@@ -3042,7 +3723,7 @@
     </p:spTree>
     <p:extLst>
       <p:ext uri="{BB962C8B-B14F-4D97-AF65-F5344CB8AC3E}">
-        <p14:creationId xmlns:p14="http://schemas.microsoft.com/office/powerpoint/2010/main" val="1190649412"/>
+        <p14:creationId xmlns:p14="http://schemas.microsoft.com/office/powerpoint/2010/main" val="3219442945"/>
       </p:ext>
     </p:extLst>
   </p:cSld>
@@ -11885,6 +12566,1782 @@
           <a:chExt cx="0" cy="0"/>
         </a:xfrm>
       </p:grpSpPr>
+      <p:sp>
+        <p:nvSpPr>
+          <p:cNvPr id="7" name="文本框 6"/>
+          <p:cNvSpPr txBox="1"/>
+          <p:nvPr>
+            <p:custDataLst>
+              <p:tags r:id="rId2"/>
+            </p:custDataLst>
+          </p:nvPr>
+        </p:nvSpPr>
+        <p:spPr>
+          <a:xfrm>
+            <a:off x="833967" y="605895"/>
+            <a:ext cx="10515599" cy="717022"/>
+          </a:xfrm>
+          <a:prstGeom prst="rect">
+            <a:avLst/>
+          </a:prstGeom>
+        </p:spPr>
+        <p:txBody>
+          <a:bodyPr vert="horz" lIns="91440" tIns="45720" rIns="91440" bIns="45720" rtlCol="0" anchor="b">
+            <a:normAutofit/>
+          </a:bodyPr>
+          <a:lstStyle>
+            <a:lvl1pPr>
+              <a:lnSpc>
+                <a:spcPct val="90000"/>
+              </a:lnSpc>
+              <a:spcBef>
+                <a:spcPct val="0"/>
+              </a:spcBef>
+              <a:buNone/>
+              <a:defRPr sz="3200" b="1" i="0" baseline="0">
+                <a:solidFill>
+                  <a:schemeClr val="accent1">
+                    <a:lumMod val="75000"/>
+                  </a:schemeClr>
+                </a:solidFill>
+                <a:effectLst/>
+                <a:latin typeface="+mj-lt"/>
+                <a:ea typeface="+mj-ea"/>
+                <a:cs typeface="+mj-cs"/>
+              </a:defRPr>
+            </a:lvl1pPr>
+          </a:lstStyle>
+          <a:p>
+            <a:r>
+              <a:rPr lang="zh-CN" altLang="en-US" dirty="0"/>
+              <a:t>褚橙</a:t>
+            </a:r>
+          </a:p>
+        </p:txBody>
+      </p:sp>
+      <p:sp>
+        <p:nvSpPr>
+          <p:cNvPr id="3" name="矩形 2">
+            <a:extLst>
+              <a:ext uri="{FF2B5EF4-FFF2-40B4-BE49-F238E27FC236}">
+                <a16:creationId xmlns:a16="http://schemas.microsoft.com/office/drawing/2014/main" id="{B79919AF-B917-4910-805F-0D987D7A965C}"/>
+              </a:ext>
+            </a:extLst>
+          </p:cNvPr>
+          <p:cNvSpPr/>
+          <p:nvPr/>
+        </p:nvSpPr>
+        <p:spPr>
+          <a:xfrm>
+            <a:off x="833966" y="1465159"/>
+            <a:ext cx="10515599" cy="923330"/>
+          </a:xfrm>
+          <a:prstGeom prst="rect">
+            <a:avLst/>
+          </a:prstGeom>
+        </p:spPr>
+        <p:txBody>
+          <a:bodyPr wrap="square">
+            <a:spAutoFit/>
+          </a:bodyPr>
+          <a:lstStyle/>
+          <a:p>
+            <a:r>
+              <a:rPr lang="zh-CN" altLang="en-US" dirty="0">
+                <a:solidFill>
+                  <a:srgbClr val="2F2F2F"/>
+                </a:solidFill>
+                <a:latin typeface="-apple-system"/>
+              </a:rPr>
+              <a:t>在淘宝网上，</a:t>
+            </a:r>
+            <a:r>
+              <a:rPr lang="en-US" altLang="zh-CN" dirty="0">
+                <a:solidFill>
+                  <a:srgbClr val="2F2F2F"/>
+                </a:solidFill>
+                <a:latin typeface="-apple-system"/>
+              </a:rPr>
+              <a:t>10</a:t>
+            </a:r>
+            <a:r>
+              <a:rPr lang="zh-CN" altLang="en-US" dirty="0">
+                <a:solidFill>
+                  <a:srgbClr val="2F2F2F"/>
+                </a:solidFill>
+                <a:latin typeface="-apple-system"/>
+              </a:rPr>
+              <a:t>斤装的</a:t>
+            </a:r>
+            <a:r>
+              <a:rPr lang="en-US" altLang="zh-CN" dirty="0">
+                <a:solidFill>
+                  <a:srgbClr val="2F2F2F"/>
+                </a:solidFill>
+                <a:latin typeface="-apple-system"/>
+              </a:rPr>
+              <a:t>17.5°</a:t>
+            </a:r>
+            <a:r>
+              <a:rPr lang="zh-CN" altLang="en-US" dirty="0">
+                <a:solidFill>
+                  <a:srgbClr val="2F2F2F"/>
+                </a:solidFill>
+                <a:latin typeface="-apple-system"/>
+              </a:rPr>
+              <a:t>橙正常售价</a:t>
+            </a:r>
+            <a:r>
+              <a:rPr lang="en-US" altLang="zh-CN" dirty="0">
+                <a:solidFill>
+                  <a:srgbClr val="2F2F2F"/>
+                </a:solidFill>
+                <a:latin typeface="-apple-system"/>
+              </a:rPr>
+              <a:t>258</a:t>
+            </a:r>
+            <a:r>
+              <a:rPr lang="zh-CN" altLang="en-US" dirty="0">
+                <a:solidFill>
+                  <a:srgbClr val="2F2F2F"/>
+                </a:solidFill>
+                <a:latin typeface="-apple-system"/>
+              </a:rPr>
+              <a:t>元，促销价</a:t>
+            </a:r>
+            <a:r>
+              <a:rPr lang="en-US" altLang="zh-CN" dirty="0">
+                <a:solidFill>
+                  <a:srgbClr val="2F2F2F"/>
+                </a:solidFill>
+                <a:latin typeface="-apple-system"/>
+              </a:rPr>
+              <a:t>148</a:t>
+            </a:r>
+            <a:r>
+              <a:rPr lang="zh-CN" altLang="en-US" dirty="0">
+                <a:solidFill>
+                  <a:srgbClr val="2F2F2F"/>
+                </a:solidFill>
+                <a:latin typeface="-apple-system"/>
+              </a:rPr>
+              <a:t>元，折算下来为</a:t>
+            </a:r>
+            <a:r>
+              <a:rPr lang="en-US" altLang="zh-CN" dirty="0">
+                <a:solidFill>
+                  <a:srgbClr val="2F2F2F"/>
+                </a:solidFill>
+                <a:latin typeface="-apple-system"/>
+              </a:rPr>
+              <a:t>14.8</a:t>
+            </a:r>
+            <a:r>
+              <a:rPr lang="zh-CN" altLang="en-US" dirty="0">
+                <a:solidFill>
+                  <a:srgbClr val="2F2F2F"/>
+                </a:solidFill>
+                <a:latin typeface="-apple-system"/>
+              </a:rPr>
+              <a:t>元</a:t>
+            </a:r>
+            <a:r>
+              <a:rPr lang="en-US" altLang="zh-CN" dirty="0">
+                <a:solidFill>
+                  <a:srgbClr val="2F2F2F"/>
+                </a:solidFill>
+                <a:latin typeface="-apple-system"/>
+              </a:rPr>
+              <a:t>/</a:t>
+            </a:r>
+            <a:r>
+              <a:rPr lang="zh-CN" altLang="en-US" dirty="0">
+                <a:solidFill>
+                  <a:srgbClr val="2F2F2F"/>
+                </a:solidFill>
+                <a:latin typeface="-apple-system"/>
+              </a:rPr>
+              <a:t>斤。同期另一个靠情怀的品牌，褚橙促销价为</a:t>
+            </a:r>
+            <a:r>
+              <a:rPr lang="en-US" altLang="zh-CN" dirty="0">
+                <a:solidFill>
+                  <a:srgbClr val="2F2F2F"/>
+                </a:solidFill>
+                <a:latin typeface="-apple-system"/>
+              </a:rPr>
+              <a:t>19.8</a:t>
+            </a:r>
+            <a:r>
+              <a:rPr lang="zh-CN" altLang="en-US" dirty="0">
+                <a:solidFill>
+                  <a:srgbClr val="2F2F2F"/>
+                </a:solidFill>
+                <a:latin typeface="-apple-system"/>
+              </a:rPr>
+              <a:t>元</a:t>
+            </a:r>
+            <a:r>
+              <a:rPr lang="en-US" altLang="zh-CN" dirty="0">
+                <a:solidFill>
+                  <a:srgbClr val="2F2F2F"/>
+                </a:solidFill>
+                <a:latin typeface="-apple-system"/>
+              </a:rPr>
+              <a:t>/</a:t>
+            </a:r>
+            <a:r>
+              <a:rPr lang="zh-CN" altLang="en-US" dirty="0">
+                <a:solidFill>
+                  <a:srgbClr val="2F2F2F"/>
+                </a:solidFill>
+                <a:latin typeface="-apple-system"/>
+              </a:rPr>
+              <a:t>斤，而其它普通赣州脐橙，淘宝普遍价只为</a:t>
+            </a:r>
+            <a:r>
+              <a:rPr lang="en-US" altLang="zh-CN" dirty="0">
+                <a:solidFill>
+                  <a:srgbClr val="2F2F2F"/>
+                </a:solidFill>
+                <a:latin typeface="-apple-system"/>
+              </a:rPr>
+              <a:t>6</a:t>
+            </a:r>
+            <a:r>
+              <a:rPr lang="zh-CN" altLang="en-US" dirty="0">
+                <a:solidFill>
+                  <a:srgbClr val="2F2F2F"/>
+                </a:solidFill>
+                <a:latin typeface="-apple-system"/>
+              </a:rPr>
+              <a:t>元</a:t>
+            </a:r>
+            <a:r>
+              <a:rPr lang="en-US" altLang="zh-CN" dirty="0">
+                <a:solidFill>
+                  <a:srgbClr val="2F2F2F"/>
+                </a:solidFill>
+                <a:latin typeface="-apple-system"/>
+              </a:rPr>
+              <a:t>/</a:t>
+            </a:r>
+            <a:r>
+              <a:rPr lang="zh-CN" altLang="en-US" dirty="0">
+                <a:solidFill>
+                  <a:srgbClr val="2F2F2F"/>
+                </a:solidFill>
+                <a:latin typeface="-apple-system"/>
+              </a:rPr>
+              <a:t>斤左右。</a:t>
+            </a:r>
+          </a:p>
+          <a:p>
+            <a:r>
+              <a:rPr lang="zh-CN" altLang="en-US" dirty="0">
+                <a:solidFill>
+                  <a:srgbClr val="2F2F2F"/>
+                </a:solidFill>
+                <a:latin typeface="-apple-system"/>
+              </a:rPr>
+              <a:t>超高品质带来超高溢价，想确保每个橙子的品质，现代科技和重重筛选必不可少</a:t>
+            </a:r>
+            <a:r>
+              <a:rPr lang="en-US" altLang="zh-CN" dirty="0">
+                <a:solidFill>
+                  <a:srgbClr val="2F2F2F"/>
+                </a:solidFill>
+                <a:latin typeface="-apple-system"/>
+              </a:rPr>
+              <a:t>!</a:t>
+            </a:r>
+            <a:endParaRPr lang="en-US" altLang="zh-CN" b="0" i="0" dirty="0">
+              <a:solidFill>
+                <a:srgbClr val="2F2F2F"/>
+              </a:solidFill>
+              <a:effectLst/>
+              <a:latin typeface="-apple-system"/>
+            </a:endParaRPr>
+          </a:p>
+        </p:txBody>
+      </p:sp>
+    </p:spTree>
+    <p:custDataLst>
+      <p:tags r:id="rId1"/>
+    </p:custDataLst>
+    <p:extLst>
+      <p:ext uri="{BB962C8B-B14F-4D97-AF65-F5344CB8AC3E}">
+        <p14:creationId xmlns:p14="http://schemas.microsoft.com/office/powerpoint/2010/main" val="3596879443"/>
+      </p:ext>
+    </p:extLst>
+  </p:cSld>
+  <p:clrMapOvr>
+    <a:masterClrMapping/>
+  </p:clrMapOvr>
+</p:sld>
+</file>
+
+<file path=ppt/slides/slide11.xml><?xml version="1.0" encoding="utf-8"?>
+<p:sld xmlns:a="http://schemas.openxmlformats.org/drawingml/2006/main" xmlns:r="http://schemas.openxmlformats.org/officeDocument/2006/relationships" xmlns:p="http://schemas.openxmlformats.org/presentationml/2006/main">
+  <p:cSld>
+    <p:spTree>
+      <p:nvGrpSpPr>
+        <p:cNvPr id="1" name=""/>
+        <p:cNvGrpSpPr/>
+        <p:nvPr/>
+      </p:nvGrpSpPr>
+      <p:grpSpPr>
+        <a:xfrm>
+          <a:off x="0" y="0"/>
+          <a:ext cx="0" cy="0"/>
+          <a:chOff x="0" y="0"/>
+          <a:chExt cx="0" cy="0"/>
+        </a:xfrm>
+      </p:grpSpPr>
+      <p:sp>
+        <p:nvSpPr>
+          <p:cNvPr id="7" name="文本框 6"/>
+          <p:cNvSpPr txBox="1"/>
+          <p:nvPr>
+            <p:custDataLst>
+              <p:tags r:id="rId2"/>
+            </p:custDataLst>
+          </p:nvPr>
+        </p:nvSpPr>
+        <p:spPr>
+          <a:xfrm>
+            <a:off x="833967" y="605895"/>
+            <a:ext cx="10515599" cy="717022"/>
+          </a:xfrm>
+          <a:prstGeom prst="rect">
+            <a:avLst/>
+          </a:prstGeom>
+        </p:spPr>
+        <p:txBody>
+          <a:bodyPr vert="horz" lIns="91440" tIns="45720" rIns="91440" bIns="45720" rtlCol="0" anchor="b">
+            <a:normAutofit/>
+          </a:bodyPr>
+          <a:lstStyle>
+            <a:lvl1pPr>
+              <a:lnSpc>
+                <a:spcPct val="90000"/>
+              </a:lnSpc>
+              <a:spcBef>
+                <a:spcPct val="0"/>
+              </a:spcBef>
+              <a:buNone/>
+              <a:defRPr sz="3200" b="1" i="0" baseline="0">
+                <a:solidFill>
+                  <a:schemeClr val="accent1">
+                    <a:lumMod val="75000"/>
+                  </a:schemeClr>
+                </a:solidFill>
+                <a:effectLst/>
+                <a:latin typeface="+mj-lt"/>
+                <a:ea typeface="+mj-ea"/>
+                <a:cs typeface="+mj-cs"/>
+              </a:defRPr>
+            </a:lvl1pPr>
+          </a:lstStyle>
+          <a:p>
+            <a:r>
+              <a:rPr lang="en-US" altLang="zh-CN" dirty="0"/>
+              <a:t>17.5°</a:t>
+            </a:r>
+            <a:r>
+              <a:rPr lang="zh-CN" altLang="en-US" dirty="0"/>
+              <a:t>橙的采摘分拣过程</a:t>
+            </a:r>
+          </a:p>
+        </p:txBody>
+      </p:sp>
+      <p:sp>
+        <p:nvSpPr>
+          <p:cNvPr id="2" name="矩形 1">
+            <a:extLst>
+              <a:ext uri="{FF2B5EF4-FFF2-40B4-BE49-F238E27FC236}">
+                <a16:creationId xmlns:a16="http://schemas.microsoft.com/office/drawing/2014/main" id="{06ACFF7F-A98E-4B39-9CC5-1BF58BAEEDC4}"/>
+              </a:ext>
+            </a:extLst>
+          </p:cNvPr>
+          <p:cNvSpPr/>
+          <p:nvPr/>
+        </p:nvSpPr>
+        <p:spPr>
+          <a:xfrm>
+            <a:off x="842434" y="1674674"/>
+            <a:ext cx="10507132" cy="1754326"/>
+          </a:xfrm>
+          <a:prstGeom prst="rect">
+            <a:avLst/>
+          </a:prstGeom>
+        </p:spPr>
+        <p:txBody>
+          <a:bodyPr wrap="square">
+            <a:spAutoFit/>
+          </a:bodyPr>
+          <a:lstStyle/>
+          <a:p>
+            <a:r>
+              <a:rPr lang="zh-CN" altLang="en-US" dirty="0"/>
+              <a:t>橙子采摘后会在</a:t>
+            </a:r>
+            <a:r>
+              <a:rPr lang="en-US" altLang="zh-CN" dirty="0"/>
+              <a:t>24</a:t>
+            </a:r>
+            <a:r>
+              <a:rPr lang="zh-CN" altLang="en-US" dirty="0"/>
+              <a:t>小时内完成分选，全自动的生产线上，每个橙子都会被拍摄</a:t>
+            </a:r>
+            <a:r>
+              <a:rPr lang="en-US" altLang="zh-CN" dirty="0"/>
+              <a:t>40</a:t>
+            </a:r>
+            <a:r>
+              <a:rPr lang="zh-CN" altLang="en-US" dirty="0"/>
+              <a:t>张照片，精确测算每一个疤点面积，进行自动称重感应系统智能分级，测重归类，再对每个橙子进行无损红外扫描，测定糖酸比。保证每一个橙子在口感、外观和品质上都达到超高品质。</a:t>
+            </a:r>
+          </a:p>
+          <a:p>
+            <a:r>
+              <a:rPr lang="zh-CN" altLang="en-US" dirty="0"/>
+              <a:t>别光看别人的价格，看看人家背后的方法。</a:t>
+            </a:r>
+          </a:p>
+          <a:p>
+            <a:r>
+              <a:rPr lang="zh-CN" altLang="en-US" b="1" dirty="0"/>
+              <a:t>每一颗</a:t>
+            </a:r>
+            <a:r>
+              <a:rPr lang="en-US" altLang="zh-CN" b="1" dirty="0"/>
+              <a:t>17.5°</a:t>
+            </a:r>
+            <a:r>
+              <a:rPr lang="zh-CN" altLang="en-US" b="1" dirty="0"/>
+              <a:t>橙</a:t>
+            </a:r>
+            <a:endParaRPr lang="zh-CN" altLang="en-US" dirty="0"/>
+          </a:p>
+          <a:p>
+            <a:r>
+              <a:rPr lang="zh-CN" altLang="en-US" b="1" dirty="0"/>
+              <a:t>每一个“身份证</a:t>
+            </a:r>
+            <a:r>
+              <a:rPr lang="en-US" b="1" dirty="0"/>
+              <a:t>ID”</a:t>
+            </a:r>
+            <a:r>
+              <a:rPr lang="en-US" dirty="0"/>
+              <a:t> </a:t>
+            </a:r>
+            <a:r>
+              <a:rPr lang="zh-CN" altLang="en-US" dirty="0"/>
+              <a:t>。</a:t>
+            </a:r>
+          </a:p>
+        </p:txBody>
+      </p:sp>
+      <p:sp>
+        <p:nvSpPr>
+          <p:cNvPr id="4" name="矩形 3">
+            <a:extLst>
+              <a:ext uri="{FF2B5EF4-FFF2-40B4-BE49-F238E27FC236}">
+                <a16:creationId xmlns:a16="http://schemas.microsoft.com/office/drawing/2014/main" id="{2F98CC03-1109-4503-912E-3CC239C13BE5}"/>
+              </a:ext>
+            </a:extLst>
+          </p:cNvPr>
+          <p:cNvSpPr/>
+          <p:nvPr/>
+        </p:nvSpPr>
+        <p:spPr>
+          <a:xfrm>
+            <a:off x="842434" y="3547553"/>
+            <a:ext cx="10507132" cy="2585323"/>
+          </a:xfrm>
+          <a:prstGeom prst="rect">
+            <a:avLst/>
+          </a:prstGeom>
+        </p:spPr>
+        <p:txBody>
+          <a:bodyPr wrap="square">
+            <a:spAutoFit/>
+          </a:bodyPr>
+          <a:lstStyle/>
+          <a:p>
+            <a:r>
+              <a:rPr lang="zh-CN" altLang="en-US" dirty="0"/>
+              <a:t>智能化、规模化和标准化是农业现代化的必经之路。</a:t>
+            </a:r>
+          </a:p>
+          <a:p>
+            <a:r>
+              <a:rPr lang="zh-CN" altLang="en-US" dirty="0"/>
+              <a:t>在果树培育上，传统施肥大多依靠经验，缺乏标准性和针对性。</a:t>
+            </a:r>
+          </a:p>
+          <a:p>
+            <a:r>
+              <a:rPr lang="en-US" altLang="zh-CN" b="1" dirty="0"/>
+              <a:t>17.5°</a:t>
+            </a:r>
+            <a:r>
+              <a:rPr lang="zh-CN" altLang="en-US" b="1" dirty="0"/>
+              <a:t>橙采用的现代化土壤与农事管理：</a:t>
+            </a:r>
+            <a:endParaRPr lang="zh-CN" altLang="en-US" dirty="0"/>
+          </a:p>
+          <a:p>
+            <a:r>
+              <a:rPr lang="zh-CN" altLang="en-US" dirty="0"/>
+              <a:t>依托数据管理，通过叶片营养检测和土壤肥力检测的对比诊断，给每一个果园制定针对性的施肥标准，坚持全年全天候基础气候数据的积累，通过大气温湿和土壤温湿度记录仪，记录各果园全年光照、大气温湿、土壤温度等数据。</a:t>
+            </a:r>
+          </a:p>
+          <a:p>
+            <a:r>
+              <a:rPr lang="zh-CN" altLang="en-US" dirty="0"/>
+              <a:t>在采摘前，对每个果园随机取样，每株取两个，分外膛果和内膛果，每个果园取样</a:t>
+            </a:r>
+            <a:r>
+              <a:rPr lang="en-US" altLang="zh-CN" dirty="0"/>
+              <a:t>20</a:t>
+            </a:r>
+            <a:r>
+              <a:rPr lang="zh-CN" altLang="en-US" dirty="0"/>
+              <a:t>个以上，检测后糖酸比符合要求才可采摘。</a:t>
+            </a:r>
+          </a:p>
+          <a:p>
+            <a:r>
+              <a:rPr lang="zh-CN" altLang="en-US" dirty="0"/>
+              <a:t>因此橙子品质一年高过一年。</a:t>
+            </a:r>
+          </a:p>
+        </p:txBody>
+      </p:sp>
+    </p:spTree>
+    <p:custDataLst>
+      <p:tags r:id="rId1"/>
+    </p:custDataLst>
+    <p:extLst>
+      <p:ext uri="{BB962C8B-B14F-4D97-AF65-F5344CB8AC3E}">
+        <p14:creationId xmlns:p14="http://schemas.microsoft.com/office/powerpoint/2010/main" val="1916571407"/>
+      </p:ext>
+    </p:extLst>
+  </p:cSld>
+  <p:clrMapOvr>
+    <a:masterClrMapping/>
+  </p:clrMapOvr>
+</p:sld>
+</file>
+
+<file path=ppt/slides/slide12.xml><?xml version="1.0" encoding="utf-8"?>
+<p:sld xmlns:a="http://schemas.openxmlformats.org/drawingml/2006/main" xmlns:r="http://schemas.openxmlformats.org/officeDocument/2006/relationships" xmlns:p="http://schemas.openxmlformats.org/presentationml/2006/main">
+  <p:cSld>
+    <p:spTree>
+      <p:nvGrpSpPr>
+        <p:cNvPr id="1" name=""/>
+        <p:cNvGrpSpPr/>
+        <p:nvPr/>
+      </p:nvGrpSpPr>
+      <p:grpSpPr>
+        <a:xfrm>
+          <a:off x="0" y="0"/>
+          <a:ext cx="0" cy="0"/>
+          <a:chOff x="0" y="0"/>
+          <a:chExt cx="0" cy="0"/>
+        </a:xfrm>
+      </p:grpSpPr>
+      <p:sp>
+        <p:nvSpPr>
+          <p:cNvPr id="7" name="文本框 6"/>
+          <p:cNvSpPr txBox="1"/>
+          <p:nvPr>
+            <p:custDataLst>
+              <p:tags r:id="rId2"/>
+            </p:custDataLst>
+          </p:nvPr>
+        </p:nvSpPr>
+        <p:spPr>
+          <a:xfrm>
+            <a:off x="833967" y="605895"/>
+            <a:ext cx="10515599" cy="717022"/>
+          </a:xfrm>
+          <a:prstGeom prst="rect">
+            <a:avLst/>
+          </a:prstGeom>
+        </p:spPr>
+        <p:txBody>
+          <a:bodyPr vert="horz" lIns="91440" tIns="45720" rIns="91440" bIns="45720" rtlCol="0" anchor="b">
+            <a:normAutofit/>
+          </a:bodyPr>
+          <a:lstStyle>
+            <a:lvl1pPr>
+              <a:lnSpc>
+                <a:spcPct val="90000"/>
+              </a:lnSpc>
+              <a:spcBef>
+                <a:spcPct val="0"/>
+              </a:spcBef>
+              <a:buNone/>
+              <a:defRPr sz="3200" b="1" i="0" baseline="0">
+                <a:solidFill>
+                  <a:schemeClr val="accent1">
+                    <a:lumMod val="75000"/>
+                  </a:schemeClr>
+                </a:solidFill>
+                <a:effectLst/>
+                <a:latin typeface="+mj-lt"/>
+                <a:ea typeface="+mj-ea"/>
+                <a:cs typeface="+mj-cs"/>
+              </a:defRPr>
+            </a:lvl1pPr>
+          </a:lstStyle>
+          <a:p>
+            <a:r>
+              <a:rPr lang="zh-CN" altLang="en-US" dirty="0"/>
+              <a:t>苹果</a:t>
+            </a:r>
+          </a:p>
+        </p:txBody>
+      </p:sp>
+      <p:pic>
+        <p:nvPicPr>
+          <p:cNvPr id="3" name="图片 2">
+            <a:extLst>
+              <a:ext uri="{FF2B5EF4-FFF2-40B4-BE49-F238E27FC236}">
+                <a16:creationId xmlns:a16="http://schemas.microsoft.com/office/drawing/2014/main" id="{650EFA5A-9713-426F-90CB-BBFAB38E831A}"/>
+              </a:ext>
+            </a:extLst>
+          </p:cNvPr>
+          <p:cNvPicPr>
+            <a:picLocks noChangeAspect="1"/>
+          </p:cNvPicPr>
+          <p:nvPr/>
+        </p:nvPicPr>
+        <p:blipFill>
+          <a:blip r:embed="rId5"/>
+          <a:stretch>
+            <a:fillRect/>
+          </a:stretch>
+        </p:blipFill>
+        <p:spPr>
+          <a:xfrm>
+            <a:off x="842434" y="1322917"/>
+            <a:ext cx="7200000" cy="4666667"/>
+          </a:xfrm>
+          <a:prstGeom prst="rect">
+            <a:avLst/>
+          </a:prstGeom>
+        </p:spPr>
+      </p:pic>
+      <p:sp>
+        <p:nvSpPr>
+          <p:cNvPr id="2" name="矩形 1">
+            <a:extLst>
+              <a:ext uri="{FF2B5EF4-FFF2-40B4-BE49-F238E27FC236}">
+                <a16:creationId xmlns:a16="http://schemas.microsoft.com/office/drawing/2014/main" id="{DA42B255-9847-4733-BCF4-AAF99A03CEF3}"/>
+              </a:ext>
+            </a:extLst>
+          </p:cNvPr>
+          <p:cNvSpPr/>
+          <p:nvPr/>
+        </p:nvSpPr>
+        <p:spPr>
+          <a:xfrm>
+            <a:off x="8748464" y="1322917"/>
+            <a:ext cx="1895071" cy="1938992"/>
+          </a:xfrm>
+          <a:prstGeom prst="rect">
+            <a:avLst/>
+          </a:prstGeom>
+        </p:spPr>
+        <p:txBody>
+          <a:bodyPr wrap="none">
+            <a:spAutoFit/>
+          </a:bodyPr>
+          <a:lstStyle/>
+          <a:p>
+            <a:r>
+              <a:rPr lang="en-US" altLang="zh-CN" sz="2400" dirty="0"/>
+              <a:t>80 – 84 mm</a:t>
+            </a:r>
+          </a:p>
+          <a:p>
+            <a:r>
+              <a:rPr lang="en-US" altLang="zh-CN" sz="2400" dirty="0"/>
+              <a:t>85 – 89 mm</a:t>
+            </a:r>
+            <a:endParaRPr lang="en-US" sz="2400" dirty="0"/>
+          </a:p>
+          <a:p>
+            <a:r>
+              <a:rPr lang="en-US" altLang="zh-CN" sz="2400" dirty="0"/>
+              <a:t>90 – 94 mm</a:t>
+            </a:r>
+            <a:endParaRPr lang="en-US" sz="2400" dirty="0"/>
+          </a:p>
+          <a:p>
+            <a:r>
+              <a:rPr lang="en-US" altLang="zh-CN" sz="2400" dirty="0"/>
+              <a:t>95 – 99 mm</a:t>
+            </a:r>
+            <a:endParaRPr lang="en-US" sz="2400" dirty="0"/>
+          </a:p>
+          <a:p>
+            <a:r>
+              <a:rPr lang="en-US" altLang="zh-CN" sz="2400" dirty="0"/>
+              <a:t>100 mm </a:t>
+            </a:r>
+            <a:r>
+              <a:rPr lang="zh-CN" altLang="en-US" sz="2400" dirty="0"/>
+              <a:t>以上</a:t>
+            </a:r>
+            <a:endParaRPr lang="en-US" altLang="zh-CN" sz="2400" dirty="0"/>
+          </a:p>
+        </p:txBody>
+      </p:sp>
+    </p:spTree>
+    <p:custDataLst>
+      <p:tags r:id="rId1"/>
+    </p:custDataLst>
+    <p:extLst>
+      <p:ext uri="{BB962C8B-B14F-4D97-AF65-F5344CB8AC3E}">
+        <p14:creationId xmlns:p14="http://schemas.microsoft.com/office/powerpoint/2010/main" val="941201978"/>
+      </p:ext>
+    </p:extLst>
+  </p:cSld>
+  <p:clrMapOvr>
+    <a:masterClrMapping/>
+  </p:clrMapOvr>
+</p:sld>
+</file>
+
+<file path=ppt/slides/slide13.xml><?xml version="1.0" encoding="utf-8"?>
+<p:sld xmlns:a="http://schemas.openxmlformats.org/drawingml/2006/main" xmlns:r="http://schemas.openxmlformats.org/officeDocument/2006/relationships" xmlns:p="http://schemas.openxmlformats.org/presentationml/2006/main">
+  <p:cSld>
+    <p:spTree>
+      <p:nvGrpSpPr>
+        <p:cNvPr id="1" name=""/>
+        <p:cNvGrpSpPr/>
+        <p:nvPr/>
+      </p:nvGrpSpPr>
+      <p:grpSpPr>
+        <a:xfrm>
+          <a:off x="0" y="0"/>
+          <a:ext cx="0" cy="0"/>
+          <a:chOff x="0" y="0"/>
+          <a:chExt cx="0" cy="0"/>
+        </a:xfrm>
+      </p:grpSpPr>
+      <p:sp>
+        <p:nvSpPr>
+          <p:cNvPr id="7" name="文本框 6"/>
+          <p:cNvSpPr txBox="1"/>
+          <p:nvPr>
+            <p:custDataLst>
+              <p:tags r:id="rId2"/>
+            </p:custDataLst>
+          </p:nvPr>
+        </p:nvSpPr>
+        <p:spPr>
+          <a:xfrm>
+            <a:off x="833967" y="605895"/>
+            <a:ext cx="10515599" cy="717022"/>
+          </a:xfrm>
+          <a:prstGeom prst="rect">
+            <a:avLst/>
+          </a:prstGeom>
+        </p:spPr>
+        <p:txBody>
+          <a:bodyPr vert="horz" lIns="91440" tIns="45720" rIns="91440" bIns="45720" rtlCol="0" anchor="b">
+            <a:normAutofit/>
+          </a:bodyPr>
+          <a:lstStyle>
+            <a:lvl1pPr>
+              <a:lnSpc>
+                <a:spcPct val="90000"/>
+              </a:lnSpc>
+              <a:spcBef>
+                <a:spcPct val="0"/>
+              </a:spcBef>
+              <a:buNone/>
+              <a:defRPr sz="3200" b="1" i="0" baseline="0">
+                <a:solidFill>
+                  <a:schemeClr val="accent1">
+                    <a:lumMod val="75000"/>
+                  </a:schemeClr>
+                </a:solidFill>
+                <a:effectLst/>
+                <a:latin typeface="+mj-lt"/>
+                <a:ea typeface="+mj-ea"/>
+                <a:cs typeface="+mj-cs"/>
+              </a:defRPr>
+            </a:lvl1pPr>
+          </a:lstStyle>
+          <a:p>
+            <a:r>
+              <a:rPr lang="en-US" altLang="zh-CN" dirty="0"/>
+              <a:t>NFC</a:t>
+            </a:r>
+            <a:endParaRPr lang="zh-CN" altLang="en-US" dirty="0"/>
+          </a:p>
+        </p:txBody>
+      </p:sp>
+    </p:spTree>
+    <p:custDataLst>
+      <p:tags r:id="rId1"/>
+    </p:custDataLst>
+    <p:extLst>
+      <p:ext uri="{BB962C8B-B14F-4D97-AF65-F5344CB8AC3E}">
+        <p14:creationId xmlns:p14="http://schemas.microsoft.com/office/powerpoint/2010/main" val="4026455810"/>
+      </p:ext>
+    </p:extLst>
+  </p:cSld>
+  <p:clrMapOvr>
+    <a:masterClrMapping/>
+  </p:clrMapOvr>
+</p:sld>
+</file>
+
+<file path=ppt/slides/slide14.xml><?xml version="1.0" encoding="utf-8"?>
+<p:sld xmlns:a="http://schemas.openxmlformats.org/drawingml/2006/main" xmlns:r="http://schemas.openxmlformats.org/officeDocument/2006/relationships" xmlns:p="http://schemas.openxmlformats.org/presentationml/2006/main">
+  <p:cSld>
+    <p:spTree>
+      <p:nvGrpSpPr>
+        <p:cNvPr id="1" name=""/>
+        <p:cNvGrpSpPr/>
+        <p:nvPr/>
+      </p:nvGrpSpPr>
+      <p:grpSpPr>
+        <a:xfrm>
+          <a:off x="0" y="0"/>
+          <a:ext cx="0" cy="0"/>
+          <a:chOff x="0" y="0"/>
+          <a:chExt cx="0" cy="0"/>
+        </a:xfrm>
+      </p:grpSpPr>
+      <p:sp>
+        <p:nvSpPr>
+          <p:cNvPr id="7" name="文本框 6"/>
+          <p:cNvSpPr txBox="1"/>
+          <p:nvPr>
+            <p:custDataLst>
+              <p:tags r:id="rId2"/>
+            </p:custDataLst>
+          </p:nvPr>
+        </p:nvSpPr>
+        <p:spPr>
+          <a:xfrm>
+            <a:off x="833967" y="605895"/>
+            <a:ext cx="10515599" cy="717022"/>
+          </a:xfrm>
+          <a:prstGeom prst="rect">
+            <a:avLst/>
+          </a:prstGeom>
+        </p:spPr>
+        <p:txBody>
+          <a:bodyPr vert="horz" lIns="91440" tIns="45720" rIns="91440" bIns="45720" rtlCol="0" anchor="b">
+            <a:normAutofit/>
+          </a:bodyPr>
+          <a:lstStyle>
+            <a:lvl1pPr>
+              <a:lnSpc>
+                <a:spcPct val="90000"/>
+              </a:lnSpc>
+              <a:spcBef>
+                <a:spcPct val="0"/>
+              </a:spcBef>
+              <a:buNone/>
+              <a:defRPr sz="3200" b="1" i="0" baseline="0">
+                <a:solidFill>
+                  <a:schemeClr val="accent1">
+                    <a:lumMod val="75000"/>
+                  </a:schemeClr>
+                </a:solidFill>
+                <a:effectLst/>
+                <a:latin typeface="+mj-lt"/>
+                <a:ea typeface="+mj-ea"/>
+                <a:cs typeface="+mj-cs"/>
+              </a:defRPr>
+            </a:lvl1pPr>
+          </a:lstStyle>
+          <a:p>
+            <a:r>
+              <a:rPr lang="zh-CN" altLang="en-US" dirty="0"/>
+              <a:t>京东买，才便宜</a:t>
+            </a:r>
+          </a:p>
+        </p:txBody>
+      </p:sp>
+      <p:pic>
+        <p:nvPicPr>
+          <p:cNvPr id="4" name="图片 3">
+            <a:extLst>
+              <a:ext uri="{FF2B5EF4-FFF2-40B4-BE49-F238E27FC236}">
+                <a16:creationId xmlns:a16="http://schemas.microsoft.com/office/drawing/2014/main" id="{1C93220D-13B6-40AB-BD61-0190E49F85AE}"/>
+              </a:ext>
+            </a:extLst>
+          </p:cNvPr>
+          <p:cNvPicPr>
+            <a:picLocks noChangeAspect="1"/>
+          </p:cNvPicPr>
+          <p:nvPr/>
+        </p:nvPicPr>
+        <p:blipFill>
+          <a:blip r:embed="rId5"/>
+          <a:stretch>
+            <a:fillRect/>
+          </a:stretch>
+        </p:blipFill>
+        <p:spPr>
+          <a:xfrm>
+            <a:off x="600184" y="1322917"/>
+            <a:ext cx="10983164" cy="4240641"/>
+          </a:xfrm>
+          <a:prstGeom prst="rect">
+            <a:avLst/>
+          </a:prstGeom>
+        </p:spPr>
+      </p:pic>
+      <p:pic>
+        <p:nvPicPr>
+          <p:cNvPr id="6" name="图片 5">
+            <a:extLst>
+              <a:ext uri="{FF2B5EF4-FFF2-40B4-BE49-F238E27FC236}">
+                <a16:creationId xmlns:a16="http://schemas.microsoft.com/office/drawing/2014/main" id="{B6DBDCA4-3EFB-41FC-88E2-6C08E346B69E}"/>
+              </a:ext>
+            </a:extLst>
+          </p:cNvPr>
+          <p:cNvPicPr>
+            <a:picLocks noChangeAspect="1"/>
+          </p:cNvPicPr>
+          <p:nvPr/>
+        </p:nvPicPr>
+        <p:blipFill>
+          <a:blip r:embed="rId6"/>
+          <a:stretch>
+            <a:fillRect/>
+          </a:stretch>
+        </p:blipFill>
+        <p:spPr>
+          <a:xfrm>
+            <a:off x="9450015" y="5241117"/>
+            <a:ext cx="2133333" cy="1438095"/>
+          </a:xfrm>
+          <a:prstGeom prst="rect">
+            <a:avLst/>
+          </a:prstGeom>
+        </p:spPr>
+      </p:pic>
+    </p:spTree>
+    <p:custDataLst>
+      <p:tags r:id="rId1"/>
+    </p:custDataLst>
+    <p:extLst>
+      <p:ext uri="{BB962C8B-B14F-4D97-AF65-F5344CB8AC3E}">
+        <p14:creationId xmlns:p14="http://schemas.microsoft.com/office/powerpoint/2010/main" val="346655653"/>
+      </p:ext>
+    </p:extLst>
+  </p:cSld>
+  <p:clrMapOvr>
+    <a:masterClrMapping/>
+  </p:clrMapOvr>
+</p:sld>
+</file>
+
+<file path=ppt/slides/slide15.xml><?xml version="1.0" encoding="utf-8"?>
+<p:sld xmlns:a="http://schemas.openxmlformats.org/drawingml/2006/main" xmlns:r="http://schemas.openxmlformats.org/officeDocument/2006/relationships" xmlns:p="http://schemas.openxmlformats.org/presentationml/2006/main">
+  <p:cSld>
+    <p:spTree>
+      <p:nvGrpSpPr>
+        <p:cNvPr id="1" name=""/>
+        <p:cNvGrpSpPr/>
+        <p:nvPr/>
+      </p:nvGrpSpPr>
+      <p:grpSpPr>
+        <a:xfrm>
+          <a:off x="0" y="0"/>
+          <a:ext cx="0" cy="0"/>
+          <a:chOff x="0" y="0"/>
+          <a:chExt cx="0" cy="0"/>
+        </a:xfrm>
+      </p:grpSpPr>
+      <p:pic>
+        <p:nvPicPr>
+          <p:cNvPr id="2" name="图片 1">
+            <a:extLst>
+              <a:ext uri="{FF2B5EF4-FFF2-40B4-BE49-F238E27FC236}">
+                <a16:creationId xmlns:a16="http://schemas.microsoft.com/office/drawing/2014/main" id="{B85C0383-EBAB-46CB-80ED-A49955DE98C3}"/>
+              </a:ext>
+            </a:extLst>
+          </p:cNvPr>
+          <p:cNvPicPr>
+            <a:picLocks noChangeAspect="1"/>
+          </p:cNvPicPr>
+          <p:nvPr/>
+        </p:nvPicPr>
+        <p:blipFill>
+          <a:blip r:embed="rId4"/>
+          <a:stretch>
+            <a:fillRect/>
+          </a:stretch>
+        </p:blipFill>
+        <p:spPr>
+          <a:xfrm>
+            <a:off x="438857" y="231763"/>
+            <a:ext cx="11314286" cy="4247619"/>
+          </a:xfrm>
+          <a:prstGeom prst="rect">
+            <a:avLst/>
+          </a:prstGeom>
+        </p:spPr>
+      </p:pic>
+      <p:pic>
+        <p:nvPicPr>
+          <p:cNvPr id="3" name="图片 2">
+            <a:extLst>
+              <a:ext uri="{FF2B5EF4-FFF2-40B4-BE49-F238E27FC236}">
+                <a16:creationId xmlns:a16="http://schemas.microsoft.com/office/drawing/2014/main" id="{A6E20A00-41F0-4346-9CF8-B6E5595CDF6C}"/>
+              </a:ext>
+            </a:extLst>
+          </p:cNvPr>
+          <p:cNvPicPr>
+            <a:picLocks noChangeAspect="1"/>
+          </p:cNvPicPr>
+          <p:nvPr/>
+        </p:nvPicPr>
+        <p:blipFill>
+          <a:blip r:embed="rId5"/>
+          <a:stretch>
+            <a:fillRect/>
+          </a:stretch>
+        </p:blipFill>
+        <p:spPr>
+          <a:xfrm>
+            <a:off x="438857" y="4090685"/>
+            <a:ext cx="9208726" cy="2319696"/>
+          </a:xfrm>
+          <a:prstGeom prst="rect">
+            <a:avLst/>
+          </a:prstGeom>
+        </p:spPr>
+      </p:pic>
+    </p:spTree>
+    <p:custDataLst>
+      <p:tags r:id="rId1"/>
+    </p:custDataLst>
+    <p:extLst>
+      <p:ext uri="{BB962C8B-B14F-4D97-AF65-F5344CB8AC3E}">
+        <p14:creationId xmlns:p14="http://schemas.microsoft.com/office/powerpoint/2010/main" val="15013434"/>
+      </p:ext>
+    </p:extLst>
+  </p:cSld>
+  <p:clrMapOvr>
+    <a:masterClrMapping/>
+  </p:clrMapOvr>
+</p:sld>
+</file>
+
+<file path=ppt/slides/slide16.xml><?xml version="1.0" encoding="utf-8"?>
+<p:sld xmlns:a="http://schemas.openxmlformats.org/drawingml/2006/main" xmlns:r="http://schemas.openxmlformats.org/officeDocument/2006/relationships" xmlns:p="http://schemas.openxmlformats.org/presentationml/2006/main">
+  <p:cSld>
+    <p:spTree>
+      <p:nvGrpSpPr>
+        <p:cNvPr id="1" name=""/>
+        <p:cNvGrpSpPr/>
+        <p:nvPr/>
+      </p:nvGrpSpPr>
+      <p:grpSpPr>
+        <a:xfrm>
+          <a:off x="0" y="0"/>
+          <a:ext cx="0" cy="0"/>
+          <a:chOff x="0" y="0"/>
+          <a:chExt cx="0" cy="0"/>
+        </a:xfrm>
+      </p:grpSpPr>
+      <p:pic>
+        <p:nvPicPr>
+          <p:cNvPr id="3" name="图片 2"/>
+          <p:cNvPicPr>
+            <a:picLocks noChangeAspect="1"/>
+          </p:cNvPicPr>
+          <p:nvPr>
+            <p:custDataLst>
+              <p:tags r:id="rId2"/>
+            </p:custDataLst>
+          </p:nvPr>
+        </p:nvPicPr>
+        <p:blipFill rotWithShape="1">
+          <a:blip r:embed="rId7" cstate="screen">
+            <a:extLst>
+              <a:ext uri="{28A0092B-C50C-407E-A947-70E740481C1C}">
+                <a14:useLocalDpi xmlns:a14="http://schemas.microsoft.com/office/drawing/2010/main"/>
+              </a:ext>
+            </a:extLst>
+          </a:blip>
+          <a:srcRect/>
+          <a:stretch>
+            <a:fillRect/>
+          </a:stretch>
+        </p:blipFill>
+        <p:spPr>
+          <a:xfrm>
+            <a:off x="5582934" y="755494"/>
+            <a:ext cx="5967412" cy="5403012"/>
+          </a:xfrm>
+          <a:prstGeom prst="rect">
+            <a:avLst/>
+          </a:prstGeom>
+        </p:spPr>
+      </p:pic>
+      <p:sp>
+        <p:nvSpPr>
+          <p:cNvPr id="6" name="文本框 5"/>
+          <p:cNvSpPr txBox="1"/>
+          <p:nvPr>
+            <p:custDataLst>
+              <p:tags r:id="rId3"/>
+            </p:custDataLst>
+          </p:nvPr>
+        </p:nvSpPr>
+        <p:spPr>
+          <a:xfrm>
+            <a:off x="651622" y="2346919"/>
+            <a:ext cx="4262438" cy="3811587"/>
+          </a:xfrm>
+          <a:prstGeom prst="rect">
+            <a:avLst/>
+          </a:prstGeom>
+        </p:spPr>
+        <p:txBody>
+          <a:bodyPr vert="horz" lIns="91440" tIns="45720" rIns="91440" bIns="45720" rtlCol="0">
+            <a:normAutofit/>
+          </a:bodyPr>
+          <a:lstStyle>
+            <a:lvl1pPr marL="357505" indent="-357505" algn="just">
+              <a:lnSpc>
+                <a:spcPct val="110000"/>
+              </a:lnSpc>
+              <a:spcBef>
+                <a:spcPts val="1800"/>
+              </a:spcBef>
+              <a:spcAft>
+                <a:spcPts val="0"/>
+              </a:spcAft>
+              <a:buClr>
+                <a:schemeClr val="accent1"/>
+              </a:buClr>
+              <a:buSzPct val="70000"/>
+              <a:buFont typeface="Wingdings" pitchFamily="2" charset="2"/>
+              <a:buChar char=""/>
+              <a:defRPr sz="2400" baseline="0"/>
+            </a:lvl1pPr>
+            <a:lvl2pPr marL="357505" indent="-357505" algn="just">
+              <a:lnSpc>
+                <a:spcPct val="130000"/>
+              </a:lnSpc>
+              <a:spcBef>
+                <a:spcPts val="0"/>
+              </a:spcBef>
+              <a:spcAft>
+                <a:spcPts val="600"/>
+              </a:spcAft>
+              <a:buClr>
+                <a:schemeClr val="accent2">
+                  <a:lumMod val="60000"/>
+                  <a:lumOff val="40000"/>
+                </a:schemeClr>
+              </a:buClr>
+              <a:buFont typeface="幼圆" pitchFamily="49" charset="-122"/>
+              <a:buChar char=" "/>
+              <a:defRPr sz="2000" baseline="0">
+                <a:latin typeface="幼圆" pitchFamily="49" charset="-122"/>
+                <a:ea typeface="黑体" pitchFamily="49" charset="-122"/>
+              </a:defRPr>
+            </a:lvl2pPr>
+            <a:lvl3pPr marL="1143000" indent="-228600">
+              <a:lnSpc>
+                <a:spcPct val="90000"/>
+              </a:lnSpc>
+              <a:spcBef>
+                <a:spcPts val="500"/>
+              </a:spcBef>
+              <a:buFont typeface="Arial" pitchFamily="34" charset="0"/>
+              <a:buChar char="•"/>
+              <a:defRPr sz="2000"/>
+            </a:lvl3pPr>
+            <a:lvl4pPr marL="1600200" indent="-228600">
+              <a:lnSpc>
+                <a:spcPct val="90000"/>
+              </a:lnSpc>
+              <a:spcBef>
+                <a:spcPts val="500"/>
+              </a:spcBef>
+              <a:buFont typeface="Arial" pitchFamily="34" charset="0"/>
+              <a:buChar char="•"/>
+            </a:lvl4pPr>
+            <a:lvl5pPr marL="2057400" indent="-228600">
+              <a:lnSpc>
+                <a:spcPct val="90000"/>
+              </a:lnSpc>
+              <a:spcBef>
+                <a:spcPts val="500"/>
+              </a:spcBef>
+              <a:buFont typeface="Arial" pitchFamily="34" charset="0"/>
+              <a:buChar char="•"/>
+            </a:lvl5pPr>
+            <a:lvl6pPr marL="2514600" indent="-228600">
+              <a:lnSpc>
+                <a:spcPct val="90000"/>
+              </a:lnSpc>
+              <a:spcBef>
+                <a:spcPts val="500"/>
+              </a:spcBef>
+              <a:buFont typeface="Arial" pitchFamily="34" charset="0"/>
+              <a:buChar char="•"/>
+            </a:lvl6pPr>
+            <a:lvl7pPr marL="2971800" indent="-228600">
+              <a:lnSpc>
+                <a:spcPct val="90000"/>
+              </a:lnSpc>
+              <a:spcBef>
+                <a:spcPts val="500"/>
+              </a:spcBef>
+              <a:buFont typeface="Arial" pitchFamily="34" charset="0"/>
+              <a:buChar char="•"/>
+            </a:lvl7pPr>
+            <a:lvl8pPr marL="3429000" indent="-228600">
+              <a:lnSpc>
+                <a:spcPct val="90000"/>
+              </a:lnSpc>
+              <a:spcBef>
+                <a:spcPts val="500"/>
+              </a:spcBef>
+              <a:buFont typeface="Arial" pitchFamily="34" charset="0"/>
+              <a:buChar char="•"/>
+            </a:lvl8pPr>
+            <a:lvl9pPr marL="3886200" indent="-228600">
+              <a:lnSpc>
+                <a:spcPct val="90000"/>
+              </a:lnSpc>
+              <a:spcBef>
+                <a:spcPts val="500"/>
+              </a:spcBef>
+              <a:buFont typeface="Arial" pitchFamily="34" charset="0"/>
+              <a:buChar char="•"/>
+            </a:lvl9pPr>
+          </a:lstStyle>
+          <a:p>
+            <a:r>
+              <a:rPr lang="en-US" altLang="zh-CN"/>
+              <a:t>Lorem ipsum dolor sit amet, consectetur adipisicing elit, sed do eiusmod tempor incididunt ut labore et dolore magna aliqua. Ut enim ad minim veniam, </a:t>
+            </a:r>
+            <a:endParaRPr lang="zh-CN" altLang="en-US" dirty="0"/>
+          </a:p>
+        </p:txBody>
+      </p:sp>
+      <p:sp>
+        <p:nvSpPr>
+          <p:cNvPr id="4" name="文本框 3"/>
+          <p:cNvSpPr txBox="1"/>
+          <p:nvPr>
+            <p:custDataLst>
+              <p:tags r:id="rId4"/>
+            </p:custDataLst>
+          </p:nvPr>
+        </p:nvSpPr>
+        <p:spPr>
+          <a:xfrm>
+            <a:off x="651622" y="743544"/>
+            <a:ext cx="4262438" cy="1603375"/>
+          </a:xfrm>
+          <a:prstGeom prst="rect">
+            <a:avLst/>
+          </a:prstGeom>
+        </p:spPr>
+        <p:txBody>
+          <a:bodyPr vert="horz" lIns="91440" tIns="45720" rIns="91440" bIns="45720" rtlCol="0" anchor="b">
+            <a:normAutofit/>
+          </a:bodyPr>
+          <a:lstStyle>
+            <a:lvl1pPr>
+              <a:lnSpc>
+                <a:spcPct val="90000"/>
+              </a:lnSpc>
+              <a:spcBef>
+                <a:spcPct val="0"/>
+              </a:spcBef>
+              <a:buNone/>
+              <a:defRPr sz="4000" b="1" i="0" baseline="0">
+                <a:solidFill>
+                  <a:schemeClr val="accent1">
+                    <a:lumMod val="75000"/>
+                  </a:schemeClr>
+                </a:solidFill>
+                <a:effectLst/>
+                <a:latin typeface="+mj-lt"/>
+                <a:ea typeface="+mj-ea"/>
+                <a:cs typeface="+mj-cs"/>
+              </a:defRPr>
+            </a:lvl1pPr>
+          </a:lstStyle>
+          <a:p>
+            <a:r>
+              <a:rPr lang="en-US" altLang="zh-CN"/>
+              <a:t>LOREM IPSUM DOLOR</a:t>
+            </a:r>
+            <a:endParaRPr lang="zh-CN" altLang="en-US" dirty="0"/>
+          </a:p>
+        </p:txBody>
+      </p:sp>
+    </p:spTree>
+    <p:custDataLst>
+      <p:tags r:id="rId1"/>
+    </p:custDataLst>
+  </p:cSld>
+  <p:clrMapOvr>
+    <a:masterClrMapping/>
+  </p:clrMapOvr>
+</p:sld>
+</file>
+
+<file path=ppt/slides/slide17.xml><?xml version="1.0" encoding="utf-8"?>
+<p:sld xmlns:a="http://schemas.openxmlformats.org/drawingml/2006/main" xmlns:r="http://schemas.openxmlformats.org/officeDocument/2006/relationships" xmlns:p="http://schemas.openxmlformats.org/presentationml/2006/main">
+  <p:cSld>
+    <p:spTree>
+      <p:nvGrpSpPr>
+        <p:cNvPr id="1" name=""/>
+        <p:cNvGrpSpPr/>
+        <p:nvPr/>
+      </p:nvGrpSpPr>
+      <p:grpSpPr>
+        <a:xfrm>
+          <a:off x="0" y="0"/>
+          <a:ext cx="0" cy="0"/>
+          <a:chOff x="0" y="0"/>
+          <a:chExt cx="0" cy="0"/>
+        </a:xfrm>
+      </p:grpSpPr>
+      <p:pic>
+        <p:nvPicPr>
+          <p:cNvPr id="2" name="图片 1"/>
+          <p:cNvPicPr>
+            <a:picLocks noChangeAspect="1"/>
+          </p:cNvPicPr>
+          <p:nvPr>
+            <p:custDataLst>
+              <p:tags r:id="rId2"/>
+            </p:custDataLst>
+          </p:nvPr>
+        </p:nvPicPr>
+        <p:blipFill rotWithShape="1">
+          <a:blip r:embed="rId7" cstate="screen">
+            <a:extLst>
+              <a:ext uri="{28A0092B-C50C-407E-A947-70E740481C1C}">
+                <a14:useLocalDpi xmlns:a14="http://schemas.microsoft.com/office/drawing/2010/main"/>
+              </a:ext>
+            </a:extLst>
+          </a:blip>
+          <a:srcRect/>
+          <a:stretch>
+            <a:fillRect/>
+          </a:stretch>
+        </p:blipFill>
+        <p:spPr>
+          <a:xfrm>
+            <a:off x="1554601" y="1317684"/>
+            <a:ext cx="9069198" cy="4543200"/>
+          </a:xfrm>
+          <a:prstGeom prst="rect">
+            <a:avLst/>
+          </a:prstGeom>
+        </p:spPr>
+      </p:pic>
+      <p:sp>
+        <p:nvSpPr>
+          <p:cNvPr id="8" name="文本框 7"/>
+          <p:cNvSpPr txBox="1"/>
+          <p:nvPr>
+            <p:custDataLst>
+              <p:tags r:id="rId3"/>
+            </p:custDataLst>
+          </p:nvPr>
+        </p:nvSpPr>
+        <p:spPr>
+          <a:xfrm>
+            <a:off x="1554600" y="211048"/>
+            <a:ext cx="9082800" cy="939600"/>
+          </a:xfrm>
+          <a:prstGeom prst="rect">
+            <a:avLst/>
+          </a:prstGeom>
+        </p:spPr>
+        <p:txBody>
+          <a:bodyPr vert="horz" lIns="91440" tIns="45720" rIns="91440" bIns="45720" rtlCol="0" anchor="ctr">
+            <a:normAutofit/>
+          </a:bodyPr>
+          <a:lstStyle>
+            <a:lvl1pPr defTabSz="685800">
+              <a:spcBef>
+                <a:spcPct val="0"/>
+              </a:spcBef>
+              <a:buNone/>
+              <a:defRPr sz="3600" b="1" i="0" baseline="0">
+                <a:solidFill>
+                  <a:schemeClr val="accent1"/>
+                </a:solidFill>
+                <a:effectLst/>
+                <a:latin typeface="+mj-lt"/>
+                <a:ea typeface="+mj-ea"/>
+                <a:cs typeface="+mj-cs"/>
+              </a:defRPr>
+            </a:lvl1pPr>
+          </a:lstStyle>
+          <a:p>
+            <a:r>
+              <a:rPr lang="en-US" altLang="zh-CN" dirty="0">
+                <a:solidFill>
+                  <a:srgbClr val="AF6A07"/>
+                </a:solidFill>
+              </a:rPr>
+              <a:t>LOREM IPSUM DOLOR</a:t>
+            </a:r>
+            <a:endParaRPr lang="zh-CN" altLang="en-US" dirty="0">
+              <a:solidFill>
+                <a:srgbClr val="AF6A07"/>
+              </a:solidFill>
+            </a:endParaRPr>
+          </a:p>
+        </p:txBody>
+      </p:sp>
+      <p:sp>
+        <p:nvSpPr>
+          <p:cNvPr id="9" name="文本框 8"/>
+          <p:cNvSpPr txBox="1"/>
+          <p:nvPr>
+            <p:custDataLst>
+              <p:tags r:id="rId4"/>
+            </p:custDataLst>
+          </p:nvPr>
+        </p:nvSpPr>
+        <p:spPr>
+          <a:xfrm>
+            <a:off x="1554600" y="6032336"/>
+            <a:ext cx="9082800" cy="597600"/>
+          </a:xfrm>
+          <a:prstGeom prst="rect">
+            <a:avLst/>
+          </a:prstGeom>
+        </p:spPr>
+        <p:txBody>
+          <a:bodyPr vert="horz" lIns="91440" tIns="45720" rIns="91440" bIns="45720" rtlCol="0" anchor="t">
+            <a:normAutofit/>
+          </a:bodyPr>
+          <a:lstStyle>
+            <a:lvl1pPr indent="0" defTabSz="685800">
+              <a:spcBef>
+                <a:spcPts val="0"/>
+              </a:spcBef>
+              <a:spcAft>
+                <a:spcPts val="0"/>
+              </a:spcAft>
+              <a:buClr>
+                <a:schemeClr val="accent1"/>
+              </a:buClr>
+              <a:buSzPct val="70000"/>
+              <a:buFont typeface="Wingdings 2" pitchFamily="18" charset="2"/>
+              <a:buNone/>
+              <a:defRPr baseline="0"/>
+            </a:lvl1pPr>
+            <a:lvl2pPr marL="342900" indent="0" algn="just" defTabSz="685800">
+              <a:lnSpc>
+                <a:spcPct val="130000"/>
+              </a:lnSpc>
+              <a:spcBef>
+                <a:spcPts val="0"/>
+              </a:spcBef>
+              <a:spcAft>
+                <a:spcPts val="450"/>
+              </a:spcAft>
+              <a:buClr>
+                <a:schemeClr val="accent2">
+                  <a:lumMod val="60000"/>
+                  <a:lumOff val="40000"/>
+                </a:schemeClr>
+              </a:buClr>
+              <a:buFont typeface="幼圆" pitchFamily="49" charset="-122"/>
+              <a:buNone/>
+              <a:defRPr sz="1050" baseline="0">
+                <a:latin typeface="Arial" pitchFamily="34" charset="0"/>
+                <a:ea typeface="黑体" pitchFamily="49" charset="-122"/>
+              </a:defRPr>
+            </a:lvl2pPr>
+            <a:lvl3pPr marL="685800" indent="0" defTabSz="685800">
+              <a:lnSpc>
+                <a:spcPct val="90000"/>
+              </a:lnSpc>
+              <a:spcBef>
+                <a:spcPts val="375"/>
+              </a:spcBef>
+              <a:buFont typeface="Arial" pitchFamily="34" charset="0"/>
+              <a:buNone/>
+              <a:defRPr sz="900"/>
+            </a:lvl3pPr>
+            <a:lvl4pPr marL="1028700" indent="0" defTabSz="685800">
+              <a:lnSpc>
+                <a:spcPct val="90000"/>
+              </a:lnSpc>
+              <a:spcBef>
+                <a:spcPts val="375"/>
+              </a:spcBef>
+              <a:buFont typeface="Arial" pitchFamily="34" charset="0"/>
+              <a:buNone/>
+              <a:defRPr sz="750"/>
+            </a:lvl4pPr>
+            <a:lvl5pPr marL="1371600" indent="0" defTabSz="685800">
+              <a:lnSpc>
+                <a:spcPct val="90000"/>
+              </a:lnSpc>
+              <a:spcBef>
+                <a:spcPts val="375"/>
+              </a:spcBef>
+              <a:buFont typeface="Arial" pitchFamily="34" charset="0"/>
+              <a:buNone/>
+              <a:defRPr sz="750"/>
+            </a:lvl5pPr>
+            <a:lvl6pPr marL="1714500" indent="0" defTabSz="685800">
+              <a:lnSpc>
+                <a:spcPct val="90000"/>
+              </a:lnSpc>
+              <a:spcBef>
+                <a:spcPts val="375"/>
+              </a:spcBef>
+              <a:buFont typeface="Arial" pitchFamily="34" charset="0"/>
+              <a:buNone/>
+              <a:defRPr sz="750"/>
+            </a:lvl6pPr>
+            <a:lvl7pPr marL="2057400" indent="0" defTabSz="685800">
+              <a:lnSpc>
+                <a:spcPct val="90000"/>
+              </a:lnSpc>
+              <a:spcBef>
+                <a:spcPts val="375"/>
+              </a:spcBef>
+              <a:buFont typeface="Arial" pitchFamily="34" charset="0"/>
+              <a:buNone/>
+              <a:defRPr sz="750"/>
+            </a:lvl7pPr>
+            <a:lvl8pPr marL="2400300" indent="0" defTabSz="685800">
+              <a:lnSpc>
+                <a:spcPct val="90000"/>
+              </a:lnSpc>
+              <a:spcBef>
+                <a:spcPts val="375"/>
+              </a:spcBef>
+              <a:buFont typeface="Arial" pitchFamily="34" charset="0"/>
+              <a:buNone/>
+              <a:defRPr sz="750"/>
+            </a:lvl8pPr>
+            <a:lvl9pPr marL="2743200" indent="0" defTabSz="685800">
+              <a:lnSpc>
+                <a:spcPct val="90000"/>
+              </a:lnSpc>
+              <a:spcBef>
+                <a:spcPts val="375"/>
+              </a:spcBef>
+              <a:buFont typeface="Arial" pitchFamily="34" charset="0"/>
+              <a:buNone/>
+              <a:defRPr sz="750"/>
+            </a:lvl9pPr>
+          </a:lstStyle>
+          <a:p>
+            <a:r>
+              <a:rPr lang="en-US" altLang="zh-CN" dirty="0" err="1"/>
+              <a:t>Lorem</a:t>
+            </a:r>
+            <a:r>
+              <a:rPr lang="en-US" altLang="zh-CN" dirty="0"/>
+              <a:t> </a:t>
+            </a:r>
+            <a:r>
+              <a:rPr lang="en-US" altLang="zh-CN" dirty="0" err="1"/>
+              <a:t>ipsum</a:t>
+            </a:r>
+            <a:r>
+              <a:rPr lang="en-US" altLang="zh-CN" dirty="0"/>
+              <a:t> dolor sit </a:t>
+            </a:r>
+            <a:r>
+              <a:rPr lang="en-US" altLang="zh-CN" dirty="0" err="1"/>
+              <a:t>amet</a:t>
+            </a:r>
+            <a:r>
+              <a:rPr lang="en-US" altLang="zh-CN" dirty="0"/>
+              <a:t>, </a:t>
+            </a:r>
+            <a:r>
+              <a:rPr lang="en-US" altLang="zh-CN" dirty="0" err="1"/>
+              <a:t>consectetur</a:t>
+            </a:r>
+            <a:r>
+              <a:rPr lang="en-US" altLang="zh-CN" dirty="0"/>
+              <a:t> </a:t>
+            </a:r>
+            <a:r>
+              <a:rPr lang="en-US" altLang="zh-CN" dirty="0" err="1"/>
+              <a:t>adipisicing</a:t>
+            </a:r>
+            <a:r>
+              <a:rPr lang="en-US" altLang="zh-CN" dirty="0"/>
+              <a:t> </a:t>
+            </a:r>
+            <a:r>
+              <a:rPr lang="en-US" altLang="zh-CN" dirty="0" err="1"/>
+              <a:t>elit</a:t>
+            </a:r>
+            <a:r>
+              <a:rPr lang="en-US" altLang="zh-CN" dirty="0"/>
+              <a:t>.</a:t>
+            </a:r>
+            <a:endParaRPr lang="zh-CN" altLang="en-US" dirty="0"/>
+          </a:p>
+        </p:txBody>
+      </p:sp>
+    </p:spTree>
+    <p:custDataLst>
+      <p:tags r:id="rId1"/>
+    </p:custDataLst>
+  </p:cSld>
+  <p:clrMapOvr>
+    <a:masterClrMapping/>
+  </p:clrMapOvr>
+</p:sld>
+</file>
+
+<file path=ppt/slides/slide18.xml><?xml version="1.0" encoding="utf-8"?>
+<p:sld xmlns:a="http://schemas.openxmlformats.org/drawingml/2006/main" xmlns:r="http://schemas.openxmlformats.org/officeDocument/2006/relationships" xmlns:p="http://schemas.openxmlformats.org/presentationml/2006/main">
+  <p:cSld>
+    <p:spTree>
+      <p:nvGrpSpPr>
+        <p:cNvPr id="1" name=""/>
+        <p:cNvGrpSpPr/>
+        <p:nvPr/>
+      </p:nvGrpSpPr>
+      <p:grpSpPr>
+        <a:xfrm>
+          <a:off x="0" y="0"/>
+          <a:ext cx="0" cy="0"/>
+          <a:chOff x="0" y="0"/>
+          <a:chExt cx="0" cy="0"/>
+        </a:xfrm>
+      </p:grpSpPr>
+      <p:sp>
+        <p:nvSpPr>
+          <p:cNvPr id="32" name="矩形 31"/>
+          <p:cNvSpPr/>
+          <p:nvPr>
+            <p:custDataLst>
+              <p:tags r:id="rId2"/>
+            </p:custDataLst>
+          </p:nvPr>
+        </p:nvSpPr>
+        <p:spPr>
+          <a:xfrm>
+            <a:off x="2898175" y="2555822"/>
+            <a:ext cx="1660924" cy="784871"/>
+          </a:xfrm>
+          <a:prstGeom prst="rect">
+            <a:avLst/>
+          </a:prstGeom>
+          <a:noFill/>
+          <a:ln w="12700" cap="flat" cmpd="sng" algn="ctr">
+            <a:noFill/>
+            <a:prstDash val="solid"/>
+            <a:miter lim="800000"/>
+          </a:ln>
+          <a:effectLst/>
+        </p:spPr>
+        <p:txBody>
+          <a:bodyPr rtlCol="0" anchor="ctr"/>
+          <a:lstStyle/>
+          <a:p>
+            <a:pPr algn="ctr">
+              <a:defRPr/>
+            </a:pPr>
+            <a:r>
+              <a:rPr lang="en-US" altLang="zh-CN" sz="5400" kern="0">
+                <a:solidFill>
+                  <a:srgbClr val="FFFFFF"/>
+                </a:solidFill>
+              </a:rPr>
+              <a:t>01</a:t>
+            </a:r>
+          </a:p>
+        </p:txBody>
+      </p:sp>
+      <p:sp>
+        <p:nvSpPr>
+          <p:cNvPr id="2" name="标题 1"/>
+          <p:cNvSpPr>
+            <a:spLocks noGrp="1"/>
+          </p:cNvSpPr>
+          <p:nvPr>
+            <p:ph type="title"/>
+            <p:custDataLst>
+              <p:tags r:id="rId3"/>
+            </p:custDataLst>
+          </p:nvPr>
+        </p:nvSpPr>
+        <p:spPr/>
+        <p:txBody>
+          <a:bodyPr/>
+          <a:lstStyle/>
+          <a:p>
+            <a:r>
+              <a:rPr lang="en-US" altLang="zh-CN">
+                <a:latin typeface="+mj-lt"/>
+                <a:ea typeface="+mj-ea"/>
+              </a:rPr>
+              <a:t>LOREM IPSUM DOLOR</a:t>
+            </a:r>
+            <a:endParaRPr lang="zh-CN" altLang="en-US" dirty="0">
+              <a:latin typeface="+mj-lt"/>
+              <a:ea typeface="+mj-ea"/>
+            </a:endParaRPr>
+          </a:p>
+        </p:txBody>
+      </p:sp>
+    </p:spTree>
+    <p:custDataLst>
+      <p:tags r:id="rId1"/>
+    </p:custDataLst>
+  </p:cSld>
+  <p:clrMapOvr>
+    <a:masterClrMapping/>
+  </p:clrMapOvr>
+</p:sld>
+</file>
+
+<file path=ppt/slides/slide19.xml><?xml version="1.0" encoding="utf-8"?>
+<p:sld xmlns:a="http://schemas.openxmlformats.org/drawingml/2006/main" xmlns:r="http://schemas.openxmlformats.org/officeDocument/2006/relationships" xmlns:p="http://schemas.openxmlformats.org/presentationml/2006/main">
+  <p:cSld>
+    <p:spTree>
+      <p:nvGrpSpPr>
+        <p:cNvPr id="1" name=""/>
+        <p:cNvGrpSpPr/>
+        <p:nvPr/>
+      </p:nvGrpSpPr>
+      <p:grpSpPr>
+        <a:xfrm>
+          <a:off x="0" y="0"/>
+          <a:ext cx="0" cy="0"/>
+          <a:chOff x="0" y="0"/>
+          <a:chExt cx="0" cy="0"/>
+        </a:xfrm>
+      </p:grpSpPr>
       <p:grpSp>
         <p:nvGrpSpPr>
           <p:cNvPr id="10" name="组合 9"/>
@@ -16000,7 +18457,105 @@
 </p:sld>
 </file>
 
-<file path=ppt/slides/slide11.xml><?xml version="1.0" encoding="utf-8"?>
+<file path=ppt/slides/slide2.xml><?xml version="1.0" encoding="utf-8"?>
+<p:sld xmlns:a="http://schemas.openxmlformats.org/drawingml/2006/main" xmlns:r="http://schemas.openxmlformats.org/officeDocument/2006/relationships" xmlns:p="http://schemas.openxmlformats.org/presentationml/2006/main">
+  <p:cSld>
+    <p:spTree>
+      <p:nvGrpSpPr>
+        <p:cNvPr id="1" name=""/>
+        <p:cNvGrpSpPr/>
+        <p:nvPr/>
+      </p:nvGrpSpPr>
+      <p:grpSpPr>
+        <a:xfrm>
+          <a:off x="0" y="0"/>
+          <a:ext cx="0" cy="0"/>
+          <a:chOff x="0" y="0"/>
+          <a:chExt cx="0" cy="0"/>
+        </a:xfrm>
+      </p:grpSpPr>
+      <p:sp>
+        <p:nvSpPr>
+          <p:cNvPr id="4" name="矩形 3">
+            <a:extLst>
+              <a:ext uri="{FF2B5EF4-FFF2-40B4-BE49-F238E27FC236}">
+                <a16:creationId xmlns:a16="http://schemas.microsoft.com/office/drawing/2014/main" id="{677C4603-1CD8-42D2-877D-16D2ED8D18D8}"/>
+              </a:ext>
+            </a:extLst>
+          </p:cNvPr>
+          <p:cNvSpPr/>
+          <p:nvPr/>
+        </p:nvSpPr>
+        <p:spPr>
+          <a:xfrm>
+            <a:off x="695609" y="474630"/>
+            <a:ext cx="4519250" cy="369332"/>
+          </a:xfrm>
+          <a:prstGeom prst="rect">
+            <a:avLst/>
+          </a:prstGeom>
+        </p:spPr>
+        <p:txBody>
+          <a:bodyPr wrap="none">
+            <a:spAutoFit/>
+          </a:bodyPr>
+          <a:lstStyle/>
+          <a:p>
+            <a:r>
+              <a:rPr lang="en-US" dirty="0"/>
+              <a:t>https://www.sohu.com/a/206358256_213117</a:t>
+            </a:r>
+          </a:p>
+        </p:txBody>
+      </p:sp>
+      <p:sp>
+        <p:nvSpPr>
+          <p:cNvPr id="5" name="矩形 4">
+            <a:extLst>
+              <a:ext uri="{FF2B5EF4-FFF2-40B4-BE49-F238E27FC236}">
+                <a16:creationId xmlns:a16="http://schemas.microsoft.com/office/drawing/2014/main" id="{AE8DEF5A-E0C4-4ACC-8CA9-616BF7C95FD8}"/>
+              </a:ext>
+            </a:extLst>
+          </p:cNvPr>
+          <p:cNvSpPr/>
+          <p:nvPr/>
+        </p:nvSpPr>
+        <p:spPr>
+          <a:xfrm>
+            <a:off x="695609" y="938456"/>
+            <a:ext cx="4519250" cy="369332"/>
+          </a:xfrm>
+          <a:prstGeom prst="rect">
+            <a:avLst/>
+          </a:prstGeom>
+        </p:spPr>
+        <p:txBody>
+          <a:bodyPr wrap="none">
+            <a:spAutoFit/>
+          </a:bodyPr>
+          <a:lstStyle/>
+          <a:p>
+            <a:r>
+              <a:rPr lang="en-US" dirty="0"/>
+              <a:t>https://www.sohu.com/a/213497180_210139</a:t>
+            </a:r>
+          </a:p>
+        </p:txBody>
+      </p:sp>
+    </p:spTree>
+    <p:extLst>
+      <p:ext uri="{BB962C8B-B14F-4D97-AF65-F5344CB8AC3E}">
+        <p14:creationId xmlns:p14="http://schemas.microsoft.com/office/powerpoint/2010/main" val="3819984326"/>
+      </p:ext>
+    </p:extLst>
+  </p:cSld>
+  <p:clrMapOvr>
+    <a:masterClrMapping/>
+  </p:clrMapOvr>
+</p:sld>
+</file>
+
+<file path=ppt/slides/slide20.xml><?xml version="1.0" encoding="utf-8"?>
 <p:sld xmlns:a="http://schemas.openxmlformats.org/drawingml/2006/main" xmlns:r="http://schemas.openxmlformats.org/officeDocument/2006/relationships" xmlns:p="http://schemas.openxmlformats.org/presentationml/2006/main">
   <p:cSld>
     <p:spTree>
@@ -20940,7 +23495,7 @@
 </p:sld>
 </file>
 
-<file path=ppt/slides/slide12.xml><?xml version="1.0" encoding="utf-8"?>
+<file path=ppt/slides/slide21.xml><?xml version="1.0" encoding="utf-8"?>
 <p:sld xmlns:a="http://schemas.openxmlformats.org/drawingml/2006/main" xmlns:r="http://schemas.openxmlformats.org/officeDocument/2006/relationships" xmlns:p="http://schemas.openxmlformats.org/presentationml/2006/main">
   <p:cSld>
     <p:spTree>
@@ -26607,7 +29162,7 @@
 </p:sld>
 </file>
 
-<file path=ppt/slides/slide13.xml><?xml version="1.0" encoding="utf-8"?>
+<file path=ppt/slides/slide22.xml><?xml version="1.0" encoding="utf-8"?>
 <p:sld xmlns:a="http://schemas.openxmlformats.org/drawingml/2006/main" xmlns:r="http://schemas.openxmlformats.org/officeDocument/2006/relationships" xmlns:p="http://schemas.openxmlformats.org/presentationml/2006/main">
   <p:cSld>
     <p:spTree>
@@ -34237,7 +36792,7 @@
 </p:sld>
 </file>
 
-<file path=ppt/slides/slide14.xml><?xml version="1.0" encoding="utf-8"?>
+<file path=ppt/slides/slide23.xml><?xml version="1.0" encoding="utf-8"?>
 <p:sld xmlns:a="http://schemas.openxmlformats.org/drawingml/2006/main" xmlns:r="http://schemas.openxmlformats.org/officeDocument/2006/relationships" xmlns:p="http://schemas.openxmlformats.org/presentationml/2006/main">
   <p:cSld>
     <p:spTree>
@@ -34330,7 +36885,7 @@
 </p:sld>
 </file>
 
-<file path=ppt/slides/slide15.xml><?xml version="1.0" encoding="utf-8"?>
+<file path=ppt/slides/slide24.xml><?xml version="1.0" encoding="utf-8"?>
 <p:sld xmlns:a="http://schemas.openxmlformats.org/drawingml/2006/main" xmlns:r="http://schemas.openxmlformats.org/officeDocument/2006/relationships" xmlns:p="http://schemas.openxmlformats.org/presentationml/2006/main">
   <p:cSld>
     <p:spTree>
@@ -34464,7 +37019,7 @@
 </p:sld>
 </file>
 
-<file path=ppt/slides/slide16.xml><?xml version="1.0" encoding="utf-8"?>
+<file path=ppt/slides/slide25.xml><?xml version="1.0" encoding="utf-8"?>
 <p:sld xmlns:a="http://schemas.openxmlformats.org/drawingml/2006/main" xmlns:r="http://schemas.openxmlformats.org/officeDocument/2006/relationships" xmlns:p="http://schemas.openxmlformats.org/presentationml/2006/main">
   <p:cSld>
     <p:spTree>
@@ -36005,7 +38560,7 @@
 </p:sld>
 </file>
 
-<file path=ppt/slides/slide17.xml><?xml version="1.0" encoding="utf-8"?>
+<file path=ppt/slides/slide26.xml><?xml version="1.0" encoding="utf-8"?>
 <p:sld xmlns:a="http://schemas.openxmlformats.org/drawingml/2006/main" xmlns:r="http://schemas.openxmlformats.org/officeDocument/2006/relationships" xmlns:p="http://schemas.openxmlformats.org/presentationml/2006/main">
   <p:cSld>
     <p:spTree>
@@ -37842,7 +40397,7 @@
 </p:sld>
 </file>
 
-<file path=ppt/slides/slide18.xml><?xml version="1.0" encoding="utf-8"?>
+<file path=ppt/slides/slide27.xml><?xml version="1.0" encoding="utf-8"?>
 <p:sld xmlns:a="http://schemas.openxmlformats.org/drawingml/2006/main" xmlns:r="http://schemas.openxmlformats.org/officeDocument/2006/relationships" xmlns:p="http://schemas.openxmlformats.org/presentationml/2006/main">
   <p:cSld>
     <p:spTree>
@@ -38947,7 +41502,7 @@
 </p:sld>
 </file>
 
-<file path=ppt/slides/slide19.xml><?xml version="1.0" encoding="utf-8"?>
+<file path=ppt/slides/slide28.xml><?xml version="1.0" encoding="utf-8"?>
 <p:sld xmlns:a="http://schemas.openxmlformats.org/drawingml/2006/main" xmlns:r="http://schemas.openxmlformats.org/officeDocument/2006/relationships" xmlns:p="http://schemas.openxmlformats.org/presentationml/2006/main">
   <p:cSld>
     <p:spTree>
@@ -39835,547 +42390,7 @@
 </p:sld>
 </file>
 
-<file path=ppt/slides/slide2.xml><?xml version="1.0" encoding="utf-8"?>
-<p:sld xmlns:a="http://schemas.openxmlformats.org/drawingml/2006/main" xmlns:r="http://schemas.openxmlformats.org/officeDocument/2006/relationships" xmlns:p="http://schemas.openxmlformats.org/presentationml/2006/main">
-  <p:cSld>
-    <p:spTree>
-      <p:nvGrpSpPr>
-        <p:cNvPr id="1" name=""/>
-        <p:cNvGrpSpPr/>
-        <p:nvPr/>
-      </p:nvGrpSpPr>
-      <p:grpSpPr>
-        <a:xfrm>
-          <a:off x="0" y="0"/>
-          <a:ext cx="0" cy="0"/>
-          <a:chOff x="0" y="0"/>
-          <a:chExt cx="0" cy="0"/>
-        </a:xfrm>
-      </p:grpSpPr>
-      <p:sp>
-        <p:nvSpPr>
-          <p:cNvPr id="3" name="文本框 2"/>
-          <p:cNvSpPr txBox="1"/>
-          <p:nvPr>
-            <p:custDataLst>
-              <p:tags r:id="rId2"/>
-            </p:custDataLst>
-          </p:nvPr>
-        </p:nvSpPr>
-        <p:spPr>
-          <a:xfrm>
-            <a:off x="6166378" y="1687134"/>
-            <a:ext cx="5183188" cy="4533361"/>
-          </a:xfrm>
-          <a:prstGeom prst="rect">
-            <a:avLst/>
-          </a:prstGeom>
-        </p:spPr>
-        <p:txBody>
-          <a:bodyPr vert="horz" lIns="91440" tIns="45720" rIns="91440" bIns="45720" rtlCol="0">
-            <a:normAutofit/>
-          </a:bodyPr>
-          <a:lstStyle>
-            <a:lvl1pPr marL="357505" indent="-357505" algn="just">
-              <a:spcBef>
-                <a:spcPts val="300"/>
-              </a:spcBef>
-              <a:spcAft>
-                <a:spcPts val="300"/>
-              </a:spcAft>
-              <a:buClr>
-                <a:schemeClr val="accent1"/>
-              </a:buClr>
-              <a:buSzPct val="70000"/>
-              <a:buFont typeface="Wingdings" pitchFamily="2" charset="2"/>
-              <a:buChar char=""/>
-              <a:defRPr sz="2400" baseline="0"/>
-            </a:lvl1pPr>
-            <a:lvl2pPr marL="357505" indent="-357505" algn="just">
-              <a:lnSpc>
-                <a:spcPct val="130000"/>
-              </a:lnSpc>
-              <a:spcBef>
-                <a:spcPts val="0"/>
-              </a:spcBef>
-              <a:spcAft>
-                <a:spcPts val="600"/>
-              </a:spcAft>
-              <a:buClr>
-                <a:schemeClr val="accent2">
-                  <a:lumMod val="60000"/>
-                  <a:lumOff val="40000"/>
-                </a:schemeClr>
-              </a:buClr>
-              <a:buFont typeface="幼圆" pitchFamily="49" charset="-122"/>
-              <a:buChar char=" "/>
-              <a:defRPr baseline="0">
-                <a:latin typeface="幼圆" pitchFamily="49" charset="-122"/>
-                <a:ea typeface="黑体" pitchFamily="49" charset="-122"/>
-              </a:defRPr>
-            </a:lvl2pPr>
-            <a:lvl3pPr marL="720090" indent="-228600">
-              <a:spcBef>
-                <a:spcPts val="300"/>
-              </a:spcBef>
-              <a:spcAft>
-                <a:spcPts val="300"/>
-              </a:spcAft>
-              <a:buFont typeface="Arial" pitchFamily="34" charset="0"/>
-              <a:buChar char="•"/>
-              <a:defRPr sz="2000"/>
-            </a:lvl3pPr>
-            <a:lvl4pPr marL="1080135" indent="-228600">
-              <a:spcBef>
-                <a:spcPts val="300"/>
-              </a:spcBef>
-              <a:spcAft>
-                <a:spcPts val="300"/>
-              </a:spcAft>
-              <a:buFont typeface="Arial" pitchFamily="34" charset="0"/>
-              <a:buChar char="•"/>
-            </a:lvl4pPr>
-            <a:lvl5pPr marL="1440180" indent="-228600">
-              <a:spcBef>
-                <a:spcPts val="300"/>
-              </a:spcBef>
-              <a:spcAft>
-                <a:spcPts val="300"/>
-              </a:spcAft>
-              <a:buFont typeface="Arial" pitchFamily="34" charset="0"/>
-              <a:buChar char="•"/>
-            </a:lvl5pPr>
-            <a:lvl6pPr marL="1800225" indent="-228600">
-              <a:spcBef>
-                <a:spcPts val="300"/>
-              </a:spcBef>
-              <a:spcAft>
-                <a:spcPts val="300"/>
-              </a:spcAft>
-              <a:buFont typeface="Arial" pitchFamily="34" charset="0"/>
-              <a:buChar char="•"/>
-            </a:lvl6pPr>
-            <a:lvl7pPr marL="2971800" indent="-228600">
-              <a:lnSpc>
-                <a:spcPct val="90000"/>
-              </a:lnSpc>
-              <a:spcBef>
-                <a:spcPts val="500"/>
-              </a:spcBef>
-              <a:buFont typeface="Arial" pitchFamily="34" charset="0"/>
-              <a:buChar char="•"/>
-            </a:lvl7pPr>
-            <a:lvl8pPr marL="3429000" indent="-228600">
-              <a:lnSpc>
-                <a:spcPct val="90000"/>
-              </a:lnSpc>
-              <a:spcBef>
-                <a:spcPts val="500"/>
-              </a:spcBef>
-              <a:buFont typeface="Arial" pitchFamily="34" charset="0"/>
-              <a:buChar char="•"/>
-            </a:lvl8pPr>
-            <a:lvl9pPr marL="3886200" indent="-228600">
-              <a:lnSpc>
-                <a:spcPct val="90000"/>
-              </a:lnSpc>
-              <a:spcBef>
-                <a:spcPts val="500"/>
-              </a:spcBef>
-              <a:buFont typeface="Arial" pitchFamily="34" charset="0"/>
-              <a:buChar char="•"/>
-            </a:lvl9pPr>
-          </a:lstStyle>
-          <a:p>
-            <a:r>
-              <a:rPr lang="en-US" altLang="zh-CN"/>
-              <a:t>Lorem ipsum dolor sit amet, consectetur adipisicing elit, sed do eiusmod tempor incididunt ut labore et dolore magna aliqua. Ut enim ad minim veniam, quis nostrud exercitation ullamco laboris nisi ut aliquip ex ea commodo consequat.</a:t>
-            </a:r>
-            <a:endParaRPr lang="zh-CN" altLang="en-US" dirty="0"/>
-          </a:p>
-        </p:txBody>
-      </p:sp>
-      <p:sp>
-        <p:nvSpPr>
-          <p:cNvPr id="5" name="文本框 4"/>
-          <p:cNvSpPr txBox="1"/>
-          <p:nvPr>
-            <p:custDataLst>
-              <p:tags r:id="rId3"/>
-            </p:custDataLst>
-          </p:nvPr>
-        </p:nvSpPr>
-        <p:spPr>
-          <a:xfrm>
-            <a:off x="833967" y="1687134"/>
-            <a:ext cx="5157787" cy="4533361"/>
-          </a:xfrm>
-          <a:prstGeom prst="rect">
-            <a:avLst/>
-          </a:prstGeom>
-        </p:spPr>
-        <p:txBody>
-          <a:bodyPr vert="horz" lIns="91440" tIns="45720" rIns="91440" bIns="45720" rtlCol="0">
-            <a:normAutofit/>
-          </a:bodyPr>
-          <a:lstStyle>
-            <a:lvl1pPr marL="357505" indent="-357505" algn="just">
-              <a:spcBef>
-                <a:spcPts val="300"/>
-              </a:spcBef>
-              <a:spcAft>
-                <a:spcPts val="300"/>
-              </a:spcAft>
-              <a:buClr>
-                <a:schemeClr val="accent1"/>
-              </a:buClr>
-              <a:buSzPct val="70000"/>
-              <a:buFont typeface="Wingdings" pitchFamily="2" charset="2"/>
-              <a:buChar char=""/>
-              <a:defRPr sz="2400" baseline="0"/>
-            </a:lvl1pPr>
-            <a:lvl2pPr marL="357505" indent="-357505" algn="just">
-              <a:lnSpc>
-                <a:spcPct val="130000"/>
-              </a:lnSpc>
-              <a:spcBef>
-                <a:spcPts val="0"/>
-              </a:spcBef>
-              <a:spcAft>
-                <a:spcPts val="600"/>
-              </a:spcAft>
-              <a:buClr>
-                <a:schemeClr val="accent2">
-                  <a:lumMod val="60000"/>
-                  <a:lumOff val="40000"/>
-                </a:schemeClr>
-              </a:buClr>
-              <a:buFont typeface="幼圆" pitchFamily="49" charset="-122"/>
-              <a:buChar char=" "/>
-              <a:defRPr baseline="0">
-                <a:latin typeface="幼圆" pitchFamily="49" charset="-122"/>
-                <a:ea typeface="黑体" pitchFamily="49" charset="-122"/>
-              </a:defRPr>
-            </a:lvl2pPr>
-            <a:lvl3pPr marL="720090" indent="-228600">
-              <a:spcBef>
-                <a:spcPts val="300"/>
-              </a:spcBef>
-              <a:spcAft>
-                <a:spcPts val="300"/>
-              </a:spcAft>
-              <a:buFont typeface="Arial" pitchFamily="34" charset="0"/>
-              <a:buChar char="•"/>
-              <a:defRPr sz="2000"/>
-            </a:lvl3pPr>
-            <a:lvl4pPr marL="1080135" indent="-228600">
-              <a:spcBef>
-                <a:spcPts val="300"/>
-              </a:spcBef>
-              <a:spcAft>
-                <a:spcPts val="300"/>
-              </a:spcAft>
-              <a:buFont typeface="Arial" pitchFamily="34" charset="0"/>
-              <a:buChar char="•"/>
-            </a:lvl4pPr>
-            <a:lvl5pPr marL="1440180" indent="-228600">
-              <a:spcBef>
-                <a:spcPts val="300"/>
-              </a:spcBef>
-              <a:spcAft>
-                <a:spcPts val="300"/>
-              </a:spcAft>
-              <a:buFont typeface="Arial" pitchFamily="34" charset="0"/>
-              <a:buChar char="•"/>
-            </a:lvl5pPr>
-            <a:lvl6pPr marL="1800225" indent="-228600">
-              <a:spcBef>
-                <a:spcPts val="300"/>
-              </a:spcBef>
-              <a:spcAft>
-                <a:spcPts val="300"/>
-              </a:spcAft>
-              <a:buFont typeface="Arial" pitchFamily="34" charset="0"/>
-              <a:buChar char="•"/>
-            </a:lvl6pPr>
-            <a:lvl7pPr marL="2971800" indent="-228600">
-              <a:lnSpc>
-                <a:spcPct val="90000"/>
-              </a:lnSpc>
-              <a:spcBef>
-                <a:spcPts val="500"/>
-              </a:spcBef>
-              <a:buFont typeface="Arial" pitchFamily="34" charset="0"/>
-              <a:buChar char="•"/>
-            </a:lvl7pPr>
-            <a:lvl8pPr marL="3429000" indent="-228600">
-              <a:lnSpc>
-                <a:spcPct val="90000"/>
-              </a:lnSpc>
-              <a:spcBef>
-                <a:spcPts val="500"/>
-              </a:spcBef>
-              <a:buFont typeface="Arial" pitchFamily="34" charset="0"/>
-              <a:buChar char="•"/>
-            </a:lvl8pPr>
-            <a:lvl9pPr marL="3886200" indent="-228600">
-              <a:lnSpc>
-                <a:spcPct val="90000"/>
-              </a:lnSpc>
-              <a:spcBef>
-                <a:spcPts val="500"/>
-              </a:spcBef>
-              <a:buFont typeface="Arial" pitchFamily="34" charset="0"/>
-              <a:buChar char="•"/>
-            </a:lvl9pPr>
-          </a:lstStyle>
-          <a:p>
-            <a:r>
-              <a:rPr lang="en-US" altLang="zh-CN" dirty="0"/>
-              <a:t>Lorem ipsum dolor sit </a:t>
-            </a:r>
-            <a:r>
-              <a:rPr lang="en-US" altLang="zh-CN" dirty="0" err="1"/>
-              <a:t>amet</a:t>
-            </a:r>
-            <a:r>
-              <a:rPr lang="en-US" altLang="zh-CN" dirty="0"/>
-              <a:t>, </a:t>
-            </a:r>
-            <a:r>
-              <a:rPr lang="en-US" altLang="zh-CN" dirty="0" err="1"/>
-              <a:t>consectetur</a:t>
-            </a:r>
-            <a:r>
-              <a:rPr lang="en-US" altLang="zh-CN" dirty="0"/>
-              <a:t> </a:t>
-            </a:r>
-            <a:r>
-              <a:rPr lang="en-US" altLang="zh-CN" dirty="0" err="1"/>
-              <a:t>adipisicing</a:t>
-            </a:r>
-            <a:r>
-              <a:rPr lang="en-US" altLang="zh-CN" dirty="0"/>
-              <a:t> </a:t>
-            </a:r>
-            <a:r>
-              <a:rPr lang="en-US" altLang="zh-CN" dirty="0" err="1"/>
-              <a:t>elit</a:t>
-            </a:r>
-            <a:r>
-              <a:rPr lang="en-US" altLang="zh-CN" dirty="0"/>
-              <a:t>, sed do </a:t>
-            </a:r>
-            <a:r>
-              <a:rPr lang="en-US" altLang="zh-CN" dirty="0" err="1"/>
-              <a:t>eiusmod</a:t>
-            </a:r>
-            <a:r>
-              <a:rPr lang="en-US" altLang="zh-CN" dirty="0"/>
-              <a:t> </a:t>
-            </a:r>
-            <a:r>
-              <a:rPr lang="en-US" altLang="zh-CN" dirty="0" err="1"/>
-              <a:t>tempor</a:t>
-            </a:r>
-            <a:r>
-              <a:rPr lang="en-US" altLang="zh-CN" dirty="0"/>
-              <a:t> </a:t>
-            </a:r>
-            <a:r>
-              <a:rPr lang="en-US" altLang="zh-CN" dirty="0" err="1"/>
-              <a:t>incididunt</a:t>
-            </a:r>
-            <a:r>
-              <a:rPr lang="en-US" altLang="zh-CN" dirty="0"/>
-              <a:t> </a:t>
-            </a:r>
-            <a:r>
-              <a:rPr lang="en-US" altLang="zh-CN" dirty="0" err="1"/>
-              <a:t>ut</a:t>
-            </a:r>
-            <a:r>
-              <a:rPr lang="en-US" altLang="zh-CN" dirty="0"/>
-              <a:t> </a:t>
-            </a:r>
-            <a:r>
-              <a:rPr lang="en-US" altLang="zh-CN" dirty="0" err="1"/>
-              <a:t>labore</a:t>
-            </a:r>
-            <a:r>
-              <a:rPr lang="en-US" altLang="zh-CN" dirty="0"/>
-              <a:t> et dolore magna </a:t>
-            </a:r>
-            <a:r>
-              <a:rPr lang="en-US" altLang="zh-CN" dirty="0" err="1"/>
-              <a:t>aliqua</a:t>
-            </a:r>
-            <a:r>
-              <a:rPr lang="en-US" altLang="zh-CN" dirty="0"/>
-              <a:t>. Ut </a:t>
-            </a:r>
-            <a:r>
-              <a:rPr lang="en-US" altLang="zh-CN" dirty="0" err="1"/>
-              <a:t>enim</a:t>
-            </a:r>
-            <a:r>
-              <a:rPr lang="en-US" altLang="zh-CN" dirty="0"/>
-              <a:t> ad minim </a:t>
-            </a:r>
-            <a:r>
-              <a:rPr lang="en-US" altLang="zh-CN" dirty="0" err="1"/>
-              <a:t>veniam</a:t>
-            </a:r>
-            <a:r>
-              <a:rPr lang="en-US" altLang="zh-CN" dirty="0"/>
-              <a:t>, </a:t>
-            </a:r>
-            <a:r>
-              <a:rPr lang="en-US" altLang="zh-CN" dirty="0" err="1"/>
-              <a:t>quis</a:t>
-            </a:r>
-            <a:r>
-              <a:rPr lang="en-US" altLang="zh-CN" dirty="0"/>
-              <a:t> </a:t>
-            </a:r>
-            <a:r>
-              <a:rPr lang="en-US" altLang="zh-CN" dirty="0" err="1"/>
-              <a:t>nostrud</a:t>
-            </a:r>
-            <a:r>
-              <a:rPr lang="en-US" altLang="zh-CN" dirty="0"/>
-              <a:t> exercitation </a:t>
-            </a:r>
-            <a:r>
-              <a:rPr lang="en-US" altLang="zh-CN" dirty="0" err="1"/>
-              <a:t>ullamco</a:t>
-            </a:r>
-            <a:r>
-              <a:rPr lang="en-US" altLang="zh-CN" dirty="0"/>
-              <a:t> </a:t>
-            </a:r>
-            <a:r>
-              <a:rPr lang="en-US" altLang="zh-CN" dirty="0" err="1"/>
-              <a:t>laboris</a:t>
-            </a:r>
-            <a:r>
-              <a:rPr lang="en-US" altLang="zh-CN" dirty="0"/>
-              <a:t> nisi </a:t>
-            </a:r>
-            <a:r>
-              <a:rPr lang="en-US" altLang="zh-CN" dirty="0" err="1"/>
-              <a:t>ut</a:t>
-            </a:r>
-            <a:r>
-              <a:rPr lang="en-US" altLang="zh-CN" dirty="0"/>
-              <a:t> </a:t>
-            </a:r>
-            <a:r>
-              <a:rPr lang="en-US" altLang="zh-CN" dirty="0" err="1"/>
-              <a:t>aliquip</a:t>
-            </a:r>
-            <a:r>
-              <a:rPr lang="en-US" altLang="zh-CN" dirty="0"/>
-              <a:t> ex </a:t>
-            </a:r>
-            <a:r>
-              <a:rPr lang="en-US" altLang="zh-CN" dirty="0" err="1"/>
-              <a:t>ea</a:t>
-            </a:r>
-            <a:r>
-              <a:rPr lang="en-US" altLang="zh-CN" dirty="0"/>
-              <a:t> </a:t>
-            </a:r>
-            <a:r>
-              <a:rPr lang="en-US" altLang="zh-CN" dirty="0" err="1"/>
-              <a:t>commodo</a:t>
-            </a:r>
-            <a:r>
-              <a:rPr lang="en-US" altLang="zh-CN" dirty="0"/>
-              <a:t> </a:t>
-            </a:r>
-            <a:r>
-              <a:rPr lang="en-US" altLang="zh-CN" dirty="0" err="1"/>
-              <a:t>consequat</a:t>
-            </a:r>
-            <a:r>
-              <a:rPr lang="en-US" altLang="zh-CN" dirty="0"/>
-              <a:t>.</a:t>
-            </a:r>
-            <a:endParaRPr lang="zh-CN" altLang="en-US" dirty="0"/>
-          </a:p>
-        </p:txBody>
-      </p:sp>
-      <p:sp>
-        <p:nvSpPr>
-          <p:cNvPr id="7" name="文本框 6"/>
-          <p:cNvSpPr txBox="1"/>
-          <p:nvPr>
-            <p:custDataLst>
-              <p:tags r:id="rId4"/>
-            </p:custDataLst>
-          </p:nvPr>
-        </p:nvSpPr>
-        <p:spPr>
-          <a:xfrm>
-            <a:off x="833967" y="605895"/>
-            <a:ext cx="10515599" cy="717022"/>
-          </a:xfrm>
-          <a:prstGeom prst="rect">
-            <a:avLst/>
-          </a:prstGeom>
-        </p:spPr>
-        <p:txBody>
-          <a:bodyPr vert="horz" lIns="91440" tIns="45720" rIns="91440" bIns="45720" rtlCol="0" anchor="b">
-            <a:normAutofit/>
-          </a:bodyPr>
-          <a:lstStyle>
-            <a:lvl1pPr>
-              <a:lnSpc>
-                <a:spcPct val="90000"/>
-              </a:lnSpc>
-              <a:spcBef>
-                <a:spcPct val="0"/>
-              </a:spcBef>
-              <a:buNone/>
-              <a:defRPr sz="3200" b="1" i="0" baseline="0">
-                <a:solidFill>
-                  <a:schemeClr val="accent1">
-                    <a:lumMod val="75000"/>
-                  </a:schemeClr>
-                </a:solidFill>
-                <a:effectLst/>
-                <a:latin typeface="+mj-lt"/>
-                <a:ea typeface="+mj-ea"/>
-                <a:cs typeface="+mj-cs"/>
-              </a:defRPr>
-            </a:lvl1pPr>
-          </a:lstStyle>
-          <a:p>
-            <a:r>
-              <a:rPr lang="zh-CN" altLang="en-US" dirty="0"/>
-              <a:t>为什么叫</a:t>
-            </a:r>
-            <a:r>
-              <a:rPr lang="en-US" altLang="zh-CN" dirty="0"/>
-              <a:t>17.5</a:t>
-            </a:r>
-            <a:endParaRPr lang="zh-CN" altLang="en-US" dirty="0"/>
-          </a:p>
-        </p:txBody>
-      </p:sp>
-    </p:spTree>
-    <p:custDataLst>
-      <p:tags r:id="rId1"/>
-    </p:custDataLst>
-  </p:cSld>
-  <p:clrMapOvr>
-    <a:masterClrMapping/>
-  </p:clrMapOvr>
-</p:sld>
-</file>
-
-<file path=ppt/slides/slide20.xml><?xml version="1.0" encoding="utf-8"?>
+<file path=ppt/slides/slide29.xml><?xml version="1.0" encoding="utf-8"?>
 <p:sld xmlns:a="http://schemas.openxmlformats.org/drawingml/2006/main" xmlns:r="http://schemas.openxmlformats.org/officeDocument/2006/relationships" xmlns:p="http://schemas.openxmlformats.org/presentationml/2006/main">
   <p:cSld>
     <p:spTree>
@@ -43911,7 +45926,88 @@
 </p:sld>
 </file>
 
-<file path=ppt/slides/slide21.xml><?xml version="1.0" encoding="utf-8"?>
+<file path=ppt/slides/slide3.xml><?xml version="1.0" encoding="utf-8"?>
+<p:sld xmlns:a="http://schemas.openxmlformats.org/drawingml/2006/main" xmlns:r="http://schemas.openxmlformats.org/officeDocument/2006/relationships" xmlns:p="http://schemas.openxmlformats.org/presentationml/2006/main">
+  <p:cSld>
+    <p:spTree>
+      <p:nvGrpSpPr>
+        <p:cNvPr id="1" name=""/>
+        <p:cNvGrpSpPr/>
+        <p:nvPr/>
+      </p:nvGrpSpPr>
+      <p:grpSpPr>
+        <a:xfrm>
+          <a:off x="0" y="0"/>
+          <a:ext cx="0" cy="0"/>
+          <a:chOff x="0" y="0"/>
+          <a:chExt cx="0" cy="0"/>
+        </a:xfrm>
+      </p:grpSpPr>
+      <p:sp>
+        <p:nvSpPr>
+          <p:cNvPr id="7" name="文本框 6"/>
+          <p:cNvSpPr txBox="1"/>
+          <p:nvPr>
+            <p:custDataLst>
+              <p:tags r:id="rId2"/>
+            </p:custDataLst>
+          </p:nvPr>
+        </p:nvSpPr>
+        <p:spPr>
+          <a:xfrm>
+            <a:off x="833967" y="605895"/>
+            <a:ext cx="10515599" cy="717022"/>
+          </a:xfrm>
+          <a:prstGeom prst="rect">
+            <a:avLst/>
+          </a:prstGeom>
+        </p:spPr>
+        <p:txBody>
+          <a:bodyPr vert="horz" lIns="91440" tIns="45720" rIns="91440" bIns="45720" rtlCol="0" anchor="b">
+            <a:normAutofit/>
+          </a:bodyPr>
+          <a:lstStyle>
+            <a:lvl1pPr>
+              <a:lnSpc>
+                <a:spcPct val="90000"/>
+              </a:lnSpc>
+              <a:spcBef>
+                <a:spcPct val="0"/>
+              </a:spcBef>
+              <a:buNone/>
+              <a:defRPr sz="3200" b="1" i="0" baseline="0">
+                <a:solidFill>
+                  <a:schemeClr val="accent1">
+                    <a:lumMod val="75000"/>
+                  </a:schemeClr>
+                </a:solidFill>
+                <a:effectLst/>
+                <a:latin typeface="+mj-lt"/>
+                <a:ea typeface="+mj-ea"/>
+                <a:cs typeface="+mj-cs"/>
+              </a:defRPr>
+            </a:lvl1pPr>
+          </a:lstStyle>
+          <a:p>
+            <a:r>
+              <a:rPr lang="zh-CN" altLang="en-US" dirty="0"/>
+              <a:t>橙子的种类</a:t>
+            </a:r>
+          </a:p>
+        </p:txBody>
+      </p:sp>
+    </p:spTree>
+    <p:custDataLst>
+      <p:tags r:id="rId1"/>
+    </p:custDataLst>
+  </p:cSld>
+  <p:clrMapOvr>
+    <a:masterClrMapping/>
+  </p:clrMapOvr>
+</p:sld>
+</file>
+
+<file path=ppt/slides/slide30.xml><?xml version="1.0" encoding="utf-8"?>
 <p:sld xmlns:a="http://schemas.openxmlformats.org/drawingml/2006/main" xmlns:r="http://schemas.openxmlformats.org/officeDocument/2006/relationships" xmlns:p="http://schemas.openxmlformats.org/presentationml/2006/main">
   <p:cSld>
     <p:spTree>
@@ -45167,7 +47263,1415 @@
 </p:sld>
 </file>
 
-<file path=ppt/slides/slide3.xml><?xml version="1.0" encoding="utf-8"?>
+<file path=ppt/slides/slide4.xml><?xml version="1.0" encoding="utf-8"?>
+<p:sld xmlns:a="http://schemas.openxmlformats.org/drawingml/2006/main" xmlns:r="http://schemas.openxmlformats.org/officeDocument/2006/relationships" xmlns:p="http://schemas.openxmlformats.org/presentationml/2006/main">
+  <p:cSld>
+    <p:spTree>
+      <p:nvGrpSpPr>
+        <p:cNvPr id="1" name=""/>
+        <p:cNvGrpSpPr/>
+        <p:nvPr/>
+      </p:nvGrpSpPr>
+      <p:grpSpPr>
+        <a:xfrm>
+          <a:off x="0" y="0"/>
+          <a:ext cx="0" cy="0"/>
+          <a:chOff x="0" y="0"/>
+          <a:chExt cx="0" cy="0"/>
+        </a:xfrm>
+      </p:grpSpPr>
+      <p:sp>
+        <p:nvSpPr>
+          <p:cNvPr id="3" name="文本框 2"/>
+          <p:cNvSpPr txBox="1"/>
+          <p:nvPr>
+            <p:custDataLst>
+              <p:tags r:id="rId2"/>
+            </p:custDataLst>
+          </p:nvPr>
+        </p:nvSpPr>
+        <p:spPr>
+          <a:xfrm>
+            <a:off x="6166378" y="1687134"/>
+            <a:ext cx="5183188" cy="4533361"/>
+          </a:xfrm>
+          <a:prstGeom prst="rect">
+            <a:avLst/>
+          </a:prstGeom>
+        </p:spPr>
+        <p:txBody>
+          <a:bodyPr vert="horz" lIns="91440" tIns="45720" rIns="91440" bIns="45720" rtlCol="0">
+            <a:normAutofit/>
+          </a:bodyPr>
+          <a:lstStyle>
+            <a:lvl1pPr marL="357505" indent="-357505" algn="just">
+              <a:spcBef>
+                <a:spcPts val="300"/>
+              </a:spcBef>
+              <a:spcAft>
+                <a:spcPts val="300"/>
+              </a:spcAft>
+              <a:buClr>
+                <a:schemeClr val="accent1"/>
+              </a:buClr>
+              <a:buSzPct val="70000"/>
+              <a:buFont typeface="Wingdings" pitchFamily="2" charset="2"/>
+              <a:buChar char=""/>
+              <a:defRPr sz="2400" baseline="0"/>
+            </a:lvl1pPr>
+            <a:lvl2pPr marL="357505" indent="-357505" algn="just">
+              <a:lnSpc>
+                <a:spcPct val="130000"/>
+              </a:lnSpc>
+              <a:spcBef>
+                <a:spcPts val="0"/>
+              </a:spcBef>
+              <a:spcAft>
+                <a:spcPts val="600"/>
+              </a:spcAft>
+              <a:buClr>
+                <a:schemeClr val="accent2">
+                  <a:lumMod val="60000"/>
+                  <a:lumOff val="40000"/>
+                </a:schemeClr>
+              </a:buClr>
+              <a:buFont typeface="幼圆" pitchFamily="49" charset="-122"/>
+              <a:buChar char=" "/>
+              <a:defRPr baseline="0">
+                <a:latin typeface="幼圆" pitchFamily="49" charset="-122"/>
+                <a:ea typeface="黑体" pitchFamily="49" charset="-122"/>
+              </a:defRPr>
+            </a:lvl2pPr>
+            <a:lvl3pPr marL="720090" indent="-228600">
+              <a:spcBef>
+                <a:spcPts val="300"/>
+              </a:spcBef>
+              <a:spcAft>
+                <a:spcPts val="300"/>
+              </a:spcAft>
+              <a:buFont typeface="Arial" pitchFamily="34" charset="0"/>
+              <a:buChar char="•"/>
+              <a:defRPr sz="2000"/>
+            </a:lvl3pPr>
+            <a:lvl4pPr marL="1080135" indent="-228600">
+              <a:spcBef>
+                <a:spcPts val="300"/>
+              </a:spcBef>
+              <a:spcAft>
+                <a:spcPts val="300"/>
+              </a:spcAft>
+              <a:buFont typeface="Arial" pitchFamily="34" charset="0"/>
+              <a:buChar char="•"/>
+            </a:lvl4pPr>
+            <a:lvl5pPr marL="1440180" indent="-228600">
+              <a:spcBef>
+                <a:spcPts val="300"/>
+              </a:spcBef>
+              <a:spcAft>
+                <a:spcPts val="300"/>
+              </a:spcAft>
+              <a:buFont typeface="Arial" pitchFamily="34" charset="0"/>
+              <a:buChar char="•"/>
+            </a:lvl5pPr>
+            <a:lvl6pPr marL="1800225" indent="-228600">
+              <a:spcBef>
+                <a:spcPts val="300"/>
+              </a:spcBef>
+              <a:spcAft>
+                <a:spcPts val="300"/>
+              </a:spcAft>
+              <a:buFont typeface="Arial" pitchFamily="34" charset="0"/>
+              <a:buChar char="•"/>
+            </a:lvl6pPr>
+            <a:lvl7pPr marL="2971800" indent="-228600">
+              <a:lnSpc>
+                <a:spcPct val="90000"/>
+              </a:lnSpc>
+              <a:spcBef>
+                <a:spcPts val="500"/>
+              </a:spcBef>
+              <a:buFont typeface="Arial" pitchFamily="34" charset="0"/>
+              <a:buChar char="•"/>
+            </a:lvl7pPr>
+            <a:lvl8pPr marL="3429000" indent="-228600">
+              <a:lnSpc>
+                <a:spcPct val="90000"/>
+              </a:lnSpc>
+              <a:spcBef>
+                <a:spcPts val="500"/>
+              </a:spcBef>
+              <a:buFont typeface="Arial" pitchFamily="34" charset="0"/>
+              <a:buChar char="•"/>
+            </a:lvl8pPr>
+            <a:lvl9pPr marL="3886200" indent="-228600">
+              <a:lnSpc>
+                <a:spcPct val="90000"/>
+              </a:lnSpc>
+              <a:spcBef>
+                <a:spcPts val="500"/>
+              </a:spcBef>
+              <a:buFont typeface="Arial" pitchFamily="34" charset="0"/>
+              <a:buChar char="•"/>
+            </a:lvl9pPr>
+          </a:lstStyle>
+          <a:p>
+            <a:r>
+              <a:rPr lang="en-US" altLang="zh-CN"/>
+              <a:t>Lorem ipsum dolor sit amet, consectetur adipisicing elit, sed do eiusmod tempor incididunt ut labore et dolore magna aliqua. Ut enim ad minim veniam, quis nostrud exercitation ullamco laboris nisi ut aliquip ex ea commodo consequat.</a:t>
+            </a:r>
+            <a:endParaRPr lang="zh-CN" altLang="en-US" dirty="0"/>
+          </a:p>
+        </p:txBody>
+      </p:sp>
+      <p:sp>
+        <p:nvSpPr>
+          <p:cNvPr id="5" name="文本框 4"/>
+          <p:cNvSpPr txBox="1"/>
+          <p:nvPr>
+            <p:custDataLst>
+              <p:tags r:id="rId3"/>
+            </p:custDataLst>
+          </p:nvPr>
+        </p:nvSpPr>
+        <p:spPr>
+          <a:xfrm>
+            <a:off x="833967" y="1687134"/>
+            <a:ext cx="5157787" cy="4533361"/>
+          </a:xfrm>
+          <a:prstGeom prst="rect">
+            <a:avLst/>
+          </a:prstGeom>
+        </p:spPr>
+        <p:txBody>
+          <a:bodyPr vert="horz" lIns="91440" tIns="45720" rIns="91440" bIns="45720" rtlCol="0">
+            <a:normAutofit/>
+          </a:bodyPr>
+          <a:lstStyle>
+            <a:lvl1pPr marL="357505" indent="-357505" algn="just">
+              <a:spcBef>
+                <a:spcPts val="300"/>
+              </a:spcBef>
+              <a:spcAft>
+                <a:spcPts val="300"/>
+              </a:spcAft>
+              <a:buClr>
+                <a:schemeClr val="accent1"/>
+              </a:buClr>
+              <a:buSzPct val="70000"/>
+              <a:buFont typeface="Wingdings" pitchFamily="2" charset="2"/>
+              <a:buChar char=""/>
+              <a:defRPr sz="2400" baseline="0"/>
+            </a:lvl1pPr>
+            <a:lvl2pPr marL="357505" indent="-357505" algn="just">
+              <a:lnSpc>
+                <a:spcPct val="130000"/>
+              </a:lnSpc>
+              <a:spcBef>
+                <a:spcPts val="0"/>
+              </a:spcBef>
+              <a:spcAft>
+                <a:spcPts val="600"/>
+              </a:spcAft>
+              <a:buClr>
+                <a:schemeClr val="accent2">
+                  <a:lumMod val="60000"/>
+                  <a:lumOff val="40000"/>
+                </a:schemeClr>
+              </a:buClr>
+              <a:buFont typeface="幼圆" pitchFamily="49" charset="-122"/>
+              <a:buChar char=" "/>
+              <a:defRPr baseline="0">
+                <a:latin typeface="幼圆" pitchFamily="49" charset="-122"/>
+                <a:ea typeface="黑体" pitchFamily="49" charset="-122"/>
+              </a:defRPr>
+            </a:lvl2pPr>
+            <a:lvl3pPr marL="720090" indent="-228600">
+              <a:spcBef>
+                <a:spcPts val="300"/>
+              </a:spcBef>
+              <a:spcAft>
+                <a:spcPts val="300"/>
+              </a:spcAft>
+              <a:buFont typeface="Arial" pitchFamily="34" charset="0"/>
+              <a:buChar char="•"/>
+              <a:defRPr sz="2000"/>
+            </a:lvl3pPr>
+            <a:lvl4pPr marL="1080135" indent="-228600">
+              <a:spcBef>
+                <a:spcPts val="300"/>
+              </a:spcBef>
+              <a:spcAft>
+                <a:spcPts val="300"/>
+              </a:spcAft>
+              <a:buFont typeface="Arial" pitchFamily="34" charset="0"/>
+              <a:buChar char="•"/>
+            </a:lvl4pPr>
+            <a:lvl5pPr marL="1440180" indent="-228600">
+              <a:spcBef>
+                <a:spcPts val="300"/>
+              </a:spcBef>
+              <a:spcAft>
+                <a:spcPts val="300"/>
+              </a:spcAft>
+              <a:buFont typeface="Arial" pitchFamily="34" charset="0"/>
+              <a:buChar char="•"/>
+            </a:lvl5pPr>
+            <a:lvl6pPr marL="1800225" indent="-228600">
+              <a:spcBef>
+                <a:spcPts val="300"/>
+              </a:spcBef>
+              <a:spcAft>
+                <a:spcPts val="300"/>
+              </a:spcAft>
+              <a:buFont typeface="Arial" pitchFamily="34" charset="0"/>
+              <a:buChar char="•"/>
+            </a:lvl6pPr>
+            <a:lvl7pPr marL="2971800" indent="-228600">
+              <a:lnSpc>
+                <a:spcPct val="90000"/>
+              </a:lnSpc>
+              <a:spcBef>
+                <a:spcPts val="500"/>
+              </a:spcBef>
+              <a:buFont typeface="Arial" pitchFamily="34" charset="0"/>
+              <a:buChar char="•"/>
+            </a:lvl7pPr>
+            <a:lvl8pPr marL="3429000" indent="-228600">
+              <a:lnSpc>
+                <a:spcPct val="90000"/>
+              </a:lnSpc>
+              <a:spcBef>
+                <a:spcPts val="500"/>
+              </a:spcBef>
+              <a:buFont typeface="Arial" pitchFamily="34" charset="0"/>
+              <a:buChar char="•"/>
+            </a:lvl8pPr>
+            <a:lvl9pPr marL="3886200" indent="-228600">
+              <a:lnSpc>
+                <a:spcPct val="90000"/>
+              </a:lnSpc>
+              <a:spcBef>
+                <a:spcPts val="500"/>
+              </a:spcBef>
+              <a:buFont typeface="Arial" pitchFamily="34" charset="0"/>
+              <a:buChar char="•"/>
+            </a:lvl9pPr>
+          </a:lstStyle>
+          <a:p>
+            <a:r>
+              <a:rPr lang="en-US" altLang="zh-CN" dirty="0"/>
+              <a:t>Lorem ipsum dolor sit </a:t>
+            </a:r>
+            <a:r>
+              <a:rPr lang="en-US" altLang="zh-CN" dirty="0" err="1"/>
+              <a:t>amet</a:t>
+            </a:r>
+            <a:r>
+              <a:rPr lang="en-US" altLang="zh-CN" dirty="0"/>
+              <a:t>, </a:t>
+            </a:r>
+            <a:r>
+              <a:rPr lang="en-US" altLang="zh-CN" dirty="0" err="1"/>
+              <a:t>consectetur</a:t>
+            </a:r>
+            <a:r>
+              <a:rPr lang="en-US" altLang="zh-CN" dirty="0"/>
+              <a:t> </a:t>
+            </a:r>
+            <a:r>
+              <a:rPr lang="en-US" altLang="zh-CN" dirty="0" err="1"/>
+              <a:t>adipisicing</a:t>
+            </a:r>
+            <a:r>
+              <a:rPr lang="en-US" altLang="zh-CN" dirty="0"/>
+              <a:t> </a:t>
+            </a:r>
+            <a:r>
+              <a:rPr lang="en-US" altLang="zh-CN" dirty="0" err="1"/>
+              <a:t>elit</a:t>
+            </a:r>
+            <a:r>
+              <a:rPr lang="en-US" altLang="zh-CN" dirty="0"/>
+              <a:t>, sed do </a:t>
+            </a:r>
+            <a:r>
+              <a:rPr lang="en-US" altLang="zh-CN" dirty="0" err="1"/>
+              <a:t>eiusmod</a:t>
+            </a:r>
+            <a:r>
+              <a:rPr lang="en-US" altLang="zh-CN" dirty="0"/>
+              <a:t> </a:t>
+            </a:r>
+            <a:r>
+              <a:rPr lang="en-US" altLang="zh-CN" dirty="0" err="1"/>
+              <a:t>tempor</a:t>
+            </a:r>
+            <a:r>
+              <a:rPr lang="en-US" altLang="zh-CN" dirty="0"/>
+              <a:t> </a:t>
+            </a:r>
+            <a:r>
+              <a:rPr lang="en-US" altLang="zh-CN" dirty="0" err="1"/>
+              <a:t>incididunt</a:t>
+            </a:r>
+            <a:r>
+              <a:rPr lang="en-US" altLang="zh-CN" dirty="0"/>
+              <a:t> </a:t>
+            </a:r>
+            <a:r>
+              <a:rPr lang="en-US" altLang="zh-CN" dirty="0" err="1"/>
+              <a:t>ut</a:t>
+            </a:r>
+            <a:r>
+              <a:rPr lang="en-US" altLang="zh-CN" dirty="0"/>
+              <a:t> </a:t>
+            </a:r>
+            <a:r>
+              <a:rPr lang="en-US" altLang="zh-CN" dirty="0" err="1"/>
+              <a:t>labore</a:t>
+            </a:r>
+            <a:r>
+              <a:rPr lang="en-US" altLang="zh-CN" dirty="0"/>
+              <a:t> et dolore magna </a:t>
+            </a:r>
+            <a:r>
+              <a:rPr lang="en-US" altLang="zh-CN" dirty="0" err="1"/>
+              <a:t>aliqua</a:t>
+            </a:r>
+            <a:r>
+              <a:rPr lang="en-US" altLang="zh-CN" dirty="0"/>
+              <a:t>. Ut </a:t>
+            </a:r>
+            <a:r>
+              <a:rPr lang="en-US" altLang="zh-CN" dirty="0" err="1"/>
+              <a:t>enim</a:t>
+            </a:r>
+            <a:r>
+              <a:rPr lang="en-US" altLang="zh-CN" dirty="0"/>
+              <a:t> ad minim </a:t>
+            </a:r>
+            <a:r>
+              <a:rPr lang="en-US" altLang="zh-CN" dirty="0" err="1"/>
+              <a:t>veniam</a:t>
+            </a:r>
+            <a:r>
+              <a:rPr lang="en-US" altLang="zh-CN" dirty="0"/>
+              <a:t>, </a:t>
+            </a:r>
+            <a:r>
+              <a:rPr lang="en-US" altLang="zh-CN" dirty="0" err="1"/>
+              <a:t>quis</a:t>
+            </a:r>
+            <a:r>
+              <a:rPr lang="en-US" altLang="zh-CN" dirty="0"/>
+              <a:t> </a:t>
+            </a:r>
+            <a:r>
+              <a:rPr lang="en-US" altLang="zh-CN" dirty="0" err="1"/>
+              <a:t>nostrud</a:t>
+            </a:r>
+            <a:r>
+              <a:rPr lang="en-US" altLang="zh-CN" dirty="0"/>
+              <a:t> exercitation </a:t>
+            </a:r>
+            <a:r>
+              <a:rPr lang="en-US" altLang="zh-CN" dirty="0" err="1"/>
+              <a:t>ullamco</a:t>
+            </a:r>
+            <a:r>
+              <a:rPr lang="en-US" altLang="zh-CN" dirty="0"/>
+              <a:t> </a:t>
+            </a:r>
+            <a:r>
+              <a:rPr lang="en-US" altLang="zh-CN" dirty="0" err="1"/>
+              <a:t>laboris</a:t>
+            </a:r>
+            <a:r>
+              <a:rPr lang="en-US" altLang="zh-CN" dirty="0"/>
+              <a:t> nisi </a:t>
+            </a:r>
+            <a:r>
+              <a:rPr lang="en-US" altLang="zh-CN" dirty="0" err="1"/>
+              <a:t>ut</a:t>
+            </a:r>
+            <a:r>
+              <a:rPr lang="en-US" altLang="zh-CN" dirty="0"/>
+              <a:t> </a:t>
+            </a:r>
+            <a:r>
+              <a:rPr lang="en-US" altLang="zh-CN" dirty="0" err="1"/>
+              <a:t>aliquip</a:t>
+            </a:r>
+            <a:r>
+              <a:rPr lang="en-US" altLang="zh-CN" dirty="0"/>
+              <a:t> ex </a:t>
+            </a:r>
+            <a:r>
+              <a:rPr lang="en-US" altLang="zh-CN" dirty="0" err="1"/>
+              <a:t>ea</a:t>
+            </a:r>
+            <a:r>
+              <a:rPr lang="en-US" altLang="zh-CN" dirty="0"/>
+              <a:t> </a:t>
+            </a:r>
+            <a:r>
+              <a:rPr lang="en-US" altLang="zh-CN" dirty="0" err="1"/>
+              <a:t>commodo</a:t>
+            </a:r>
+            <a:r>
+              <a:rPr lang="en-US" altLang="zh-CN" dirty="0"/>
+              <a:t> </a:t>
+            </a:r>
+            <a:r>
+              <a:rPr lang="en-US" altLang="zh-CN" dirty="0" err="1"/>
+              <a:t>consequat</a:t>
+            </a:r>
+            <a:r>
+              <a:rPr lang="en-US" altLang="zh-CN" dirty="0"/>
+              <a:t>.</a:t>
+            </a:r>
+            <a:endParaRPr lang="zh-CN" altLang="en-US" dirty="0"/>
+          </a:p>
+        </p:txBody>
+      </p:sp>
+      <p:sp>
+        <p:nvSpPr>
+          <p:cNvPr id="7" name="文本框 6"/>
+          <p:cNvSpPr txBox="1"/>
+          <p:nvPr>
+            <p:custDataLst>
+              <p:tags r:id="rId4"/>
+            </p:custDataLst>
+          </p:nvPr>
+        </p:nvSpPr>
+        <p:spPr>
+          <a:xfrm>
+            <a:off x="833967" y="605895"/>
+            <a:ext cx="10515599" cy="717022"/>
+          </a:xfrm>
+          <a:prstGeom prst="rect">
+            <a:avLst/>
+          </a:prstGeom>
+        </p:spPr>
+        <p:txBody>
+          <a:bodyPr vert="horz" lIns="91440" tIns="45720" rIns="91440" bIns="45720" rtlCol="0" anchor="b">
+            <a:normAutofit/>
+          </a:bodyPr>
+          <a:lstStyle>
+            <a:lvl1pPr>
+              <a:lnSpc>
+                <a:spcPct val="90000"/>
+              </a:lnSpc>
+              <a:spcBef>
+                <a:spcPct val="0"/>
+              </a:spcBef>
+              <a:buNone/>
+              <a:defRPr sz="3200" b="1" i="0" baseline="0">
+                <a:solidFill>
+                  <a:schemeClr val="accent1">
+                    <a:lumMod val="75000"/>
+                  </a:schemeClr>
+                </a:solidFill>
+                <a:effectLst/>
+                <a:latin typeface="+mj-lt"/>
+                <a:ea typeface="+mj-ea"/>
+                <a:cs typeface="+mj-cs"/>
+              </a:defRPr>
+            </a:lvl1pPr>
+          </a:lstStyle>
+          <a:p>
+            <a:r>
+              <a:rPr lang="zh-CN" altLang="en-US" dirty="0"/>
+              <a:t>为什么叫</a:t>
+            </a:r>
+            <a:r>
+              <a:rPr lang="en-US" altLang="zh-CN" dirty="0"/>
+              <a:t>17.5</a:t>
+            </a:r>
+            <a:endParaRPr lang="zh-CN" altLang="en-US" dirty="0"/>
+          </a:p>
+        </p:txBody>
+      </p:sp>
+    </p:spTree>
+    <p:custDataLst>
+      <p:tags r:id="rId1"/>
+    </p:custDataLst>
+    <p:extLst>
+      <p:ext uri="{BB962C8B-B14F-4D97-AF65-F5344CB8AC3E}">
+        <p14:creationId xmlns:p14="http://schemas.microsoft.com/office/powerpoint/2010/main" val="275306440"/>
+      </p:ext>
+    </p:extLst>
+  </p:cSld>
+  <p:clrMapOvr>
+    <a:masterClrMapping/>
+  </p:clrMapOvr>
+</p:sld>
+</file>
+
+<file path=ppt/slides/slide5.xml><?xml version="1.0" encoding="utf-8"?>
+<p:sld xmlns:a="http://schemas.openxmlformats.org/drawingml/2006/main" xmlns:r="http://schemas.openxmlformats.org/officeDocument/2006/relationships" xmlns:p="http://schemas.openxmlformats.org/presentationml/2006/main">
+  <p:cSld>
+    <p:spTree>
+      <p:nvGrpSpPr>
+        <p:cNvPr id="1" name=""/>
+        <p:cNvGrpSpPr/>
+        <p:nvPr/>
+      </p:nvGrpSpPr>
+      <p:grpSpPr>
+        <a:xfrm>
+          <a:off x="0" y="0"/>
+          <a:ext cx="0" cy="0"/>
+          <a:chOff x="0" y="0"/>
+          <a:chExt cx="0" cy="0"/>
+        </a:xfrm>
+      </p:grpSpPr>
+      <p:pic>
+        <p:nvPicPr>
+          <p:cNvPr id="1030" name="Picture 6" descr="http://5b0988e595225.cdn.sohucs.com/images/20171124/c2f2cd25a3734b1abef3a0424dfc541a.jpeg">
+            <a:extLst>
+              <a:ext uri="{FF2B5EF4-FFF2-40B4-BE49-F238E27FC236}">
+                <a16:creationId xmlns:a16="http://schemas.microsoft.com/office/drawing/2014/main" id="{345F8328-B3B4-4830-B5A5-3FBE9DFB89F8}"/>
+              </a:ext>
+            </a:extLst>
+          </p:cNvPr>
+          <p:cNvPicPr>
+            <a:picLocks noChangeAspect="1" noChangeArrowheads="1"/>
+          </p:cNvPicPr>
+          <p:nvPr/>
+        </p:nvPicPr>
+        <p:blipFill>
+          <a:blip r:embed="rId4">
+            <a:extLst>
+              <a:ext uri="{28A0092B-C50C-407E-A947-70E740481C1C}">
+                <a14:useLocalDpi xmlns:a14="http://schemas.microsoft.com/office/drawing/2010/main" val="0"/>
+              </a:ext>
+            </a:extLst>
+          </a:blip>
+          <a:srcRect/>
+          <a:stretch>
+            <a:fillRect/>
+          </a:stretch>
+        </p:blipFill>
+        <p:spPr bwMode="auto">
+          <a:xfrm>
+            <a:off x="2056332" y="1697065"/>
+            <a:ext cx="8079335" cy="2234441"/>
+          </a:xfrm>
+          <a:prstGeom prst="rect">
+            <a:avLst/>
+          </a:prstGeom>
+          <a:noFill/>
+          <a:extLst>
+            <a:ext uri="{909E8E84-426E-40DD-AFC4-6F175D3DCCD1}">
+              <a14:hiddenFill xmlns:a14="http://schemas.microsoft.com/office/drawing/2010/main">
+                <a:solidFill>
+                  <a:srgbClr val="FFFFFF"/>
+                </a:solidFill>
+              </a14:hiddenFill>
+            </a:ext>
+          </a:extLst>
+        </p:spPr>
+      </p:pic>
+      <p:sp>
+        <p:nvSpPr>
+          <p:cNvPr id="2" name="矩形 1">
+            <a:extLst>
+              <a:ext uri="{FF2B5EF4-FFF2-40B4-BE49-F238E27FC236}">
+                <a16:creationId xmlns:a16="http://schemas.microsoft.com/office/drawing/2014/main" id="{72086AD7-1BB3-43EF-AD9A-E61EEC6B9B92}"/>
+              </a:ext>
+            </a:extLst>
+          </p:cNvPr>
+          <p:cNvSpPr/>
+          <p:nvPr/>
+        </p:nvSpPr>
+        <p:spPr>
+          <a:xfrm>
+            <a:off x="1645515" y="4335261"/>
+            <a:ext cx="9353789" cy="646331"/>
+          </a:xfrm>
+          <a:prstGeom prst="rect">
+            <a:avLst/>
+          </a:prstGeom>
+        </p:spPr>
+        <p:txBody>
+          <a:bodyPr wrap="square">
+            <a:spAutoFit/>
+          </a:bodyPr>
+          <a:lstStyle/>
+          <a:p>
+            <a:r>
+              <a:rPr lang="zh-CN" altLang="en-US" dirty="0">
+                <a:solidFill>
+                  <a:srgbClr val="191919"/>
+                </a:solidFill>
+                <a:latin typeface="PingFang SC"/>
+              </a:rPr>
+              <a:t>美国农业部</a:t>
+            </a:r>
+            <a:r>
+              <a:rPr lang="en-US" altLang="zh-CN" dirty="0">
+                <a:solidFill>
+                  <a:srgbClr val="191919"/>
+                </a:solidFill>
+                <a:latin typeface="PingFang SC"/>
+              </a:rPr>
+              <a:t>USDA</a:t>
+            </a:r>
+            <a:r>
+              <a:rPr lang="zh-CN" altLang="en-US" dirty="0">
+                <a:solidFill>
+                  <a:srgbClr val="191919"/>
+                </a:solidFill>
+                <a:latin typeface="PingFang SC"/>
+              </a:rPr>
+              <a:t>的分级标准将</a:t>
+            </a:r>
+            <a:r>
+              <a:rPr lang="en-US" altLang="zh-CN" dirty="0">
+                <a:solidFill>
+                  <a:srgbClr val="191919"/>
+                </a:solidFill>
+                <a:latin typeface="PingFang SC"/>
+              </a:rPr>
+              <a:t>A</a:t>
+            </a:r>
+            <a:r>
+              <a:rPr lang="zh-CN" altLang="en-US" dirty="0">
+                <a:solidFill>
+                  <a:srgbClr val="191919"/>
+                </a:solidFill>
+                <a:latin typeface="PingFang SC"/>
+              </a:rPr>
+              <a:t>类橙汁的糖酸比范围界定在</a:t>
+            </a:r>
+            <a:r>
+              <a:rPr lang="en-US" altLang="zh-CN" b="1" dirty="0">
+                <a:solidFill>
+                  <a:srgbClr val="191919"/>
+                </a:solidFill>
+                <a:latin typeface="PingFang SC"/>
+              </a:rPr>
+              <a:t>12.5-20.5</a:t>
+            </a:r>
+            <a:r>
+              <a:rPr lang="zh-CN" altLang="en-US" dirty="0">
+                <a:solidFill>
+                  <a:srgbClr val="191919"/>
+                </a:solidFill>
+                <a:latin typeface="PingFang SC"/>
+              </a:rPr>
+              <a:t>，这个范围充分考虑到了橙子中酸味的重要性。</a:t>
+            </a:r>
+            <a:endParaRPr lang="en-US" dirty="0"/>
+          </a:p>
+        </p:txBody>
+      </p:sp>
+      <p:sp>
+        <p:nvSpPr>
+          <p:cNvPr id="4" name="矩形 3">
+            <a:extLst>
+              <a:ext uri="{FF2B5EF4-FFF2-40B4-BE49-F238E27FC236}">
+                <a16:creationId xmlns:a16="http://schemas.microsoft.com/office/drawing/2014/main" id="{86DC06B7-5ED7-4D55-B331-DDE57DC20BFE}"/>
+              </a:ext>
+            </a:extLst>
+          </p:cNvPr>
+          <p:cNvSpPr/>
+          <p:nvPr/>
+        </p:nvSpPr>
+        <p:spPr>
+          <a:xfrm>
+            <a:off x="1645514" y="5207536"/>
+            <a:ext cx="9539321" cy="646331"/>
+          </a:xfrm>
+          <a:prstGeom prst="rect">
+            <a:avLst/>
+          </a:prstGeom>
+        </p:spPr>
+        <p:txBody>
+          <a:bodyPr wrap="square">
+            <a:spAutoFit/>
+          </a:bodyPr>
+          <a:lstStyle/>
+          <a:p>
+            <a:r>
+              <a:rPr lang="zh-CN" altLang="en-US" dirty="0">
+                <a:solidFill>
+                  <a:srgbClr val="191919"/>
+                </a:solidFill>
+                <a:latin typeface="PingFang SC"/>
+              </a:rPr>
+              <a:t>糖酸比：食品或食品原料中总糖量（可溶性固形物</a:t>
+            </a:r>
+            <a:r>
+              <a:rPr lang="en-US" altLang="zh-CN" dirty="0">
+                <a:solidFill>
+                  <a:srgbClr val="191919"/>
+                </a:solidFill>
+                <a:latin typeface="PingFang SC"/>
+              </a:rPr>
+              <a:t>,</a:t>
+            </a:r>
+            <a:r>
+              <a:rPr lang="zh-CN" altLang="en-US" dirty="0">
+                <a:solidFill>
+                  <a:srgbClr val="191919"/>
+                </a:solidFill>
+                <a:latin typeface="PingFang SC"/>
+              </a:rPr>
+              <a:t>一般以糖度折射计的示度表示）与总酸含量的比。</a:t>
+            </a:r>
+            <a:endParaRPr lang="en-US" dirty="0">
+              <a:solidFill>
+                <a:srgbClr val="191919"/>
+              </a:solidFill>
+              <a:latin typeface="PingFang SC"/>
+            </a:endParaRPr>
+          </a:p>
+        </p:txBody>
+      </p:sp>
+    </p:spTree>
+    <p:custDataLst>
+      <p:tags r:id="rId1"/>
+    </p:custDataLst>
+    <p:extLst>
+      <p:ext uri="{BB962C8B-B14F-4D97-AF65-F5344CB8AC3E}">
+        <p14:creationId xmlns:p14="http://schemas.microsoft.com/office/powerpoint/2010/main" val="1661462925"/>
+      </p:ext>
+    </p:extLst>
+  </p:cSld>
+  <p:clrMapOvr>
+    <a:masterClrMapping/>
+  </p:clrMapOvr>
+</p:sld>
+</file>
+
+<file path=ppt/slides/slide6.xml><?xml version="1.0" encoding="utf-8"?>
+<p:sld xmlns:a="http://schemas.openxmlformats.org/drawingml/2006/main" xmlns:r="http://schemas.openxmlformats.org/officeDocument/2006/relationships" xmlns:p="http://schemas.openxmlformats.org/presentationml/2006/main">
+  <p:cSld>
+    <p:spTree>
+      <p:nvGrpSpPr>
+        <p:cNvPr id="1" name=""/>
+        <p:cNvGrpSpPr/>
+        <p:nvPr/>
+      </p:nvGrpSpPr>
+      <p:grpSpPr>
+        <a:xfrm>
+          <a:off x="0" y="0"/>
+          <a:ext cx="0" cy="0"/>
+          <a:chOff x="0" y="0"/>
+          <a:chExt cx="0" cy="0"/>
+        </a:xfrm>
+      </p:grpSpPr>
+      <p:sp>
+        <p:nvSpPr>
+          <p:cNvPr id="7" name="文本框 6"/>
+          <p:cNvSpPr txBox="1"/>
+          <p:nvPr>
+            <p:custDataLst>
+              <p:tags r:id="rId2"/>
+            </p:custDataLst>
+          </p:nvPr>
+        </p:nvSpPr>
+        <p:spPr>
+          <a:xfrm>
+            <a:off x="833967" y="605895"/>
+            <a:ext cx="10515599" cy="717022"/>
+          </a:xfrm>
+          <a:prstGeom prst="rect">
+            <a:avLst/>
+          </a:prstGeom>
+        </p:spPr>
+        <p:txBody>
+          <a:bodyPr vert="horz" lIns="91440" tIns="45720" rIns="91440" bIns="45720" rtlCol="0" anchor="b">
+            <a:normAutofit/>
+          </a:bodyPr>
+          <a:lstStyle>
+            <a:lvl1pPr>
+              <a:lnSpc>
+                <a:spcPct val="90000"/>
+              </a:lnSpc>
+              <a:spcBef>
+                <a:spcPct val="0"/>
+              </a:spcBef>
+              <a:buNone/>
+              <a:defRPr sz="3200" b="1" i="0" baseline="0">
+                <a:solidFill>
+                  <a:schemeClr val="accent1">
+                    <a:lumMod val="75000"/>
+                  </a:schemeClr>
+                </a:solidFill>
+                <a:effectLst/>
+                <a:latin typeface="+mj-lt"/>
+                <a:ea typeface="+mj-ea"/>
+                <a:cs typeface="+mj-cs"/>
+              </a:defRPr>
+            </a:lvl1pPr>
+          </a:lstStyle>
+          <a:p>
+            <a:r>
+              <a:rPr lang="zh-CN" altLang="en-US" dirty="0"/>
+              <a:t>糖酸比怎么测算</a:t>
+            </a:r>
+          </a:p>
+        </p:txBody>
+      </p:sp>
+    </p:spTree>
+    <p:custDataLst>
+      <p:tags r:id="rId1"/>
+    </p:custDataLst>
+    <p:extLst>
+      <p:ext uri="{BB962C8B-B14F-4D97-AF65-F5344CB8AC3E}">
+        <p14:creationId xmlns:p14="http://schemas.microsoft.com/office/powerpoint/2010/main" val="1478136744"/>
+      </p:ext>
+    </p:extLst>
+  </p:cSld>
+  <p:clrMapOvr>
+    <a:masterClrMapping/>
+  </p:clrMapOvr>
+</p:sld>
+</file>
+
+<file path=ppt/slides/slide7.xml><?xml version="1.0" encoding="utf-8"?>
+<p:sld xmlns:a="http://schemas.openxmlformats.org/drawingml/2006/main" xmlns:r="http://schemas.openxmlformats.org/officeDocument/2006/relationships" xmlns:p="http://schemas.openxmlformats.org/presentationml/2006/main">
+  <p:cSld>
+    <p:spTree>
+      <p:nvGrpSpPr>
+        <p:cNvPr id="1" name=""/>
+        <p:cNvGrpSpPr/>
+        <p:nvPr/>
+      </p:nvGrpSpPr>
+      <p:grpSpPr>
+        <a:xfrm>
+          <a:off x="0" y="0"/>
+          <a:ext cx="0" cy="0"/>
+          <a:chOff x="0" y="0"/>
+          <a:chExt cx="0" cy="0"/>
+        </a:xfrm>
+      </p:grpSpPr>
+      <p:sp>
+        <p:nvSpPr>
+          <p:cNvPr id="3" name="文本框 2"/>
+          <p:cNvSpPr txBox="1"/>
+          <p:nvPr>
+            <p:custDataLst>
+              <p:tags r:id="rId2"/>
+            </p:custDataLst>
+          </p:nvPr>
+        </p:nvSpPr>
+        <p:spPr>
+          <a:xfrm>
+            <a:off x="6166378" y="1687134"/>
+            <a:ext cx="5183188" cy="4533361"/>
+          </a:xfrm>
+          <a:prstGeom prst="rect">
+            <a:avLst/>
+          </a:prstGeom>
+        </p:spPr>
+        <p:txBody>
+          <a:bodyPr vert="horz" lIns="91440" tIns="45720" rIns="91440" bIns="45720" rtlCol="0">
+            <a:normAutofit/>
+          </a:bodyPr>
+          <a:lstStyle>
+            <a:lvl1pPr marL="357505" indent="-357505" algn="just">
+              <a:spcBef>
+                <a:spcPts val="300"/>
+              </a:spcBef>
+              <a:spcAft>
+                <a:spcPts val="300"/>
+              </a:spcAft>
+              <a:buClr>
+                <a:schemeClr val="accent1"/>
+              </a:buClr>
+              <a:buSzPct val="70000"/>
+              <a:buFont typeface="Wingdings" pitchFamily="2" charset="2"/>
+              <a:buChar char=""/>
+              <a:defRPr sz="2400" baseline="0"/>
+            </a:lvl1pPr>
+            <a:lvl2pPr marL="357505" indent="-357505" algn="just">
+              <a:lnSpc>
+                <a:spcPct val="130000"/>
+              </a:lnSpc>
+              <a:spcBef>
+                <a:spcPts val="0"/>
+              </a:spcBef>
+              <a:spcAft>
+                <a:spcPts val="600"/>
+              </a:spcAft>
+              <a:buClr>
+                <a:schemeClr val="accent2">
+                  <a:lumMod val="60000"/>
+                  <a:lumOff val="40000"/>
+                </a:schemeClr>
+              </a:buClr>
+              <a:buFont typeface="幼圆" pitchFamily="49" charset="-122"/>
+              <a:buChar char=" "/>
+              <a:defRPr baseline="0">
+                <a:latin typeface="幼圆" pitchFamily="49" charset="-122"/>
+                <a:ea typeface="黑体" pitchFamily="49" charset="-122"/>
+              </a:defRPr>
+            </a:lvl2pPr>
+            <a:lvl3pPr marL="720090" indent="-228600">
+              <a:spcBef>
+                <a:spcPts val="300"/>
+              </a:spcBef>
+              <a:spcAft>
+                <a:spcPts val="300"/>
+              </a:spcAft>
+              <a:buFont typeface="Arial" pitchFamily="34" charset="0"/>
+              <a:buChar char="•"/>
+              <a:defRPr sz="2000"/>
+            </a:lvl3pPr>
+            <a:lvl4pPr marL="1080135" indent="-228600">
+              <a:spcBef>
+                <a:spcPts val="300"/>
+              </a:spcBef>
+              <a:spcAft>
+                <a:spcPts val="300"/>
+              </a:spcAft>
+              <a:buFont typeface="Arial" pitchFamily="34" charset="0"/>
+              <a:buChar char="•"/>
+            </a:lvl4pPr>
+            <a:lvl5pPr marL="1440180" indent="-228600">
+              <a:spcBef>
+                <a:spcPts val="300"/>
+              </a:spcBef>
+              <a:spcAft>
+                <a:spcPts val="300"/>
+              </a:spcAft>
+              <a:buFont typeface="Arial" pitchFamily="34" charset="0"/>
+              <a:buChar char="•"/>
+            </a:lvl5pPr>
+            <a:lvl6pPr marL="1800225" indent="-228600">
+              <a:spcBef>
+                <a:spcPts val="300"/>
+              </a:spcBef>
+              <a:spcAft>
+                <a:spcPts val="300"/>
+              </a:spcAft>
+              <a:buFont typeface="Arial" pitchFamily="34" charset="0"/>
+              <a:buChar char="•"/>
+            </a:lvl6pPr>
+            <a:lvl7pPr marL="2971800" indent="-228600">
+              <a:lnSpc>
+                <a:spcPct val="90000"/>
+              </a:lnSpc>
+              <a:spcBef>
+                <a:spcPts val="500"/>
+              </a:spcBef>
+              <a:buFont typeface="Arial" pitchFamily="34" charset="0"/>
+              <a:buChar char="•"/>
+            </a:lvl7pPr>
+            <a:lvl8pPr marL="3429000" indent="-228600">
+              <a:lnSpc>
+                <a:spcPct val="90000"/>
+              </a:lnSpc>
+              <a:spcBef>
+                <a:spcPts val="500"/>
+              </a:spcBef>
+              <a:buFont typeface="Arial" pitchFamily="34" charset="0"/>
+              <a:buChar char="•"/>
+            </a:lvl8pPr>
+            <a:lvl9pPr marL="3886200" indent="-228600">
+              <a:lnSpc>
+                <a:spcPct val="90000"/>
+              </a:lnSpc>
+              <a:spcBef>
+                <a:spcPts val="500"/>
+              </a:spcBef>
+              <a:buFont typeface="Arial" pitchFamily="34" charset="0"/>
+              <a:buChar char="•"/>
+            </a:lvl9pPr>
+          </a:lstStyle>
+          <a:p>
+            <a:r>
+              <a:rPr lang="en-US" altLang="zh-CN"/>
+              <a:t>Lorem ipsum dolor sit amet, consectetur adipisicing elit, sed do eiusmod tempor incididunt ut labore et dolore magna aliqua. Ut enim ad minim veniam, quis nostrud exercitation ullamco laboris nisi ut aliquip ex ea commodo consequat.</a:t>
+            </a:r>
+            <a:endParaRPr lang="zh-CN" altLang="en-US" dirty="0"/>
+          </a:p>
+        </p:txBody>
+      </p:sp>
+      <p:sp>
+        <p:nvSpPr>
+          <p:cNvPr id="5" name="文本框 4"/>
+          <p:cNvSpPr txBox="1"/>
+          <p:nvPr>
+            <p:custDataLst>
+              <p:tags r:id="rId3"/>
+            </p:custDataLst>
+          </p:nvPr>
+        </p:nvSpPr>
+        <p:spPr>
+          <a:xfrm>
+            <a:off x="833967" y="1687134"/>
+            <a:ext cx="5157787" cy="4533361"/>
+          </a:xfrm>
+          <a:prstGeom prst="rect">
+            <a:avLst/>
+          </a:prstGeom>
+        </p:spPr>
+        <p:txBody>
+          <a:bodyPr vert="horz" lIns="91440" tIns="45720" rIns="91440" bIns="45720" rtlCol="0">
+            <a:normAutofit/>
+          </a:bodyPr>
+          <a:lstStyle>
+            <a:lvl1pPr marL="357505" indent="-357505" algn="just">
+              <a:spcBef>
+                <a:spcPts val="300"/>
+              </a:spcBef>
+              <a:spcAft>
+                <a:spcPts val="300"/>
+              </a:spcAft>
+              <a:buClr>
+                <a:schemeClr val="accent1"/>
+              </a:buClr>
+              <a:buSzPct val="70000"/>
+              <a:buFont typeface="Wingdings" pitchFamily="2" charset="2"/>
+              <a:buChar char=""/>
+              <a:defRPr sz="2400" baseline="0"/>
+            </a:lvl1pPr>
+            <a:lvl2pPr marL="357505" indent="-357505" algn="just">
+              <a:lnSpc>
+                <a:spcPct val="130000"/>
+              </a:lnSpc>
+              <a:spcBef>
+                <a:spcPts val="0"/>
+              </a:spcBef>
+              <a:spcAft>
+                <a:spcPts val="600"/>
+              </a:spcAft>
+              <a:buClr>
+                <a:schemeClr val="accent2">
+                  <a:lumMod val="60000"/>
+                  <a:lumOff val="40000"/>
+                </a:schemeClr>
+              </a:buClr>
+              <a:buFont typeface="幼圆" pitchFamily="49" charset="-122"/>
+              <a:buChar char=" "/>
+              <a:defRPr baseline="0">
+                <a:latin typeface="幼圆" pitchFamily="49" charset="-122"/>
+                <a:ea typeface="黑体" pitchFamily="49" charset="-122"/>
+              </a:defRPr>
+            </a:lvl2pPr>
+            <a:lvl3pPr marL="720090" indent="-228600">
+              <a:spcBef>
+                <a:spcPts val="300"/>
+              </a:spcBef>
+              <a:spcAft>
+                <a:spcPts val="300"/>
+              </a:spcAft>
+              <a:buFont typeface="Arial" pitchFamily="34" charset="0"/>
+              <a:buChar char="•"/>
+              <a:defRPr sz="2000"/>
+            </a:lvl3pPr>
+            <a:lvl4pPr marL="1080135" indent="-228600">
+              <a:spcBef>
+                <a:spcPts val="300"/>
+              </a:spcBef>
+              <a:spcAft>
+                <a:spcPts val="300"/>
+              </a:spcAft>
+              <a:buFont typeface="Arial" pitchFamily="34" charset="0"/>
+              <a:buChar char="•"/>
+            </a:lvl4pPr>
+            <a:lvl5pPr marL="1440180" indent="-228600">
+              <a:spcBef>
+                <a:spcPts val="300"/>
+              </a:spcBef>
+              <a:spcAft>
+                <a:spcPts val="300"/>
+              </a:spcAft>
+              <a:buFont typeface="Arial" pitchFamily="34" charset="0"/>
+              <a:buChar char="•"/>
+            </a:lvl5pPr>
+            <a:lvl6pPr marL="1800225" indent="-228600">
+              <a:spcBef>
+                <a:spcPts val="300"/>
+              </a:spcBef>
+              <a:spcAft>
+                <a:spcPts val="300"/>
+              </a:spcAft>
+              <a:buFont typeface="Arial" pitchFamily="34" charset="0"/>
+              <a:buChar char="•"/>
+            </a:lvl6pPr>
+            <a:lvl7pPr marL="2971800" indent="-228600">
+              <a:lnSpc>
+                <a:spcPct val="90000"/>
+              </a:lnSpc>
+              <a:spcBef>
+                <a:spcPts val="500"/>
+              </a:spcBef>
+              <a:buFont typeface="Arial" pitchFamily="34" charset="0"/>
+              <a:buChar char="•"/>
+            </a:lvl7pPr>
+            <a:lvl8pPr marL="3429000" indent="-228600">
+              <a:lnSpc>
+                <a:spcPct val="90000"/>
+              </a:lnSpc>
+              <a:spcBef>
+                <a:spcPts val="500"/>
+              </a:spcBef>
+              <a:buFont typeface="Arial" pitchFamily="34" charset="0"/>
+              <a:buChar char="•"/>
+            </a:lvl8pPr>
+            <a:lvl9pPr marL="3886200" indent="-228600">
+              <a:lnSpc>
+                <a:spcPct val="90000"/>
+              </a:lnSpc>
+              <a:spcBef>
+                <a:spcPts val="500"/>
+              </a:spcBef>
+              <a:buFont typeface="Arial" pitchFamily="34" charset="0"/>
+              <a:buChar char="•"/>
+            </a:lvl9pPr>
+          </a:lstStyle>
+          <a:p>
+            <a:r>
+              <a:rPr lang="en-US" altLang="zh-CN" dirty="0"/>
+              <a:t>Lorem ipsum dolor sit </a:t>
+            </a:r>
+            <a:r>
+              <a:rPr lang="en-US" altLang="zh-CN" dirty="0" err="1"/>
+              <a:t>amet</a:t>
+            </a:r>
+            <a:r>
+              <a:rPr lang="en-US" altLang="zh-CN" dirty="0"/>
+              <a:t>, </a:t>
+            </a:r>
+            <a:r>
+              <a:rPr lang="en-US" altLang="zh-CN" dirty="0" err="1"/>
+              <a:t>consectetur</a:t>
+            </a:r>
+            <a:r>
+              <a:rPr lang="en-US" altLang="zh-CN" dirty="0"/>
+              <a:t> </a:t>
+            </a:r>
+            <a:r>
+              <a:rPr lang="en-US" altLang="zh-CN" dirty="0" err="1"/>
+              <a:t>adipisicing</a:t>
+            </a:r>
+            <a:r>
+              <a:rPr lang="en-US" altLang="zh-CN" dirty="0"/>
+              <a:t> </a:t>
+            </a:r>
+            <a:r>
+              <a:rPr lang="en-US" altLang="zh-CN" dirty="0" err="1"/>
+              <a:t>elit</a:t>
+            </a:r>
+            <a:r>
+              <a:rPr lang="en-US" altLang="zh-CN" dirty="0"/>
+              <a:t>, sed do </a:t>
+            </a:r>
+            <a:r>
+              <a:rPr lang="en-US" altLang="zh-CN" dirty="0" err="1"/>
+              <a:t>eiusmod</a:t>
+            </a:r>
+            <a:r>
+              <a:rPr lang="en-US" altLang="zh-CN" dirty="0"/>
+              <a:t> </a:t>
+            </a:r>
+            <a:r>
+              <a:rPr lang="en-US" altLang="zh-CN" dirty="0" err="1"/>
+              <a:t>tempor</a:t>
+            </a:r>
+            <a:r>
+              <a:rPr lang="en-US" altLang="zh-CN" dirty="0"/>
+              <a:t> </a:t>
+            </a:r>
+            <a:r>
+              <a:rPr lang="en-US" altLang="zh-CN" dirty="0" err="1"/>
+              <a:t>incididunt</a:t>
+            </a:r>
+            <a:r>
+              <a:rPr lang="en-US" altLang="zh-CN" dirty="0"/>
+              <a:t> </a:t>
+            </a:r>
+            <a:r>
+              <a:rPr lang="en-US" altLang="zh-CN" dirty="0" err="1"/>
+              <a:t>ut</a:t>
+            </a:r>
+            <a:r>
+              <a:rPr lang="en-US" altLang="zh-CN" dirty="0"/>
+              <a:t> </a:t>
+            </a:r>
+            <a:r>
+              <a:rPr lang="en-US" altLang="zh-CN" dirty="0" err="1"/>
+              <a:t>labore</a:t>
+            </a:r>
+            <a:r>
+              <a:rPr lang="en-US" altLang="zh-CN" dirty="0"/>
+              <a:t> et dolore magna </a:t>
+            </a:r>
+            <a:r>
+              <a:rPr lang="en-US" altLang="zh-CN" dirty="0" err="1"/>
+              <a:t>aliqua</a:t>
+            </a:r>
+            <a:r>
+              <a:rPr lang="en-US" altLang="zh-CN" dirty="0"/>
+              <a:t>. Ut </a:t>
+            </a:r>
+            <a:r>
+              <a:rPr lang="en-US" altLang="zh-CN" dirty="0" err="1"/>
+              <a:t>enim</a:t>
+            </a:r>
+            <a:r>
+              <a:rPr lang="en-US" altLang="zh-CN" dirty="0"/>
+              <a:t> ad minim </a:t>
+            </a:r>
+            <a:r>
+              <a:rPr lang="en-US" altLang="zh-CN" dirty="0" err="1"/>
+              <a:t>veniam</a:t>
+            </a:r>
+            <a:r>
+              <a:rPr lang="en-US" altLang="zh-CN" dirty="0"/>
+              <a:t>, </a:t>
+            </a:r>
+            <a:r>
+              <a:rPr lang="en-US" altLang="zh-CN" dirty="0" err="1"/>
+              <a:t>quis</a:t>
+            </a:r>
+            <a:r>
+              <a:rPr lang="en-US" altLang="zh-CN" dirty="0"/>
+              <a:t> </a:t>
+            </a:r>
+            <a:r>
+              <a:rPr lang="en-US" altLang="zh-CN" dirty="0" err="1"/>
+              <a:t>nostrud</a:t>
+            </a:r>
+            <a:r>
+              <a:rPr lang="en-US" altLang="zh-CN" dirty="0"/>
+              <a:t> exercitation </a:t>
+            </a:r>
+            <a:r>
+              <a:rPr lang="en-US" altLang="zh-CN" dirty="0" err="1"/>
+              <a:t>ullamco</a:t>
+            </a:r>
+            <a:r>
+              <a:rPr lang="en-US" altLang="zh-CN" dirty="0"/>
+              <a:t> </a:t>
+            </a:r>
+            <a:r>
+              <a:rPr lang="en-US" altLang="zh-CN" dirty="0" err="1"/>
+              <a:t>laboris</a:t>
+            </a:r>
+            <a:r>
+              <a:rPr lang="en-US" altLang="zh-CN" dirty="0"/>
+              <a:t> nisi </a:t>
+            </a:r>
+            <a:r>
+              <a:rPr lang="en-US" altLang="zh-CN" dirty="0" err="1"/>
+              <a:t>ut</a:t>
+            </a:r>
+            <a:r>
+              <a:rPr lang="en-US" altLang="zh-CN" dirty="0"/>
+              <a:t> </a:t>
+            </a:r>
+            <a:r>
+              <a:rPr lang="en-US" altLang="zh-CN" dirty="0" err="1"/>
+              <a:t>aliquip</a:t>
+            </a:r>
+            <a:r>
+              <a:rPr lang="en-US" altLang="zh-CN" dirty="0"/>
+              <a:t> ex </a:t>
+            </a:r>
+            <a:r>
+              <a:rPr lang="en-US" altLang="zh-CN" dirty="0" err="1"/>
+              <a:t>ea</a:t>
+            </a:r>
+            <a:r>
+              <a:rPr lang="en-US" altLang="zh-CN" dirty="0"/>
+              <a:t> </a:t>
+            </a:r>
+            <a:r>
+              <a:rPr lang="en-US" altLang="zh-CN" dirty="0" err="1"/>
+              <a:t>commodo</a:t>
+            </a:r>
+            <a:r>
+              <a:rPr lang="en-US" altLang="zh-CN" dirty="0"/>
+              <a:t> </a:t>
+            </a:r>
+            <a:r>
+              <a:rPr lang="en-US" altLang="zh-CN" dirty="0" err="1"/>
+              <a:t>consequat</a:t>
+            </a:r>
+            <a:r>
+              <a:rPr lang="en-US" altLang="zh-CN" dirty="0"/>
+              <a:t>.</a:t>
+            </a:r>
+            <a:endParaRPr lang="zh-CN" altLang="en-US" dirty="0"/>
+          </a:p>
+        </p:txBody>
+      </p:sp>
+      <p:sp>
+        <p:nvSpPr>
+          <p:cNvPr id="7" name="文本框 6"/>
+          <p:cNvSpPr txBox="1"/>
+          <p:nvPr>
+            <p:custDataLst>
+              <p:tags r:id="rId4"/>
+            </p:custDataLst>
+          </p:nvPr>
+        </p:nvSpPr>
+        <p:spPr>
+          <a:xfrm>
+            <a:off x="833967" y="605895"/>
+            <a:ext cx="10515599" cy="717022"/>
+          </a:xfrm>
+          <a:prstGeom prst="rect">
+            <a:avLst/>
+          </a:prstGeom>
+        </p:spPr>
+        <p:txBody>
+          <a:bodyPr vert="horz" lIns="91440" tIns="45720" rIns="91440" bIns="45720" rtlCol="0" anchor="b">
+            <a:normAutofit/>
+          </a:bodyPr>
+          <a:lstStyle>
+            <a:lvl1pPr>
+              <a:lnSpc>
+                <a:spcPct val="90000"/>
+              </a:lnSpc>
+              <a:spcBef>
+                <a:spcPct val="0"/>
+              </a:spcBef>
+              <a:buNone/>
+              <a:defRPr sz="3200" b="1" i="0" baseline="0">
+                <a:solidFill>
+                  <a:schemeClr val="accent1">
+                    <a:lumMod val="75000"/>
+                  </a:schemeClr>
+                </a:solidFill>
+                <a:effectLst/>
+                <a:latin typeface="+mj-lt"/>
+                <a:ea typeface="+mj-ea"/>
+                <a:cs typeface="+mj-cs"/>
+              </a:defRPr>
+            </a:lvl1pPr>
+          </a:lstStyle>
+          <a:p>
+            <a:r>
+              <a:rPr lang="zh-CN" altLang="en-US" dirty="0"/>
+              <a:t>为什么最近才能买到</a:t>
+            </a:r>
+          </a:p>
+        </p:txBody>
+      </p:sp>
+    </p:spTree>
+    <p:custDataLst>
+      <p:tags r:id="rId1"/>
+    </p:custDataLst>
+    <p:extLst>
+      <p:ext uri="{BB962C8B-B14F-4D97-AF65-F5344CB8AC3E}">
+        <p14:creationId xmlns:p14="http://schemas.microsoft.com/office/powerpoint/2010/main" val="3831272454"/>
+      </p:ext>
+    </p:extLst>
+  </p:cSld>
+  <p:clrMapOvr>
+    <a:masterClrMapping/>
+  </p:clrMapOvr>
+</p:sld>
+</file>
+
+<file path=ppt/slides/slide8.xml><?xml version="1.0" encoding="utf-8"?>
 <p:sld xmlns:a="http://schemas.openxmlformats.org/drawingml/2006/main" xmlns:r="http://schemas.openxmlformats.org/officeDocument/2006/relationships" xmlns:p="http://schemas.openxmlformats.org/presentationml/2006/main">
   <p:cSld>
     <p:spTree>
@@ -45313,7 +48817,7 @@
 </p:sld>
 </file>
 
-<file path=ppt/slides/slide4.xml><?xml version="1.0" encoding="utf-8"?>
+<file path=ppt/slides/slide9.xml><?xml version="1.0" encoding="utf-8"?>
 <p:sld xmlns:a="http://schemas.openxmlformats.org/drawingml/2006/main" xmlns:r="http://schemas.openxmlformats.org/officeDocument/2006/relationships" xmlns:p="http://schemas.openxmlformats.org/presentationml/2006/main">
   <p:cSld>
     <p:spTree>
@@ -45378,545 +48882,8 @@
           <a:p>
             <a:r>
               <a:rPr lang="zh-CN" altLang="en-US" dirty="0"/>
-              <a:t>苹果</a:t>
+              <a:t>溯源，谨防假冒</a:t>
             </a:r>
-          </a:p>
-        </p:txBody>
-      </p:sp>
-      <p:pic>
-        <p:nvPicPr>
-          <p:cNvPr id="3" name="图片 2">
-            <a:extLst>
-              <a:ext uri="{FF2B5EF4-FFF2-40B4-BE49-F238E27FC236}">
-                <a16:creationId xmlns:a16="http://schemas.microsoft.com/office/drawing/2014/main" id="{650EFA5A-9713-426F-90CB-BBFAB38E831A}"/>
-              </a:ext>
-            </a:extLst>
-          </p:cNvPr>
-          <p:cNvPicPr>
-            <a:picLocks noChangeAspect="1"/>
-          </p:cNvPicPr>
-          <p:nvPr/>
-        </p:nvPicPr>
-        <p:blipFill>
-          <a:blip r:embed="rId5"/>
-          <a:stretch>
-            <a:fillRect/>
-          </a:stretch>
-        </p:blipFill>
-        <p:spPr>
-          <a:xfrm>
-            <a:off x="842434" y="1322917"/>
-            <a:ext cx="7200000" cy="4666667"/>
-          </a:xfrm>
-          <a:prstGeom prst="rect">
-            <a:avLst/>
-          </a:prstGeom>
-        </p:spPr>
-      </p:pic>
-    </p:spTree>
-    <p:custDataLst>
-      <p:tags r:id="rId1"/>
-    </p:custDataLst>
-    <p:extLst>
-      <p:ext uri="{BB962C8B-B14F-4D97-AF65-F5344CB8AC3E}">
-        <p14:creationId xmlns:p14="http://schemas.microsoft.com/office/powerpoint/2010/main" val="941201978"/>
-      </p:ext>
-    </p:extLst>
-  </p:cSld>
-  <p:clrMapOvr>
-    <a:masterClrMapping/>
-  </p:clrMapOvr>
-</p:sld>
-</file>
-
-<file path=ppt/slides/slide5.xml><?xml version="1.0" encoding="utf-8"?>
-<p:sld xmlns:a="http://schemas.openxmlformats.org/drawingml/2006/main" xmlns:r="http://schemas.openxmlformats.org/officeDocument/2006/relationships" xmlns:p="http://schemas.openxmlformats.org/presentationml/2006/main">
-  <p:cSld>
-    <p:spTree>
-      <p:nvGrpSpPr>
-        <p:cNvPr id="1" name=""/>
-        <p:cNvGrpSpPr/>
-        <p:nvPr/>
-      </p:nvGrpSpPr>
-      <p:grpSpPr>
-        <a:xfrm>
-          <a:off x="0" y="0"/>
-          <a:ext cx="0" cy="0"/>
-          <a:chOff x="0" y="0"/>
-          <a:chExt cx="0" cy="0"/>
-        </a:xfrm>
-      </p:grpSpPr>
-      <p:sp>
-        <p:nvSpPr>
-          <p:cNvPr id="7" name="文本框 6"/>
-          <p:cNvSpPr txBox="1"/>
-          <p:nvPr>
-            <p:custDataLst>
-              <p:tags r:id="rId2"/>
-            </p:custDataLst>
-          </p:nvPr>
-        </p:nvSpPr>
-        <p:spPr>
-          <a:xfrm>
-            <a:off x="833967" y="605895"/>
-            <a:ext cx="10515599" cy="717022"/>
-          </a:xfrm>
-          <a:prstGeom prst="rect">
-            <a:avLst/>
-          </a:prstGeom>
-        </p:spPr>
-        <p:txBody>
-          <a:bodyPr vert="horz" lIns="91440" tIns="45720" rIns="91440" bIns="45720" rtlCol="0" anchor="b">
-            <a:normAutofit/>
-          </a:bodyPr>
-          <a:lstStyle>
-            <a:lvl1pPr>
-              <a:lnSpc>
-                <a:spcPct val="90000"/>
-              </a:lnSpc>
-              <a:spcBef>
-                <a:spcPct val="0"/>
-              </a:spcBef>
-              <a:buNone/>
-              <a:defRPr sz="3200" b="1" i="0" baseline="0">
-                <a:solidFill>
-                  <a:schemeClr val="accent1">
-                    <a:lumMod val="75000"/>
-                  </a:schemeClr>
-                </a:solidFill>
-                <a:effectLst/>
-                <a:latin typeface="+mj-lt"/>
-                <a:ea typeface="+mj-ea"/>
-                <a:cs typeface="+mj-cs"/>
-              </a:defRPr>
-            </a:lvl1pPr>
-          </a:lstStyle>
-          <a:p>
-            <a:r>
-              <a:rPr lang="zh-CN" altLang="en-US" dirty="0"/>
-              <a:t>京东买，才便宜</a:t>
-            </a:r>
-          </a:p>
-        </p:txBody>
-      </p:sp>
-      <p:pic>
-        <p:nvPicPr>
-          <p:cNvPr id="4" name="图片 3">
-            <a:extLst>
-              <a:ext uri="{FF2B5EF4-FFF2-40B4-BE49-F238E27FC236}">
-                <a16:creationId xmlns:a16="http://schemas.microsoft.com/office/drawing/2014/main" id="{1C93220D-13B6-40AB-BD61-0190E49F85AE}"/>
-              </a:ext>
-            </a:extLst>
-          </p:cNvPr>
-          <p:cNvPicPr>
-            <a:picLocks noChangeAspect="1"/>
-          </p:cNvPicPr>
-          <p:nvPr/>
-        </p:nvPicPr>
-        <p:blipFill>
-          <a:blip r:embed="rId5"/>
-          <a:stretch>
-            <a:fillRect/>
-          </a:stretch>
-        </p:blipFill>
-        <p:spPr>
-          <a:xfrm>
-            <a:off x="600184" y="1322917"/>
-            <a:ext cx="10983164" cy="4240641"/>
-          </a:xfrm>
-          <a:prstGeom prst="rect">
-            <a:avLst/>
-          </a:prstGeom>
-        </p:spPr>
-      </p:pic>
-      <p:pic>
-        <p:nvPicPr>
-          <p:cNvPr id="6" name="图片 5">
-            <a:extLst>
-              <a:ext uri="{FF2B5EF4-FFF2-40B4-BE49-F238E27FC236}">
-                <a16:creationId xmlns:a16="http://schemas.microsoft.com/office/drawing/2014/main" id="{B6DBDCA4-3EFB-41FC-88E2-6C08E346B69E}"/>
-              </a:ext>
-            </a:extLst>
-          </p:cNvPr>
-          <p:cNvPicPr>
-            <a:picLocks noChangeAspect="1"/>
-          </p:cNvPicPr>
-          <p:nvPr/>
-        </p:nvPicPr>
-        <p:blipFill>
-          <a:blip r:embed="rId6"/>
-          <a:stretch>
-            <a:fillRect/>
-          </a:stretch>
-        </p:blipFill>
-        <p:spPr>
-          <a:xfrm>
-            <a:off x="9450015" y="5241117"/>
-            <a:ext cx="2133333" cy="1438095"/>
-          </a:xfrm>
-          <a:prstGeom prst="rect">
-            <a:avLst/>
-          </a:prstGeom>
-        </p:spPr>
-      </p:pic>
-    </p:spTree>
-    <p:custDataLst>
-      <p:tags r:id="rId1"/>
-    </p:custDataLst>
-    <p:extLst>
-      <p:ext uri="{BB962C8B-B14F-4D97-AF65-F5344CB8AC3E}">
-        <p14:creationId xmlns:p14="http://schemas.microsoft.com/office/powerpoint/2010/main" val="346655653"/>
-      </p:ext>
-    </p:extLst>
-  </p:cSld>
-  <p:clrMapOvr>
-    <a:masterClrMapping/>
-  </p:clrMapOvr>
-</p:sld>
-</file>
-
-<file path=ppt/slides/slide6.xml><?xml version="1.0" encoding="utf-8"?>
-<p:sld xmlns:a="http://schemas.openxmlformats.org/drawingml/2006/main" xmlns:r="http://schemas.openxmlformats.org/officeDocument/2006/relationships" xmlns:p="http://schemas.openxmlformats.org/presentationml/2006/main">
-  <p:cSld>
-    <p:spTree>
-      <p:nvGrpSpPr>
-        <p:cNvPr id="1" name=""/>
-        <p:cNvGrpSpPr/>
-        <p:nvPr/>
-      </p:nvGrpSpPr>
-      <p:grpSpPr>
-        <a:xfrm>
-          <a:off x="0" y="0"/>
-          <a:ext cx="0" cy="0"/>
-          <a:chOff x="0" y="0"/>
-          <a:chExt cx="0" cy="0"/>
-        </a:xfrm>
-      </p:grpSpPr>
-      <p:pic>
-        <p:nvPicPr>
-          <p:cNvPr id="2" name="图片 1">
-            <a:extLst>
-              <a:ext uri="{FF2B5EF4-FFF2-40B4-BE49-F238E27FC236}">
-                <a16:creationId xmlns:a16="http://schemas.microsoft.com/office/drawing/2014/main" id="{B85C0383-EBAB-46CB-80ED-A49955DE98C3}"/>
-              </a:ext>
-            </a:extLst>
-          </p:cNvPr>
-          <p:cNvPicPr>
-            <a:picLocks noChangeAspect="1"/>
-          </p:cNvPicPr>
-          <p:nvPr/>
-        </p:nvPicPr>
-        <p:blipFill>
-          <a:blip r:embed="rId4"/>
-          <a:stretch>
-            <a:fillRect/>
-          </a:stretch>
-        </p:blipFill>
-        <p:spPr>
-          <a:xfrm>
-            <a:off x="438857" y="258268"/>
-            <a:ext cx="11314286" cy="4247619"/>
-          </a:xfrm>
-          <a:prstGeom prst="rect">
-            <a:avLst/>
-          </a:prstGeom>
-        </p:spPr>
-      </p:pic>
-      <p:pic>
-        <p:nvPicPr>
-          <p:cNvPr id="3" name="图片 2">
-            <a:extLst>
-              <a:ext uri="{FF2B5EF4-FFF2-40B4-BE49-F238E27FC236}">
-                <a16:creationId xmlns:a16="http://schemas.microsoft.com/office/drawing/2014/main" id="{A6E20A00-41F0-4346-9CF8-B6E5595CDF6C}"/>
-              </a:ext>
-            </a:extLst>
-          </p:cNvPr>
-          <p:cNvPicPr>
-            <a:picLocks noChangeAspect="1"/>
-          </p:cNvPicPr>
-          <p:nvPr/>
-        </p:nvPicPr>
-        <p:blipFill>
-          <a:blip r:embed="rId5"/>
-          <a:stretch>
-            <a:fillRect/>
-          </a:stretch>
-        </p:blipFill>
-        <p:spPr>
-          <a:xfrm>
-            <a:off x="438857" y="4064181"/>
-            <a:ext cx="9208726" cy="2319696"/>
-          </a:xfrm>
-          <a:prstGeom prst="rect">
-            <a:avLst/>
-          </a:prstGeom>
-        </p:spPr>
-      </p:pic>
-    </p:spTree>
-    <p:custDataLst>
-      <p:tags r:id="rId1"/>
-    </p:custDataLst>
-    <p:extLst>
-      <p:ext uri="{BB962C8B-B14F-4D97-AF65-F5344CB8AC3E}">
-        <p14:creationId xmlns:p14="http://schemas.microsoft.com/office/powerpoint/2010/main" val="15013434"/>
-      </p:ext>
-    </p:extLst>
-  </p:cSld>
-  <p:clrMapOvr>
-    <a:masterClrMapping/>
-  </p:clrMapOvr>
-</p:sld>
-</file>
-
-<file path=ppt/slides/slide7.xml><?xml version="1.0" encoding="utf-8"?>
-<p:sld xmlns:a="http://schemas.openxmlformats.org/drawingml/2006/main" xmlns:r="http://schemas.openxmlformats.org/officeDocument/2006/relationships" xmlns:p="http://schemas.openxmlformats.org/presentationml/2006/main">
-  <p:cSld>
-    <p:spTree>
-      <p:nvGrpSpPr>
-        <p:cNvPr id="1" name=""/>
-        <p:cNvGrpSpPr/>
-        <p:nvPr/>
-      </p:nvGrpSpPr>
-      <p:grpSpPr>
-        <a:xfrm>
-          <a:off x="0" y="0"/>
-          <a:ext cx="0" cy="0"/>
-          <a:chOff x="0" y="0"/>
-          <a:chExt cx="0" cy="0"/>
-        </a:xfrm>
-      </p:grpSpPr>
-      <p:pic>
-        <p:nvPicPr>
-          <p:cNvPr id="3" name="图片 2"/>
-          <p:cNvPicPr>
-            <a:picLocks noChangeAspect="1"/>
-          </p:cNvPicPr>
-          <p:nvPr>
-            <p:custDataLst>
-              <p:tags r:id="rId2"/>
-            </p:custDataLst>
-          </p:nvPr>
-        </p:nvPicPr>
-        <p:blipFill rotWithShape="1">
-          <a:blip r:embed="rId7" cstate="screen">
-            <a:extLst>
-              <a:ext uri="{28A0092B-C50C-407E-A947-70E740481C1C}">
-                <a14:useLocalDpi xmlns:a14="http://schemas.microsoft.com/office/drawing/2010/main"/>
-              </a:ext>
-            </a:extLst>
-          </a:blip>
-          <a:srcRect/>
-          <a:stretch>
-            <a:fillRect/>
-          </a:stretch>
-        </p:blipFill>
-        <p:spPr>
-          <a:xfrm>
-            <a:off x="5582934" y="755494"/>
-            <a:ext cx="5967412" cy="5403012"/>
-          </a:xfrm>
-          <a:prstGeom prst="rect">
-            <a:avLst/>
-          </a:prstGeom>
-        </p:spPr>
-      </p:pic>
-      <p:sp>
-        <p:nvSpPr>
-          <p:cNvPr id="6" name="文本框 5"/>
-          <p:cNvSpPr txBox="1"/>
-          <p:nvPr>
-            <p:custDataLst>
-              <p:tags r:id="rId3"/>
-            </p:custDataLst>
-          </p:nvPr>
-        </p:nvSpPr>
-        <p:spPr>
-          <a:xfrm>
-            <a:off x="651622" y="2346919"/>
-            <a:ext cx="4262438" cy="3811587"/>
-          </a:xfrm>
-          <a:prstGeom prst="rect">
-            <a:avLst/>
-          </a:prstGeom>
-        </p:spPr>
-        <p:txBody>
-          <a:bodyPr vert="horz" lIns="91440" tIns="45720" rIns="91440" bIns="45720" rtlCol="0">
-            <a:normAutofit/>
-          </a:bodyPr>
-          <a:lstStyle>
-            <a:lvl1pPr marL="357505" indent="-357505" algn="just">
-              <a:lnSpc>
-                <a:spcPct val="110000"/>
-              </a:lnSpc>
-              <a:spcBef>
-                <a:spcPts val="1800"/>
-              </a:spcBef>
-              <a:spcAft>
-                <a:spcPts val="0"/>
-              </a:spcAft>
-              <a:buClr>
-                <a:schemeClr val="accent1"/>
-              </a:buClr>
-              <a:buSzPct val="70000"/>
-              <a:buFont typeface="Wingdings" pitchFamily="2" charset="2"/>
-              <a:buChar char=""/>
-              <a:defRPr sz="2400" baseline="0"/>
-            </a:lvl1pPr>
-            <a:lvl2pPr marL="357505" indent="-357505" algn="just">
-              <a:lnSpc>
-                <a:spcPct val="130000"/>
-              </a:lnSpc>
-              <a:spcBef>
-                <a:spcPts val="0"/>
-              </a:spcBef>
-              <a:spcAft>
-                <a:spcPts val="600"/>
-              </a:spcAft>
-              <a:buClr>
-                <a:schemeClr val="accent2">
-                  <a:lumMod val="60000"/>
-                  <a:lumOff val="40000"/>
-                </a:schemeClr>
-              </a:buClr>
-              <a:buFont typeface="幼圆" pitchFamily="49" charset="-122"/>
-              <a:buChar char=" "/>
-              <a:defRPr sz="2000" baseline="0">
-                <a:latin typeface="幼圆" pitchFamily="49" charset="-122"/>
-                <a:ea typeface="黑体" pitchFamily="49" charset="-122"/>
-              </a:defRPr>
-            </a:lvl2pPr>
-            <a:lvl3pPr marL="1143000" indent="-228600">
-              <a:lnSpc>
-                <a:spcPct val="90000"/>
-              </a:lnSpc>
-              <a:spcBef>
-                <a:spcPts val="500"/>
-              </a:spcBef>
-              <a:buFont typeface="Arial" pitchFamily="34" charset="0"/>
-              <a:buChar char="•"/>
-              <a:defRPr sz="2000"/>
-            </a:lvl3pPr>
-            <a:lvl4pPr marL="1600200" indent="-228600">
-              <a:lnSpc>
-                <a:spcPct val="90000"/>
-              </a:lnSpc>
-              <a:spcBef>
-                <a:spcPts val="500"/>
-              </a:spcBef>
-              <a:buFont typeface="Arial" pitchFamily="34" charset="0"/>
-              <a:buChar char="•"/>
-            </a:lvl4pPr>
-            <a:lvl5pPr marL="2057400" indent="-228600">
-              <a:lnSpc>
-                <a:spcPct val="90000"/>
-              </a:lnSpc>
-              <a:spcBef>
-                <a:spcPts val="500"/>
-              </a:spcBef>
-              <a:buFont typeface="Arial" pitchFamily="34" charset="0"/>
-              <a:buChar char="•"/>
-            </a:lvl5pPr>
-            <a:lvl6pPr marL="2514600" indent="-228600">
-              <a:lnSpc>
-                <a:spcPct val="90000"/>
-              </a:lnSpc>
-              <a:spcBef>
-                <a:spcPts val="500"/>
-              </a:spcBef>
-              <a:buFont typeface="Arial" pitchFamily="34" charset="0"/>
-              <a:buChar char="•"/>
-            </a:lvl6pPr>
-            <a:lvl7pPr marL="2971800" indent="-228600">
-              <a:lnSpc>
-                <a:spcPct val="90000"/>
-              </a:lnSpc>
-              <a:spcBef>
-                <a:spcPts val="500"/>
-              </a:spcBef>
-              <a:buFont typeface="Arial" pitchFamily="34" charset="0"/>
-              <a:buChar char="•"/>
-            </a:lvl7pPr>
-            <a:lvl8pPr marL="3429000" indent="-228600">
-              <a:lnSpc>
-                <a:spcPct val="90000"/>
-              </a:lnSpc>
-              <a:spcBef>
-                <a:spcPts val="500"/>
-              </a:spcBef>
-              <a:buFont typeface="Arial" pitchFamily="34" charset="0"/>
-              <a:buChar char="•"/>
-            </a:lvl8pPr>
-            <a:lvl9pPr marL="3886200" indent="-228600">
-              <a:lnSpc>
-                <a:spcPct val="90000"/>
-              </a:lnSpc>
-              <a:spcBef>
-                <a:spcPts val="500"/>
-              </a:spcBef>
-              <a:buFont typeface="Arial" pitchFamily="34" charset="0"/>
-              <a:buChar char="•"/>
-            </a:lvl9pPr>
-          </a:lstStyle>
-          <a:p>
-            <a:r>
-              <a:rPr lang="en-US" altLang="zh-CN"/>
-              <a:t>Lorem ipsum dolor sit amet, consectetur adipisicing elit, sed do eiusmod tempor incididunt ut labore et dolore magna aliqua. Ut enim ad minim veniam, </a:t>
-            </a:r>
-            <a:endParaRPr lang="zh-CN" altLang="en-US" dirty="0"/>
-          </a:p>
-        </p:txBody>
-      </p:sp>
-      <p:sp>
-        <p:nvSpPr>
-          <p:cNvPr id="4" name="文本框 3"/>
-          <p:cNvSpPr txBox="1"/>
-          <p:nvPr>
-            <p:custDataLst>
-              <p:tags r:id="rId4"/>
-            </p:custDataLst>
-          </p:nvPr>
-        </p:nvSpPr>
-        <p:spPr>
-          <a:xfrm>
-            <a:off x="651622" y="743544"/>
-            <a:ext cx="4262438" cy="1603375"/>
-          </a:xfrm>
-          <a:prstGeom prst="rect">
-            <a:avLst/>
-          </a:prstGeom>
-        </p:spPr>
-        <p:txBody>
-          <a:bodyPr vert="horz" lIns="91440" tIns="45720" rIns="91440" bIns="45720" rtlCol="0" anchor="b">
-            <a:normAutofit/>
-          </a:bodyPr>
-          <a:lstStyle>
-            <a:lvl1pPr>
-              <a:lnSpc>
-                <a:spcPct val="90000"/>
-              </a:lnSpc>
-              <a:spcBef>
-                <a:spcPct val="0"/>
-              </a:spcBef>
-              <a:buNone/>
-              <a:defRPr sz="4000" b="1" i="0" baseline="0">
-                <a:solidFill>
-                  <a:schemeClr val="accent1">
-                    <a:lumMod val="75000"/>
-                  </a:schemeClr>
-                </a:solidFill>
-                <a:effectLst/>
-                <a:latin typeface="+mj-lt"/>
-                <a:ea typeface="+mj-ea"/>
-                <a:cs typeface="+mj-cs"/>
-              </a:defRPr>
-            </a:lvl1pPr>
-          </a:lstStyle>
-          <a:p>
-            <a:r>
-              <a:rPr lang="en-US" altLang="zh-CN"/>
-              <a:t>LOREM IPSUM DOLOR</a:t>
-            </a:r>
-            <a:endParaRPr lang="zh-CN" altLang="en-US" dirty="0"/>
           </a:p>
         </p:txBody>
       </p:sp>
@@ -45924,423 +48891,11 @@
     <p:custDataLst>
       <p:tags r:id="rId1"/>
     </p:custDataLst>
-  </p:cSld>
-  <p:clrMapOvr>
-    <a:masterClrMapping/>
-  </p:clrMapOvr>
-</p:sld>
-</file>
-
-<file path=ppt/slides/slide8.xml><?xml version="1.0" encoding="utf-8"?>
-<p:sld xmlns:a="http://schemas.openxmlformats.org/drawingml/2006/main" xmlns:r="http://schemas.openxmlformats.org/officeDocument/2006/relationships" xmlns:p="http://schemas.openxmlformats.org/presentationml/2006/main">
-  <p:cSld>
-    <p:spTree>
-      <p:nvGrpSpPr>
-        <p:cNvPr id="1" name=""/>
-        <p:cNvGrpSpPr/>
-        <p:nvPr/>
-      </p:nvGrpSpPr>
-      <p:grpSpPr>
-        <a:xfrm>
-          <a:off x="0" y="0"/>
-          <a:ext cx="0" cy="0"/>
-          <a:chOff x="0" y="0"/>
-          <a:chExt cx="0" cy="0"/>
-        </a:xfrm>
-      </p:grpSpPr>
-      <p:pic>
-        <p:nvPicPr>
-          <p:cNvPr id="2" name="图片 1"/>
-          <p:cNvPicPr>
-            <a:picLocks noChangeAspect="1"/>
-          </p:cNvPicPr>
-          <p:nvPr>
-            <p:custDataLst>
-              <p:tags r:id="rId2"/>
-            </p:custDataLst>
-          </p:nvPr>
-        </p:nvPicPr>
-        <p:blipFill rotWithShape="1">
-          <a:blip r:embed="rId7" cstate="screen">
-            <a:extLst>
-              <a:ext uri="{28A0092B-C50C-407E-A947-70E740481C1C}">
-                <a14:useLocalDpi xmlns:a14="http://schemas.microsoft.com/office/drawing/2010/main"/>
-              </a:ext>
-            </a:extLst>
-          </a:blip>
-          <a:srcRect/>
-          <a:stretch>
-            <a:fillRect/>
-          </a:stretch>
-        </p:blipFill>
-        <p:spPr>
-          <a:xfrm>
-            <a:off x="1554601" y="1317684"/>
-            <a:ext cx="9069198" cy="4543200"/>
-          </a:xfrm>
-          <a:prstGeom prst="rect">
-            <a:avLst/>
-          </a:prstGeom>
-        </p:spPr>
-      </p:pic>
-      <p:sp>
-        <p:nvSpPr>
-          <p:cNvPr id="8" name="文本框 7"/>
-          <p:cNvSpPr txBox="1"/>
-          <p:nvPr>
-            <p:custDataLst>
-              <p:tags r:id="rId3"/>
-            </p:custDataLst>
-          </p:nvPr>
-        </p:nvSpPr>
-        <p:spPr>
-          <a:xfrm>
-            <a:off x="1554600" y="211048"/>
-            <a:ext cx="9082800" cy="939600"/>
-          </a:xfrm>
-          <a:prstGeom prst="rect">
-            <a:avLst/>
-          </a:prstGeom>
-        </p:spPr>
-        <p:txBody>
-          <a:bodyPr vert="horz" lIns="91440" tIns="45720" rIns="91440" bIns="45720" rtlCol="0" anchor="ctr">
-            <a:normAutofit/>
-          </a:bodyPr>
-          <a:lstStyle>
-            <a:lvl1pPr defTabSz="685800">
-              <a:spcBef>
-                <a:spcPct val="0"/>
-              </a:spcBef>
-              <a:buNone/>
-              <a:defRPr sz="3600" b="1" i="0" baseline="0">
-                <a:solidFill>
-                  <a:schemeClr val="accent1"/>
-                </a:solidFill>
-                <a:effectLst/>
-                <a:latin typeface="+mj-lt"/>
-                <a:ea typeface="+mj-ea"/>
-                <a:cs typeface="+mj-cs"/>
-              </a:defRPr>
-            </a:lvl1pPr>
-          </a:lstStyle>
-          <a:p>
-            <a:r>
-              <a:rPr lang="en-US" altLang="zh-CN" dirty="0">
-                <a:solidFill>
-                  <a:srgbClr val="AF6A07"/>
-                </a:solidFill>
-              </a:rPr>
-              <a:t>LOREM IPSUM DOLOR</a:t>
-            </a:r>
-            <a:endParaRPr lang="zh-CN" altLang="en-US" dirty="0">
-              <a:solidFill>
-                <a:srgbClr val="AF6A07"/>
-              </a:solidFill>
-            </a:endParaRPr>
-          </a:p>
-        </p:txBody>
-      </p:sp>
-      <p:sp>
-        <p:nvSpPr>
-          <p:cNvPr id="9" name="文本框 8"/>
-          <p:cNvSpPr txBox="1"/>
-          <p:nvPr>
-            <p:custDataLst>
-              <p:tags r:id="rId4"/>
-            </p:custDataLst>
-          </p:nvPr>
-        </p:nvSpPr>
-        <p:spPr>
-          <a:xfrm>
-            <a:off x="1554600" y="6032336"/>
-            <a:ext cx="9082800" cy="597600"/>
-          </a:xfrm>
-          <a:prstGeom prst="rect">
-            <a:avLst/>
-          </a:prstGeom>
-        </p:spPr>
-        <p:txBody>
-          <a:bodyPr vert="horz" lIns="91440" tIns="45720" rIns="91440" bIns="45720" rtlCol="0" anchor="t">
-            <a:normAutofit/>
-          </a:bodyPr>
-          <a:lstStyle>
-            <a:lvl1pPr indent="0" defTabSz="685800">
-              <a:spcBef>
-                <a:spcPts val="0"/>
-              </a:spcBef>
-              <a:spcAft>
-                <a:spcPts val="0"/>
-              </a:spcAft>
-              <a:buClr>
-                <a:schemeClr val="accent1"/>
-              </a:buClr>
-              <a:buSzPct val="70000"/>
-              <a:buFont typeface="Wingdings 2" pitchFamily="18" charset="2"/>
-              <a:buNone/>
-              <a:defRPr baseline="0"/>
-            </a:lvl1pPr>
-            <a:lvl2pPr marL="342900" indent="0" algn="just" defTabSz="685800">
-              <a:lnSpc>
-                <a:spcPct val="130000"/>
-              </a:lnSpc>
-              <a:spcBef>
-                <a:spcPts val="0"/>
-              </a:spcBef>
-              <a:spcAft>
-                <a:spcPts val="450"/>
-              </a:spcAft>
-              <a:buClr>
-                <a:schemeClr val="accent2">
-                  <a:lumMod val="60000"/>
-                  <a:lumOff val="40000"/>
-                </a:schemeClr>
-              </a:buClr>
-              <a:buFont typeface="幼圆" pitchFamily="49" charset="-122"/>
-              <a:buNone/>
-              <a:defRPr sz="1050" baseline="0">
-                <a:latin typeface="Arial" pitchFamily="34" charset="0"/>
-                <a:ea typeface="黑体" pitchFamily="49" charset="-122"/>
-              </a:defRPr>
-            </a:lvl2pPr>
-            <a:lvl3pPr marL="685800" indent="0" defTabSz="685800">
-              <a:lnSpc>
-                <a:spcPct val="90000"/>
-              </a:lnSpc>
-              <a:spcBef>
-                <a:spcPts val="375"/>
-              </a:spcBef>
-              <a:buFont typeface="Arial" pitchFamily="34" charset="0"/>
-              <a:buNone/>
-              <a:defRPr sz="900"/>
-            </a:lvl3pPr>
-            <a:lvl4pPr marL="1028700" indent="0" defTabSz="685800">
-              <a:lnSpc>
-                <a:spcPct val="90000"/>
-              </a:lnSpc>
-              <a:spcBef>
-                <a:spcPts val="375"/>
-              </a:spcBef>
-              <a:buFont typeface="Arial" pitchFamily="34" charset="0"/>
-              <a:buNone/>
-              <a:defRPr sz="750"/>
-            </a:lvl4pPr>
-            <a:lvl5pPr marL="1371600" indent="0" defTabSz="685800">
-              <a:lnSpc>
-                <a:spcPct val="90000"/>
-              </a:lnSpc>
-              <a:spcBef>
-                <a:spcPts val="375"/>
-              </a:spcBef>
-              <a:buFont typeface="Arial" pitchFamily="34" charset="0"/>
-              <a:buNone/>
-              <a:defRPr sz="750"/>
-            </a:lvl5pPr>
-            <a:lvl6pPr marL="1714500" indent="0" defTabSz="685800">
-              <a:lnSpc>
-                <a:spcPct val="90000"/>
-              </a:lnSpc>
-              <a:spcBef>
-                <a:spcPts val="375"/>
-              </a:spcBef>
-              <a:buFont typeface="Arial" pitchFamily="34" charset="0"/>
-              <a:buNone/>
-              <a:defRPr sz="750"/>
-            </a:lvl6pPr>
-            <a:lvl7pPr marL="2057400" indent="0" defTabSz="685800">
-              <a:lnSpc>
-                <a:spcPct val="90000"/>
-              </a:lnSpc>
-              <a:spcBef>
-                <a:spcPts val="375"/>
-              </a:spcBef>
-              <a:buFont typeface="Arial" pitchFamily="34" charset="0"/>
-              <a:buNone/>
-              <a:defRPr sz="750"/>
-            </a:lvl7pPr>
-            <a:lvl8pPr marL="2400300" indent="0" defTabSz="685800">
-              <a:lnSpc>
-                <a:spcPct val="90000"/>
-              </a:lnSpc>
-              <a:spcBef>
-                <a:spcPts val="375"/>
-              </a:spcBef>
-              <a:buFont typeface="Arial" pitchFamily="34" charset="0"/>
-              <a:buNone/>
-              <a:defRPr sz="750"/>
-            </a:lvl8pPr>
-            <a:lvl9pPr marL="2743200" indent="0" defTabSz="685800">
-              <a:lnSpc>
-                <a:spcPct val="90000"/>
-              </a:lnSpc>
-              <a:spcBef>
-                <a:spcPts val="375"/>
-              </a:spcBef>
-              <a:buFont typeface="Arial" pitchFamily="34" charset="0"/>
-              <a:buNone/>
-              <a:defRPr sz="750"/>
-            </a:lvl9pPr>
-          </a:lstStyle>
-          <a:p>
-            <a:r>
-              <a:rPr lang="en-US" altLang="zh-CN" dirty="0" err="1"/>
-              <a:t>Lorem</a:t>
-            </a:r>
-            <a:r>
-              <a:rPr lang="en-US" altLang="zh-CN" dirty="0"/>
-              <a:t> </a:t>
-            </a:r>
-            <a:r>
-              <a:rPr lang="en-US" altLang="zh-CN" dirty="0" err="1"/>
-              <a:t>ipsum</a:t>
-            </a:r>
-            <a:r>
-              <a:rPr lang="en-US" altLang="zh-CN" dirty="0"/>
-              <a:t> dolor sit </a:t>
-            </a:r>
-            <a:r>
-              <a:rPr lang="en-US" altLang="zh-CN" dirty="0" err="1"/>
-              <a:t>amet</a:t>
-            </a:r>
-            <a:r>
-              <a:rPr lang="en-US" altLang="zh-CN" dirty="0"/>
-              <a:t>, </a:t>
-            </a:r>
-            <a:r>
-              <a:rPr lang="en-US" altLang="zh-CN" dirty="0" err="1"/>
-              <a:t>consectetur</a:t>
-            </a:r>
-            <a:r>
-              <a:rPr lang="en-US" altLang="zh-CN" dirty="0"/>
-              <a:t> </a:t>
-            </a:r>
-            <a:r>
-              <a:rPr lang="en-US" altLang="zh-CN" dirty="0" err="1"/>
-              <a:t>adipisicing</a:t>
-            </a:r>
-            <a:r>
-              <a:rPr lang="en-US" altLang="zh-CN" dirty="0"/>
-              <a:t> </a:t>
-            </a:r>
-            <a:r>
-              <a:rPr lang="en-US" altLang="zh-CN" dirty="0" err="1"/>
-              <a:t>elit</a:t>
-            </a:r>
-            <a:r>
-              <a:rPr lang="en-US" altLang="zh-CN" dirty="0"/>
-              <a:t>.</a:t>
-            </a:r>
-            <a:endParaRPr lang="zh-CN" altLang="en-US" dirty="0"/>
-          </a:p>
-        </p:txBody>
-      </p:sp>
-    </p:spTree>
-    <p:custDataLst>
-      <p:tags r:id="rId1"/>
-    </p:custDataLst>
-  </p:cSld>
-  <p:clrMapOvr>
-    <a:masterClrMapping/>
-  </p:clrMapOvr>
-</p:sld>
-</file>
-
-<file path=ppt/slides/slide9.xml><?xml version="1.0" encoding="utf-8"?>
-<p:sld xmlns:a="http://schemas.openxmlformats.org/drawingml/2006/main" xmlns:r="http://schemas.openxmlformats.org/officeDocument/2006/relationships" xmlns:p="http://schemas.openxmlformats.org/presentationml/2006/main">
-  <p:cSld>
-    <p:spTree>
-      <p:nvGrpSpPr>
-        <p:cNvPr id="1" name=""/>
-        <p:cNvGrpSpPr/>
-        <p:nvPr/>
-      </p:nvGrpSpPr>
-      <p:grpSpPr>
-        <a:xfrm>
-          <a:off x="0" y="0"/>
-          <a:ext cx="0" cy="0"/>
-          <a:chOff x="0" y="0"/>
-          <a:chExt cx="0" cy="0"/>
-        </a:xfrm>
-      </p:grpSpPr>
-      <p:sp>
-        <p:nvSpPr>
-          <p:cNvPr id="32" name="矩形 31"/>
-          <p:cNvSpPr/>
-          <p:nvPr>
-            <p:custDataLst>
-              <p:tags r:id="rId2"/>
-            </p:custDataLst>
-          </p:nvPr>
-        </p:nvSpPr>
-        <p:spPr>
-          <a:xfrm>
-            <a:off x="2898175" y="2555822"/>
-            <a:ext cx="1660924" cy="784871"/>
-          </a:xfrm>
-          <a:prstGeom prst="rect">
-            <a:avLst/>
-          </a:prstGeom>
-          <a:noFill/>
-          <a:ln w="12700" cap="flat" cmpd="sng" algn="ctr">
-            <a:noFill/>
-            <a:prstDash val="solid"/>
-            <a:miter lim="800000"/>
-          </a:ln>
-          <a:effectLst/>
-        </p:spPr>
-        <p:txBody>
-          <a:bodyPr rtlCol="0" anchor="ctr"/>
-          <a:lstStyle/>
-          <a:p>
-            <a:pPr algn="ctr">
-              <a:defRPr/>
-            </a:pPr>
-            <a:r>
-              <a:rPr lang="en-US" altLang="zh-CN" sz="5400" kern="0">
-                <a:solidFill>
-                  <a:srgbClr val="FFFFFF"/>
-                </a:solidFill>
-              </a:rPr>
-              <a:t>01</a:t>
-            </a:r>
-          </a:p>
-        </p:txBody>
-      </p:sp>
-      <p:sp>
-        <p:nvSpPr>
-          <p:cNvPr id="2" name="标题 1"/>
-          <p:cNvSpPr>
-            <a:spLocks noGrp="1"/>
-          </p:cNvSpPr>
-          <p:nvPr>
-            <p:ph type="title"/>
-            <p:custDataLst>
-              <p:tags r:id="rId3"/>
-            </p:custDataLst>
-          </p:nvPr>
-        </p:nvSpPr>
-        <p:spPr/>
-        <p:txBody>
-          <a:bodyPr/>
-          <a:lstStyle/>
-          <a:p>
-            <a:r>
-              <a:rPr lang="en-US" altLang="zh-CN">
-                <a:latin typeface="+mj-lt"/>
-                <a:ea typeface="+mj-ea"/>
-              </a:rPr>
-              <a:t>LOREM IPSUM DOLOR</a:t>
-            </a:r>
-            <a:endParaRPr lang="zh-CN" altLang="en-US" dirty="0">
-              <a:latin typeface="+mj-lt"/>
-              <a:ea typeface="+mj-ea"/>
-            </a:endParaRPr>
-          </a:p>
-        </p:txBody>
-      </p:sp>
-    </p:spTree>
-    <p:custDataLst>
-      <p:tags r:id="rId1"/>
-    </p:custDataLst>
+    <p:extLst>
+      <p:ext uri="{BB962C8B-B14F-4D97-AF65-F5344CB8AC3E}">
+        <p14:creationId xmlns:p14="http://schemas.microsoft.com/office/powerpoint/2010/main" val="2642093487"/>
+      </p:ext>
+    </p:extLst>
   </p:cSld>
   <p:clrMapOvr>
     <a:masterClrMapping/>
@@ -46367,6 +48922,359 @@
 
 <file path=ppt/tags/tag100.xml><?xml version="1.0" encoding="utf-8"?>
 <p:tagLst xmlns:a="http://schemas.openxmlformats.org/drawingml/2006/main" xmlns:r="http://schemas.openxmlformats.org/officeDocument/2006/relationships" xmlns:p="http://schemas.openxmlformats.org/presentationml/2006/main">
+  <p:tag name="KSO_WM_TAG_VERSION" val="1.0"/>
+  <p:tag name="KSO_WM_BEAUTIFY_FLAG" val="#wm#"/>
+  <p:tag name="KSO_WM_UNIT_TYPE" val="i"/>
+  <p:tag name="KSO_WM_UNIT_ID" val="custom160106_17*i*28"/>
+  <p:tag name="KSO_WM_TEMPLATE_CATEGORY" val="custom"/>
+  <p:tag name="KSO_WM_TEMPLATE_INDEX" val="160106"/>
+</p:tagLst>
+</file>
+
+<file path=ppt/tags/tag101.xml><?xml version="1.0" encoding="utf-8"?>
+<p:tagLst xmlns:a="http://schemas.openxmlformats.org/drawingml/2006/main" xmlns:r="http://schemas.openxmlformats.org/officeDocument/2006/relationships" xmlns:p="http://schemas.openxmlformats.org/presentationml/2006/main">
+  <p:tag name="KSO_WM_TAG_VERSION" val="1.0"/>
+  <p:tag name="KSO_WM_BEAUTIFY_FLAG" val="#wm#"/>
+  <p:tag name="KSO_WM_TEMPLATE_CATEGORY" val="custom"/>
+  <p:tag name="KSO_WM_TEMPLATE_INDEX" val="160106"/>
+  <p:tag name="MH" val="20150923164903"/>
+  <p:tag name="MH_LIBRARY" val="GRAPHIC"/>
+  <p:tag name="MH_TYPE" val="PageTitle"/>
+  <p:tag name="MH_ORDER" val="PageTitle"/>
+  <p:tag name="KSO_WM_UNIT_TYPE" val="a"/>
+  <p:tag name="KSO_WM_UNIT_INDEX" val="1"/>
+  <p:tag name="KSO_WM_UNIT_ID" val="custom160106_17*a*1"/>
+  <p:tag name="KSO_WM_UNIT_CLEAR" val="1"/>
+  <p:tag name="KSO_WM_UNIT_LAYERLEVEL" val="1"/>
+  <p:tag name="KSO_WM_UNIT_VALUE" val="29"/>
+  <p:tag name="KSO_WM_UNIT_ISCONTENTSTITLE" val="0"/>
+  <p:tag name="KSO_WM_UNIT_HIGHLIGHT" val="0"/>
+  <p:tag name="KSO_WM_UNIT_COMPATIBLE" val="0"/>
+  <p:tag name="KSO_WM_UNIT_PRESET_TEXT_INDEX" val="3"/>
+  <p:tag name="KSO_WM_UNIT_PRESET_TEXT_LEN" val="17"/>
+</p:tagLst>
+</file>
+
+<file path=ppt/tags/tag102.xml><?xml version="1.0" encoding="utf-8"?>
+<p:tagLst xmlns:a="http://schemas.openxmlformats.org/drawingml/2006/main" xmlns:r="http://schemas.openxmlformats.org/officeDocument/2006/relationships" xmlns:p="http://schemas.openxmlformats.org/presentationml/2006/main">
+  <p:tag name="KSO_WM_TAG_VERSION" val="1.0"/>
+  <p:tag name="KSO_WM_BEAUTIFY_FLAG" val="#wm#"/>
+  <p:tag name="KSO_WM_TEMPLATE_CATEGORY" val="custom"/>
+  <p:tag name="KSO_WM_TEMPLATE_INDEX" val="160106"/>
+  <p:tag name="MH" val="20150923164903"/>
+  <p:tag name="MH_LIBRARY" val="GRAPHIC"/>
+  <p:tag name="MH_TYPE" val="Other"/>
+  <p:tag name="MH_ORDER" val="6"/>
+  <p:tag name="KSO_WM_UNIT_TYPE" val="l_i"/>
+  <p:tag name="KSO_WM_UNIT_INDEX" val="1_9"/>
+  <p:tag name="KSO_WM_UNIT_ID" val="custom160106_17*l_i*1_9"/>
+  <p:tag name="KSO_WM_UNIT_CLEAR" val="1"/>
+  <p:tag name="KSO_WM_UNIT_LAYERLEVEL" val="1_1"/>
+  <p:tag name="KSO_WM_DIAGRAM_GROUP_CODE" val="l1-2"/>
+</p:tagLst>
+</file>
+
+<file path=ppt/tags/tag103.xml><?xml version="1.0" encoding="utf-8"?>
+<p:tagLst xmlns:a="http://schemas.openxmlformats.org/drawingml/2006/main" xmlns:r="http://schemas.openxmlformats.org/officeDocument/2006/relationships" xmlns:p="http://schemas.openxmlformats.org/presentationml/2006/main">
+  <p:tag name="KSO_WM_TAG_VERSION" val="1.0"/>
+  <p:tag name="KSO_WM_BEAUTIFY_FLAG" val="#wm#"/>
+  <p:tag name="KSO_WM_TEMPLATE_CATEGORY" val="custom"/>
+  <p:tag name="KSO_WM_TEMPLATE_INDEX" val="160106"/>
+  <p:tag name="MH" val="20150923164903"/>
+  <p:tag name="MH_LIBRARY" val="GRAPHIC"/>
+  <p:tag name="MH_TYPE" val="Other"/>
+  <p:tag name="MH_ORDER" val="7"/>
+  <p:tag name="KSO_WM_UNIT_TYPE" val="l_i"/>
+  <p:tag name="KSO_WM_UNIT_INDEX" val="1_10"/>
+  <p:tag name="KSO_WM_UNIT_ID" val="custom160106_17*l_i*1_10"/>
+  <p:tag name="KSO_WM_UNIT_CLEAR" val="1"/>
+  <p:tag name="KSO_WM_UNIT_LAYERLEVEL" val="1_1"/>
+  <p:tag name="KSO_WM_DIAGRAM_GROUP_CODE" val="l1-2"/>
+</p:tagLst>
+</file>
+
+<file path=ppt/tags/tag104.xml><?xml version="1.0" encoding="utf-8"?>
+<p:tagLst xmlns:a="http://schemas.openxmlformats.org/drawingml/2006/main" xmlns:r="http://schemas.openxmlformats.org/officeDocument/2006/relationships" xmlns:p="http://schemas.openxmlformats.org/presentationml/2006/main">
+  <p:tag name="KSO_WM_TAG_VERSION" val="1.0"/>
+  <p:tag name="KSO_WM_BEAUTIFY_FLAG" val="#wm#"/>
+  <p:tag name="KSO_WM_TEMPLATE_CATEGORY" val="custom"/>
+  <p:tag name="KSO_WM_TEMPLATE_INDEX" val="160106"/>
+  <p:tag name="MH" val="20150923164903"/>
+  <p:tag name="MH_LIBRARY" val="GRAPHIC"/>
+  <p:tag name="MH_TYPE" val="SubTitle"/>
+  <p:tag name="MH_ORDER" val="5"/>
+  <p:tag name="KSO_WM_UNIT_TYPE" val="l_h_f"/>
+  <p:tag name="KSO_WM_UNIT_INDEX" val="1_5_1"/>
+  <p:tag name="KSO_WM_UNIT_ID" val="custom160106_17*l_h_f*1_5_1"/>
+  <p:tag name="KSO_WM_UNIT_CLEAR" val="1"/>
+  <p:tag name="KSO_WM_UNIT_LAYERLEVEL" val="1_1_1"/>
+  <p:tag name="KSO_WM_UNIT_VALUE" val="44"/>
+  <p:tag name="KSO_WM_UNIT_HIGHLIGHT" val="0"/>
+  <p:tag name="KSO_WM_UNIT_COMPATIBLE" val="0"/>
+  <p:tag name="KSO_WM_UNIT_PRESET_TEXT_INDEX" val="3"/>
+  <p:tag name="KSO_WM_UNIT_PRESET_TEXT_LEN" val="24"/>
+  <p:tag name="KSO_WM_DIAGRAM_GROUP_CODE" val="l1-2"/>
+</p:tagLst>
+</file>
+
+<file path=ppt/tags/tag105.xml><?xml version="1.0" encoding="utf-8"?>
+<p:tagLst xmlns:a="http://schemas.openxmlformats.org/drawingml/2006/main" xmlns:r="http://schemas.openxmlformats.org/officeDocument/2006/relationships" xmlns:p="http://schemas.openxmlformats.org/presentationml/2006/main">
+  <p:tag name="KSO_WM_TAG_VERSION" val="1.0"/>
+  <p:tag name="KSO_WM_BEAUTIFY_FLAG" val="#wm#"/>
+  <p:tag name="KSO_WM_TEMPLATE_CATEGORY" val="custom"/>
+  <p:tag name="KSO_WM_TEMPLATE_INDEX" val="160106"/>
+  <p:tag name="MH" val="20150923164903"/>
+  <p:tag name="MH_LIBRARY" val="GRAPHIC"/>
+  <p:tag name="MH_TYPE" val="Other"/>
+  <p:tag name="MH_ORDER" val="4"/>
+  <p:tag name="KSO_WM_UNIT_TYPE" val="l_i"/>
+  <p:tag name="KSO_WM_UNIT_INDEX" val="1_7"/>
+  <p:tag name="KSO_WM_UNIT_ID" val="custom160106_17*l_i*1_7"/>
+  <p:tag name="KSO_WM_UNIT_CLEAR" val="1"/>
+  <p:tag name="KSO_WM_UNIT_LAYERLEVEL" val="1_1"/>
+  <p:tag name="KSO_WM_DIAGRAM_GROUP_CODE" val="l1-2"/>
+</p:tagLst>
+</file>
+
+<file path=ppt/tags/tag106.xml><?xml version="1.0" encoding="utf-8"?>
+<p:tagLst xmlns:a="http://schemas.openxmlformats.org/drawingml/2006/main" xmlns:r="http://schemas.openxmlformats.org/officeDocument/2006/relationships" xmlns:p="http://schemas.openxmlformats.org/presentationml/2006/main">
+  <p:tag name="KSO_WM_TAG_VERSION" val="1.0"/>
+  <p:tag name="KSO_WM_BEAUTIFY_FLAG" val="#wm#"/>
+  <p:tag name="KSO_WM_TEMPLATE_CATEGORY" val="custom"/>
+  <p:tag name="KSO_WM_TEMPLATE_INDEX" val="160106"/>
+  <p:tag name="MH" val="20150923164903"/>
+  <p:tag name="MH_LIBRARY" val="GRAPHIC"/>
+  <p:tag name="MH_TYPE" val="Other"/>
+  <p:tag name="MH_ORDER" val="5"/>
+  <p:tag name="KSO_WM_UNIT_TYPE" val="l_i"/>
+  <p:tag name="KSO_WM_UNIT_INDEX" val="1_8"/>
+  <p:tag name="KSO_WM_UNIT_ID" val="custom160106_17*l_i*1_8"/>
+  <p:tag name="KSO_WM_UNIT_CLEAR" val="1"/>
+  <p:tag name="KSO_WM_UNIT_LAYERLEVEL" val="1_1"/>
+  <p:tag name="KSO_WM_DIAGRAM_GROUP_CODE" val="l1-2"/>
+</p:tagLst>
+</file>
+
+<file path=ppt/tags/tag107.xml><?xml version="1.0" encoding="utf-8"?>
+<p:tagLst xmlns:a="http://schemas.openxmlformats.org/drawingml/2006/main" xmlns:r="http://schemas.openxmlformats.org/officeDocument/2006/relationships" xmlns:p="http://schemas.openxmlformats.org/presentationml/2006/main">
+  <p:tag name="KSO_WM_TAG_VERSION" val="1.0"/>
+  <p:tag name="KSO_WM_BEAUTIFY_FLAG" val="#wm#"/>
+  <p:tag name="KSO_WM_TEMPLATE_CATEGORY" val="custom"/>
+  <p:tag name="KSO_WM_TEMPLATE_INDEX" val="160106"/>
+  <p:tag name="MH" val="20150923164903"/>
+  <p:tag name="MH_LIBRARY" val="GRAPHIC"/>
+  <p:tag name="MH_TYPE" val="SubTitle"/>
+  <p:tag name="MH_ORDER" val="4"/>
+  <p:tag name="KSO_WM_UNIT_TYPE" val="l_h_f"/>
+  <p:tag name="KSO_WM_UNIT_INDEX" val="1_4_1"/>
+  <p:tag name="KSO_WM_UNIT_ID" val="custom160106_17*l_h_f*1_4_1"/>
+  <p:tag name="KSO_WM_UNIT_CLEAR" val="1"/>
+  <p:tag name="KSO_WM_UNIT_LAYERLEVEL" val="1_1_1"/>
+  <p:tag name="KSO_WM_UNIT_VALUE" val="44"/>
+  <p:tag name="KSO_WM_UNIT_HIGHLIGHT" val="0"/>
+  <p:tag name="KSO_WM_UNIT_COMPATIBLE" val="0"/>
+  <p:tag name="KSO_WM_UNIT_PRESET_TEXT_INDEX" val="3"/>
+  <p:tag name="KSO_WM_UNIT_PRESET_TEXT_LEN" val="24"/>
+  <p:tag name="KSO_WM_DIAGRAM_GROUP_CODE" val="l1-2"/>
+</p:tagLst>
+</file>
+
+<file path=ppt/tags/tag108.xml><?xml version="1.0" encoding="utf-8"?>
+<p:tagLst xmlns:a="http://schemas.openxmlformats.org/drawingml/2006/main" xmlns:r="http://schemas.openxmlformats.org/officeDocument/2006/relationships" xmlns:p="http://schemas.openxmlformats.org/presentationml/2006/main">
+  <p:tag name="KSO_WM_TAG_VERSION" val="1.0"/>
+  <p:tag name="KSO_WM_BEAUTIFY_FLAG" val="#wm#"/>
+  <p:tag name="KSO_WM_TEMPLATE_CATEGORY" val="custom"/>
+  <p:tag name="KSO_WM_TEMPLATE_INDEX" val="160106"/>
+  <p:tag name="MH" val="20150923164903"/>
+  <p:tag name="MH_LIBRARY" val="GRAPHIC"/>
+  <p:tag name="MH_TYPE" val="SubTitle"/>
+  <p:tag name="MH_ORDER" val="3"/>
+  <p:tag name="KSO_WM_UNIT_TYPE" val="l_h_f"/>
+  <p:tag name="KSO_WM_UNIT_INDEX" val="1_3_1"/>
+  <p:tag name="KSO_WM_UNIT_ID" val="custom160106_17*l_h_f*1_3_1"/>
+  <p:tag name="KSO_WM_UNIT_CLEAR" val="1"/>
+  <p:tag name="KSO_WM_UNIT_LAYERLEVEL" val="1_1_1"/>
+  <p:tag name="KSO_WM_UNIT_VALUE" val="44"/>
+  <p:tag name="KSO_WM_UNIT_HIGHLIGHT" val="0"/>
+  <p:tag name="KSO_WM_UNIT_COMPATIBLE" val="0"/>
+  <p:tag name="KSO_WM_UNIT_PRESET_TEXT_INDEX" val="3"/>
+  <p:tag name="KSO_WM_UNIT_PRESET_TEXT_LEN" val="24"/>
+  <p:tag name="KSO_WM_DIAGRAM_GROUP_CODE" val="l1-2"/>
+</p:tagLst>
+</file>
+
+<file path=ppt/tags/tag109.xml><?xml version="1.0" encoding="utf-8"?>
+<p:tagLst xmlns:a="http://schemas.openxmlformats.org/drawingml/2006/main" xmlns:r="http://schemas.openxmlformats.org/officeDocument/2006/relationships" xmlns:p="http://schemas.openxmlformats.org/presentationml/2006/main">
+  <p:tag name="KSO_WM_TAG_VERSION" val="1.0"/>
+  <p:tag name="KSO_WM_BEAUTIFY_FLAG" val="#wm#"/>
+  <p:tag name="KSO_WM_TEMPLATE_CATEGORY" val="custom"/>
+  <p:tag name="KSO_WM_TEMPLATE_INDEX" val="160106"/>
+  <p:tag name="MH" val="20150923164903"/>
+  <p:tag name="MH_LIBRARY" val="GRAPHIC"/>
+  <p:tag name="MH_TYPE" val="Other"/>
+  <p:tag name="MH_ORDER" val="14"/>
+  <p:tag name="KSO_WM_UNIT_TYPE" val="l_i"/>
+  <p:tag name="KSO_WM_UNIT_INDEX" val="1_5"/>
+  <p:tag name="KSO_WM_UNIT_ID" val="custom160106_17*l_i*1_5"/>
+  <p:tag name="KSO_WM_UNIT_CLEAR" val="1"/>
+  <p:tag name="KSO_WM_UNIT_LAYERLEVEL" val="1_1"/>
+  <p:tag name="KSO_WM_DIAGRAM_GROUP_CODE" val="l1-2"/>
+</p:tagLst>
+</file>
+
+<file path=ppt/tags/tag11.xml><?xml version="1.0" encoding="utf-8"?>
+<p:tagLst xmlns:a="http://schemas.openxmlformats.org/drawingml/2006/main" xmlns:r="http://schemas.openxmlformats.org/officeDocument/2006/relationships" xmlns:p="http://schemas.openxmlformats.org/presentationml/2006/main">
+  <p:tag name="MH" val="20150923171423"/>
+  <p:tag name="MH_LIBRARY" val="GRAPHIC"/>
+  <p:tag name="MH_ORDER" val="Rectangle 29"/>
+</p:tagLst>
+</file>
+
+<file path=ppt/tags/tag110.xml><?xml version="1.0" encoding="utf-8"?>
+<p:tagLst xmlns:a="http://schemas.openxmlformats.org/drawingml/2006/main" xmlns:r="http://schemas.openxmlformats.org/officeDocument/2006/relationships" xmlns:p="http://schemas.openxmlformats.org/presentationml/2006/main">
+  <p:tag name="KSO_WM_TAG_VERSION" val="1.0"/>
+  <p:tag name="KSO_WM_BEAUTIFY_FLAG" val="#wm#"/>
+  <p:tag name="KSO_WM_TEMPLATE_CATEGORY" val="custom"/>
+  <p:tag name="KSO_WM_TEMPLATE_INDEX" val="160106"/>
+  <p:tag name="MH" val="20150923164903"/>
+  <p:tag name="MH_LIBRARY" val="GRAPHIC"/>
+  <p:tag name="MH_TYPE" val="Other"/>
+  <p:tag name="MH_ORDER" val="15"/>
+  <p:tag name="KSO_WM_UNIT_TYPE" val="l_i"/>
+  <p:tag name="KSO_WM_UNIT_INDEX" val="1_6"/>
+  <p:tag name="KSO_WM_UNIT_ID" val="custom160106_17*l_i*1_6"/>
+  <p:tag name="KSO_WM_UNIT_CLEAR" val="1"/>
+  <p:tag name="KSO_WM_UNIT_LAYERLEVEL" val="1_1"/>
+  <p:tag name="KSO_WM_DIAGRAM_GROUP_CODE" val="l1-2"/>
+</p:tagLst>
+</file>
+
+<file path=ppt/tags/tag111.xml><?xml version="1.0" encoding="utf-8"?>
+<p:tagLst xmlns:a="http://schemas.openxmlformats.org/drawingml/2006/main" xmlns:r="http://schemas.openxmlformats.org/officeDocument/2006/relationships" xmlns:p="http://schemas.openxmlformats.org/presentationml/2006/main">
+  <p:tag name="KSO_WM_TAG_VERSION" val="1.0"/>
+  <p:tag name="KSO_WM_BEAUTIFY_FLAG" val="#wm#"/>
+  <p:tag name="KSO_WM_TEMPLATE_CATEGORY" val="custom"/>
+  <p:tag name="KSO_WM_TEMPLATE_INDEX" val="160106"/>
+  <p:tag name="MH" val="20150923164903"/>
+  <p:tag name="MH_LIBRARY" val="GRAPHIC"/>
+  <p:tag name="MH_TYPE" val="SubTitle"/>
+  <p:tag name="MH_ORDER" val="2"/>
+  <p:tag name="KSO_WM_UNIT_TYPE" val="l_h_f"/>
+  <p:tag name="KSO_WM_UNIT_INDEX" val="1_2_1"/>
+  <p:tag name="KSO_WM_UNIT_ID" val="custom160106_17*l_h_f*1_2_1"/>
+  <p:tag name="KSO_WM_UNIT_CLEAR" val="1"/>
+  <p:tag name="KSO_WM_UNIT_LAYERLEVEL" val="1_1_1"/>
+  <p:tag name="KSO_WM_UNIT_VALUE" val="44"/>
+  <p:tag name="KSO_WM_UNIT_HIGHLIGHT" val="0"/>
+  <p:tag name="KSO_WM_UNIT_COMPATIBLE" val="0"/>
+  <p:tag name="KSO_WM_UNIT_PRESET_TEXT_INDEX" val="3"/>
+  <p:tag name="KSO_WM_UNIT_PRESET_TEXT_LEN" val="24"/>
+  <p:tag name="KSO_WM_DIAGRAM_GROUP_CODE" val="l1-2"/>
+</p:tagLst>
+</file>
+
+<file path=ppt/tags/tag112.xml><?xml version="1.0" encoding="utf-8"?>
+<p:tagLst xmlns:a="http://schemas.openxmlformats.org/drawingml/2006/main" xmlns:r="http://schemas.openxmlformats.org/officeDocument/2006/relationships" xmlns:p="http://schemas.openxmlformats.org/presentationml/2006/main">
+  <p:tag name="KSO_WM_TAG_VERSION" val="1.0"/>
+  <p:tag name="KSO_WM_BEAUTIFY_FLAG" val="#wm#"/>
+  <p:tag name="KSO_WM_TEMPLATE_CATEGORY" val="custom"/>
+  <p:tag name="KSO_WM_TEMPLATE_INDEX" val="160106"/>
+  <p:tag name="MH" val="20150923164903"/>
+  <p:tag name="MH_LIBRARY" val="GRAPHIC"/>
+  <p:tag name="MH_TYPE" val="Other"/>
+  <p:tag name="MH_ORDER" val="11"/>
+  <p:tag name="KSO_WM_UNIT_TYPE" val="l_i"/>
+  <p:tag name="KSO_WM_UNIT_INDEX" val="1_3"/>
+  <p:tag name="KSO_WM_UNIT_ID" val="custom160106_17*l_i*1_3"/>
+  <p:tag name="KSO_WM_UNIT_CLEAR" val="1"/>
+  <p:tag name="KSO_WM_UNIT_LAYERLEVEL" val="1_1"/>
+  <p:tag name="KSO_WM_DIAGRAM_GROUP_CODE" val="l1-2"/>
+</p:tagLst>
+</file>
+
+<file path=ppt/tags/tag113.xml><?xml version="1.0" encoding="utf-8"?>
+<p:tagLst xmlns:a="http://schemas.openxmlformats.org/drawingml/2006/main" xmlns:r="http://schemas.openxmlformats.org/officeDocument/2006/relationships" xmlns:p="http://schemas.openxmlformats.org/presentationml/2006/main">
+  <p:tag name="KSO_WM_TAG_VERSION" val="1.0"/>
+  <p:tag name="KSO_WM_BEAUTIFY_FLAG" val="#wm#"/>
+  <p:tag name="KSO_WM_TEMPLATE_CATEGORY" val="custom"/>
+  <p:tag name="KSO_WM_TEMPLATE_INDEX" val="160106"/>
+  <p:tag name="MH" val="20150923164903"/>
+  <p:tag name="MH_LIBRARY" val="GRAPHIC"/>
+  <p:tag name="MH_TYPE" val="Other"/>
+  <p:tag name="MH_ORDER" val="12"/>
+  <p:tag name="KSO_WM_UNIT_TYPE" val="l_i"/>
+  <p:tag name="KSO_WM_UNIT_INDEX" val="1_4"/>
+  <p:tag name="KSO_WM_UNIT_ID" val="custom160106_17*l_i*1_4"/>
+  <p:tag name="KSO_WM_UNIT_CLEAR" val="1"/>
+  <p:tag name="KSO_WM_UNIT_LAYERLEVEL" val="1_1"/>
+  <p:tag name="KSO_WM_DIAGRAM_GROUP_CODE" val="l1-2"/>
+</p:tagLst>
+</file>
+
+<file path=ppt/tags/tag114.xml><?xml version="1.0" encoding="utf-8"?>
+<p:tagLst xmlns:a="http://schemas.openxmlformats.org/drawingml/2006/main" xmlns:r="http://schemas.openxmlformats.org/officeDocument/2006/relationships" xmlns:p="http://schemas.openxmlformats.org/presentationml/2006/main">
+  <p:tag name="KSO_WM_TAG_VERSION" val="1.0"/>
+  <p:tag name="KSO_WM_BEAUTIFY_FLAG" val="#wm#"/>
+  <p:tag name="KSO_WM_TEMPLATE_CATEGORY" val="custom"/>
+  <p:tag name="KSO_WM_TEMPLATE_INDEX" val="160106"/>
+  <p:tag name="MH" val="20150923164903"/>
+  <p:tag name="MH_LIBRARY" val="GRAPHIC"/>
+  <p:tag name="MH_TYPE" val="SubTitle"/>
+  <p:tag name="MH_ORDER" val="1"/>
+  <p:tag name="KSO_WM_UNIT_TYPE" val="l_h_f"/>
+  <p:tag name="KSO_WM_UNIT_INDEX" val="1_1_1"/>
+  <p:tag name="KSO_WM_UNIT_ID" val="custom160106_17*l_h_f*1_1_1"/>
+  <p:tag name="KSO_WM_UNIT_CLEAR" val="1"/>
+  <p:tag name="KSO_WM_UNIT_LAYERLEVEL" val="1_1_1"/>
+  <p:tag name="KSO_WM_UNIT_VALUE" val="44"/>
+  <p:tag name="KSO_WM_UNIT_HIGHLIGHT" val="0"/>
+  <p:tag name="KSO_WM_UNIT_COMPATIBLE" val="0"/>
+  <p:tag name="KSO_WM_UNIT_PRESET_TEXT_INDEX" val="3"/>
+  <p:tag name="KSO_WM_UNIT_PRESET_TEXT_LEN" val="24"/>
+  <p:tag name="KSO_WM_DIAGRAM_GROUP_CODE" val="l1-2"/>
+</p:tagLst>
+</file>
+
+<file path=ppt/tags/tag115.xml><?xml version="1.0" encoding="utf-8"?>
+<p:tagLst xmlns:a="http://schemas.openxmlformats.org/drawingml/2006/main" xmlns:r="http://schemas.openxmlformats.org/officeDocument/2006/relationships" xmlns:p="http://schemas.openxmlformats.org/presentationml/2006/main">
+  <p:tag name="KSO_WM_TAG_VERSION" val="1.0"/>
+  <p:tag name="KSO_WM_BEAUTIFY_FLAG" val="#wm#"/>
+  <p:tag name="KSO_WM_TEMPLATE_CATEGORY" val="custom"/>
+  <p:tag name="KSO_WM_TEMPLATE_INDEX" val="160106"/>
+  <p:tag name="MH" val="20150923164903"/>
+  <p:tag name="MH_LIBRARY" val="GRAPHIC"/>
+  <p:tag name="MH_TYPE" val="Other"/>
+  <p:tag name="MH_ORDER" val="2"/>
+  <p:tag name="KSO_WM_UNIT_TYPE" val="l_i"/>
+  <p:tag name="KSO_WM_UNIT_INDEX" val="1_1"/>
+  <p:tag name="KSO_WM_UNIT_ID" val="custom160106_17*l_i*1_1"/>
+  <p:tag name="KSO_WM_UNIT_CLEAR" val="1"/>
+  <p:tag name="KSO_WM_UNIT_LAYERLEVEL" val="1_1"/>
+  <p:tag name="KSO_WM_DIAGRAM_GROUP_CODE" val="l1-2"/>
+</p:tagLst>
+</file>
+
+<file path=ppt/tags/tag116.xml><?xml version="1.0" encoding="utf-8"?>
+<p:tagLst xmlns:a="http://schemas.openxmlformats.org/drawingml/2006/main" xmlns:r="http://schemas.openxmlformats.org/officeDocument/2006/relationships" xmlns:p="http://schemas.openxmlformats.org/presentationml/2006/main">
+  <p:tag name="KSO_WM_TAG_VERSION" val="1.0"/>
+  <p:tag name="KSO_WM_BEAUTIFY_FLAG" val="#wm#"/>
+  <p:tag name="KSO_WM_TEMPLATE_CATEGORY" val="custom"/>
+  <p:tag name="KSO_WM_TEMPLATE_INDEX" val="160106"/>
+  <p:tag name="MH" val="20150923164903"/>
+  <p:tag name="MH_LIBRARY" val="GRAPHIC"/>
+  <p:tag name="MH_TYPE" val="Other"/>
+  <p:tag name="MH_ORDER" val="3"/>
+  <p:tag name="KSO_WM_UNIT_TYPE" val="l_i"/>
+  <p:tag name="KSO_WM_UNIT_INDEX" val="1_2"/>
+  <p:tag name="KSO_WM_UNIT_ID" val="custom160106_17*l_i*1_2"/>
+  <p:tag name="KSO_WM_UNIT_CLEAR" val="1"/>
+  <p:tag name="KSO_WM_UNIT_LAYERLEVEL" val="1_1"/>
+  <p:tag name="KSO_WM_DIAGRAM_GROUP_CODE" val="l1-2"/>
+</p:tagLst>
+</file>
+
+<file path=ppt/tags/tag117.xml><?xml version="1.0" encoding="utf-8"?>
+<p:tagLst xmlns:a="http://schemas.openxmlformats.org/drawingml/2006/main" xmlns:r="http://schemas.openxmlformats.org/officeDocument/2006/relationships" xmlns:p="http://schemas.openxmlformats.org/presentationml/2006/main">
   <p:tag name="MH_TYPE" val="#NeiR#"/>
   <p:tag name="MH_NUMBER" val="6"/>
   <p:tag name="MH_CATEGORY" val="#BingLLB#"/>
@@ -46389,7 +49297,7 @@
 </p:tagLst>
 </file>
 
-<file path=ppt/tags/tag101.xml><?xml version="1.0" encoding="utf-8"?>
+<file path=ppt/tags/tag118.xml><?xml version="1.0" encoding="utf-8"?>
 <p:tagLst xmlns:a="http://schemas.openxmlformats.org/drawingml/2006/main" xmlns:r="http://schemas.openxmlformats.org/officeDocument/2006/relationships" xmlns:p="http://schemas.openxmlformats.org/presentationml/2006/main">
   <p:tag name="KSO_WM_TAG_VERSION" val="1.0"/>
   <p:tag name="KSO_WM_BEAUTIFY_FLAG" val="#wm#"/>
@@ -46400,7 +49308,7 @@
 </p:tagLst>
 </file>
 
-<file path=ppt/tags/tag102.xml><?xml version="1.0" encoding="utf-8"?>
+<file path=ppt/tags/tag119.xml><?xml version="1.0" encoding="utf-8"?>
 <p:tagLst xmlns:a="http://schemas.openxmlformats.org/drawingml/2006/main" xmlns:r="http://schemas.openxmlformats.org/officeDocument/2006/relationships" xmlns:p="http://schemas.openxmlformats.org/presentationml/2006/main">
   <p:tag name="KSO_WM_TAG_VERSION" val="1.0"/>
   <p:tag name="KSO_WM_BEAUTIFY_FLAG" val="#wm#"/>
@@ -46411,7 +49319,15 @@
 </p:tagLst>
 </file>
 
-<file path=ppt/tags/tag103.xml><?xml version="1.0" encoding="utf-8"?>
+<file path=ppt/tags/tag12.xml><?xml version="1.0" encoding="utf-8"?>
+<p:tagLst xmlns:a="http://schemas.openxmlformats.org/drawingml/2006/main" xmlns:r="http://schemas.openxmlformats.org/officeDocument/2006/relationships" xmlns:p="http://schemas.openxmlformats.org/presentationml/2006/main">
+  <p:tag name="MH" val="20150923171423"/>
+  <p:tag name="MH_LIBRARY" val="GRAPHIC"/>
+  <p:tag name="MH_ORDER" val="Rectangle 30"/>
+</p:tagLst>
+</file>
+
+<file path=ppt/tags/tag120.xml><?xml version="1.0" encoding="utf-8"?>
 <p:tagLst xmlns:a="http://schemas.openxmlformats.org/drawingml/2006/main" xmlns:r="http://schemas.openxmlformats.org/officeDocument/2006/relationships" xmlns:p="http://schemas.openxmlformats.org/presentationml/2006/main">
   <p:tag name="KSO_WM_TAG_VERSION" val="1.0"/>
   <p:tag name="KSO_WM_BEAUTIFY_FLAG" val="#wm#"/>
@@ -46422,7 +49338,7 @@
 </p:tagLst>
 </file>
 
-<file path=ppt/tags/tag104.xml><?xml version="1.0" encoding="utf-8"?>
+<file path=ppt/tags/tag121.xml><?xml version="1.0" encoding="utf-8"?>
 <p:tagLst xmlns:a="http://schemas.openxmlformats.org/drawingml/2006/main" xmlns:r="http://schemas.openxmlformats.org/officeDocument/2006/relationships" xmlns:p="http://schemas.openxmlformats.org/presentationml/2006/main">
   <p:tag name="KSO_WM_TAG_VERSION" val="1.0"/>
   <p:tag name="KSO_WM_BEAUTIFY_FLAG" val="#wm#"/>
@@ -46433,7 +49349,7 @@
 </p:tagLst>
 </file>
 
-<file path=ppt/tags/tag105.xml><?xml version="1.0" encoding="utf-8"?>
+<file path=ppt/tags/tag122.xml><?xml version="1.0" encoding="utf-8"?>
 <p:tagLst xmlns:a="http://schemas.openxmlformats.org/drawingml/2006/main" xmlns:r="http://schemas.openxmlformats.org/officeDocument/2006/relationships" xmlns:p="http://schemas.openxmlformats.org/presentationml/2006/main">
   <p:tag name="KSO_WM_TAG_VERSION" val="1.0"/>
   <p:tag name="KSO_WM_BEAUTIFY_FLAG" val="#wm#"/>
@@ -46444,7 +49360,7 @@
 </p:tagLst>
 </file>
 
-<file path=ppt/tags/tag106.xml><?xml version="1.0" encoding="utf-8"?>
+<file path=ppt/tags/tag123.xml><?xml version="1.0" encoding="utf-8"?>
 <p:tagLst xmlns:a="http://schemas.openxmlformats.org/drawingml/2006/main" xmlns:r="http://schemas.openxmlformats.org/officeDocument/2006/relationships" xmlns:p="http://schemas.openxmlformats.org/presentationml/2006/main">
   <p:tag name="KSO_WM_TAG_VERSION" val="1.0"/>
   <p:tag name="KSO_WM_BEAUTIFY_FLAG" val="#wm#"/>
@@ -46455,7 +49371,7 @@
 </p:tagLst>
 </file>
 
-<file path=ppt/tags/tag107.xml><?xml version="1.0" encoding="utf-8"?>
+<file path=ppt/tags/tag124.xml><?xml version="1.0" encoding="utf-8"?>
 <p:tagLst xmlns:a="http://schemas.openxmlformats.org/drawingml/2006/main" xmlns:r="http://schemas.openxmlformats.org/officeDocument/2006/relationships" xmlns:p="http://schemas.openxmlformats.org/presentationml/2006/main">
   <p:tag name="KSO_WM_TAG_VERSION" val="1.0"/>
   <p:tag name="KSO_WM_BEAUTIFY_FLAG" val="#wm#"/>
@@ -46479,7 +49395,7 @@
 </p:tagLst>
 </file>
 
-<file path=ppt/tags/tag108.xml><?xml version="1.0" encoding="utf-8"?>
+<file path=ppt/tags/tag125.xml><?xml version="1.0" encoding="utf-8"?>
 <p:tagLst xmlns:a="http://schemas.openxmlformats.org/drawingml/2006/main" xmlns:r="http://schemas.openxmlformats.org/officeDocument/2006/relationships" xmlns:p="http://schemas.openxmlformats.org/presentationml/2006/main">
   <p:tag name="KSO_WM_TAG_VERSION" val="1.0"/>
   <p:tag name="KSO_WM_BEAUTIFY_FLAG" val="#wm#"/>
@@ -46498,7 +49414,7 @@
 </p:tagLst>
 </file>
 
-<file path=ppt/tags/tag109.xml><?xml version="1.0" encoding="utf-8"?>
+<file path=ppt/tags/tag126.xml><?xml version="1.0" encoding="utf-8"?>
 <p:tagLst xmlns:a="http://schemas.openxmlformats.org/drawingml/2006/main" xmlns:r="http://schemas.openxmlformats.org/officeDocument/2006/relationships" xmlns:p="http://schemas.openxmlformats.org/presentationml/2006/main">
   <p:tag name="KSO_WM_TAG_VERSION" val="1.0"/>
   <p:tag name="KSO_WM_BEAUTIFY_FLAG" val="#wm#"/>
@@ -46517,15 +49433,7 @@
 </p:tagLst>
 </file>
 
-<file path=ppt/tags/tag11.xml><?xml version="1.0" encoding="utf-8"?>
-<p:tagLst xmlns:a="http://schemas.openxmlformats.org/drawingml/2006/main" xmlns:r="http://schemas.openxmlformats.org/officeDocument/2006/relationships" xmlns:p="http://schemas.openxmlformats.org/presentationml/2006/main">
-  <p:tag name="MH" val="20150923171423"/>
-  <p:tag name="MH_LIBRARY" val="GRAPHIC"/>
-  <p:tag name="MH_ORDER" val="Rectangle 29"/>
-</p:tagLst>
-</file>
-
-<file path=ppt/tags/tag110.xml><?xml version="1.0" encoding="utf-8"?>
+<file path=ppt/tags/tag127.xml><?xml version="1.0" encoding="utf-8"?>
 <p:tagLst xmlns:a="http://schemas.openxmlformats.org/drawingml/2006/main" xmlns:r="http://schemas.openxmlformats.org/officeDocument/2006/relationships" xmlns:p="http://schemas.openxmlformats.org/presentationml/2006/main">
   <p:tag name="KSO_WM_TAG_VERSION" val="1.0"/>
   <p:tag name="KSO_WM_BEAUTIFY_FLAG" val="#wm#"/>
@@ -46549,7 +49457,7 @@
 </p:tagLst>
 </file>
 
-<file path=ppt/tags/tag111.xml><?xml version="1.0" encoding="utf-8"?>
+<file path=ppt/tags/tag128.xml><?xml version="1.0" encoding="utf-8"?>
 <p:tagLst xmlns:a="http://schemas.openxmlformats.org/drawingml/2006/main" xmlns:r="http://schemas.openxmlformats.org/officeDocument/2006/relationships" xmlns:p="http://schemas.openxmlformats.org/presentationml/2006/main">
   <p:tag name="KSO_WM_TAG_VERSION" val="1.0"/>
   <p:tag name="KSO_WM_BEAUTIFY_FLAG" val="#wm#"/>
@@ -46568,7 +49476,7 @@
 </p:tagLst>
 </file>
 
-<file path=ppt/tags/tag112.xml><?xml version="1.0" encoding="utf-8"?>
+<file path=ppt/tags/tag129.xml><?xml version="1.0" encoding="utf-8"?>
 <p:tagLst xmlns:a="http://schemas.openxmlformats.org/drawingml/2006/main" xmlns:r="http://schemas.openxmlformats.org/officeDocument/2006/relationships" xmlns:p="http://schemas.openxmlformats.org/presentationml/2006/main">
   <p:tag name="KSO_WM_TAG_VERSION" val="1.0"/>
   <p:tag name="KSO_WM_BEAUTIFY_FLAG" val="#wm#"/>
@@ -46587,7 +49495,15 @@
 </p:tagLst>
 </file>
 
-<file path=ppt/tags/tag113.xml><?xml version="1.0" encoding="utf-8"?>
+<file path=ppt/tags/tag13.xml><?xml version="1.0" encoding="utf-8"?>
+<p:tagLst xmlns:a="http://schemas.openxmlformats.org/drawingml/2006/main" xmlns:r="http://schemas.openxmlformats.org/officeDocument/2006/relationships" xmlns:p="http://schemas.openxmlformats.org/presentationml/2006/main">
+  <p:tag name="MH" val="20150923171423"/>
+  <p:tag name="MH_LIBRARY" val="GRAPHIC"/>
+  <p:tag name="MH_ORDER" val="Oval 33"/>
+</p:tagLst>
+</file>
+
+<file path=ppt/tags/tag130.xml><?xml version="1.0" encoding="utf-8"?>
 <p:tagLst xmlns:a="http://schemas.openxmlformats.org/drawingml/2006/main" xmlns:r="http://schemas.openxmlformats.org/officeDocument/2006/relationships" xmlns:p="http://schemas.openxmlformats.org/presentationml/2006/main">
   <p:tag name="KSO_WM_TAG_VERSION" val="1.0"/>
   <p:tag name="KSO_WM_BEAUTIFY_FLAG" val="#wm#"/>
@@ -46611,7 +49527,7 @@
 </p:tagLst>
 </file>
 
-<file path=ppt/tags/tag114.xml><?xml version="1.0" encoding="utf-8"?>
+<file path=ppt/tags/tag131.xml><?xml version="1.0" encoding="utf-8"?>
 <p:tagLst xmlns:a="http://schemas.openxmlformats.org/drawingml/2006/main" xmlns:r="http://schemas.openxmlformats.org/officeDocument/2006/relationships" xmlns:p="http://schemas.openxmlformats.org/presentationml/2006/main">
   <p:tag name="KSO_WM_TAG_VERSION" val="1.0"/>
   <p:tag name="KSO_WM_BEAUTIFY_FLAG" val="#wm#"/>
@@ -46630,7 +49546,7 @@
 </p:tagLst>
 </file>
 
-<file path=ppt/tags/tag115.xml><?xml version="1.0" encoding="utf-8"?>
+<file path=ppt/tags/tag132.xml><?xml version="1.0" encoding="utf-8"?>
 <p:tagLst xmlns:a="http://schemas.openxmlformats.org/drawingml/2006/main" xmlns:r="http://schemas.openxmlformats.org/officeDocument/2006/relationships" xmlns:p="http://schemas.openxmlformats.org/presentationml/2006/main">
   <p:tag name="KSO_WM_TAG_VERSION" val="1.0"/>
   <p:tag name="KSO_WM_BEAUTIFY_FLAG" val="#wm#"/>
@@ -46649,7 +49565,7 @@
 </p:tagLst>
 </file>
 
-<file path=ppt/tags/tag116.xml><?xml version="1.0" encoding="utf-8"?>
+<file path=ppt/tags/tag133.xml><?xml version="1.0" encoding="utf-8"?>
 <p:tagLst xmlns:a="http://schemas.openxmlformats.org/drawingml/2006/main" xmlns:r="http://schemas.openxmlformats.org/officeDocument/2006/relationships" xmlns:p="http://schemas.openxmlformats.org/presentationml/2006/main">
   <p:tag name="KSO_WM_TAG_VERSION" val="1.0"/>
   <p:tag name="KSO_WM_BEAUTIFY_FLAG" val="#wm#"/>
@@ -46673,7 +49589,7 @@
 </p:tagLst>
 </file>
 
-<file path=ppt/tags/tag117.xml><?xml version="1.0" encoding="utf-8"?>
+<file path=ppt/tags/tag134.xml><?xml version="1.0" encoding="utf-8"?>
 <p:tagLst xmlns:a="http://schemas.openxmlformats.org/drawingml/2006/main" xmlns:r="http://schemas.openxmlformats.org/officeDocument/2006/relationships" xmlns:p="http://schemas.openxmlformats.org/presentationml/2006/main">
   <p:tag name="KSO_WM_TAG_VERSION" val="1.0"/>
   <p:tag name="KSO_WM_BEAUTIFY_FLAG" val="#wm#"/>
@@ -46697,7 +49613,7 @@
 </p:tagLst>
 </file>
 
-<file path=ppt/tags/tag118.xml><?xml version="1.0" encoding="utf-8"?>
+<file path=ppt/tags/tag135.xml><?xml version="1.0" encoding="utf-8"?>
 <p:tagLst xmlns:a="http://schemas.openxmlformats.org/drawingml/2006/main" xmlns:r="http://schemas.openxmlformats.org/officeDocument/2006/relationships" xmlns:p="http://schemas.openxmlformats.org/presentationml/2006/main">
   <p:tag name="KSO_WM_TAG_VERSION" val="1.0"/>
   <p:tag name="KSO_WM_BEAUTIFY_FLAG" val="#wm#"/>
@@ -46716,7 +49632,7 @@
 </p:tagLst>
 </file>
 
-<file path=ppt/tags/tag119.xml><?xml version="1.0" encoding="utf-8"?>
+<file path=ppt/tags/tag136.xml><?xml version="1.0" encoding="utf-8"?>
 <p:tagLst xmlns:a="http://schemas.openxmlformats.org/drawingml/2006/main" xmlns:r="http://schemas.openxmlformats.org/officeDocument/2006/relationships" xmlns:p="http://schemas.openxmlformats.org/presentationml/2006/main">
   <p:tag name="KSO_WM_TAG_VERSION" val="1.0"/>
   <p:tag name="KSO_WM_BEAUTIFY_FLAG" val="#wm#"/>
@@ -46735,15 +49651,7 @@
 </p:tagLst>
 </file>
 
-<file path=ppt/tags/tag12.xml><?xml version="1.0" encoding="utf-8"?>
-<p:tagLst xmlns:a="http://schemas.openxmlformats.org/drawingml/2006/main" xmlns:r="http://schemas.openxmlformats.org/officeDocument/2006/relationships" xmlns:p="http://schemas.openxmlformats.org/presentationml/2006/main">
-  <p:tag name="MH" val="20150923171423"/>
-  <p:tag name="MH_LIBRARY" val="GRAPHIC"/>
-  <p:tag name="MH_ORDER" val="Rectangle 30"/>
-</p:tagLst>
-</file>
-
-<file path=ppt/tags/tag120.xml><?xml version="1.0" encoding="utf-8"?>
+<file path=ppt/tags/tag137.xml><?xml version="1.0" encoding="utf-8"?>
 <p:tagLst xmlns:a="http://schemas.openxmlformats.org/drawingml/2006/main" xmlns:r="http://schemas.openxmlformats.org/officeDocument/2006/relationships" xmlns:p="http://schemas.openxmlformats.org/presentationml/2006/main">
   <p:tag name="KSO_WM_TAG_VERSION" val="1.0"/>
   <p:tag name="KSO_WM_BEAUTIFY_FLAG" val="#wm#"/>
@@ -46767,7 +49675,7 @@
 </p:tagLst>
 </file>
 
-<file path=ppt/tags/tag121.xml><?xml version="1.0" encoding="utf-8"?>
+<file path=ppt/tags/tag138.xml><?xml version="1.0" encoding="utf-8"?>
 <p:tagLst xmlns:a="http://schemas.openxmlformats.org/drawingml/2006/main" xmlns:r="http://schemas.openxmlformats.org/officeDocument/2006/relationships" xmlns:p="http://schemas.openxmlformats.org/presentationml/2006/main">
   <p:tag name="KSO_WM_TAG_VERSION" val="1.0"/>
   <p:tag name="KSO_WM_BEAUTIFY_FLAG" val="#wm#"/>
@@ -46786,7 +49694,7 @@
 </p:tagLst>
 </file>
 
-<file path=ppt/tags/tag122.xml><?xml version="1.0" encoding="utf-8"?>
+<file path=ppt/tags/tag139.xml><?xml version="1.0" encoding="utf-8"?>
 <p:tagLst xmlns:a="http://schemas.openxmlformats.org/drawingml/2006/main" xmlns:r="http://schemas.openxmlformats.org/officeDocument/2006/relationships" xmlns:p="http://schemas.openxmlformats.org/presentationml/2006/main">
   <p:tag name="KSO_WM_TAG_VERSION" val="1.0"/>
   <p:tag name="KSO_WM_BEAUTIFY_FLAG" val="#wm#"/>
@@ -46805,7 +49713,15 @@
 </p:tagLst>
 </file>
 
-<file path=ppt/tags/tag123.xml><?xml version="1.0" encoding="utf-8"?>
+<file path=ppt/tags/tag14.xml><?xml version="1.0" encoding="utf-8"?>
+<p:tagLst xmlns:a="http://schemas.openxmlformats.org/drawingml/2006/main" xmlns:r="http://schemas.openxmlformats.org/officeDocument/2006/relationships" xmlns:p="http://schemas.openxmlformats.org/presentationml/2006/main">
+  <p:tag name="MH" val="20150923171423"/>
+  <p:tag name="MH_LIBRARY" val="GRAPHIC"/>
+  <p:tag name="MH_ORDER" val="Oval 34"/>
+</p:tagLst>
+</file>
+
+<file path=ppt/tags/tag140.xml><?xml version="1.0" encoding="utf-8"?>
 <p:tagLst xmlns:a="http://schemas.openxmlformats.org/drawingml/2006/main" xmlns:r="http://schemas.openxmlformats.org/officeDocument/2006/relationships" xmlns:p="http://schemas.openxmlformats.org/presentationml/2006/main">
   <p:tag name="KSO_WM_TAG_VERSION" val="1.0"/>
   <p:tag name="KSO_WM_BEAUTIFY_FLAG" val="#wm#"/>
@@ -46829,7 +49745,7 @@
 </p:tagLst>
 </file>
 
-<file path=ppt/tags/tag124.xml><?xml version="1.0" encoding="utf-8"?>
+<file path=ppt/tags/tag141.xml><?xml version="1.0" encoding="utf-8"?>
 <p:tagLst xmlns:a="http://schemas.openxmlformats.org/drawingml/2006/main" xmlns:r="http://schemas.openxmlformats.org/officeDocument/2006/relationships" xmlns:p="http://schemas.openxmlformats.org/presentationml/2006/main">
   <p:tag name="KSO_WM_TAG_VERSION" val="1.0"/>
   <p:tag name="KSO_WM_BEAUTIFY_FLAG" val="#wm#"/>
@@ -46848,7 +49764,7 @@
 </p:tagLst>
 </file>
 
-<file path=ppt/tags/tag125.xml><?xml version="1.0" encoding="utf-8"?>
+<file path=ppt/tags/tag142.xml><?xml version="1.0" encoding="utf-8"?>
 <p:tagLst xmlns:a="http://schemas.openxmlformats.org/drawingml/2006/main" xmlns:r="http://schemas.openxmlformats.org/officeDocument/2006/relationships" xmlns:p="http://schemas.openxmlformats.org/presentationml/2006/main">
   <p:tag name="KSO_WM_TAG_VERSION" val="1.0"/>
   <p:tag name="KSO_WM_BEAUTIFY_FLAG" val="#wm#"/>
@@ -46867,7 +49783,7 @@
 </p:tagLst>
 </file>
 
-<file path=ppt/tags/tag126.xml><?xml version="1.0" encoding="utf-8"?>
+<file path=ppt/tags/tag143.xml><?xml version="1.0" encoding="utf-8"?>
 <p:tagLst xmlns:a="http://schemas.openxmlformats.org/drawingml/2006/main" xmlns:r="http://schemas.openxmlformats.org/officeDocument/2006/relationships" xmlns:p="http://schemas.openxmlformats.org/presentationml/2006/main">
   <p:tag name="MH_TYPE" val="#NeiR#"/>
   <p:tag name="MH_NUMBER" val="1"/>
@@ -46890,7 +49806,7 @@
 </p:tagLst>
 </file>
 
-<file path=ppt/tags/tag127.xml><?xml version="1.0" encoding="utf-8"?>
+<file path=ppt/tags/tag144.xml><?xml version="1.0" encoding="utf-8"?>
 <p:tagLst xmlns:a="http://schemas.openxmlformats.org/drawingml/2006/main" xmlns:r="http://schemas.openxmlformats.org/officeDocument/2006/relationships" xmlns:p="http://schemas.openxmlformats.org/presentationml/2006/main">
   <p:tag name="KSO_WM_TAG_VERSION" val="1.0"/>
   <p:tag name="KSO_WM_BEAUTIFY_FLAG" val="#wm#"/>
@@ -46914,7 +49830,7 @@
 </p:tagLst>
 </file>
 
-<file path=ppt/tags/tag128.xml><?xml version="1.0" encoding="utf-8"?>
+<file path=ppt/tags/tag145.xml><?xml version="1.0" encoding="utf-8"?>
 <p:tagLst xmlns:a="http://schemas.openxmlformats.org/drawingml/2006/main" xmlns:r="http://schemas.openxmlformats.org/officeDocument/2006/relationships" xmlns:p="http://schemas.openxmlformats.org/presentationml/2006/main">
   <p:tag name="KSO_WM_TAG_VERSION" val="1.0"/>
   <p:tag name="KSO_WM_BEAUTIFY_FLAG" val="#wm#"/>
@@ -46933,7 +49849,7 @@
 </p:tagLst>
 </file>
 
-<file path=ppt/tags/tag129.xml><?xml version="1.0" encoding="utf-8"?>
+<file path=ppt/tags/tag146.xml><?xml version="1.0" encoding="utf-8"?>
 <p:tagLst xmlns:a="http://schemas.openxmlformats.org/drawingml/2006/main" xmlns:r="http://schemas.openxmlformats.org/officeDocument/2006/relationships" xmlns:p="http://schemas.openxmlformats.org/presentationml/2006/main">
   <p:tag name="MH_TYPE" val="#NeiR#"/>
   <p:tag name="MH_NUMBER" val="1"/>
@@ -46956,15 +49872,7 @@
 </p:tagLst>
 </file>
 
-<file path=ppt/tags/tag13.xml><?xml version="1.0" encoding="utf-8"?>
-<p:tagLst xmlns:a="http://schemas.openxmlformats.org/drawingml/2006/main" xmlns:r="http://schemas.openxmlformats.org/officeDocument/2006/relationships" xmlns:p="http://schemas.openxmlformats.org/presentationml/2006/main">
-  <p:tag name="MH" val="20150923171423"/>
-  <p:tag name="MH_LIBRARY" val="GRAPHIC"/>
-  <p:tag name="MH_ORDER" val="Oval 33"/>
-</p:tagLst>
-</file>
-
-<file path=ppt/tags/tag130.xml><?xml version="1.0" encoding="utf-8"?>
+<file path=ppt/tags/tag147.xml><?xml version="1.0" encoding="utf-8"?>
 <p:tagLst xmlns:a="http://schemas.openxmlformats.org/drawingml/2006/main" xmlns:r="http://schemas.openxmlformats.org/officeDocument/2006/relationships" xmlns:p="http://schemas.openxmlformats.org/presentationml/2006/main">
   <p:tag name="KSO_WM_TAG_VERSION" val="1.0"/>
   <p:tag name="KSO_WM_BEAUTIFY_FLAG" val="#wm#"/>
@@ -46984,7 +49892,7 @@
 </p:tagLst>
 </file>
 
-<file path=ppt/tags/tag131.xml><?xml version="1.0" encoding="utf-8"?>
+<file path=ppt/tags/tag148.xml><?xml version="1.0" encoding="utf-8"?>
 <p:tagLst xmlns:a="http://schemas.openxmlformats.org/drawingml/2006/main" xmlns:r="http://schemas.openxmlformats.org/officeDocument/2006/relationships" xmlns:p="http://schemas.openxmlformats.org/presentationml/2006/main">
   <p:tag name="KSO_WM_TAG_VERSION" val="1.0"/>
   <p:tag name="KSO_WM_BEAUTIFY_FLAG" val="#wm#"/>
@@ -47003,7 +49911,7 @@
 </p:tagLst>
 </file>
 
-<file path=ppt/tags/tag132.xml><?xml version="1.0" encoding="utf-8"?>
+<file path=ppt/tags/tag149.xml><?xml version="1.0" encoding="utf-8"?>
 <p:tagLst xmlns:a="http://schemas.openxmlformats.org/drawingml/2006/main" xmlns:r="http://schemas.openxmlformats.org/officeDocument/2006/relationships" xmlns:p="http://schemas.openxmlformats.org/presentationml/2006/main">
   <p:tag name="KSO_WM_TAG_VERSION" val="1.0"/>
   <p:tag name="KSO_WM_BEAUTIFY_FLAG" val="#wm#"/>
@@ -47022,7 +49930,15 @@
 </p:tagLst>
 </file>
 
-<file path=ppt/tags/tag133.xml><?xml version="1.0" encoding="utf-8"?>
+<file path=ppt/tags/tag15.xml><?xml version="1.0" encoding="utf-8"?>
+<p:tagLst xmlns:a="http://schemas.openxmlformats.org/drawingml/2006/main" xmlns:r="http://schemas.openxmlformats.org/officeDocument/2006/relationships" xmlns:p="http://schemas.openxmlformats.org/presentationml/2006/main">
+  <p:tag name="MH" val="20150923171423"/>
+  <p:tag name="MH_LIBRARY" val="GRAPHIC"/>
+  <p:tag name="MH_ORDER" val="Oval 35"/>
+</p:tagLst>
+</file>
+
+<file path=ppt/tags/tag150.xml><?xml version="1.0" encoding="utf-8"?>
 <p:tagLst xmlns:a="http://schemas.openxmlformats.org/drawingml/2006/main" xmlns:r="http://schemas.openxmlformats.org/officeDocument/2006/relationships" xmlns:p="http://schemas.openxmlformats.org/presentationml/2006/main">
   <p:tag name="MH_TYPE" val="#NeiR#"/>
   <p:tag name="MH_NUMBER" val="6"/>
@@ -47046,7 +49962,7 @@
 </p:tagLst>
 </file>
 
-<file path=ppt/tags/tag134.xml><?xml version="1.0" encoding="utf-8"?>
+<file path=ppt/tags/tag151.xml><?xml version="1.0" encoding="utf-8"?>
 <p:tagLst xmlns:a="http://schemas.openxmlformats.org/drawingml/2006/main" xmlns:r="http://schemas.openxmlformats.org/officeDocument/2006/relationships" xmlns:p="http://schemas.openxmlformats.org/presentationml/2006/main">
   <p:tag name="KSO_WM_TAG_VERSION" val="1.0"/>
   <p:tag name="KSO_WM_BEAUTIFY_FLAG" val="#wm#"/>
@@ -47065,7 +49981,7 @@
 </p:tagLst>
 </file>
 
-<file path=ppt/tags/tag135.xml><?xml version="1.0" encoding="utf-8"?>
+<file path=ppt/tags/tag152.xml><?xml version="1.0" encoding="utf-8"?>
 <p:tagLst xmlns:a="http://schemas.openxmlformats.org/drawingml/2006/main" xmlns:r="http://schemas.openxmlformats.org/officeDocument/2006/relationships" xmlns:p="http://schemas.openxmlformats.org/presentationml/2006/main">
   <p:tag name="KSO_WM_TAG_VERSION" val="1.0"/>
   <p:tag name="KSO_WM_BEAUTIFY_FLAG" val="#wm#"/>
@@ -47084,7 +50000,7 @@
 </p:tagLst>
 </file>
 
-<file path=ppt/tags/tag136.xml><?xml version="1.0" encoding="utf-8"?>
+<file path=ppt/tags/tag153.xml><?xml version="1.0" encoding="utf-8"?>
 <p:tagLst xmlns:a="http://schemas.openxmlformats.org/drawingml/2006/main" xmlns:r="http://schemas.openxmlformats.org/officeDocument/2006/relationships" xmlns:p="http://schemas.openxmlformats.org/presentationml/2006/main">
   <p:tag name="KSO_WM_TAG_VERSION" val="1.0"/>
   <p:tag name="KSO_WM_BEAUTIFY_FLAG" val="#wm#"/>
@@ -47103,7 +50019,7 @@
 </p:tagLst>
 </file>
 
-<file path=ppt/tags/tag137.xml><?xml version="1.0" encoding="utf-8"?>
+<file path=ppt/tags/tag154.xml><?xml version="1.0" encoding="utf-8"?>
 <p:tagLst xmlns:a="http://schemas.openxmlformats.org/drawingml/2006/main" xmlns:r="http://schemas.openxmlformats.org/officeDocument/2006/relationships" xmlns:p="http://schemas.openxmlformats.org/presentationml/2006/main">
   <p:tag name="KSO_WM_TAG_VERSION" val="1.0"/>
   <p:tag name="KSO_WM_BEAUTIFY_FLAG" val="#wm#"/>
@@ -47122,7 +50038,7 @@
 </p:tagLst>
 </file>
 
-<file path=ppt/tags/tag138.xml><?xml version="1.0" encoding="utf-8"?>
+<file path=ppt/tags/tag155.xml><?xml version="1.0" encoding="utf-8"?>
 <p:tagLst xmlns:a="http://schemas.openxmlformats.org/drawingml/2006/main" xmlns:r="http://schemas.openxmlformats.org/officeDocument/2006/relationships" xmlns:p="http://schemas.openxmlformats.org/presentationml/2006/main">
   <p:tag name="KSO_WM_TAG_VERSION" val="1.0"/>
   <p:tag name="KSO_WM_BEAUTIFY_FLAG" val="#wm#"/>
@@ -47133,7 +50049,7 @@
 </p:tagLst>
 </file>
 
-<file path=ppt/tags/tag139.xml><?xml version="1.0" encoding="utf-8"?>
+<file path=ppt/tags/tag156.xml><?xml version="1.0" encoding="utf-8"?>
 <p:tagLst xmlns:a="http://schemas.openxmlformats.org/drawingml/2006/main" xmlns:r="http://schemas.openxmlformats.org/officeDocument/2006/relationships" xmlns:p="http://schemas.openxmlformats.org/presentationml/2006/main">
   <p:tag name="KSO_WM_TAG_VERSION" val="1.0"/>
   <p:tag name="KSO_WM_BEAUTIFY_FLAG" val="#wm#"/>
@@ -47144,15 +50060,7 @@
 </p:tagLst>
 </file>
 
-<file path=ppt/tags/tag14.xml><?xml version="1.0" encoding="utf-8"?>
-<p:tagLst xmlns:a="http://schemas.openxmlformats.org/drawingml/2006/main" xmlns:r="http://schemas.openxmlformats.org/officeDocument/2006/relationships" xmlns:p="http://schemas.openxmlformats.org/presentationml/2006/main">
-  <p:tag name="MH" val="20150923171423"/>
-  <p:tag name="MH_LIBRARY" val="GRAPHIC"/>
-  <p:tag name="MH_ORDER" val="Oval 34"/>
-</p:tagLst>
-</file>
-
-<file path=ppt/tags/tag140.xml><?xml version="1.0" encoding="utf-8"?>
+<file path=ppt/tags/tag157.xml><?xml version="1.0" encoding="utf-8"?>
 <p:tagLst xmlns:a="http://schemas.openxmlformats.org/drawingml/2006/main" xmlns:r="http://schemas.openxmlformats.org/officeDocument/2006/relationships" xmlns:p="http://schemas.openxmlformats.org/presentationml/2006/main">
   <p:tag name="KSO_WM_TAG_VERSION" val="1.0"/>
   <p:tag name="KSO_WM_BEAUTIFY_FLAG" val="#wm#"/>
@@ -47163,7 +50071,7 @@
 </p:tagLst>
 </file>
 
-<file path=ppt/tags/tag141.xml><?xml version="1.0" encoding="utf-8"?>
+<file path=ppt/tags/tag158.xml><?xml version="1.0" encoding="utf-8"?>
 <p:tagLst xmlns:a="http://schemas.openxmlformats.org/drawingml/2006/main" xmlns:r="http://schemas.openxmlformats.org/officeDocument/2006/relationships" xmlns:p="http://schemas.openxmlformats.org/presentationml/2006/main">
   <p:tag name="KSO_WM_TAG_VERSION" val="1.0"/>
   <p:tag name="KSO_WM_BEAUTIFY_FLAG" val="#wm#"/>
@@ -47174,7 +50082,7 @@
 </p:tagLst>
 </file>
 
-<file path=ppt/tags/tag142.xml><?xml version="1.0" encoding="utf-8"?>
+<file path=ppt/tags/tag159.xml><?xml version="1.0" encoding="utf-8"?>
 <p:tagLst xmlns:a="http://schemas.openxmlformats.org/drawingml/2006/main" xmlns:r="http://schemas.openxmlformats.org/officeDocument/2006/relationships" xmlns:p="http://schemas.openxmlformats.org/presentationml/2006/main">
   <p:tag name="KSO_WM_TAG_VERSION" val="1.0"/>
   <p:tag name="KSO_WM_BEAUTIFY_FLAG" val="#wm#"/>
@@ -47185,7 +50093,15 @@
 </p:tagLst>
 </file>
 
-<file path=ppt/tags/tag143.xml><?xml version="1.0" encoding="utf-8"?>
+<file path=ppt/tags/tag16.xml><?xml version="1.0" encoding="utf-8"?>
+<p:tagLst xmlns:a="http://schemas.openxmlformats.org/drawingml/2006/main" xmlns:r="http://schemas.openxmlformats.org/officeDocument/2006/relationships" xmlns:p="http://schemas.openxmlformats.org/presentationml/2006/main">
+  <p:tag name="MH" val="20150923171423"/>
+  <p:tag name="MH_LIBRARY" val="GRAPHIC"/>
+  <p:tag name="MH_ORDER" val="Oval 36"/>
+</p:tagLst>
+</file>
+
+<file path=ppt/tags/tag160.xml><?xml version="1.0" encoding="utf-8"?>
 <p:tagLst xmlns:a="http://schemas.openxmlformats.org/drawingml/2006/main" xmlns:r="http://schemas.openxmlformats.org/officeDocument/2006/relationships" xmlns:p="http://schemas.openxmlformats.org/presentationml/2006/main">
   <p:tag name="KSO_WM_TAG_VERSION" val="1.0"/>
   <p:tag name="KSO_WM_BEAUTIFY_FLAG" val="#wm#"/>
@@ -47209,7 +50125,7 @@
 </p:tagLst>
 </file>
 
-<file path=ppt/tags/tag144.xml><?xml version="1.0" encoding="utf-8"?>
+<file path=ppt/tags/tag161.xml><?xml version="1.0" encoding="utf-8"?>
 <p:tagLst xmlns:a="http://schemas.openxmlformats.org/drawingml/2006/main" xmlns:r="http://schemas.openxmlformats.org/officeDocument/2006/relationships" xmlns:p="http://schemas.openxmlformats.org/presentationml/2006/main">
   <p:tag name="KSO_WM_TAG_VERSION" val="1.0"/>
   <p:tag name="KSO_WM_BEAUTIFY_FLAG" val="#wm#"/>
@@ -47228,7 +50144,7 @@
 </p:tagLst>
 </file>
 
-<file path=ppt/tags/tag145.xml><?xml version="1.0" encoding="utf-8"?>
+<file path=ppt/tags/tag162.xml><?xml version="1.0" encoding="utf-8"?>
 <p:tagLst xmlns:a="http://schemas.openxmlformats.org/drawingml/2006/main" xmlns:r="http://schemas.openxmlformats.org/officeDocument/2006/relationships" xmlns:p="http://schemas.openxmlformats.org/presentationml/2006/main">
   <p:tag name="KSO_WM_TAG_VERSION" val="1.0"/>
   <p:tag name="KSO_WM_BEAUTIFY_FLAG" val="#wm#"/>
@@ -47252,7 +50168,7 @@
 </p:tagLst>
 </file>
 
-<file path=ppt/tags/tag146.xml><?xml version="1.0" encoding="utf-8"?>
+<file path=ppt/tags/tag163.xml><?xml version="1.0" encoding="utf-8"?>
 <p:tagLst xmlns:a="http://schemas.openxmlformats.org/drawingml/2006/main" xmlns:r="http://schemas.openxmlformats.org/officeDocument/2006/relationships" xmlns:p="http://schemas.openxmlformats.org/presentationml/2006/main">
   <p:tag name="KSO_WM_TAG_VERSION" val="1.0"/>
   <p:tag name="KSO_WM_BEAUTIFY_FLAG" val="#wm#"/>
@@ -47271,7 +50187,7 @@
 </p:tagLst>
 </file>
 
-<file path=ppt/tags/tag147.xml><?xml version="1.0" encoding="utf-8"?>
+<file path=ppt/tags/tag164.xml><?xml version="1.0" encoding="utf-8"?>
 <p:tagLst xmlns:a="http://schemas.openxmlformats.org/drawingml/2006/main" xmlns:r="http://schemas.openxmlformats.org/officeDocument/2006/relationships" xmlns:p="http://schemas.openxmlformats.org/presentationml/2006/main">
   <p:tag name="KSO_WM_TAG_VERSION" val="1.0"/>
   <p:tag name="KSO_WM_BEAUTIFY_FLAG" val="#wm#"/>
@@ -47295,7 +50211,7 @@
 </p:tagLst>
 </file>
 
-<file path=ppt/tags/tag148.xml><?xml version="1.0" encoding="utf-8"?>
+<file path=ppt/tags/tag165.xml><?xml version="1.0" encoding="utf-8"?>
 <p:tagLst xmlns:a="http://schemas.openxmlformats.org/drawingml/2006/main" xmlns:r="http://schemas.openxmlformats.org/officeDocument/2006/relationships" xmlns:p="http://schemas.openxmlformats.org/presentationml/2006/main">
   <p:tag name="KSO_WM_TAG_VERSION" val="1.0"/>
   <p:tag name="KSO_WM_BEAUTIFY_FLAG" val="#wm#"/>
@@ -47314,7 +50230,7 @@
 </p:tagLst>
 </file>
 
-<file path=ppt/tags/tag149.xml><?xml version="1.0" encoding="utf-8"?>
+<file path=ppt/tags/tag166.xml><?xml version="1.0" encoding="utf-8"?>
 <p:tagLst xmlns:a="http://schemas.openxmlformats.org/drawingml/2006/main" xmlns:r="http://schemas.openxmlformats.org/officeDocument/2006/relationships" xmlns:p="http://schemas.openxmlformats.org/presentationml/2006/main">
   <p:tag name="KSO_WM_TAG_VERSION" val="1.0"/>
   <p:tag name="KSO_WM_BEAUTIFY_FLAG" val="#wm#"/>
@@ -47338,15 +50254,7 @@
 </p:tagLst>
 </file>
 
-<file path=ppt/tags/tag15.xml><?xml version="1.0" encoding="utf-8"?>
-<p:tagLst xmlns:a="http://schemas.openxmlformats.org/drawingml/2006/main" xmlns:r="http://schemas.openxmlformats.org/officeDocument/2006/relationships" xmlns:p="http://schemas.openxmlformats.org/presentationml/2006/main">
-  <p:tag name="MH" val="20150923171423"/>
-  <p:tag name="MH_LIBRARY" val="GRAPHIC"/>
-  <p:tag name="MH_ORDER" val="Oval 35"/>
-</p:tagLst>
-</file>
-
-<file path=ppt/tags/tag150.xml><?xml version="1.0" encoding="utf-8"?>
+<file path=ppt/tags/tag167.xml><?xml version="1.0" encoding="utf-8"?>
 <p:tagLst xmlns:a="http://schemas.openxmlformats.org/drawingml/2006/main" xmlns:r="http://schemas.openxmlformats.org/officeDocument/2006/relationships" xmlns:p="http://schemas.openxmlformats.org/presentationml/2006/main">
   <p:tag name="KSO_WM_TAG_VERSION" val="1.0"/>
   <p:tag name="KSO_WM_BEAUTIFY_FLAG" val="#wm#"/>
@@ -47365,7 +50273,7 @@
 </p:tagLst>
 </file>
 
-<file path=ppt/tags/tag151.xml><?xml version="1.0" encoding="utf-8"?>
+<file path=ppt/tags/tag168.xml><?xml version="1.0" encoding="utf-8"?>
 <p:tagLst xmlns:a="http://schemas.openxmlformats.org/drawingml/2006/main" xmlns:r="http://schemas.openxmlformats.org/officeDocument/2006/relationships" xmlns:p="http://schemas.openxmlformats.org/presentationml/2006/main">
   <p:tag name="KSO_WM_TAG_VERSION" val="1.0"/>
   <p:tag name="KSO_WM_BEAUTIFY_FLAG" val="#wm#"/>
@@ -47389,7 +50297,7 @@
 </p:tagLst>
 </file>
 
-<file path=ppt/tags/tag152.xml><?xml version="1.0" encoding="utf-8"?>
+<file path=ppt/tags/tag169.xml><?xml version="1.0" encoding="utf-8"?>
 <p:tagLst xmlns:a="http://schemas.openxmlformats.org/drawingml/2006/main" xmlns:r="http://schemas.openxmlformats.org/officeDocument/2006/relationships" xmlns:p="http://schemas.openxmlformats.org/presentationml/2006/main">
   <p:tag name="KSO_WM_TAG_VERSION" val="1.0"/>
   <p:tag name="KSO_WM_BEAUTIFY_FLAG" val="#wm#"/>
@@ -47408,7 +50316,15 @@
 </p:tagLst>
 </file>
 
-<file path=ppt/tags/tag153.xml><?xml version="1.0" encoding="utf-8"?>
+<file path=ppt/tags/tag17.xml><?xml version="1.0" encoding="utf-8"?>
+<p:tagLst xmlns:a="http://schemas.openxmlformats.org/drawingml/2006/main" xmlns:r="http://schemas.openxmlformats.org/officeDocument/2006/relationships" xmlns:p="http://schemas.openxmlformats.org/presentationml/2006/main">
+  <p:tag name="MH" val="20150923171423"/>
+  <p:tag name="MH_LIBRARY" val="GRAPHIC"/>
+  <p:tag name="MH_ORDER" val="Oval 37"/>
+</p:tagLst>
+</file>
+
+<file path=ppt/tags/tag170.xml><?xml version="1.0" encoding="utf-8"?>
 <p:tagLst xmlns:a="http://schemas.openxmlformats.org/drawingml/2006/main" xmlns:r="http://schemas.openxmlformats.org/officeDocument/2006/relationships" xmlns:p="http://schemas.openxmlformats.org/presentationml/2006/main">
   <p:tag name="KSO_WM_TAG_VERSION" val="1.0"/>
   <p:tag name="KSO_WM_BEAUTIFY_FLAG" val="#wm#"/>
@@ -47432,7 +50348,7 @@
 </p:tagLst>
 </file>
 
-<file path=ppt/tags/tag154.xml><?xml version="1.0" encoding="utf-8"?>
+<file path=ppt/tags/tag171.xml><?xml version="1.0" encoding="utf-8"?>
 <p:tagLst xmlns:a="http://schemas.openxmlformats.org/drawingml/2006/main" xmlns:r="http://schemas.openxmlformats.org/officeDocument/2006/relationships" xmlns:p="http://schemas.openxmlformats.org/presentationml/2006/main">
   <p:tag name="MH_TYPE" val="#NeiR#"/>
   <p:tag name="MH_NUMBER" val="6"/>
@@ -47456,7 +50372,7 @@
 </p:tagLst>
 </file>
 
-<file path=ppt/tags/tag155.xml><?xml version="1.0" encoding="utf-8"?>
+<file path=ppt/tags/tag172.xml><?xml version="1.0" encoding="utf-8"?>
 <p:tagLst xmlns:a="http://schemas.openxmlformats.org/drawingml/2006/main" xmlns:r="http://schemas.openxmlformats.org/officeDocument/2006/relationships" xmlns:p="http://schemas.openxmlformats.org/presentationml/2006/main">
   <p:tag name="KSO_WM_TAG_VERSION" val="1.0"/>
   <p:tag name="KSO_WM_BEAUTIFY_FLAG" val="#wm#"/>
@@ -47475,7 +50391,7 @@
 </p:tagLst>
 </file>
 
-<file path=ppt/tags/tag156.xml><?xml version="1.0" encoding="utf-8"?>
+<file path=ppt/tags/tag173.xml><?xml version="1.0" encoding="utf-8"?>
 <p:tagLst xmlns:a="http://schemas.openxmlformats.org/drawingml/2006/main" xmlns:r="http://schemas.openxmlformats.org/officeDocument/2006/relationships" xmlns:p="http://schemas.openxmlformats.org/presentationml/2006/main">
   <p:tag name="KSO_WM_TAG_VERSION" val="1.0"/>
   <p:tag name="KSO_WM_BEAUTIFY_FLAG" val="#wm#"/>
@@ -47494,7 +50410,7 @@
 </p:tagLst>
 </file>
 
-<file path=ppt/tags/tag157.xml><?xml version="1.0" encoding="utf-8"?>
+<file path=ppt/tags/tag174.xml><?xml version="1.0" encoding="utf-8"?>
 <p:tagLst xmlns:a="http://schemas.openxmlformats.org/drawingml/2006/main" xmlns:r="http://schemas.openxmlformats.org/officeDocument/2006/relationships" xmlns:p="http://schemas.openxmlformats.org/presentationml/2006/main">
   <p:tag name="KSO_WM_TAG_VERSION" val="1.0"/>
   <p:tag name="KSO_WM_BEAUTIFY_FLAG" val="#wm#"/>
@@ -47513,7 +50429,7 @@
 </p:tagLst>
 </file>
 
-<file path=ppt/tags/tag158.xml><?xml version="1.0" encoding="utf-8"?>
+<file path=ppt/tags/tag175.xml><?xml version="1.0" encoding="utf-8"?>
 <p:tagLst xmlns:a="http://schemas.openxmlformats.org/drawingml/2006/main" xmlns:r="http://schemas.openxmlformats.org/officeDocument/2006/relationships" xmlns:p="http://schemas.openxmlformats.org/presentationml/2006/main">
   <p:tag name="KSO_WM_TAG_VERSION" val="1.0"/>
   <p:tag name="KSO_WM_BEAUTIFY_FLAG" val="#wm#"/>
@@ -47532,7 +50448,7 @@
 </p:tagLst>
 </file>
 
-<file path=ppt/tags/tag159.xml><?xml version="1.0" encoding="utf-8"?>
+<file path=ppt/tags/tag176.xml><?xml version="1.0" encoding="utf-8"?>
 <p:tagLst xmlns:a="http://schemas.openxmlformats.org/drawingml/2006/main" xmlns:r="http://schemas.openxmlformats.org/officeDocument/2006/relationships" xmlns:p="http://schemas.openxmlformats.org/presentationml/2006/main">
   <p:tag name="KSO_WM_TAG_VERSION" val="1.0"/>
   <p:tag name="KSO_WM_BEAUTIFY_FLAG" val="#wm#"/>
@@ -47551,15 +50467,7 @@
 </p:tagLst>
 </file>
 
-<file path=ppt/tags/tag16.xml><?xml version="1.0" encoding="utf-8"?>
-<p:tagLst xmlns:a="http://schemas.openxmlformats.org/drawingml/2006/main" xmlns:r="http://schemas.openxmlformats.org/officeDocument/2006/relationships" xmlns:p="http://schemas.openxmlformats.org/presentationml/2006/main">
-  <p:tag name="MH" val="20150923171423"/>
-  <p:tag name="MH_LIBRARY" val="GRAPHIC"/>
-  <p:tag name="MH_ORDER" val="Oval 36"/>
-</p:tagLst>
-</file>
-
-<file path=ppt/tags/tag160.xml><?xml version="1.0" encoding="utf-8"?>
+<file path=ppt/tags/tag177.xml><?xml version="1.0" encoding="utf-8"?>
 <p:tagLst xmlns:a="http://schemas.openxmlformats.org/drawingml/2006/main" xmlns:r="http://schemas.openxmlformats.org/officeDocument/2006/relationships" xmlns:p="http://schemas.openxmlformats.org/presentationml/2006/main">
   <p:tag name="KSO_WM_TAG_VERSION" val="1.0"/>
   <p:tag name="KSO_WM_BEAUTIFY_FLAG" val="#wm#"/>
@@ -47570,7 +50478,7 @@
 </p:tagLst>
 </file>
 
-<file path=ppt/tags/tag161.xml><?xml version="1.0" encoding="utf-8"?>
+<file path=ppt/tags/tag178.xml><?xml version="1.0" encoding="utf-8"?>
 <p:tagLst xmlns:a="http://schemas.openxmlformats.org/drawingml/2006/main" xmlns:r="http://schemas.openxmlformats.org/officeDocument/2006/relationships" xmlns:p="http://schemas.openxmlformats.org/presentationml/2006/main">
   <p:tag name="KSO_WM_TAG_VERSION" val="1.0"/>
   <p:tag name="KSO_WM_BEAUTIFY_FLAG" val="#wm#"/>
@@ -47581,7 +50489,7 @@
 </p:tagLst>
 </file>
 
-<file path=ppt/tags/tag162.xml><?xml version="1.0" encoding="utf-8"?>
+<file path=ppt/tags/tag179.xml><?xml version="1.0" encoding="utf-8"?>
 <p:tagLst xmlns:a="http://schemas.openxmlformats.org/drawingml/2006/main" xmlns:r="http://schemas.openxmlformats.org/officeDocument/2006/relationships" xmlns:p="http://schemas.openxmlformats.org/presentationml/2006/main">
   <p:tag name="KSO_WM_TAG_VERSION" val="1.0"/>
   <p:tag name="KSO_WM_BEAUTIFY_FLAG" val="#wm#"/>
@@ -47592,7 +50500,15 @@
 </p:tagLst>
 </file>
 
-<file path=ppt/tags/tag163.xml><?xml version="1.0" encoding="utf-8"?>
+<file path=ppt/tags/tag18.xml><?xml version="1.0" encoding="utf-8"?>
+<p:tagLst xmlns:a="http://schemas.openxmlformats.org/drawingml/2006/main" xmlns:r="http://schemas.openxmlformats.org/officeDocument/2006/relationships" xmlns:p="http://schemas.openxmlformats.org/presentationml/2006/main">
+  <p:tag name="MH" val="20150923171423"/>
+  <p:tag name="MH_LIBRARY" val="GRAPHIC"/>
+  <p:tag name="MH_ORDER" val="Oval 38"/>
+</p:tagLst>
+</file>
+
+<file path=ppt/tags/tag180.xml><?xml version="1.0" encoding="utf-8"?>
 <p:tagLst xmlns:a="http://schemas.openxmlformats.org/drawingml/2006/main" xmlns:r="http://schemas.openxmlformats.org/officeDocument/2006/relationships" xmlns:p="http://schemas.openxmlformats.org/presentationml/2006/main">
   <p:tag name="KSO_WM_TAG_VERSION" val="1.0"/>
   <p:tag name="KSO_WM_BEAUTIFY_FLAG" val="#wm#"/>
@@ -47603,7 +50519,7 @@
 </p:tagLst>
 </file>
 
-<file path=ppt/tags/tag164.xml><?xml version="1.0" encoding="utf-8"?>
+<file path=ppt/tags/tag181.xml><?xml version="1.0" encoding="utf-8"?>
 <p:tagLst xmlns:a="http://schemas.openxmlformats.org/drawingml/2006/main" xmlns:r="http://schemas.openxmlformats.org/officeDocument/2006/relationships" xmlns:p="http://schemas.openxmlformats.org/presentationml/2006/main">
   <p:tag name="KSO_WM_TAG_VERSION" val="1.0"/>
   <p:tag name="KSO_WM_BEAUTIFY_FLAG" val="#wm#"/>
@@ -47614,7 +50530,7 @@
 </p:tagLst>
 </file>
 
-<file path=ppt/tags/tag165.xml><?xml version="1.0" encoding="utf-8"?>
+<file path=ppt/tags/tag182.xml><?xml version="1.0" encoding="utf-8"?>
 <p:tagLst xmlns:a="http://schemas.openxmlformats.org/drawingml/2006/main" xmlns:r="http://schemas.openxmlformats.org/officeDocument/2006/relationships" xmlns:p="http://schemas.openxmlformats.org/presentationml/2006/main">
   <p:tag name="KSO_WM_TAG_VERSION" val="1.0"/>
   <p:tag name="KSO_WM_BEAUTIFY_FLAG" val="#wm#"/>
@@ -47625,7 +50541,7 @@
 </p:tagLst>
 </file>
 
-<file path=ppt/tags/tag166.xml><?xml version="1.0" encoding="utf-8"?>
+<file path=ppt/tags/tag183.xml><?xml version="1.0" encoding="utf-8"?>
 <p:tagLst xmlns:a="http://schemas.openxmlformats.org/drawingml/2006/main" xmlns:r="http://schemas.openxmlformats.org/officeDocument/2006/relationships" xmlns:p="http://schemas.openxmlformats.org/presentationml/2006/main">
   <p:tag name="KSO_WM_TAG_VERSION" val="1.0"/>
   <p:tag name="KSO_WM_BEAUTIFY_FLAG" val="#wm#"/>
@@ -47649,7 +50565,7 @@
 </p:tagLst>
 </file>
 
-<file path=ppt/tags/tag167.xml><?xml version="1.0" encoding="utf-8"?>
+<file path=ppt/tags/tag184.xml><?xml version="1.0" encoding="utf-8"?>
 <p:tagLst xmlns:a="http://schemas.openxmlformats.org/drawingml/2006/main" xmlns:r="http://schemas.openxmlformats.org/officeDocument/2006/relationships" xmlns:p="http://schemas.openxmlformats.org/presentationml/2006/main">
   <p:tag name="KSO_WM_TAG_VERSION" val="1.0"/>
   <p:tag name="KSO_WM_BEAUTIFY_FLAG" val="#wm#"/>
@@ -47668,7 +50584,7 @@
 </p:tagLst>
 </file>
 
-<file path=ppt/tags/tag168.xml><?xml version="1.0" encoding="utf-8"?>
+<file path=ppt/tags/tag185.xml><?xml version="1.0" encoding="utf-8"?>
 <p:tagLst xmlns:a="http://schemas.openxmlformats.org/drawingml/2006/main" xmlns:r="http://schemas.openxmlformats.org/officeDocument/2006/relationships" xmlns:p="http://schemas.openxmlformats.org/presentationml/2006/main">
   <p:tag name="KSO_WM_TAG_VERSION" val="1.0"/>
   <p:tag name="KSO_WM_BEAUTIFY_FLAG" val="#wm#"/>
@@ -47692,7 +50608,7 @@
 </p:tagLst>
 </file>
 
-<file path=ppt/tags/tag169.xml><?xml version="1.0" encoding="utf-8"?>
+<file path=ppt/tags/tag186.xml><?xml version="1.0" encoding="utf-8"?>
 <p:tagLst xmlns:a="http://schemas.openxmlformats.org/drawingml/2006/main" xmlns:r="http://schemas.openxmlformats.org/officeDocument/2006/relationships" xmlns:p="http://schemas.openxmlformats.org/presentationml/2006/main">
   <p:tag name="KSO_WM_TAG_VERSION" val="1.0"/>
   <p:tag name="KSO_WM_BEAUTIFY_FLAG" val="#wm#"/>
@@ -47711,15 +50627,7 @@
 </p:tagLst>
 </file>
 
-<file path=ppt/tags/tag17.xml><?xml version="1.0" encoding="utf-8"?>
-<p:tagLst xmlns:a="http://schemas.openxmlformats.org/drawingml/2006/main" xmlns:r="http://schemas.openxmlformats.org/officeDocument/2006/relationships" xmlns:p="http://schemas.openxmlformats.org/presentationml/2006/main">
-  <p:tag name="MH" val="20150923171423"/>
-  <p:tag name="MH_LIBRARY" val="GRAPHIC"/>
-  <p:tag name="MH_ORDER" val="Oval 37"/>
-</p:tagLst>
-</file>
-
-<file path=ppt/tags/tag170.xml><?xml version="1.0" encoding="utf-8"?>
+<file path=ppt/tags/tag187.xml><?xml version="1.0" encoding="utf-8"?>
 <p:tagLst xmlns:a="http://schemas.openxmlformats.org/drawingml/2006/main" xmlns:r="http://schemas.openxmlformats.org/officeDocument/2006/relationships" xmlns:p="http://schemas.openxmlformats.org/presentationml/2006/main">
   <p:tag name="KSO_WM_TAG_VERSION" val="1.0"/>
   <p:tag name="KSO_WM_BEAUTIFY_FLAG" val="#wm#"/>
@@ -47743,7 +50651,7 @@
 </p:tagLst>
 </file>
 
-<file path=ppt/tags/tag171.xml><?xml version="1.0" encoding="utf-8"?>
+<file path=ppt/tags/tag188.xml><?xml version="1.0" encoding="utf-8"?>
 <p:tagLst xmlns:a="http://schemas.openxmlformats.org/drawingml/2006/main" xmlns:r="http://schemas.openxmlformats.org/officeDocument/2006/relationships" xmlns:p="http://schemas.openxmlformats.org/presentationml/2006/main">
   <p:tag name="KSO_WM_TAG_VERSION" val="1.0"/>
   <p:tag name="KSO_WM_BEAUTIFY_FLAG" val="#wm#"/>
@@ -47762,7 +50670,7 @@
 </p:tagLst>
 </file>
 
-<file path=ppt/tags/tag172.xml><?xml version="1.0" encoding="utf-8"?>
+<file path=ppt/tags/tag189.xml><?xml version="1.0" encoding="utf-8"?>
 <p:tagLst xmlns:a="http://schemas.openxmlformats.org/drawingml/2006/main" xmlns:r="http://schemas.openxmlformats.org/officeDocument/2006/relationships" xmlns:p="http://schemas.openxmlformats.org/presentationml/2006/main">
   <p:tag name="KSO_WM_TAG_VERSION" val="1.0"/>
   <p:tag name="KSO_WM_BEAUTIFY_FLAG" val="#wm#"/>
@@ -47786,7 +50694,15 @@
 </p:tagLst>
 </file>
 
-<file path=ppt/tags/tag173.xml><?xml version="1.0" encoding="utf-8"?>
+<file path=ppt/tags/tag19.xml><?xml version="1.0" encoding="utf-8"?>
+<p:tagLst xmlns:a="http://schemas.openxmlformats.org/drawingml/2006/main" xmlns:r="http://schemas.openxmlformats.org/officeDocument/2006/relationships" xmlns:p="http://schemas.openxmlformats.org/presentationml/2006/main">
+  <p:tag name="MH" val="20150923171423"/>
+  <p:tag name="MH_LIBRARY" val="GRAPHIC"/>
+  <p:tag name="MH_ORDER" val="Rectangle 31"/>
+</p:tagLst>
+</file>
+
+<file path=ppt/tags/tag190.xml><?xml version="1.0" encoding="utf-8"?>
 <p:tagLst xmlns:a="http://schemas.openxmlformats.org/drawingml/2006/main" xmlns:r="http://schemas.openxmlformats.org/officeDocument/2006/relationships" xmlns:p="http://schemas.openxmlformats.org/presentationml/2006/main">
   <p:tag name="KSO_WM_TAG_VERSION" val="1.0"/>
   <p:tag name="KSO_WM_BEAUTIFY_FLAG" val="#wm#"/>
@@ -47805,7 +50721,7 @@
 </p:tagLst>
 </file>
 
-<file path=ppt/tags/tag174.xml><?xml version="1.0" encoding="utf-8"?>
+<file path=ppt/tags/tag191.xml><?xml version="1.0" encoding="utf-8"?>
 <p:tagLst xmlns:a="http://schemas.openxmlformats.org/drawingml/2006/main" xmlns:r="http://schemas.openxmlformats.org/officeDocument/2006/relationships" xmlns:p="http://schemas.openxmlformats.org/presentationml/2006/main">
   <p:tag name="KSO_WM_TAG_VERSION" val="1.0"/>
   <p:tag name="KSO_WM_BEAUTIFY_FLAG" val="#wm#"/>
@@ -47829,7 +50745,7 @@
 </p:tagLst>
 </file>
 
-<file path=ppt/tags/tag175.xml><?xml version="1.0" encoding="utf-8"?>
+<file path=ppt/tags/tag192.xml><?xml version="1.0" encoding="utf-8"?>
 <p:tagLst xmlns:a="http://schemas.openxmlformats.org/drawingml/2006/main" xmlns:r="http://schemas.openxmlformats.org/officeDocument/2006/relationships" xmlns:p="http://schemas.openxmlformats.org/presentationml/2006/main">
   <p:tag name="KSO_WM_TAG_VERSION" val="1.0"/>
   <p:tag name="KSO_WM_BEAUTIFY_FLAG" val="#wm#"/>
@@ -47848,7 +50764,7 @@
 </p:tagLst>
 </file>
 
-<file path=ppt/tags/tag176.xml><?xml version="1.0" encoding="utf-8"?>
+<file path=ppt/tags/tag193.xml><?xml version="1.0" encoding="utf-8"?>
 <p:tagLst xmlns:a="http://schemas.openxmlformats.org/drawingml/2006/main" xmlns:r="http://schemas.openxmlformats.org/officeDocument/2006/relationships" xmlns:p="http://schemas.openxmlformats.org/presentationml/2006/main">
   <p:tag name="KSO_WM_TAG_VERSION" val="1.0"/>
   <p:tag name="KSO_WM_BEAUTIFY_FLAG" val="#wm#"/>
@@ -47872,7 +50788,7 @@
 </p:tagLst>
 </file>
 
-<file path=ppt/tags/tag177.xml><?xml version="1.0" encoding="utf-8"?>
+<file path=ppt/tags/tag194.xml><?xml version="1.0" encoding="utf-8"?>
 <p:tagLst xmlns:a="http://schemas.openxmlformats.org/drawingml/2006/main" xmlns:r="http://schemas.openxmlformats.org/officeDocument/2006/relationships" xmlns:p="http://schemas.openxmlformats.org/presentationml/2006/main">
   <p:tag name="KSO_WM_TAG_VERSION" val="1.0"/>
   <p:tag name="KSO_WM_BEAUTIFY_FLAG" val="#wm#"/>
@@ -47891,7 +50807,7 @@
 </p:tagLst>
 </file>
 
-<file path=ppt/tags/tag178.xml><?xml version="1.0" encoding="utf-8"?>
+<file path=ppt/tags/tag195.xml><?xml version="1.0" encoding="utf-8"?>
 <p:tagLst xmlns:a="http://schemas.openxmlformats.org/drawingml/2006/main" xmlns:r="http://schemas.openxmlformats.org/officeDocument/2006/relationships" xmlns:p="http://schemas.openxmlformats.org/presentationml/2006/main">
   <p:tag name="KSO_WM_TAG_VERSION" val="1.0"/>
   <p:tag name="KSO_WM_BEAUTIFY_FLAG" val="#wm#"/>
@@ -47915,7 +50831,7 @@
 </p:tagLst>
 </file>
 
-<file path=ppt/tags/tag179.xml><?xml version="1.0" encoding="utf-8"?>
+<file path=ppt/tags/tag196.xml><?xml version="1.0" encoding="utf-8"?>
 <p:tagLst xmlns:a="http://schemas.openxmlformats.org/drawingml/2006/main" xmlns:r="http://schemas.openxmlformats.org/officeDocument/2006/relationships" xmlns:p="http://schemas.openxmlformats.org/presentationml/2006/main">
   <p:tag name="MH_TYPE" val="#NeiR#"/>
   <p:tag name="MH_NUMBER" val="1"/>
@@ -47938,15 +50854,7 @@
 </p:tagLst>
 </file>
 
-<file path=ppt/tags/tag18.xml><?xml version="1.0" encoding="utf-8"?>
-<p:tagLst xmlns:a="http://schemas.openxmlformats.org/drawingml/2006/main" xmlns:r="http://schemas.openxmlformats.org/officeDocument/2006/relationships" xmlns:p="http://schemas.openxmlformats.org/presentationml/2006/main">
-  <p:tag name="MH" val="20150923171423"/>
-  <p:tag name="MH_LIBRARY" val="GRAPHIC"/>
-  <p:tag name="MH_ORDER" val="Oval 38"/>
-</p:tagLst>
-</file>
-
-<file path=ppt/tags/tag180.xml><?xml version="1.0" encoding="utf-8"?>
+<file path=ppt/tags/tag197.xml><?xml version="1.0" encoding="utf-8"?>
 <p:tagLst xmlns:a="http://schemas.openxmlformats.org/drawingml/2006/main" xmlns:r="http://schemas.openxmlformats.org/officeDocument/2006/relationships" xmlns:p="http://schemas.openxmlformats.org/presentationml/2006/main">
   <p:tag name="MH" val="20150923170505"/>
   <p:tag name="MH_LIBRARY" val="GRAPHIC"/>
@@ -47961,7 +50869,7 @@
 </p:tagLst>
 </file>
 
-<file path=ppt/tags/tag181.xml><?xml version="1.0" encoding="utf-8"?>
+<file path=ppt/tags/tag198.xml><?xml version="1.0" encoding="utf-8"?>
 <p:tagLst xmlns:a="http://schemas.openxmlformats.org/drawingml/2006/main" xmlns:r="http://schemas.openxmlformats.org/officeDocument/2006/relationships" xmlns:p="http://schemas.openxmlformats.org/presentationml/2006/main">
   <p:tag name="MH" val="20150923170505"/>
   <p:tag name="MH_LIBRARY" val="GRAPHIC"/>
@@ -47976,7 +50884,7 @@
 </p:tagLst>
 </file>
 
-<file path=ppt/tags/tag182.xml><?xml version="1.0" encoding="utf-8"?>
+<file path=ppt/tags/tag199.xml><?xml version="1.0" encoding="utf-8"?>
 <p:tagLst xmlns:a="http://schemas.openxmlformats.org/drawingml/2006/main" xmlns:r="http://schemas.openxmlformats.org/officeDocument/2006/relationships" xmlns:p="http://schemas.openxmlformats.org/presentationml/2006/main">
   <p:tag name="KSO_WM_TAG_VERSION" val="1.0"/>
   <p:tag name="KSO_WM_BEAUTIFY_FLAG" val="#wm#"/>
@@ -48000,7 +50908,24 @@
 </p:tagLst>
 </file>
 
-<file path=ppt/tags/tag183.xml><?xml version="1.0" encoding="utf-8"?>
+<file path=ppt/tags/tag2.xml><?xml version="1.0" encoding="utf-8"?>
+<p:tagLst xmlns:a="http://schemas.openxmlformats.org/drawingml/2006/main" xmlns:r="http://schemas.openxmlformats.org/officeDocument/2006/relationships" xmlns:p="http://schemas.openxmlformats.org/presentationml/2006/main">
+  <p:tag name="MH" val="20150923171423"/>
+  <p:tag name="MH_LIBRARY" val="GRAPHIC"/>
+  <p:tag name="MH_ORDER" val="Rectangle 19"/>
+</p:tagLst>
+</file>
+
+<file path=ppt/tags/tag20.xml><?xml version="1.0" encoding="utf-8"?>
+<p:tagLst xmlns:a="http://schemas.openxmlformats.org/drawingml/2006/main" xmlns:r="http://schemas.openxmlformats.org/officeDocument/2006/relationships" xmlns:p="http://schemas.openxmlformats.org/presentationml/2006/main">
+  <p:tag name="MH" val="20150923165736"/>
+  <p:tag name="MH_LIBRARY" val="GRAPHIC"/>
+  <p:tag name="MH_TYPE" val="Other"/>
+  <p:tag name="MH_ORDER" val="211"/>
+</p:tagLst>
+</file>
+
+<file path=ppt/tags/tag200.xml><?xml version="1.0" encoding="utf-8"?>
 <p:tagLst xmlns:a="http://schemas.openxmlformats.org/drawingml/2006/main" xmlns:r="http://schemas.openxmlformats.org/officeDocument/2006/relationships" xmlns:p="http://schemas.openxmlformats.org/presentationml/2006/main">
   <p:tag name="KSO_WM_TAG_VERSION" val="1.0"/>
   <p:tag name="KSO_WM_BEAUTIFY_FLAG" val="#wm#"/>
@@ -48023,7 +50948,7 @@
 </p:tagLst>
 </file>
 
-<file path=ppt/tags/tag184.xml><?xml version="1.0" encoding="utf-8"?>
+<file path=ppt/tags/tag201.xml><?xml version="1.0" encoding="utf-8"?>
 <p:tagLst xmlns:a="http://schemas.openxmlformats.org/drawingml/2006/main" xmlns:r="http://schemas.openxmlformats.org/officeDocument/2006/relationships" xmlns:p="http://schemas.openxmlformats.org/presentationml/2006/main">
   <p:tag name="MH" val="20150923170505"/>
   <p:tag name="MH_LIBRARY" val="GRAPHIC"/>
@@ -48038,7 +50963,7 @@
 </p:tagLst>
 </file>
 
-<file path=ppt/tags/tag185.xml><?xml version="1.0" encoding="utf-8"?>
+<file path=ppt/tags/tag202.xml><?xml version="1.0" encoding="utf-8"?>
 <p:tagLst xmlns:a="http://schemas.openxmlformats.org/drawingml/2006/main" xmlns:r="http://schemas.openxmlformats.org/officeDocument/2006/relationships" xmlns:p="http://schemas.openxmlformats.org/presentationml/2006/main">
   <p:tag name="MH" val="20150923170505"/>
   <p:tag name="MH_LIBRARY" val="GRAPHIC"/>
@@ -48053,7 +50978,7 @@
 </p:tagLst>
 </file>
 
-<file path=ppt/tags/tag186.xml><?xml version="1.0" encoding="utf-8"?>
+<file path=ppt/tags/tag203.xml><?xml version="1.0" encoding="utf-8"?>
 <p:tagLst xmlns:a="http://schemas.openxmlformats.org/drawingml/2006/main" xmlns:r="http://schemas.openxmlformats.org/officeDocument/2006/relationships" xmlns:p="http://schemas.openxmlformats.org/presentationml/2006/main">
   <p:tag name="MH" val="20150923170505"/>
   <p:tag name="MH_LIBRARY" val="GRAPHIC"/>
@@ -48068,7 +50993,7 @@
 </p:tagLst>
 </file>
 
-<file path=ppt/tags/tag187.xml><?xml version="1.0" encoding="utf-8"?>
+<file path=ppt/tags/tag204.xml><?xml version="1.0" encoding="utf-8"?>
 <p:tagLst xmlns:a="http://schemas.openxmlformats.org/drawingml/2006/main" xmlns:r="http://schemas.openxmlformats.org/officeDocument/2006/relationships" xmlns:p="http://schemas.openxmlformats.org/presentationml/2006/main">
   <p:tag name="KSO_WM_TAG_VERSION" val="1.0"/>
   <p:tag name="KSO_WM_BEAUTIFY_FLAG" val="#wm#"/>
@@ -48089,7 +51014,7 @@
 </p:tagLst>
 </file>
 
-<file path=ppt/tags/tag188.xml><?xml version="1.0" encoding="utf-8"?>
+<file path=ppt/tags/tag205.xml><?xml version="1.0" encoding="utf-8"?>
 <p:tagLst xmlns:a="http://schemas.openxmlformats.org/drawingml/2006/main" xmlns:r="http://schemas.openxmlformats.org/officeDocument/2006/relationships" xmlns:p="http://schemas.openxmlformats.org/presentationml/2006/main">
   <p:tag name="MH_TYPE" val="#NeiR#"/>
   <p:tag name="MH_NUMBER" val="2"/>
@@ -48112,7 +51037,7 @@
 </p:tagLst>
 </file>
 
-<file path=ppt/tags/tag189.xml><?xml version="1.0" encoding="utf-8"?>
+<file path=ppt/tags/tag206.xml><?xml version="1.0" encoding="utf-8"?>
 <p:tagLst xmlns:a="http://schemas.openxmlformats.org/drawingml/2006/main" xmlns:r="http://schemas.openxmlformats.org/officeDocument/2006/relationships" xmlns:p="http://schemas.openxmlformats.org/presentationml/2006/main">
   <p:tag name="KSO_WM_TAG_VERSION" val="1.0"/>
   <p:tag name="KSO_WM_BEAUTIFY_FLAG" val="#wm#"/>
@@ -48133,15 +51058,7 @@
 </p:tagLst>
 </file>
 
-<file path=ppt/tags/tag19.xml><?xml version="1.0" encoding="utf-8"?>
-<p:tagLst xmlns:a="http://schemas.openxmlformats.org/drawingml/2006/main" xmlns:r="http://schemas.openxmlformats.org/officeDocument/2006/relationships" xmlns:p="http://schemas.openxmlformats.org/presentationml/2006/main">
-  <p:tag name="MH" val="20150923171423"/>
-  <p:tag name="MH_LIBRARY" val="GRAPHIC"/>
-  <p:tag name="MH_ORDER" val="Rectangle 31"/>
-</p:tagLst>
-</file>
-
-<file path=ppt/tags/tag190.xml><?xml version="1.0" encoding="utf-8"?>
+<file path=ppt/tags/tag207.xml><?xml version="1.0" encoding="utf-8"?>
 <p:tagLst xmlns:a="http://schemas.openxmlformats.org/drawingml/2006/main" xmlns:r="http://schemas.openxmlformats.org/officeDocument/2006/relationships" xmlns:p="http://schemas.openxmlformats.org/presentationml/2006/main">
   <p:tag name="KSO_WM_TAG_VERSION" val="1.0"/>
   <p:tag name="KSO_WM_BEAUTIFY_FLAG" val="#wm#"/>
@@ -48162,7 +51079,7 @@
 </p:tagLst>
 </file>
 
-<file path=ppt/tags/tag191.xml><?xml version="1.0" encoding="utf-8"?>
+<file path=ppt/tags/tag208.xml><?xml version="1.0" encoding="utf-8"?>
 <p:tagLst xmlns:a="http://schemas.openxmlformats.org/drawingml/2006/main" xmlns:r="http://schemas.openxmlformats.org/officeDocument/2006/relationships" xmlns:p="http://schemas.openxmlformats.org/presentationml/2006/main">
   <p:tag name="KSO_WM_TAG_VERSION" val="1.0"/>
   <p:tag name="KSO_WM_BEAUTIFY_FLAG" val="#wm#"/>
@@ -48186,7 +51103,7 @@
 </p:tagLst>
 </file>
 
-<file path=ppt/tags/tag192.xml><?xml version="1.0" encoding="utf-8"?>
+<file path=ppt/tags/tag209.xml><?xml version="1.0" encoding="utf-8"?>
 <p:tagLst xmlns:a="http://schemas.openxmlformats.org/drawingml/2006/main" xmlns:r="http://schemas.openxmlformats.org/officeDocument/2006/relationships" xmlns:p="http://schemas.openxmlformats.org/presentationml/2006/main">
   <p:tag name="KSO_WM_TAG_VERSION" val="1.0"/>
   <p:tag name="KSO_WM_BEAUTIFY_FLAG" val="#wm#"/>
@@ -48209,7 +51126,16 @@
 </p:tagLst>
 </file>
 
-<file path=ppt/tags/tag193.xml><?xml version="1.0" encoding="utf-8"?>
+<file path=ppt/tags/tag21.xml><?xml version="1.0" encoding="utf-8"?>
+<p:tagLst xmlns:a="http://schemas.openxmlformats.org/drawingml/2006/main" xmlns:r="http://schemas.openxmlformats.org/officeDocument/2006/relationships" xmlns:p="http://schemas.openxmlformats.org/presentationml/2006/main">
+  <p:tag name="MH" val="20150923165736"/>
+  <p:tag name="MH_LIBRARY" val="GRAPHIC"/>
+  <p:tag name="MH_TYPE" val="Other"/>
+  <p:tag name="MH_ORDER" val="211"/>
+</p:tagLst>
+</file>
+
+<file path=ppt/tags/tag210.xml><?xml version="1.0" encoding="utf-8"?>
 <p:tagLst xmlns:a="http://schemas.openxmlformats.org/drawingml/2006/main" xmlns:r="http://schemas.openxmlformats.org/officeDocument/2006/relationships" xmlns:p="http://schemas.openxmlformats.org/presentationml/2006/main">
   <p:tag name="MH" val="20150923171331"/>
   <p:tag name="MH_LIBRARY" val="GRAPHIC"/>
@@ -48224,7 +51150,7 @@
 </p:tagLst>
 </file>
 
-<file path=ppt/tags/tag194.xml><?xml version="1.0" encoding="utf-8"?>
+<file path=ppt/tags/tag211.xml><?xml version="1.0" encoding="utf-8"?>
 <p:tagLst xmlns:a="http://schemas.openxmlformats.org/drawingml/2006/main" xmlns:r="http://schemas.openxmlformats.org/officeDocument/2006/relationships" xmlns:p="http://schemas.openxmlformats.org/presentationml/2006/main">
   <p:tag name="MH" val="20150923171331"/>
   <p:tag name="MH_LIBRARY" val="GRAPHIC"/>
@@ -48238,7 +51164,7 @@
 </p:tagLst>
 </file>
 
-<file path=ppt/tags/tag195.xml><?xml version="1.0" encoding="utf-8"?>
+<file path=ppt/tags/tag212.xml><?xml version="1.0" encoding="utf-8"?>
 <p:tagLst xmlns:a="http://schemas.openxmlformats.org/drawingml/2006/main" xmlns:r="http://schemas.openxmlformats.org/officeDocument/2006/relationships" xmlns:p="http://schemas.openxmlformats.org/presentationml/2006/main">
   <p:tag name="MH" val="20150923171331"/>
   <p:tag name="MH_LIBRARY" val="GRAPHIC"/>
@@ -48252,7 +51178,7 @@
 </p:tagLst>
 </file>
 
-<file path=ppt/tags/tag196.xml><?xml version="1.0" encoding="utf-8"?>
+<file path=ppt/tags/tag213.xml><?xml version="1.0" encoding="utf-8"?>
 <p:tagLst xmlns:a="http://schemas.openxmlformats.org/drawingml/2006/main" xmlns:r="http://schemas.openxmlformats.org/officeDocument/2006/relationships" xmlns:p="http://schemas.openxmlformats.org/presentationml/2006/main">
   <p:tag name="MH" val="20150923171331"/>
   <p:tag name="MH_LIBRARY" val="GRAPHIC"/>
@@ -48263,32 +51189,6 @@
   <p:tag name="KSO_WM_UNIT_ID" val="custom160106_29*i*2"/>
   <p:tag name="KSO_WM_TEMPLATE_CATEGORY" val="custom"/>
   <p:tag name="KSO_WM_TEMPLATE_INDEX" val="160106"/>
-</p:tagLst>
-</file>
-
-<file path=ppt/tags/tag2.xml><?xml version="1.0" encoding="utf-8"?>
-<p:tagLst xmlns:a="http://schemas.openxmlformats.org/drawingml/2006/main" xmlns:r="http://schemas.openxmlformats.org/officeDocument/2006/relationships" xmlns:p="http://schemas.openxmlformats.org/presentationml/2006/main">
-  <p:tag name="MH" val="20150923171423"/>
-  <p:tag name="MH_LIBRARY" val="GRAPHIC"/>
-  <p:tag name="MH_ORDER" val="Rectangle 19"/>
-</p:tagLst>
-</file>
-
-<file path=ppt/tags/tag20.xml><?xml version="1.0" encoding="utf-8"?>
-<p:tagLst xmlns:a="http://schemas.openxmlformats.org/drawingml/2006/main" xmlns:r="http://schemas.openxmlformats.org/officeDocument/2006/relationships" xmlns:p="http://schemas.openxmlformats.org/presentationml/2006/main">
-  <p:tag name="MH" val="20150923165736"/>
-  <p:tag name="MH_LIBRARY" val="GRAPHIC"/>
-  <p:tag name="MH_TYPE" val="Other"/>
-  <p:tag name="MH_ORDER" val="211"/>
-</p:tagLst>
-</file>
-
-<file path=ppt/tags/tag21.xml><?xml version="1.0" encoding="utf-8"?>
-<p:tagLst xmlns:a="http://schemas.openxmlformats.org/drawingml/2006/main" xmlns:r="http://schemas.openxmlformats.org/officeDocument/2006/relationships" xmlns:p="http://schemas.openxmlformats.org/presentationml/2006/main">
-  <p:tag name="MH" val="20150923165736"/>
-  <p:tag name="MH_LIBRARY" val="GRAPHIC"/>
-  <p:tag name="MH_TYPE" val="Other"/>
-  <p:tag name="MH_ORDER" val="211"/>
 </p:tagLst>
 </file>
 
@@ -48351,6 +51251,43 @@
   <p:tag name="KSO_WM_BEAUTIFY_FLAG" val="#wm#"/>
   <p:tag name="KSO_WM_TEMPLATE_CATEGORY" val="custom"/>
   <p:tag name="KSO_WM_TEMPLATE_INDEX" val="160106"/>
+  <p:tag name="KSO_WM_UNIT_TYPE" val="a"/>
+  <p:tag name="KSO_WM_UNIT_INDEX" val="1"/>
+  <p:tag name="KSO_WM_UNIT_ID" val="custom160106_3*a*1"/>
+  <p:tag name="KSO_WM_UNIT_CLEAR" val="1"/>
+  <p:tag name="KSO_WM_UNIT_LAYERLEVEL" val="1"/>
+  <p:tag name="KSO_WM_UNIT_VALUE" val="29"/>
+  <p:tag name="KSO_WM_UNIT_ISCONTENTSTITLE" val="0"/>
+  <p:tag name="KSO_WM_UNIT_HIGHLIGHT" val="0"/>
+  <p:tag name="KSO_WM_UNIT_COMPATIBLE" val="0"/>
+  <p:tag name="KSO_WM_UNIT_PRESET_TEXT_INDEX" val="3"/>
+  <p:tag name="KSO_WM_UNIT_PRESET_TEXT_LEN" val="17"/>
+</p:tagLst>
+</file>
+
+<file path=ppt/tags/tag26.xml><?xml version="1.0" encoding="utf-8"?>
+<p:tagLst xmlns:a="http://schemas.openxmlformats.org/drawingml/2006/main" xmlns:r="http://schemas.openxmlformats.org/officeDocument/2006/relationships" xmlns:p="http://schemas.openxmlformats.org/presentationml/2006/main">
+  <p:tag name="KSO_WM_TEMPLATE_CATEGORY" val="custom"/>
+  <p:tag name="KSO_WM_TEMPLATE_INDEX" val="160106"/>
+  <p:tag name="KSO_WM_TAG_VERSION" val="1.0"/>
+  <p:tag name="KSO_WM_SLIDE_ID" val="custom160106_3"/>
+  <p:tag name="KSO_WM_SLIDE_INDEX" val="3"/>
+  <p:tag name="KSO_WM_SLIDE_ITEM_CNT" val="3"/>
+  <p:tag name="KSO_WM_SLIDE_LAYOUT" val="a_f"/>
+  <p:tag name="KSO_WM_SLIDE_LAYOUT_CNT" val="1_2"/>
+  <p:tag name="KSO_WM_SLIDE_TYPE" val="text"/>
+  <p:tag name="KSO_WM_BEAUTIFY_FLAG" val="#wm#"/>
+  <p:tag name="KSO_WM_SLIDE_POSITION" val="66*133"/>
+  <p:tag name="KSO_WM_SLIDE_SIZE" val="828*357"/>
+</p:tagLst>
+</file>
+
+<file path=ppt/tags/tag27.xml><?xml version="1.0" encoding="utf-8"?>
+<p:tagLst xmlns:a="http://schemas.openxmlformats.org/drawingml/2006/main" xmlns:r="http://schemas.openxmlformats.org/officeDocument/2006/relationships" xmlns:p="http://schemas.openxmlformats.org/presentationml/2006/main">
+  <p:tag name="KSO_WM_TAG_VERSION" val="1.0"/>
+  <p:tag name="KSO_WM_BEAUTIFY_FLAG" val="#wm#"/>
+  <p:tag name="KSO_WM_TEMPLATE_CATEGORY" val="custom"/>
+  <p:tag name="KSO_WM_TEMPLATE_INDEX" val="160106"/>
   <p:tag name="KSO_WM_UNIT_TYPE" val="f"/>
   <p:tag name="KSO_WM_UNIT_INDEX" val="2"/>
   <p:tag name="KSO_WM_UNIT_ID" val="custom160106_3*f*2"/>
@@ -48364,7 +51301,7 @@
 </p:tagLst>
 </file>
 
-<file path=ppt/tags/tag26.xml><?xml version="1.0" encoding="utf-8"?>
+<file path=ppt/tags/tag28.xml><?xml version="1.0" encoding="utf-8"?>
 <p:tagLst xmlns:a="http://schemas.openxmlformats.org/drawingml/2006/main" xmlns:r="http://schemas.openxmlformats.org/officeDocument/2006/relationships" xmlns:p="http://schemas.openxmlformats.org/presentationml/2006/main">
   <p:tag name="KSO_WM_TAG_VERSION" val="1.0"/>
   <p:tag name="KSO_WM_BEAUTIFY_FLAG" val="#wm#"/>
@@ -48380,43 +51317,6 @@
   <p:tag name="KSO_WM_UNIT_COMPATIBLE" val="0"/>
   <p:tag name="KSO_WM_UNIT_PRESET_TEXT_INDEX" val="5"/>
   <p:tag name="KSO_WM_UNIT_PRESET_TEXT_LEN" val="232"/>
-</p:tagLst>
-</file>
-
-<file path=ppt/tags/tag27.xml><?xml version="1.0" encoding="utf-8"?>
-<p:tagLst xmlns:a="http://schemas.openxmlformats.org/drawingml/2006/main" xmlns:r="http://schemas.openxmlformats.org/officeDocument/2006/relationships" xmlns:p="http://schemas.openxmlformats.org/presentationml/2006/main">
-  <p:tag name="KSO_WM_TAG_VERSION" val="1.0"/>
-  <p:tag name="KSO_WM_BEAUTIFY_FLAG" val="#wm#"/>
-  <p:tag name="KSO_WM_TEMPLATE_CATEGORY" val="custom"/>
-  <p:tag name="KSO_WM_TEMPLATE_INDEX" val="160106"/>
-  <p:tag name="KSO_WM_UNIT_TYPE" val="a"/>
-  <p:tag name="KSO_WM_UNIT_INDEX" val="1"/>
-  <p:tag name="KSO_WM_UNIT_ID" val="custom160106_3*a*1"/>
-  <p:tag name="KSO_WM_UNIT_CLEAR" val="1"/>
-  <p:tag name="KSO_WM_UNIT_LAYERLEVEL" val="1"/>
-  <p:tag name="KSO_WM_UNIT_VALUE" val="29"/>
-  <p:tag name="KSO_WM_UNIT_ISCONTENTSTITLE" val="0"/>
-  <p:tag name="KSO_WM_UNIT_HIGHLIGHT" val="0"/>
-  <p:tag name="KSO_WM_UNIT_COMPATIBLE" val="0"/>
-  <p:tag name="KSO_WM_UNIT_PRESET_TEXT_INDEX" val="3"/>
-  <p:tag name="KSO_WM_UNIT_PRESET_TEXT_LEN" val="17"/>
-</p:tagLst>
-</file>
-
-<file path=ppt/tags/tag28.xml><?xml version="1.0" encoding="utf-8"?>
-<p:tagLst xmlns:a="http://schemas.openxmlformats.org/drawingml/2006/main" xmlns:r="http://schemas.openxmlformats.org/officeDocument/2006/relationships" xmlns:p="http://schemas.openxmlformats.org/presentationml/2006/main">
-  <p:tag name="KSO_WM_TEMPLATE_CATEGORY" val="custom"/>
-  <p:tag name="KSO_WM_TEMPLATE_INDEX" val="160106"/>
-  <p:tag name="KSO_WM_TAG_VERSION" val="1.0"/>
-  <p:tag name="KSO_WM_SLIDE_ID" val="custom160106_3"/>
-  <p:tag name="KSO_WM_SLIDE_INDEX" val="3"/>
-  <p:tag name="KSO_WM_SLIDE_ITEM_CNT" val="3"/>
-  <p:tag name="KSO_WM_SLIDE_LAYOUT" val="a_f"/>
-  <p:tag name="KSO_WM_SLIDE_LAYOUT_CNT" val="1_2"/>
-  <p:tag name="KSO_WM_SLIDE_TYPE" val="text"/>
-  <p:tag name="KSO_WM_BEAUTIFY_FLAG" val="#wm#"/>
-  <p:tag name="KSO_WM_SLIDE_POSITION" val="66*133"/>
-  <p:tag name="KSO_WM_SLIDE_SIZE" val="828*357"/>
 </p:tagLst>
 </file>
 
@@ -48467,26 +51367,6 @@
 
 <file path=ppt/tags/tag31.xml><?xml version="1.0" encoding="utf-8"?>
 <p:tagLst xmlns:a="http://schemas.openxmlformats.org/drawingml/2006/main" xmlns:r="http://schemas.openxmlformats.org/officeDocument/2006/relationships" xmlns:p="http://schemas.openxmlformats.org/presentationml/2006/main">
-  <p:tag name="KSO_WM_TAG_VERSION" val="1.0"/>
-  <p:tag name="KSO_WM_BEAUTIFY_FLAG" val="#wm#"/>
-  <p:tag name="KSO_WM_TEMPLATE_CATEGORY" val="custom"/>
-  <p:tag name="KSO_WM_TEMPLATE_INDEX" val="160106"/>
-  <p:tag name="KSO_WM_UNIT_TYPE" val="a"/>
-  <p:tag name="KSO_WM_UNIT_INDEX" val="1"/>
-  <p:tag name="KSO_WM_UNIT_ID" val="custom160106_3*a*1"/>
-  <p:tag name="KSO_WM_UNIT_CLEAR" val="1"/>
-  <p:tag name="KSO_WM_UNIT_LAYERLEVEL" val="1"/>
-  <p:tag name="KSO_WM_UNIT_VALUE" val="29"/>
-  <p:tag name="KSO_WM_UNIT_ISCONTENTSTITLE" val="0"/>
-  <p:tag name="KSO_WM_UNIT_HIGHLIGHT" val="0"/>
-  <p:tag name="KSO_WM_UNIT_COMPATIBLE" val="0"/>
-  <p:tag name="KSO_WM_UNIT_PRESET_TEXT_INDEX" val="3"/>
-  <p:tag name="KSO_WM_UNIT_PRESET_TEXT_LEN" val="17"/>
-</p:tagLst>
-</file>
-
-<file path=ppt/tags/tag32.xml><?xml version="1.0" encoding="utf-8"?>
-<p:tagLst xmlns:a="http://schemas.openxmlformats.org/drawingml/2006/main" xmlns:r="http://schemas.openxmlformats.org/officeDocument/2006/relationships" xmlns:p="http://schemas.openxmlformats.org/presentationml/2006/main">
   <p:tag name="KSO_WM_TEMPLATE_CATEGORY" val="custom"/>
   <p:tag name="KSO_WM_TEMPLATE_INDEX" val="160106"/>
   <p:tag name="KSO_WM_TAG_VERSION" val="1.0"/>
@@ -48502,7 +51382,7 @@
 </p:tagLst>
 </file>
 
-<file path=ppt/tags/tag33.xml><?xml version="1.0" encoding="utf-8"?>
+<file path=ppt/tags/tag32.xml><?xml version="1.0" encoding="utf-8"?>
 <p:tagLst xmlns:a="http://schemas.openxmlformats.org/drawingml/2006/main" xmlns:r="http://schemas.openxmlformats.org/officeDocument/2006/relationships" xmlns:p="http://schemas.openxmlformats.org/presentationml/2006/main">
   <p:tag name="KSO_WM_TAG_VERSION" val="1.0"/>
   <p:tag name="KSO_WM_BEAUTIFY_FLAG" val="#wm#"/>
@@ -48522,7 +51402,7 @@
 </p:tagLst>
 </file>
 
-<file path=ppt/tags/tag34.xml><?xml version="1.0" encoding="utf-8"?>
+<file path=ppt/tags/tag33.xml><?xml version="1.0" encoding="utf-8"?>
 <p:tagLst xmlns:a="http://schemas.openxmlformats.org/drawingml/2006/main" xmlns:r="http://schemas.openxmlformats.org/officeDocument/2006/relationships" xmlns:p="http://schemas.openxmlformats.org/presentationml/2006/main">
   <p:tag name="KSO_WM_TEMPLATE_CATEGORY" val="custom"/>
   <p:tag name="KSO_WM_TEMPLATE_INDEX" val="160106"/>
@@ -48539,7 +51419,357 @@
 </p:tagLst>
 </file>
 
+<file path=ppt/tags/tag34.xml><?xml version="1.0" encoding="utf-8"?>
+<p:tagLst xmlns:a="http://schemas.openxmlformats.org/drawingml/2006/main" xmlns:r="http://schemas.openxmlformats.org/officeDocument/2006/relationships" xmlns:p="http://schemas.openxmlformats.org/presentationml/2006/main">
+  <p:tag name="KSO_WM_TAG_VERSION" val="1.0"/>
+  <p:tag name="KSO_WM_BEAUTIFY_FLAG" val="#wm#"/>
+  <p:tag name="KSO_WM_TEMPLATE_CATEGORY" val="custom"/>
+  <p:tag name="KSO_WM_TEMPLATE_INDEX" val="160106"/>
+  <p:tag name="KSO_WM_UNIT_TYPE" val="f"/>
+  <p:tag name="KSO_WM_UNIT_INDEX" val="2"/>
+  <p:tag name="KSO_WM_UNIT_ID" val="custom160106_3*f*2"/>
+  <p:tag name="KSO_WM_UNIT_CLEAR" val="1"/>
+  <p:tag name="KSO_WM_UNIT_LAYERLEVEL" val="1"/>
+  <p:tag name="KSO_WM_UNIT_VALUE" val="192"/>
+  <p:tag name="KSO_WM_UNIT_HIGHLIGHT" val="0"/>
+  <p:tag name="KSO_WM_UNIT_COMPATIBLE" val="0"/>
+  <p:tag name="KSO_WM_UNIT_PRESET_TEXT_INDEX" val="5"/>
+  <p:tag name="KSO_WM_UNIT_PRESET_TEXT_LEN" val="232"/>
+</p:tagLst>
+</file>
+
 <file path=ppt/tags/tag35.xml><?xml version="1.0" encoding="utf-8"?>
+<p:tagLst xmlns:a="http://schemas.openxmlformats.org/drawingml/2006/main" xmlns:r="http://schemas.openxmlformats.org/officeDocument/2006/relationships" xmlns:p="http://schemas.openxmlformats.org/presentationml/2006/main">
+  <p:tag name="KSO_WM_TAG_VERSION" val="1.0"/>
+  <p:tag name="KSO_WM_BEAUTIFY_FLAG" val="#wm#"/>
+  <p:tag name="KSO_WM_TEMPLATE_CATEGORY" val="custom"/>
+  <p:tag name="KSO_WM_TEMPLATE_INDEX" val="160106"/>
+  <p:tag name="KSO_WM_UNIT_TYPE" val="f"/>
+  <p:tag name="KSO_WM_UNIT_INDEX" val="1"/>
+  <p:tag name="KSO_WM_UNIT_ID" val="custom160106_3*f*1"/>
+  <p:tag name="KSO_WM_UNIT_CLEAR" val="1"/>
+  <p:tag name="KSO_WM_UNIT_LAYERLEVEL" val="1"/>
+  <p:tag name="KSO_WM_UNIT_VALUE" val="192"/>
+  <p:tag name="KSO_WM_UNIT_HIGHLIGHT" val="0"/>
+  <p:tag name="KSO_WM_UNIT_COMPATIBLE" val="0"/>
+  <p:tag name="KSO_WM_UNIT_PRESET_TEXT_INDEX" val="5"/>
+  <p:tag name="KSO_WM_UNIT_PRESET_TEXT_LEN" val="232"/>
+</p:tagLst>
+</file>
+
+<file path=ppt/tags/tag36.xml><?xml version="1.0" encoding="utf-8"?>
+<p:tagLst xmlns:a="http://schemas.openxmlformats.org/drawingml/2006/main" xmlns:r="http://schemas.openxmlformats.org/officeDocument/2006/relationships" xmlns:p="http://schemas.openxmlformats.org/presentationml/2006/main">
+  <p:tag name="KSO_WM_TAG_VERSION" val="1.0"/>
+  <p:tag name="KSO_WM_BEAUTIFY_FLAG" val="#wm#"/>
+  <p:tag name="KSO_WM_TEMPLATE_CATEGORY" val="custom"/>
+  <p:tag name="KSO_WM_TEMPLATE_INDEX" val="160106"/>
+  <p:tag name="KSO_WM_UNIT_TYPE" val="a"/>
+  <p:tag name="KSO_WM_UNIT_INDEX" val="1"/>
+  <p:tag name="KSO_WM_UNIT_ID" val="custom160106_3*a*1"/>
+  <p:tag name="KSO_WM_UNIT_CLEAR" val="1"/>
+  <p:tag name="KSO_WM_UNIT_LAYERLEVEL" val="1"/>
+  <p:tag name="KSO_WM_UNIT_VALUE" val="29"/>
+  <p:tag name="KSO_WM_UNIT_ISCONTENTSTITLE" val="0"/>
+  <p:tag name="KSO_WM_UNIT_HIGHLIGHT" val="0"/>
+  <p:tag name="KSO_WM_UNIT_COMPATIBLE" val="0"/>
+  <p:tag name="KSO_WM_UNIT_PRESET_TEXT_INDEX" val="3"/>
+  <p:tag name="KSO_WM_UNIT_PRESET_TEXT_LEN" val="17"/>
+</p:tagLst>
+</file>
+
+<file path=ppt/tags/tag37.xml><?xml version="1.0" encoding="utf-8"?>
+<p:tagLst xmlns:a="http://schemas.openxmlformats.org/drawingml/2006/main" xmlns:r="http://schemas.openxmlformats.org/officeDocument/2006/relationships" xmlns:p="http://schemas.openxmlformats.org/presentationml/2006/main">
+  <p:tag name="KSO_WM_TEMPLATE_CATEGORY" val="custom"/>
+  <p:tag name="KSO_WM_TEMPLATE_INDEX" val="160106"/>
+  <p:tag name="KSO_WM_TAG_VERSION" val="1.0"/>
+  <p:tag name="KSO_WM_SLIDE_ID" val="custom160106_3"/>
+  <p:tag name="KSO_WM_SLIDE_INDEX" val="3"/>
+  <p:tag name="KSO_WM_SLIDE_ITEM_CNT" val="3"/>
+  <p:tag name="KSO_WM_SLIDE_LAYOUT" val="a_f"/>
+  <p:tag name="KSO_WM_SLIDE_LAYOUT_CNT" val="1_2"/>
+  <p:tag name="KSO_WM_SLIDE_TYPE" val="text"/>
+  <p:tag name="KSO_WM_BEAUTIFY_FLAG" val="#wm#"/>
+  <p:tag name="KSO_WM_SLIDE_POSITION" val="66*133"/>
+  <p:tag name="KSO_WM_SLIDE_SIZE" val="828*357"/>
+</p:tagLst>
+</file>
+
+<file path=ppt/tags/tag38.xml><?xml version="1.0" encoding="utf-8"?>
+<p:tagLst xmlns:a="http://schemas.openxmlformats.org/drawingml/2006/main" xmlns:r="http://schemas.openxmlformats.org/officeDocument/2006/relationships" xmlns:p="http://schemas.openxmlformats.org/presentationml/2006/main">
+  <p:tag name="KSO_WM_TAG_VERSION" val="1.0"/>
+  <p:tag name="KSO_WM_BEAUTIFY_FLAG" val="#wm#"/>
+  <p:tag name="KSO_WM_TEMPLATE_CATEGORY" val="custom"/>
+  <p:tag name="KSO_WM_TEMPLATE_INDEX" val="160106"/>
+  <p:tag name="KSO_WM_UNIT_TYPE" val="a"/>
+  <p:tag name="KSO_WM_UNIT_INDEX" val="1"/>
+  <p:tag name="KSO_WM_UNIT_ID" val="custom160106_3*a*1"/>
+  <p:tag name="KSO_WM_UNIT_CLEAR" val="1"/>
+  <p:tag name="KSO_WM_UNIT_LAYERLEVEL" val="1"/>
+  <p:tag name="KSO_WM_UNIT_VALUE" val="29"/>
+  <p:tag name="KSO_WM_UNIT_ISCONTENTSTITLE" val="0"/>
+  <p:tag name="KSO_WM_UNIT_HIGHLIGHT" val="0"/>
+  <p:tag name="KSO_WM_UNIT_COMPATIBLE" val="0"/>
+  <p:tag name="KSO_WM_UNIT_PRESET_TEXT_INDEX" val="3"/>
+  <p:tag name="KSO_WM_UNIT_PRESET_TEXT_LEN" val="17"/>
+</p:tagLst>
+</file>
+
+<file path=ppt/tags/tag39.xml><?xml version="1.0" encoding="utf-8"?>
+<p:tagLst xmlns:a="http://schemas.openxmlformats.org/drawingml/2006/main" xmlns:r="http://schemas.openxmlformats.org/officeDocument/2006/relationships" xmlns:p="http://schemas.openxmlformats.org/presentationml/2006/main">
+  <p:tag name="KSO_WM_TEMPLATE_CATEGORY" val="custom"/>
+  <p:tag name="KSO_WM_TEMPLATE_INDEX" val="160106"/>
+  <p:tag name="KSO_WM_TAG_VERSION" val="1.0"/>
+  <p:tag name="KSO_WM_SLIDE_ID" val="custom160106_3"/>
+  <p:tag name="KSO_WM_SLIDE_INDEX" val="3"/>
+  <p:tag name="KSO_WM_SLIDE_ITEM_CNT" val="3"/>
+  <p:tag name="KSO_WM_SLIDE_LAYOUT" val="a_f"/>
+  <p:tag name="KSO_WM_SLIDE_LAYOUT_CNT" val="1_2"/>
+  <p:tag name="KSO_WM_SLIDE_TYPE" val="text"/>
+  <p:tag name="KSO_WM_BEAUTIFY_FLAG" val="#wm#"/>
+  <p:tag name="KSO_WM_SLIDE_POSITION" val="66*133"/>
+  <p:tag name="KSO_WM_SLIDE_SIZE" val="828*357"/>
+</p:tagLst>
+</file>
+
+<file path=ppt/tags/tag4.xml><?xml version="1.0" encoding="utf-8"?>
+<p:tagLst xmlns:a="http://schemas.openxmlformats.org/drawingml/2006/main" xmlns:r="http://schemas.openxmlformats.org/officeDocument/2006/relationships" xmlns:p="http://schemas.openxmlformats.org/presentationml/2006/main">
+  <p:tag name="MH" val="20150923171423"/>
+  <p:tag name="MH_LIBRARY" val="GRAPHIC"/>
+  <p:tag name="MH_ORDER" val="Rectangle 22"/>
+</p:tagLst>
+</file>
+
+<file path=ppt/tags/tag40.xml><?xml version="1.0" encoding="utf-8"?>
+<p:tagLst xmlns:a="http://schemas.openxmlformats.org/drawingml/2006/main" xmlns:r="http://schemas.openxmlformats.org/officeDocument/2006/relationships" xmlns:p="http://schemas.openxmlformats.org/presentationml/2006/main">
+  <p:tag name="KSO_WM_TAG_VERSION" val="1.0"/>
+  <p:tag name="KSO_WM_BEAUTIFY_FLAG" val="#wm#"/>
+  <p:tag name="KSO_WM_TEMPLATE_CATEGORY" val="custom"/>
+  <p:tag name="KSO_WM_TEMPLATE_INDEX" val="160106"/>
+  <p:tag name="KSO_WM_UNIT_TYPE" val="a"/>
+  <p:tag name="KSO_WM_UNIT_INDEX" val="1"/>
+  <p:tag name="KSO_WM_UNIT_ID" val="custom160106_3*a*1"/>
+  <p:tag name="KSO_WM_UNIT_CLEAR" val="1"/>
+  <p:tag name="KSO_WM_UNIT_LAYERLEVEL" val="1"/>
+  <p:tag name="KSO_WM_UNIT_VALUE" val="29"/>
+  <p:tag name="KSO_WM_UNIT_ISCONTENTSTITLE" val="0"/>
+  <p:tag name="KSO_WM_UNIT_HIGHLIGHT" val="0"/>
+  <p:tag name="KSO_WM_UNIT_COMPATIBLE" val="0"/>
+  <p:tag name="KSO_WM_UNIT_PRESET_TEXT_INDEX" val="3"/>
+  <p:tag name="KSO_WM_UNIT_PRESET_TEXT_LEN" val="17"/>
+</p:tagLst>
+</file>
+
+<file path=ppt/tags/tag41.xml><?xml version="1.0" encoding="utf-8"?>
+<p:tagLst xmlns:a="http://schemas.openxmlformats.org/drawingml/2006/main" xmlns:r="http://schemas.openxmlformats.org/officeDocument/2006/relationships" xmlns:p="http://schemas.openxmlformats.org/presentationml/2006/main">
+  <p:tag name="KSO_WM_TEMPLATE_CATEGORY" val="custom"/>
+  <p:tag name="KSO_WM_TEMPLATE_INDEX" val="160106"/>
+  <p:tag name="KSO_WM_TAG_VERSION" val="1.0"/>
+  <p:tag name="KSO_WM_SLIDE_ID" val="custom160106_3"/>
+  <p:tag name="KSO_WM_SLIDE_INDEX" val="3"/>
+  <p:tag name="KSO_WM_SLIDE_ITEM_CNT" val="3"/>
+  <p:tag name="KSO_WM_SLIDE_LAYOUT" val="a_f"/>
+  <p:tag name="KSO_WM_SLIDE_LAYOUT_CNT" val="1_2"/>
+  <p:tag name="KSO_WM_SLIDE_TYPE" val="text"/>
+  <p:tag name="KSO_WM_BEAUTIFY_FLAG" val="#wm#"/>
+  <p:tag name="KSO_WM_SLIDE_POSITION" val="66*133"/>
+  <p:tag name="KSO_WM_SLIDE_SIZE" val="828*357"/>
+</p:tagLst>
+</file>
+
+<file path=ppt/tags/tag42.xml><?xml version="1.0" encoding="utf-8"?>
+<p:tagLst xmlns:a="http://schemas.openxmlformats.org/drawingml/2006/main" xmlns:r="http://schemas.openxmlformats.org/officeDocument/2006/relationships" xmlns:p="http://schemas.openxmlformats.org/presentationml/2006/main">
+  <p:tag name="KSO_WM_TAG_VERSION" val="1.0"/>
+  <p:tag name="KSO_WM_BEAUTIFY_FLAG" val="#wm#"/>
+  <p:tag name="KSO_WM_TEMPLATE_CATEGORY" val="custom"/>
+  <p:tag name="KSO_WM_TEMPLATE_INDEX" val="160106"/>
+  <p:tag name="KSO_WM_UNIT_TYPE" val="a"/>
+  <p:tag name="KSO_WM_UNIT_INDEX" val="1"/>
+  <p:tag name="KSO_WM_UNIT_ID" val="custom160106_3*a*1"/>
+  <p:tag name="KSO_WM_UNIT_CLEAR" val="1"/>
+  <p:tag name="KSO_WM_UNIT_LAYERLEVEL" val="1"/>
+  <p:tag name="KSO_WM_UNIT_VALUE" val="29"/>
+  <p:tag name="KSO_WM_UNIT_ISCONTENTSTITLE" val="0"/>
+  <p:tag name="KSO_WM_UNIT_HIGHLIGHT" val="0"/>
+  <p:tag name="KSO_WM_UNIT_COMPATIBLE" val="0"/>
+  <p:tag name="KSO_WM_UNIT_PRESET_TEXT_INDEX" val="3"/>
+  <p:tag name="KSO_WM_UNIT_PRESET_TEXT_LEN" val="17"/>
+</p:tagLst>
+</file>
+
+<file path=ppt/tags/tag43.xml><?xml version="1.0" encoding="utf-8"?>
+<p:tagLst xmlns:a="http://schemas.openxmlformats.org/drawingml/2006/main" xmlns:r="http://schemas.openxmlformats.org/officeDocument/2006/relationships" xmlns:p="http://schemas.openxmlformats.org/presentationml/2006/main">
+  <p:tag name="KSO_WM_TEMPLATE_CATEGORY" val="custom"/>
+  <p:tag name="KSO_WM_TEMPLATE_INDEX" val="160106"/>
+  <p:tag name="KSO_WM_TAG_VERSION" val="1.0"/>
+  <p:tag name="KSO_WM_SLIDE_ID" val="custom160106_3"/>
+  <p:tag name="KSO_WM_SLIDE_INDEX" val="3"/>
+  <p:tag name="KSO_WM_SLIDE_ITEM_CNT" val="3"/>
+  <p:tag name="KSO_WM_SLIDE_LAYOUT" val="a_f"/>
+  <p:tag name="KSO_WM_SLIDE_LAYOUT_CNT" val="1_2"/>
+  <p:tag name="KSO_WM_SLIDE_TYPE" val="text"/>
+  <p:tag name="KSO_WM_BEAUTIFY_FLAG" val="#wm#"/>
+  <p:tag name="KSO_WM_SLIDE_POSITION" val="66*133"/>
+  <p:tag name="KSO_WM_SLIDE_SIZE" val="828*357"/>
+</p:tagLst>
+</file>
+
+<file path=ppt/tags/tag44.xml><?xml version="1.0" encoding="utf-8"?>
+<p:tagLst xmlns:a="http://schemas.openxmlformats.org/drawingml/2006/main" xmlns:r="http://schemas.openxmlformats.org/officeDocument/2006/relationships" xmlns:p="http://schemas.openxmlformats.org/presentationml/2006/main">
+  <p:tag name="KSO_WM_TAG_VERSION" val="1.0"/>
+  <p:tag name="KSO_WM_BEAUTIFY_FLAG" val="#wm#"/>
+  <p:tag name="KSO_WM_TEMPLATE_CATEGORY" val="custom"/>
+  <p:tag name="KSO_WM_TEMPLATE_INDEX" val="160106"/>
+  <p:tag name="KSO_WM_UNIT_TYPE" val="a"/>
+  <p:tag name="KSO_WM_UNIT_INDEX" val="1"/>
+  <p:tag name="KSO_WM_UNIT_ID" val="custom160106_3*a*1"/>
+  <p:tag name="KSO_WM_UNIT_CLEAR" val="1"/>
+  <p:tag name="KSO_WM_UNIT_LAYERLEVEL" val="1"/>
+  <p:tag name="KSO_WM_UNIT_VALUE" val="29"/>
+  <p:tag name="KSO_WM_UNIT_ISCONTENTSTITLE" val="0"/>
+  <p:tag name="KSO_WM_UNIT_HIGHLIGHT" val="0"/>
+  <p:tag name="KSO_WM_UNIT_COMPATIBLE" val="0"/>
+  <p:tag name="KSO_WM_UNIT_PRESET_TEXT_INDEX" val="3"/>
+  <p:tag name="KSO_WM_UNIT_PRESET_TEXT_LEN" val="17"/>
+</p:tagLst>
+</file>
+
+<file path=ppt/tags/tag45.xml><?xml version="1.0" encoding="utf-8"?>
+<p:tagLst xmlns:a="http://schemas.openxmlformats.org/drawingml/2006/main" xmlns:r="http://schemas.openxmlformats.org/officeDocument/2006/relationships" xmlns:p="http://schemas.openxmlformats.org/presentationml/2006/main">
+  <p:tag name="KSO_WM_TEMPLATE_CATEGORY" val="custom"/>
+  <p:tag name="KSO_WM_TEMPLATE_INDEX" val="160106"/>
+  <p:tag name="KSO_WM_TAG_VERSION" val="1.0"/>
+  <p:tag name="KSO_WM_SLIDE_ID" val="custom160106_3"/>
+  <p:tag name="KSO_WM_SLIDE_INDEX" val="3"/>
+  <p:tag name="KSO_WM_SLIDE_ITEM_CNT" val="3"/>
+  <p:tag name="KSO_WM_SLIDE_LAYOUT" val="a_f"/>
+  <p:tag name="KSO_WM_SLIDE_LAYOUT_CNT" val="1_2"/>
+  <p:tag name="KSO_WM_SLIDE_TYPE" val="text"/>
+  <p:tag name="KSO_WM_BEAUTIFY_FLAG" val="#wm#"/>
+  <p:tag name="KSO_WM_SLIDE_POSITION" val="66*133"/>
+  <p:tag name="KSO_WM_SLIDE_SIZE" val="828*357"/>
+</p:tagLst>
+</file>
+
+<file path=ppt/tags/tag46.xml><?xml version="1.0" encoding="utf-8"?>
+<p:tagLst xmlns:a="http://schemas.openxmlformats.org/drawingml/2006/main" xmlns:r="http://schemas.openxmlformats.org/officeDocument/2006/relationships" xmlns:p="http://schemas.openxmlformats.org/presentationml/2006/main">
+  <p:tag name="KSO_WM_TAG_VERSION" val="1.0"/>
+  <p:tag name="KSO_WM_BEAUTIFY_FLAG" val="#wm#"/>
+  <p:tag name="KSO_WM_TEMPLATE_CATEGORY" val="custom"/>
+  <p:tag name="KSO_WM_TEMPLATE_INDEX" val="160106"/>
+  <p:tag name="KSO_WM_UNIT_TYPE" val="a"/>
+  <p:tag name="KSO_WM_UNIT_INDEX" val="1"/>
+  <p:tag name="KSO_WM_UNIT_ID" val="custom160106_3*a*1"/>
+  <p:tag name="KSO_WM_UNIT_CLEAR" val="1"/>
+  <p:tag name="KSO_WM_UNIT_LAYERLEVEL" val="1"/>
+  <p:tag name="KSO_WM_UNIT_VALUE" val="29"/>
+  <p:tag name="KSO_WM_UNIT_ISCONTENTSTITLE" val="0"/>
+  <p:tag name="KSO_WM_UNIT_HIGHLIGHT" val="0"/>
+  <p:tag name="KSO_WM_UNIT_COMPATIBLE" val="0"/>
+  <p:tag name="KSO_WM_UNIT_PRESET_TEXT_INDEX" val="3"/>
+  <p:tag name="KSO_WM_UNIT_PRESET_TEXT_LEN" val="17"/>
+</p:tagLst>
+</file>
+
+<file path=ppt/tags/tag47.xml><?xml version="1.0" encoding="utf-8"?>
+<p:tagLst xmlns:a="http://schemas.openxmlformats.org/drawingml/2006/main" xmlns:r="http://schemas.openxmlformats.org/officeDocument/2006/relationships" xmlns:p="http://schemas.openxmlformats.org/presentationml/2006/main">
+  <p:tag name="KSO_WM_TEMPLATE_CATEGORY" val="custom"/>
+  <p:tag name="KSO_WM_TEMPLATE_INDEX" val="160106"/>
+  <p:tag name="KSO_WM_TAG_VERSION" val="1.0"/>
+  <p:tag name="KSO_WM_SLIDE_ID" val="custom160106_3"/>
+  <p:tag name="KSO_WM_SLIDE_INDEX" val="3"/>
+  <p:tag name="KSO_WM_SLIDE_ITEM_CNT" val="3"/>
+  <p:tag name="KSO_WM_SLIDE_LAYOUT" val="a_f"/>
+  <p:tag name="KSO_WM_SLIDE_LAYOUT_CNT" val="1_2"/>
+  <p:tag name="KSO_WM_SLIDE_TYPE" val="text"/>
+  <p:tag name="KSO_WM_BEAUTIFY_FLAG" val="#wm#"/>
+  <p:tag name="KSO_WM_SLIDE_POSITION" val="66*133"/>
+  <p:tag name="KSO_WM_SLIDE_SIZE" val="828*357"/>
+</p:tagLst>
+</file>
+
+<file path=ppt/tags/tag48.xml><?xml version="1.0" encoding="utf-8"?>
+<p:tagLst xmlns:a="http://schemas.openxmlformats.org/drawingml/2006/main" xmlns:r="http://schemas.openxmlformats.org/officeDocument/2006/relationships" xmlns:p="http://schemas.openxmlformats.org/presentationml/2006/main">
+  <p:tag name="KSO_WM_TAG_VERSION" val="1.0"/>
+  <p:tag name="KSO_WM_BEAUTIFY_FLAG" val="#wm#"/>
+  <p:tag name="KSO_WM_TEMPLATE_CATEGORY" val="custom"/>
+  <p:tag name="KSO_WM_TEMPLATE_INDEX" val="160106"/>
+  <p:tag name="KSO_WM_UNIT_TYPE" val="a"/>
+  <p:tag name="KSO_WM_UNIT_INDEX" val="1"/>
+  <p:tag name="KSO_WM_UNIT_ID" val="custom160106_3*a*1"/>
+  <p:tag name="KSO_WM_UNIT_CLEAR" val="1"/>
+  <p:tag name="KSO_WM_UNIT_LAYERLEVEL" val="1"/>
+  <p:tag name="KSO_WM_UNIT_VALUE" val="29"/>
+  <p:tag name="KSO_WM_UNIT_ISCONTENTSTITLE" val="0"/>
+  <p:tag name="KSO_WM_UNIT_HIGHLIGHT" val="0"/>
+  <p:tag name="KSO_WM_UNIT_COMPATIBLE" val="0"/>
+  <p:tag name="KSO_WM_UNIT_PRESET_TEXT_INDEX" val="3"/>
+  <p:tag name="KSO_WM_UNIT_PRESET_TEXT_LEN" val="17"/>
+</p:tagLst>
+</file>
+
+<file path=ppt/tags/tag49.xml><?xml version="1.0" encoding="utf-8"?>
+<p:tagLst xmlns:a="http://schemas.openxmlformats.org/drawingml/2006/main" xmlns:r="http://schemas.openxmlformats.org/officeDocument/2006/relationships" xmlns:p="http://schemas.openxmlformats.org/presentationml/2006/main">
+  <p:tag name="KSO_WM_TEMPLATE_CATEGORY" val="custom"/>
+  <p:tag name="KSO_WM_TEMPLATE_INDEX" val="160106"/>
+  <p:tag name="KSO_WM_TAG_VERSION" val="1.0"/>
+  <p:tag name="KSO_WM_SLIDE_ID" val="custom160106_3"/>
+  <p:tag name="KSO_WM_SLIDE_INDEX" val="3"/>
+  <p:tag name="KSO_WM_SLIDE_ITEM_CNT" val="3"/>
+  <p:tag name="KSO_WM_SLIDE_LAYOUT" val="a_f"/>
+  <p:tag name="KSO_WM_SLIDE_LAYOUT_CNT" val="1_2"/>
+  <p:tag name="KSO_WM_SLIDE_TYPE" val="text"/>
+  <p:tag name="KSO_WM_BEAUTIFY_FLAG" val="#wm#"/>
+  <p:tag name="KSO_WM_SLIDE_POSITION" val="66*133"/>
+  <p:tag name="KSO_WM_SLIDE_SIZE" val="828*357"/>
+</p:tagLst>
+</file>
+
+<file path=ppt/tags/tag5.xml><?xml version="1.0" encoding="utf-8"?>
+<p:tagLst xmlns:a="http://schemas.openxmlformats.org/drawingml/2006/main" xmlns:r="http://schemas.openxmlformats.org/officeDocument/2006/relationships" xmlns:p="http://schemas.openxmlformats.org/presentationml/2006/main">
+  <p:tag name="MH" val="20150923171423"/>
+  <p:tag name="MH_LIBRARY" val="GRAPHIC"/>
+  <p:tag name="MH_ORDER" val="Rectangle 23"/>
+</p:tagLst>
+</file>
+
+<file path=ppt/tags/tag50.xml><?xml version="1.0" encoding="utf-8"?>
+<p:tagLst xmlns:a="http://schemas.openxmlformats.org/drawingml/2006/main" xmlns:r="http://schemas.openxmlformats.org/officeDocument/2006/relationships" xmlns:p="http://schemas.openxmlformats.org/presentationml/2006/main">
+  <p:tag name="KSO_WM_TAG_VERSION" val="1.0"/>
+  <p:tag name="KSO_WM_BEAUTIFY_FLAG" val="#wm#"/>
+  <p:tag name="KSO_WM_TEMPLATE_CATEGORY" val="custom"/>
+  <p:tag name="KSO_WM_TEMPLATE_INDEX" val="160106"/>
+  <p:tag name="KSO_WM_UNIT_TYPE" val="a"/>
+  <p:tag name="KSO_WM_UNIT_INDEX" val="1"/>
+  <p:tag name="KSO_WM_UNIT_ID" val="custom160106_3*a*1"/>
+  <p:tag name="KSO_WM_UNIT_CLEAR" val="1"/>
+  <p:tag name="KSO_WM_UNIT_LAYERLEVEL" val="1"/>
+  <p:tag name="KSO_WM_UNIT_VALUE" val="29"/>
+  <p:tag name="KSO_WM_UNIT_ISCONTENTSTITLE" val="0"/>
+  <p:tag name="KSO_WM_UNIT_HIGHLIGHT" val="0"/>
+  <p:tag name="KSO_WM_UNIT_COMPATIBLE" val="0"/>
+  <p:tag name="KSO_WM_UNIT_PRESET_TEXT_INDEX" val="3"/>
+  <p:tag name="KSO_WM_UNIT_PRESET_TEXT_LEN" val="17"/>
+</p:tagLst>
+</file>
+
+<file path=ppt/tags/tag51.xml><?xml version="1.0" encoding="utf-8"?>
+<p:tagLst xmlns:a="http://schemas.openxmlformats.org/drawingml/2006/main" xmlns:r="http://schemas.openxmlformats.org/officeDocument/2006/relationships" xmlns:p="http://schemas.openxmlformats.org/presentationml/2006/main">
+  <p:tag name="KSO_WM_TEMPLATE_CATEGORY" val="custom"/>
+  <p:tag name="KSO_WM_TEMPLATE_INDEX" val="160106"/>
+  <p:tag name="KSO_WM_TAG_VERSION" val="1.0"/>
+  <p:tag name="KSO_WM_SLIDE_ID" val="custom160106_3"/>
+  <p:tag name="KSO_WM_SLIDE_INDEX" val="3"/>
+  <p:tag name="KSO_WM_SLIDE_ITEM_CNT" val="3"/>
+  <p:tag name="KSO_WM_SLIDE_LAYOUT" val="a_f"/>
+  <p:tag name="KSO_WM_SLIDE_LAYOUT_CNT" val="1_2"/>
+  <p:tag name="KSO_WM_SLIDE_TYPE" val="text"/>
+  <p:tag name="KSO_WM_BEAUTIFY_FLAG" val="#wm#"/>
+  <p:tag name="KSO_WM_SLIDE_POSITION" val="66*133"/>
+  <p:tag name="KSO_WM_SLIDE_SIZE" val="828*357"/>
+</p:tagLst>
+</file>
+
+<file path=ppt/tags/tag52.xml><?xml version="1.0" encoding="utf-8"?>
 <p:tagLst xmlns:a="http://schemas.openxmlformats.org/drawingml/2006/main" xmlns:r="http://schemas.openxmlformats.org/officeDocument/2006/relationships" xmlns:p="http://schemas.openxmlformats.org/presentationml/2006/main">
   <p:tag name="KSO_WM_TEMPLATE_CATEGORY" val="custom"/>
   <p:tag name="KSO_WM_TEMPLATE_INDEX" val="160106"/>
@@ -48556,7 +51786,7 @@
 </p:tagLst>
 </file>
 
-<file path=ppt/tags/tag36.xml><?xml version="1.0" encoding="utf-8"?>
+<file path=ppt/tags/tag53.xml><?xml version="1.0" encoding="utf-8"?>
 <p:tagLst xmlns:a="http://schemas.openxmlformats.org/drawingml/2006/main" xmlns:r="http://schemas.openxmlformats.org/officeDocument/2006/relationships" xmlns:p="http://schemas.openxmlformats.org/presentationml/2006/main">
   <p:tag name="KSO_WM_TAG_VERSION" val="1.0"/>
   <p:tag name="KSO_WM_BEAUTIFY_FLAG" val="#wm#"/>
@@ -48573,7 +51803,7 @@
 </p:tagLst>
 </file>
 
-<file path=ppt/tags/tag37.xml><?xml version="1.0" encoding="utf-8"?>
+<file path=ppt/tags/tag54.xml><?xml version="1.0" encoding="utf-8"?>
 <p:tagLst xmlns:a="http://schemas.openxmlformats.org/drawingml/2006/main" xmlns:r="http://schemas.openxmlformats.org/officeDocument/2006/relationships" xmlns:p="http://schemas.openxmlformats.org/presentationml/2006/main">
   <p:tag name="KSO_WM_TAG_VERSION" val="1.0"/>
   <p:tag name="KSO_WM_BEAUTIFY_FLAG" val="#wm#"/>
@@ -48592,7 +51822,7 @@
 </p:tagLst>
 </file>
 
-<file path=ppt/tags/tag38.xml><?xml version="1.0" encoding="utf-8"?>
+<file path=ppt/tags/tag55.xml><?xml version="1.0" encoding="utf-8"?>
 <p:tagLst xmlns:a="http://schemas.openxmlformats.org/drawingml/2006/main" xmlns:r="http://schemas.openxmlformats.org/officeDocument/2006/relationships" xmlns:p="http://schemas.openxmlformats.org/presentationml/2006/main">
   <p:tag name="KSO_WM_TAG_VERSION" val="1.0"/>
   <p:tag name="KSO_WM_BEAUTIFY_FLAG" val="#wm#"/>
@@ -48612,7 +51842,7 @@
 </p:tagLst>
 </file>
 
-<file path=ppt/tags/tag39.xml><?xml version="1.0" encoding="utf-8"?>
+<file path=ppt/tags/tag56.xml><?xml version="1.0" encoding="utf-8"?>
 <p:tagLst xmlns:a="http://schemas.openxmlformats.org/drawingml/2006/main" xmlns:r="http://schemas.openxmlformats.org/officeDocument/2006/relationships" xmlns:p="http://schemas.openxmlformats.org/presentationml/2006/main">
   <p:tag name="KSO_WM_TEMPLATE_CATEGORY" val="custom"/>
   <p:tag name="KSO_WM_TEMPLATE_INDEX" val="160106"/>
@@ -48629,15 +51859,7 @@
 </p:tagLst>
 </file>
 
-<file path=ppt/tags/tag4.xml><?xml version="1.0" encoding="utf-8"?>
-<p:tagLst xmlns:a="http://schemas.openxmlformats.org/drawingml/2006/main" xmlns:r="http://schemas.openxmlformats.org/officeDocument/2006/relationships" xmlns:p="http://schemas.openxmlformats.org/presentationml/2006/main">
-  <p:tag name="MH" val="20150923171423"/>
-  <p:tag name="MH_LIBRARY" val="GRAPHIC"/>
-  <p:tag name="MH_ORDER" val="Rectangle 22"/>
-</p:tagLst>
-</file>
-
-<file path=ppt/tags/tag40.xml><?xml version="1.0" encoding="utf-8"?>
+<file path=ppt/tags/tag57.xml><?xml version="1.0" encoding="utf-8"?>
 <p:tagLst xmlns:a="http://schemas.openxmlformats.org/drawingml/2006/main" xmlns:r="http://schemas.openxmlformats.org/officeDocument/2006/relationships" xmlns:p="http://schemas.openxmlformats.org/presentationml/2006/main">
   <p:tag name="KSO_WM_TAG_VERSION" val="1.0"/>
   <p:tag name="KSO_WM_BEAUTIFY_FLAG" val="#wm#"/>
@@ -48654,7 +51876,7 @@
 </p:tagLst>
 </file>
 
-<file path=ppt/tags/tag41.xml><?xml version="1.0" encoding="utf-8"?>
+<file path=ppt/tags/tag58.xml><?xml version="1.0" encoding="utf-8"?>
 <p:tagLst xmlns:a="http://schemas.openxmlformats.org/drawingml/2006/main" xmlns:r="http://schemas.openxmlformats.org/officeDocument/2006/relationships" xmlns:p="http://schemas.openxmlformats.org/presentationml/2006/main">
   <p:tag name="KSO_WM_TAG_VERSION" val="1.0"/>
   <p:tag name="KSO_WM_BEAUTIFY_FLAG" val="#wm#"/>
@@ -48674,7 +51896,7 @@
 </p:tagLst>
 </file>
 
-<file path=ppt/tags/tag42.xml><?xml version="1.0" encoding="utf-8"?>
+<file path=ppt/tags/tag59.xml><?xml version="1.0" encoding="utf-8"?>
 <p:tagLst xmlns:a="http://schemas.openxmlformats.org/drawingml/2006/main" xmlns:r="http://schemas.openxmlformats.org/officeDocument/2006/relationships" xmlns:p="http://schemas.openxmlformats.org/presentationml/2006/main">
   <p:tag name="KSO_WM_TAG_VERSION" val="1.0"/>
   <p:tag name="KSO_WM_BEAUTIFY_FLAG" val="#wm#"/>
@@ -48693,7 +51915,15 @@
 </p:tagLst>
 </file>
 
-<file path=ppt/tags/tag43.xml><?xml version="1.0" encoding="utf-8"?>
+<file path=ppt/tags/tag6.xml><?xml version="1.0" encoding="utf-8"?>
+<p:tagLst xmlns:a="http://schemas.openxmlformats.org/drawingml/2006/main" xmlns:r="http://schemas.openxmlformats.org/officeDocument/2006/relationships" xmlns:p="http://schemas.openxmlformats.org/presentationml/2006/main">
+  <p:tag name="MH" val="20150923171423"/>
+  <p:tag name="MH_LIBRARY" val="GRAPHIC"/>
+  <p:tag name="MH_ORDER" val="Rectangle 24"/>
+</p:tagLst>
+</file>
+
+<file path=ppt/tags/tag60.xml><?xml version="1.0" encoding="utf-8"?>
 <p:tagLst xmlns:a="http://schemas.openxmlformats.org/drawingml/2006/main" xmlns:r="http://schemas.openxmlformats.org/officeDocument/2006/relationships" xmlns:p="http://schemas.openxmlformats.org/presentationml/2006/main">
   <p:tag name="MH" val="20150923171423"/>
   <p:tag name="MH_LIBRARY" val="GRAPHIC"/>
@@ -48710,7 +51940,7 @@
 </p:tagLst>
 </file>
 
-<file path=ppt/tags/tag44.xml><?xml version="1.0" encoding="utf-8"?>
+<file path=ppt/tags/tag61.xml><?xml version="1.0" encoding="utf-8"?>
 <p:tagLst xmlns:a="http://schemas.openxmlformats.org/drawingml/2006/main" xmlns:r="http://schemas.openxmlformats.org/officeDocument/2006/relationships" xmlns:p="http://schemas.openxmlformats.org/presentationml/2006/main">
   <p:tag name="KSO_WM_TAG_VERSION" val="1.0"/>
   <p:tag name="KSO_WM_BEAUTIFY_FLAG" val="#wm#"/>
@@ -48731,7 +51961,7 @@
 </p:tagLst>
 </file>
 
-<file path=ppt/tags/tag45.xml><?xml version="1.0" encoding="utf-8"?>
+<file path=ppt/tags/tag62.xml><?xml version="1.0" encoding="utf-8"?>
 <p:tagLst xmlns:a="http://schemas.openxmlformats.org/drawingml/2006/main" xmlns:r="http://schemas.openxmlformats.org/officeDocument/2006/relationships" xmlns:p="http://schemas.openxmlformats.org/presentationml/2006/main">
   <p:tag name="KSO_WM_TAG_VERSION" val="1.0"/>
   <p:tag name="KSO_WM_BEAUTIFY_FLAG" val="#wm#"/>
@@ -48751,7 +51981,7 @@
 </p:tagLst>
 </file>
 
-<file path=ppt/tags/tag46.xml><?xml version="1.0" encoding="utf-8"?>
+<file path=ppt/tags/tag63.xml><?xml version="1.0" encoding="utf-8"?>
 <p:tagLst xmlns:a="http://schemas.openxmlformats.org/drawingml/2006/main" xmlns:r="http://schemas.openxmlformats.org/officeDocument/2006/relationships" xmlns:p="http://schemas.openxmlformats.org/presentationml/2006/main">
   <p:tag name="MH_TYPE" val="#NeiR#"/>
   <p:tag name="MH_NUMBER" val="6"/>
@@ -48775,7 +52005,7 @@
 </p:tagLst>
 </file>
 
-<file path=ppt/tags/tag47.xml><?xml version="1.0" encoding="utf-8"?>
+<file path=ppt/tags/tag64.xml><?xml version="1.0" encoding="utf-8"?>
 <p:tagLst xmlns:a="http://schemas.openxmlformats.org/drawingml/2006/main" xmlns:r="http://schemas.openxmlformats.org/officeDocument/2006/relationships" xmlns:p="http://schemas.openxmlformats.org/presentationml/2006/main">
   <p:tag name="KSO_WM_TAG_VERSION" val="1.0"/>
   <p:tag name="KSO_WM_BEAUTIFY_FLAG" val="#wm#"/>
@@ -48786,7 +52016,7 @@
 </p:tagLst>
 </file>
 
-<file path=ppt/tags/tag48.xml><?xml version="1.0" encoding="utf-8"?>
+<file path=ppt/tags/tag65.xml><?xml version="1.0" encoding="utf-8"?>
 <p:tagLst xmlns:a="http://schemas.openxmlformats.org/drawingml/2006/main" xmlns:r="http://schemas.openxmlformats.org/officeDocument/2006/relationships" xmlns:p="http://schemas.openxmlformats.org/presentationml/2006/main">
   <p:tag name="KSO_WM_TAG_VERSION" val="1.0"/>
   <p:tag name="KSO_WM_BEAUTIFY_FLAG" val="#wm#"/>
@@ -48797,7 +52027,7 @@
 </p:tagLst>
 </file>
 
-<file path=ppt/tags/tag49.xml><?xml version="1.0" encoding="utf-8"?>
+<file path=ppt/tags/tag66.xml><?xml version="1.0" encoding="utf-8"?>
 <p:tagLst xmlns:a="http://schemas.openxmlformats.org/drawingml/2006/main" xmlns:r="http://schemas.openxmlformats.org/officeDocument/2006/relationships" xmlns:p="http://schemas.openxmlformats.org/presentationml/2006/main">
   <p:tag name="KSO_WM_TAG_VERSION" val="1.0"/>
   <p:tag name="KSO_WM_BEAUTIFY_FLAG" val="#wm#"/>
@@ -48808,15 +52038,7 @@
 </p:tagLst>
 </file>
 
-<file path=ppt/tags/tag5.xml><?xml version="1.0" encoding="utf-8"?>
-<p:tagLst xmlns:a="http://schemas.openxmlformats.org/drawingml/2006/main" xmlns:r="http://schemas.openxmlformats.org/officeDocument/2006/relationships" xmlns:p="http://schemas.openxmlformats.org/presentationml/2006/main">
-  <p:tag name="MH" val="20150923171423"/>
-  <p:tag name="MH_LIBRARY" val="GRAPHIC"/>
-  <p:tag name="MH_ORDER" val="Rectangle 23"/>
-</p:tagLst>
-</file>
-
-<file path=ppt/tags/tag50.xml><?xml version="1.0" encoding="utf-8"?>
+<file path=ppt/tags/tag67.xml><?xml version="1.0" encoding="utf-8"?>
 <p:tagLst xmlns:a="http://schemas.openxmlformats.org/drawingml/2006/main" xmlns:r="http://schemas.openxmlformats.org/officeDocument/2006/relationships" xmlns:p="http://schemas.openxmlformats.org/presentationml/2006/main">
   <p:tag name="KSO_WM_TAG_VERSION" val="1.0"/>
   <p:tag name="KSO_WM_BEAUTIFY_FLAG" val="#wm#"/>
@@ -48840,7 +52062,7 @@
 </p:tagLst>
 </file>
 
-<file path=ppt/tags/tag51.xml><?xml version="1.0" encoding="utf-8"?>
+<file path=ppt/tags/tag68.xml><?xml version="1.0" encoding="utf-8"?>
 <p:tagLst xmlns:a="http://schemas.openxmlformats.org/drawingml/2006/main" xmlns:r="http://schemas.openxmlformats.org/officeDocument/2006/relationships" xmlns:p="http://schemas.openxmlformats.org/presentationml/2006/main">
   <p:tag name="KSO_WM_TAG_VERSION" val="1.0"/>
   <p:tag name="KSO_WM_BEAUTIFY_FLAG" val="#wm#"/>
@@ -48864,7 +52086,7 @@
 </p:tagLst>
 </file>
 
-<file path=ppt/tags/tag52.xml><?xml version="1.0" encoding="utf-8"?>
+<file path=ppt/tags/tag69.xml><?xml version="1.0" encoding="utf-8"?>
 <p:tagLst xmlns:a="http://schemas.openxmlformats.org/drawingml/2006/main" xmlns:r="http://schemas.openxmlformats.org/officeDocument/2006/relationships" xmlns:p="http://schemas.openxmlformats.org/presentationml/2006/main">
   <p:tag name="KSO_WM_TAG_VERSION" val="1.0"/>
   <p:tag name="KSO_WM_BEAUTIFY_FLAG" val="#wm#"/>
@@ -48883,7 +52105,15 @@
 </p:tagLst>
 </file>
 
-<file path=ppt/tags/tag53.xml><?xml version="1.0" encoding="utf-8"?>
+<file path=ppt/tags/tag7.xml><?xml version="1.0" encoding="utf-8"?>
+<p:tagLst xmlns:a="http://schemas.openxmlformats.org/drawingml/2006/main" xmlns:r="http://schemas.openxmlformats.org/officeDocument/2006/relationships" xmlns:p="http://schemas.openxmlformats.org/presentationml/2006/main">
+  <p:tag name="MH" val="20150923171423"/>
+  <p:tag name="MH_LIBRARY" val="GRAPHIC"/>
+  <p:tag name="MH_ORDER" val="Rectangle 25"/>
+</p:tagLst>
+</file>
+
+<file path=ppt/tags/tag70.xml><?xml version="1.0" encoding="utf-8"?>
 <p:tagLst xmlns:a="http://schemas.openxmlformats.org/drawingml/2006/main" xmlns:r="http://schemas.openxmlformats.org/officeDocument/2006/relationships" xmlns:p="http://schemas.openxmlformats.org/presentationml/2006/main">
   <p:tag name="KSO_WM_TAG_VERSION" val="1.0"/>
   <p:tag name="KSO_WM_BEAUTIFY_FLAG" val="#wm#"/>
@@ -48898,7 +52128,7 @@
 </p:tagLst>
 </file>
 
-<file path=ppt/tags/tag54.xml><?xml version="1.0" encoding="utf-8"?>
+<file path=ppt/tags/tag71.xml><?xml version="1.0" encoding="utf-8"?>
 <p:tagLst xmlns:a="http://schemas.openxmlformats.org/drawingml/2006/main" xmlns:r="http://schemas.openxmlformats.org/officeDocument/2006/relationships" xmlns:p="http://schemas.openxmlformats.org/presentationml/2006/main">
   <p:tag name="KSO_WM_TAG_VERSION" val="1.0"/>
   <p:tag name="KSO_WM_BEAUTIFY_FLAG" val="#wm#"/>
@@ -48922,7 +52152,7 @@
 </p:tagLst>
 </file>
 
-<file path=ppt/tags/tag55.xml><?xml version="1.0" encoding="utf-8"?>
+<file path=ppt/tags/tag72.xml><?xml version="1.0" encoding="utf-8"?>
 <p:tagLst xmlns:a="http://schemas.openxmlformats.org/drawingml/2006/main" xmlns:r="http://schemas.openxmlformats.org/officeDocument/2006/relationships" xmlns:p="http://schemas.openxmlformats.org/presentationml/2006/main">
   <p:tag name="KSO_WM_TAG_VERSION" val="1.0"/>
   <p:tag name="KSO_WM_BEAUTIFY_FLAG" val="#wm#"/>
@@ -48941,7 +52171,7 @@
 </p:tagLst>
 </file>
 
-<file path=ppt/tags/tag56.xml><?xml version="1.0" encoding="utf-8"?>
+<file path=ppt/tags/tag73.xml><?xml version="1.0" encoding="utf-8"?>
 <p:tagLst xmlns:a="http://schemas.openxmlformats.org/drawingml/2006/main" xmlns:r="http://schemas.openxmlformats.org/officeDocument/2006/relationships" xmlns:p="http://schemas.openxmlformats.org/presentationml/2006/main">
   <p:tag name="KSO_WM_TAG_VERSION" val="1.0"/>
   <p:tag name="KSO_WM_BEAUTIFY_FLAG" val="#wm#"/>
@@ -48960,7 +52190,7 @@
 </p:tagLst>
 </file>
 
-<file path=ppt/tags/tag57.xml><?xml version="1.0" encoding="utf-8"?>
+<file path=ppt/tags/tag74.xml><?xml version="1.0" encoding="utf-8"?>
 <p:tagLst xmlns:a="http://schemas.openxmlformats.org/drawingml/2006/main" xmlns:r="http://schemas.openxmlformats.org/officeDocument/2006/relationships" xmlns:p="http://schemas.openxmlformats.org/presentationml/2006/main">
   <p:tag name="KSO_WM_TAG_VERSION" val="1.0"/>
   <p:tag name="KSO_WM_BEAUTIFY_FLAG" val="#wm#"/>
@@ -48984,7 +52214,7 @@
 </p:tagLst>
 </file>
 
-<file path=ppt/tags/tag58.xml><?xml version="1.0" encoding="utf-8"?>
+<file path=ppt/tags/tag75.xml><?xml version="1.0" encoding="utf-8"?>
 <p:tagLst xmlns:a="http://schemas.openxmlformats.org/drawingml/2006/main" xmlns:r="http://schemas.openxmlformats.org/officeDocument/2006/relationships" xmlns:p="http://schemas.openxmlformats.org/presentationml/2006/main">
   <p:tag name="KSO_WM_TAG_VERSION" val="1.0"/>
   <p:tag name="KSO_WM_BEAUTIFY_FLAG" val="#wm#"/>
@@ -49003,7 +52233,7 @@
 </p:tagLst>
 </file>
 
-<file path=ppt/tags/tag59.xml><?xml version="1.0" encoding="utf-8"?>
+<file path=ppt/tags/tag76.xml><?xml version="1.0" encoding="utf-8"?>
 <p:tagLst xmlns:a="http://schemas.openxmlformats.org/drawingml/2006/main" xmlns:r="http://schemas.openxmlformats.org/officeDocument/2006/relationships" xmlns:p="http://schemas.openxmlformats.org/presentationml/2006/main">
   <p:tag name="KSO_WM_TAG_VERSION" val="1.0"/>
   <p:tag name="KSO_WM_BEAUTIFY_FLAG" val="#wm#"/>
@@ -49022,15 +52252,7 @@
 </p:tagLst>
 </file>
 
-<file path=ppt/tags/tag6.xml><?xml version="1.0" encoding="utf-8"?>
-<p:tagLst xmlns:a="http://schemas.openxmlformats.org/drawingml/2006/main" xmlns:r="http://schemas.openxmlformats.org/officeDocument/2006/relationships" xmlns:p="http://schemas.openxmlformats.org/presentationml/2006/main">
-  <p:tag name="MH" val="20150923171423"/>
-  <p:tag name="MH_LIBRARY" val="GRAPHIC"/>
-  <p:tag name="MH_ORDER" val="Rectangle 24"/>
-</p:tagLst>
-</file>
-
-<file path=ppt/tags/tag60.xml><?xml version="1.0" encoding="utf-8"?>
+<file path=ppt/tags/tag77.xml><?xml version="1.0" encoding="utf-8"?>
 <p:tagLst xmlns:a="http://schemas.openxmlformats.org/drawingml/2006/main" xmlns:r="http://schemas.openxmlformats.org/officeDocument/2006/relationships" xmlns:p="http://schemas.openxmlformats.org/presentationml/2006/main">
   <p:tag name="MH_TYPE" val="#NeiR#"/>
   <p:tag name="MH_NUMBER" val="6"/>
@@ -49054,7 +52276,7 @@
 </p:tagLst>
 </file>
 
-<file path=ppt/tags/tag61.xml><?xml version="1.0" encoding="utf-8"?>
+<file path=ppt/tags/tag78.xml><?xml version="1.0" encoding="utf-8"?>
 <p:tagLst xmlns:a="http://schemas.openxmlformats.org/drawingml/2006/main" xmlns:r="http://schemas.openxmlformats.org/officeDocument/2006/relationships" xmlns:p="http://schemas.openxmlformats.org/presentationml/2006/main">
   <p:tag name="KSO_WM_TAG_VERSION" val="1.0"/>
   <p:tag name="KSO_WM_BEAUTIFY_FLAG" val="#wm#"/>
@@ -49065,7 +52287,7 @@
 </p:tagLst>
 </file>
 
-<file path=ppt/tags/tag62.xml><?xml version="1.0" encoding="utf-8"?>
+<file path=ppt/tags/tag79.xml><?xml version="1.0" encoding="utf-8"?>
 <p:tagLst xmlns:a="http://schemas.openxmlformats.org/drawingml/2006/main" xmlns:r="http://schemas.openxmlformats.org/officeDocument/2006/relationships" xmlns:p="http://schemas.openxmlformats.org/presentationml/2006/main">
   <p:tag name="KSO_WM_TAG_VERSION" val="1.0"/>
   <p:tag name="KSO_WM_BEAUTIFY_FLAG" val="#wm#"/>
@@ -49076,7 +52298,15 @@
 </p:tagLst>
 </file>
 
-<file path=ppt/tags/tag63.xml><?xml version="1.0" encoding="utf-8"?>
+<file path=ppt/tags/tag8.xml><?xml version="1.0" encoding="utf-8"?>
+<p:tagLst xmlns:a="http://schemas.openxmlformats.org/drawingml/2006/main" xmlns:r="http://schemas.openxmlformats.org/officeDocument/2006/relationships" xmlns:p="http://schemas.openxmlformats.org/presentationml/2006/main">
+  <p:tag name="MH" val="20150923171423"/>
+  <p:tag name="MH_LIBRARY" val="GRAPHIC"/>
+  <p:tag name="MH_ORDER" val="Rectangle 26"/>
+</p:tagLst>
+</file>
+
+<file path=ppt/tags/tag80.xml><?xml version="1.0" encoding="utf-8"?>
 <p:tagLst xmlns:a="http://schemas.openxmlformats.org/drawingml/2006/main" xmlns:r="http://schemas.openxmlformats.org/officeDocument/2006/relationships" xmlns:p="http://schemas.openxmlformats.org/presentationml/2006/main">
   <p:tag name="KSO_WM_TAG_VERSION" val="1.0"/>
   <p:tag name="KSO_WM_BEAUTIFY_FLAG" val="#wm#"/>
@@ -49087,7 +52317,7 @@
 </p:tagLst>
 </file>
 
-<file path=ppt/tags/tag64.xml><?xml version="1.0" encoding="utf-8"?>
+<file path=ppt/tags/tag81.xml><?xml version="1.0" encoding="utf-8"?>
 <p:tagLst xmlns:a="http://schemas.openxmlformats.org/drawingml/2006/main" xmlns:r="http://schemas.openxmlformats.org/officeDocument/2006/relationships" xmlns:p="http://schemas.openxmlformats.org/presentationml/2006/main">
   <p:tag name="KSO_WM_TAG_VERSION" val="1.0"/>
   <p:tag name="KSO_WM_BEAUTIFY_FLAG" val="#wm#"/>
@@ -49098,7 +52328,7 @@
 </p:tagLst>
 </file>
 
-<file path=ppt/tags/tag65.xml><?xml version="1.0" encoding="utf-8"?>
+<file path=ppt/tags/tag82.xml><?xml version="1.0" encoding="utf-8"?>
 <p:tagLst xmlns:a="http://schemas.openxmlformats.org/drawingml/2006/main" xmlns:r="http://schemas.openxmlformats.org/officeDocument/2006/relationships" xmlns:p="http://schemas.openxmlformats.org/presentationml/2006/main">
   <p:tag name="KSO_WM_TAG_VERSION" val="1.0"/>
   <p:tag name="KSO_WM_BEAUTIFY_FLAG" val="#wm#"/>
@@ -49122,7 +52352,7 @@
 </p:tagLst>
 </file>
 
-<file path=ppt/tags/tag66.xml><?xml version="1.0" encoding="utf-8"?>
+<file path=ppt/tags/tag83.xml><?xml version="1.0" encoding="utf-8"?>
 <p:tagLst xmlns:a="http://schemas.openxmlformats.org/drawingml/2006/main" xmlns:r="http://schemas.openxmlformats.org/officeDocument/2006/relationships" xmlns:p="http://schemas.openxmlformats.org/presentationml/2006/main">
   <p:tag name="KSO_WM_TAG_VERSION" val="1.0"/>
   <p:tag name="KSO_WM_BEAUTIFY_FLAG" val="#wm#"/>
@@ -49146,7 +52376,7 @@
 </p:tagLst>
 </file>
 
-<file path=ppt/tags/tag67.xml><?xml version="1.0" encoding="utf-8"?>
+<file path=ppt/tags/tag84.xml><?xml version="1.0" encoding="utf-8"?>
 <p:tagLst xmlns:a="http://schemas.openxmlformats.org/drawingml/2006/main" xmlns:r="http://schemas.openxmlformats.org/officeDocument/2006/relationships" xmlns:p="http://schemas.openxmlformats.org/presentationml/2006/main">
   <p:tag name="KSO_WM_TAG_VERSION" val="1.0"/>
   <p:tag name="KSO_WM_BEAUTIFY_FLAG" val="#wm#"/>
@@ -49165,7 +52395,7 @@
 </p:tagLst>
 </file>
 
-<file path=ppt/tags/tag68.xml><?xml version="1.0" encoding="utf-8"?>
+<file path=ppt/tags/tag85.xml><?xml version="1.0" encoding="utf-8"?>
 <p:tagLst xmlns:a="http://schemas.openxmlformats.org/drawingml/2006/main" xmlns:r="http://schemas.openxmlformats.org/officeDocument/2006/relationships" xmlns:p="http://schemas.openxmlformats.org/presentationml/2006/main">
   <p:tag name="KSO_WM_TAG_VERSION" val="1.0"/>
   <p:tag name="KSO_WM_BEAUTIFY_FLAG" val="#wm#"/>
@@ -49180,7 +52410,7 @@
 </p:tagLst>
 </file>
 
-<file path=ppt/tags/tag69.xml><?xml version="1.0" encoding="utf-8"?>
+<file path=ppt/tags/tag86.xml><?xml version="1.0" encoding="utf-8"?>
 <p:tagLst xmlns:a="http://schemas.openxmlformats.org/drawingml/2006/main" xmlns:r="http://schemas.openxmlformats.org/officeDocument/2006/relationships" xmlns:p="http://schemas.openxmlformats.org/presentationml/2006/main">
   <p:tag name="KSO_WM_TAG_VERSION" val="1.0"/>
   <p:tag name="KSO_WM_BEAUTIFY_FLAG" val="#wm#"/>
@@ -49204,15 +52434,7 @@
 </p:tagLst>
 </file>
 
-<file path=ppt/tags/tag7.xml><?xml version="1.0" encoding="utf-8"?>
-<p:tagLst xmlns:a="http://schemas.openxmlformats.org/drawingml/2006/main" xmlns:r="http://schemas.openxmlformats.org/officeDocument/2006/relationships" xmlns:p="http://schemas.openxmlformats.org/presentationml/2006/main">
-  <p:tag name="MH" val="20150923171423"/>
-  <p:tag name="MH_LIBRARY" val="GRAPHIC"/>
-  <p:tag name="MH_ORDER" val="Rectangle 25"/>
-</p:tagLst>
-</file>
-
-<file path=ppt/tags/tag70.xml><?xml version="1.0" encoding="utf-8"?>
+<file path=ppt/tags/tag87.xml><?xml version="1.0" encoding="utf-8"?>
 <p:tagLst xmlns:a="http://schemas.openxmlformats.org/drawingml/2006/main" xmlns:r="http://schemas.openxmlformats.org/officeDocument/2006/relationships" xmlns:p="http://schemas.openxmlformats.org/presentationml/2006/main">
   <p:tag name="KSO_WM_TAG_VERSION" val="1.0"/>
   <p:tag name="KSO_WM_BEAUTIFY_FLAG" val="#wm#"/>
@@ -49231,7 +52453,7 @@
 </p:tagLst>
 </file>
 
-<file path=ppt/tags/tag71.xml><?xml version="1.0" encoding="utf-8"?>
+<file path=ppt/tags/tag88.xml><?xml version="1.0" encoding="utf-8"?>
 <p:tagLst xmlns:a="http://schemas.openxmlformats.org/drawingml/2006/main" xmlns:r="http://schemas.openxmlformats.org/officeDocument/2006/relationships" xmlns:p="http://schemas.openxmlformats.org/presentationml/2006/main">
   <p:tag name="KSO_WM_TAG_VERSION" val="1.0"/>
   <p:tag name="KSO_WM_BEAUTIFY_FLAG" val="#wm#"/>
@@ -49246,7 +52468,7 @@
 </p:tagLst>
 </file>
 
-<file path=ppt/tags/tag72.xml><?xml version="1.0" encoding="utf-8"?>
+<file path=ppt/tags/tag89.xml><?xml version="1.0" encoding="utf-8"?>
 <p:tagLst xmlns:a="http://schemas.openxmlformats.org/drawingml/2006/main" xmlns:r="http://schemas.openxmlformats.org/officeDocument/2006/relationships" xmlns:p="http://schemas.openxmlformats.org/presentationml/2006/main">
   <p:tag name="KSO_WM_TAG_VERSION" val="1.0"/>
   <p:tag name="KSO_WM_BEAUTIFY_FLAG" val="#wm#"/>
@@ -49270,7 +52492,15 @@
 </p:tagLst>
 </file>
 
-<file path=ppt/tags/tag73.xml><?xml version="1.0" encoding="utf-8"?>
+<file path=ppt/tags/tag9.xml><?xml version="1.0" encoding="utf-8"?>
+<p:tagLst xmlns:a="http://schemas.openxmlformats.org/drawingml/2006/main" xmlns:r="http://schemas.openxmlformats.org/officeDocument/2006/relationships" xmlns:p="http://schemas.openxmlformats.org/presentationml/2006/main">
+  <p:tag name="MH" val="20150923171423"/>
+  <p:tag name="MH_LIBRARY" val="GRAPHIC"/>
+  <p:tag name="MH_ORDER" val="Rectangle 27"/>
+</p:tagLst>
+</file>
+
+<file path=ppt/tags/tag90.xml><?xml version="1.0" encoding="utf-8"?>
 <p:tagLst xmlns:a="http://schemas.openxmlformats.org/drawingml/2006/main" xmlns:r="http://schemas.openxmlformats.org/officeDocument/2006/relationships" xmlns:p="http://schemas.openxmlformats.org/presentationml/2006/main">
   <p:tag name="KSO_WM_TAG_VERSION" val="1.0"/>
   <p:tag name="KSO_WM_BEAUTIFY_FLAG" val="#wm#"/>
@@ -49289,7 +52519,7 @@
 </p:tagLst>
 </file>
 
-<file path=ppt/tags/tag74.xml><?xml version="1.0" encoding="utf-8"?>
+<file path=ppt/tags/tag91.xml><?xml version="1.0" encoding="utf-8"?>
 <p:tagLst xmlns:a="http://schemas.openxmlformats.org/drawingml/2006/main" xmlns:r="http://schemas.openxmlformats.org/officeDocument/2006/relationships" xmlns:p="http://schemas.openxmlformats.org/presentationml/2006/main">
   <p:tag name="KSO_WM_TAG_VERSION" val="1.0"/>
   <p:tag name="KSO_WM_BEAUTIFY_FLAG" val="#wm#"/>
@@ -49308,7 +52538,7 @@
 </p:tagLst>
 </file>
 
-<file path=ppt/tags/tag75.xml><?xml version="1.0" encoding="utf-8"?>
+<file path=ppt/tags/tag92.xml><?xml version="1.0" encoding="utf-8"?>
 <p:tagLst xmlns:a="http://schemas.openxmlformats.org/drawingml/2006/main" xmlns:r="http://schemas.openxmlformats.org/officeDocument/2006/relationships" xmlns:p="http://schemas.openxmlformats.org/presentationml/2006/main">
   <p:tag name="KSO_WM_TAG_VERSION" val="1.0"/>
   <p:tag name="KSO_WM_BEAUTIFY_FLAG" val="#wm#"/>
@@ -49332,7 +52562,7 @@
 </p:tagLst>
 </file>
 
-<file path=ppt/tags/tag76.xml><?xml version="1.0" encoding="utf-8"?>
+<file path=ppt/tags/tag93.xml><?xml version="1.0" encoding="utf-8"?>
 <p:tagLst xmlns:a="http://schemas.openxmlformats.org/drawingml/2006/main" xmlns:r="http://schemas.openxmlformats.org/officeDocument/2006/relationships" xmlns:p="http://schemas.openxmlformats.org/presentationml/2006/main">
   <p:tag name="KSO_WM_TAG_VERSION" val="1.0"/>
   <p:tag name="KSO_WM_BEAUTIFY_FLAG" val="#wm#"/>
@@ -49351,7 +52581,7 @@
 </p:tagLst>
 </file>
 
-<file path=ppt/tags/tag77.xml><?xml version="1.0" encoding="utf-8"?>
+<file path=ppt/tags/tag94.xml><?xml version="1.0" encoding="utf-8"?>
 <p:tagLst xmlns:a="http://schemas.openxmlformats.org/drawingml/2006/main" xmlns:r="http://schemas.openxmlformats.org/officeDocument/2006/relationships" xmlns:p="http://schemas.openxmlformats.org/presentationml/2006/main">
   <p:tag name="KSO_WM_TAG_VERSION" val="1.0"/>
   <p:tag name="KSO_WM_BEAUTIFY_FLAG" val="#wm#"/>
@@ -49370,7 +52600,7 @@
 </p:tagLst>
 </file>
 
-<file path=ppt/tags/tag78.xml><?xml version="1.0" encoding="utf-8"?>
+<file path=ppt/tags/tag95.xml><?xml version="1.0" encoding="utf-8"?>
 <p:tagLst xmlns:a="http://schemas.openxmlformats.org/drawingml/2006/main" xmlns:r="http://schemas.openxmlformats.org/officeDocument/2006/relationships" xmlns:p="http://schemas.openxmlformats.org/presentationml/2006/main">
   <p:tag name="MH_TYPE" val="#NeiR#"/>
   <p:tag name="MH_NUMBER" val="6"/>
@@ -49394,7 +52624,7 @@
 </p:tagLst>
 </file>
 
-<file path=ppt/tags/tag79.xml><?xml version="1.0" encoding="utf-8"?>
+<file path=ppt/tags/tag96.xml><?xml version="1.0" encoding="utf-8"?>
 <p:tagLst xmlns:a="http://schemas.openxmlformats.org/drawingml/2006/main" xmlns:r="http://schemas.openxmlformats.org/officeDocument/2006/relationships" xmlns:p="http://schemas.openxmlformats.org/presentationml/2006/main">
   <p:tag name="KSO_WM_TAG_VERSION" val="1.0"/>
   <p:tag name="KSO_WM_BEAUTIFY_FLAG" val="#wm#"/>
@@ -49405,15 +52635,7 @@
 </p:tagLst>
 </file>
 
-<file path=ppt/tags/tag8.xml><?xml version="1.0" encoding="utf-8"?>
-<p:tagLst xmlns:a="http://schemas.openxmlformats.org/drawingml/2006/main" xmlns:r="http://schemas.openxmlformats.org/officeDocument/2006/relationships" xmlns:p="http://schemas.openxmlformats.org/presentationml/2006/main">
-  <p:tag name="MH" val="20150923171423"/>
-  <p:tag name="MH_LIBRARY" val="GRAPHIC"/>
-  <p:tag name="MH_ORDER" val="Rectangle 26"/>
-</p:tagLst>
-</file>
-
-<file path=ppt/tags/tag80.xml><?xml version="1.0" encoding="utf-8"?>
+<file path=ppt/tags/tag97.xml><?xml version="1.0" encoding="utf-8"?>
 <p:tagLst xmlns:a="http://schemas.openxmlformats.org/drawingml/2006/main" xmlns:r="http://schemas.openxmlformats.org/officeDocument/2006/relationships" xmlns:p="http://schemas.openxmlformats.org/presentationml/2006/main">
   <p:tag name="KSO_WM_TAG_VERSION" val="1.0"/>
   <p:tag name="KSO_WM_BEAUTIFY_FLAG" val="#wm#"/>
@@ -49424,7 +52646,7 @@
 </p:tagLst>
 </file>
 
-<file path=ppt/tags/tag81.xml><?xml version="1.0" encoding="utf-8"?>
+<file path=ppt/tags/tag98.xml><?xml version="1.0" encoding="utf-8"?>
 <p:tagLst xmlns:a="http://schemas.openxmlformats.org/drawingml/2006/main" xmlns:r="http://schemas.openxmlformats.org/officeDocument/2006/relationships" xmlns:p="http://schemas.openxmlformats.org/presentationml/2006/main">
   <p:tag name="KSO_WM_TAG_VERSION" val="1.0"/>
   <p:tag name="KSO_WM_BEAUTIFY_FLAG" val="#wm#"/>
@@ -49435,7 +52657,7 @@
 </p:tagLst>
 </file>
 
-<file path=ppt/tags/tag82.xml><?xml version="1.0" encoding="utf-8"?>
+<file path=ppt/tags/tag99.xml><?xml version="1.0" encoding="utf-8"?>
 <p:tagLst xmlns:a="http://schemas.openxmlformats.org/drawingml/2006/main" xmlns:r="http://schemas.openxmlformats.org/officeDocument/2006/relationships" xmlns:p="http://schemas.openxmlformats.org/presentationml/2006/main">
   <p:tag name="KSO_WM_TAG_VERSION" val="1.0"/>
   <p:tag name="KSO_WM_BEAUTIFY_FLAG" val="#wm#"/>
@@ -49443,359 +52665,6 @@
   <p:tag name="KSO_WM_UNIT_ID" val="custom160106_17*i*21"/>
   <p:tag name="KSO_WM_TEMPLATE_CATEGORY" val="custom"/>
   <p:tag name="KSO_WM_TEMPLATE_INDEX" val="160106"/>
-</p:tagLst>
-</file>
-
-<file path=ppt/tags/tag83.xml><?xml version="1.0" encoding="utf-8"?>
-<p:tagLst xmlns:a="http://schemas.openxmlformats.org/drawingml/2006/main" xmlns:r="http://schemas.openxmlformats.org/officeDocument/2006/relationships" xmlns:p="http://schemas.openxmlformats.org/presentationml/2006/main">
-  <p:tag name="KSO_WM_TAG_VERSION" val="1.0"/>
-  <p:tag name="KSO_WM_BEAUTIFY_FLAG" val="#wm#"/>
-  <p:tag name="KSO_WM_UNIT_TYPE" val="i"/>
-  <p:tag name="KSO_WM_UNIT_ID" val="custom160106_17*i*28"/>
-  <p:tag name="KSO_WM_TEMPLATE_CATEGORY" val="custom"/>
-  <p:tag name="KSO_WM_TEMPLATE_INDEX" val="160106"/>
-</p:tagLst>
-</file>
-
-<file path=ppt/tags/tag84.xml><?xml version="1.0" encoding="utf-8"?>
-<p:tagLst xmlns:a="http://schemas.openxmlformats.org/drawingml/2006/main" xmlns:r="http://schemas.openxmlformats.org/officeDocument/2006/relationships" xmlns:p="http://schemas.openxmlformats.org/presentationml/2006/main">
-  <p:tag name="KSO_WM_TAG_VERSION" val="1.0"/>
-  <p:tag name="KSO_WM_BEAUTIFY_FLAG" val="#wm#"/>
-  <p:tag name="KSO_WM_TEMPLATE_CATEGORY" val="custom"/>
-  <p:tag name="KSO_WM_TEMPLATE_INDEX" val="160106"/>
-  <p:tag name="MH" val="20150923164903"/>
-  <p:tag name="MH_LIBRARY" val="GRAPHIC"/>
-  <p:tag name="MH_TYPE" val="PageTitle"/>
-  <p:tag name="MH_ORDER" val="PageTitle"/>
-  <p:tag name="KSO_WM_UNIT_TYPE" val="a"/>
-  <p:tag name="KSO_WM_UNIT_INDEX" val="1"/>
-  <p:tag name="KSO_WM_UNIT_ID" val="custom160106_17*a*1"/>
-  <p:tag name="KSO_WM_UNIT_CLEAR" val="1"/>
-  <p:tag name="KSO_WM_UNIT_LAYERLEVEL" val="1"/>
-  <p:tag name="KSO_WM_UNIT_VALUE" val="29"/>
-  <p:tag name="KSO_WM_UNIT_ISCONTENTSTITLE" val="0"/>
-  <p:tag name="KSO_WM_UNIT_HIGHLIGHT" val="0"/>
-  <p:tag name="KSO_WM_UNIT_COMPATIBLE" val="0"/>
-  <p:tag name="KSO_WM_UNIT_PRESET_TEXT_INDEX" val="3"/>
-  <p:tag name="KSO_WM_UNIT_PRESET_TEXT_LEN" val="17"/>
-</p:tagLst>
-</file>
-
-<file path=ppt/tags/tag85.xml><?xml version="1.0" encoding="utf-8"?>
-<p:tagLst xmlns:a="http://schemas.openxmlformats.org/drawingml/2006/main" xmlns:r="http://schemas.openxmlformats.org/officeDocument/2006/relationships" xmlns:p="http://schemas.openxmlformats.org/presentationml/2006/main">
-  <p:tag name="KSO_WM_TAG_VERSION" val="1.0"/>
-  <p:tag name="KSO_WM_BEAUTIFY_FLAG" val="#wm#"/>
-  <p:tag name="KSO_WM_TEMPLATE_CATEGORY" val="custom"/>
-  <p:tag name="KSO_WM_TEMPLATE_INDEX" val="160106"/>
-  <p:tag name="MH" val="20150923164903"/>
-  <p:tag name="MH_LIBRARY" val="GRAPHIC"/>
-  <p:tag name="MH_TYPE" val="Other"/>
-  <p:tag name="MH_ORDER" val="6"/>
-  <p:tag name="KSO_WM_UNIT_TYPE" val="l_i"/>
-  <p:tag name="KSO_WM_UNIT_INDEX" val="1_9"/>
-  <p:tag name="KSO_WM_UNIT_ID" val="custom160106_17*l_i*1_9"/>
-  <p:tag name="KSO_WM_UNIT_CLEAR" val="1"/>
-  <p:tag name="KSO_WM_UNIT_LAYERLEVEL" val="1_1"/>
-  <p:tag name="KSO_WM_DIAGRAM_GROUP_CODE" val="l1-2"/>
-</p:tagLst>
-</file>
-
-<file path=ppt/tags/tag86.xml><?xml version="1.0" encoding="utf-8"?>
-<p:tagLst xmlns:a="http://schemas.openxmlformats.org/drawingml/2006/main" xmlns:r="http://schemas.openxmlformats.org/officeDocument/2006/relationships" xmlns:p="http://schemas.openxmlformats.org/presentationml/2006/main">
-  <p:tag name="KSO_WM_TAG_VERSION" val="1.0"/>
-  <p:tag name="KSO_WM_BEAUTIFY_FLAG" val="#wm#"/>
-  <p:tag name="KSO_WM_TEMPLATE_CATEGORY" val="custom"/>
-  <p:tag name="KSO_WM_TEMPLATE_INDEX" val="160106"/>
-  <p:tag name="MH" val="20150923164903"/>
-  <p:tag name="MH_LIBRARY" val="GRAPHIC"/>
-  <p:tag name="MH_TYPE" val="Other"/>
-  <p:tag name="MH_ORDER" val="7"/>
-  <p:tag name="KSO_WM_UNIT_TYPE" val="l_i"/>
-  <p:tag name="KSO_WM_UNIT_INDEX" val="1_10"/>
-  <p:tag name="KSO_WM_UNIT_ID" val="custom160106_17*l_i*1_10"/>
-  <p:tag name="KSO_WM_UNIT_CLEAR" val="1"/>
-  <p:tag name="KSO_WM_UNIT_LAYERLEVEL" val="1_1"/>
-  <p:tag name="KSO_WM_DIAGRAM_GROUP_CODE" val="l1-2"/>
-</p:tagLst>
-</file>
-
-<file path=ppt/tags/tag87.xml><?xml version="1.0" encoding="utf-8"?>
-<p:tagLst xmlns:a="http://schemas.openxmlformats.org/drawingml/2006/main" xmlns:r="http://schemas.openxmlformats.org/officeDocument/2006/relationships" xmlns:p="http://schemas.openxmlformats.org/presentationml/2006/main">
-  <p:tag name="KSO_WM_TAG_VERSION" val="1.0"/>
-  <p:tag name="KSO_WM_BEAUTIFY_FLAG" val="#wm#"/>
-  <p:tag name="KSO_WM_TEMPLATE_CATEGORY" val="custom"/>
-  <p:tag name="KSO_WM_TEMPLATE_INDEX" val="160106"/>
-  <p:tag name="MH" val="20150923164903"/>
-  <p:tag name="MH_LIBRARY" val="GRAPHIC"/>
-  <p:tag name="MH_TYPE" val="SubTitle"/>
-  <p:tag name="MH_ORDER" val="5"/>
-  <p:tag name="KSO_WM_UNIT_TYPE" val="l_h_f"/>
-  <p:tag name="KSO_WM_UNIT_INDEX" val="1_5_1"/>
-  <p:tag name="KSO_WM_UNIT_ID" val="custom160106_17*l_h_f*1_5_1"/>
-  <p:tag name="KSO_WM_UNIT_CLEAR" val="1"/>
-  <p:tag name="KSO_WM_UNIT_LAYERLEVEL" val="1_1_1"/>
-  <p:tag name="KSO_WM_UNIT_VALUE" val="44"/>
-  <p:tag name="KSO_WM_UNIT_HIGHLIGHT" val="0"/>
-  <p:tag name="KSO_WM_UNIT_COMPATIBLE" val="0"/>
-  <p:tag name="KSO_WM_UNIT_PRESET_TEXT_INDEX" val="3"/>
-  <p:tag name="KSO_WM_UNIT_PRESET_TEXT_LEN" val="24"/>
-  <p:tag name="KSO_WM_DIAGRAM_GROUP_CODE" val="l1-2"/>
-</p:tagLst>
-</file>
-
-<file path=ppt/tags/tag88.xml><?xml version="1.0" encoding="utf-8"?>
-<p:tagLst xmlns:a="http://schemas.openxmlformats.org/drawingml/2006/main" xmlns:r="http://schemas.openxmlformats.org/officeDocument/2006/relationships" xmlns:p="http://schemas.openxmlformats.org/presentationml/2006/main">
-  <p:tag name="KSO_WM_TAG_VERSION" val="1.0"/>
-  <p:tag name="KSO_WM_BEAUTIFY_FLAG" val="#wm#"/>
-  <p:tag name="KSO_WM_TEMPLATE_CATEGORY" val="custom"/>
-  <p:tag name="KSO_WM_TEMPLATE_INDEX" val="160106"/>
-  <p:tag name="MH" val="20150923164903"/>
-  <p:tag name="MH_LIBRARY" val="GRAPHIC"/>
-  <p:tag name="MH_TYPE" val="Other"/>
-  <p:tag name="MH_ORDER" val="4"/>
-  <p:tag name="KSO_WM_UNIT_TYPE" val="l_i"/>
-  <p:tag name="KSO_WM_UNIT_INDEX" val="1_7"/>
-  <p:tag name="KSO_WM_UNIT_ID" val="custom160106_17*l_i*1_7"/>
-  <p:tag name="KSO_WM_UNIT_CLEAR" val="1"/>
-  <p:tag name="KSO_WM_UNIT_LAYERLEVEL" val="1_1"/>
-  <p:tag name="KSO_WM_DIAGRAM_GROUP_CODE" val="l1-2"/>
-</p:tagLst>
-</file>
-
-<file path=ppt/tags/tag89.xml><?xml version="1.0" encoding="utf-8"?>
-<p:tagLst xmlns:a="http://schemas.openxmlformats.org/drawingml/2006/main" xmlns:r="http://schemas.openxmlformats.org/officeDocument/2006/relationships" xmlns:p="http://schemas.openxmlformats.org/presentationml/2006/main">
-  <p:tag name="KSO_WM_TAG_VERSION" val="1.0"/>
-  <p:tag name="KSO_WM_BEAUTIFY_FLAG" val="#wm#"/>
-  <p:tag name="KSO_WM_TEMPLATE_CATEGORY" val="custom"/>
-  <p:tag name="KSO_WM_TEMPLATE_INDEX" val="160106"/>
-  <p:tag name="MH" val="20150923164903"/>
-  <p:tag name="MH_LIBRARY" val="GRAPHIC"/>
-  <p:tag name="MH_TYPE" val="Other"/>
-  <p:tag name="MH_ORDER" val="5"/>
-  <p:tag name="KSO_WM_UNIT_TYPE" val="l_i"/>
-  <p:tag name="KSO_WM_UNIT_INDEX" val="1_8"/>
-  <p:tag name="KSO_WM_UNIT_ID" val="custom160106_17*l_i*1_8"/>
-  <p:tag name="KSO_WM_UNIT_CLEAR" val="1"/>
-  <p:tag name="KSO_WM_UNIT_LAYERLEVEL" val="1_1"/>
-  <p:tag name="KSO_WM_DIAGRAM_GROUP_CODE" val="l1-2"/>
-</p:tagLst>
-</file>
-
-<file path=ppt/tags/tag9.xml><?xml version="1.0" encoding="utf-8"?>
-<p:tagLst xmlns:a="http://schemas.openxmlformats.org/drawingml/2006/main" xmlns:r="http://schemas.openxmlformats.org/officeDocument/2006/relationships" xmlns:p="http://schemas.openxmlformats.org/presentationml/2006/main">
-  <p:tag name="MH" val="20150923171423"/>
-  <p:tag name="MH_LIBRARY" val="GRAPHIC"/>
-  <p:tag name="MH_ORDER" val="Rectangle 27"/>
-</p:tagLst>
-</file>
-
-<file path=ppt/tags/tag90.xml><?xml version="1.0" encoding="utf-8"?>
-<p:tagLst xmlns:a="http://schemas.openxmlformats.org/drawingml/2006/main" xmlns:r="http://schemas.openxmlformats.org/officeDocument/2006/relationships" xmlns:p="http://schemas.openxmlformats.org/presentationml/2006/main">
-  <p:tag name="KSO_WM_TAG_VERSION" val="1.0"/>
-  <p:tag name="KSO_WM_BEAUTIFY_FLAG" val="#wm#"/>
-  <p:tag name="KSO_WM_TEMPLATE_CATEGORY" val="custom"/>
-  <p:tag name="KSO_WM_TEMPLATE_INDEX" val="160106"/>
-  <p:tag name="MH" val="20150923164903"/>
-  <p:tag name="MH_LIBRARY" val="GRAPHIC"/>
-  <p:tag name="MH_TYPE" val="SubTitle"/>
-  <p:tag name="MH_ORDER" val="4"/>
-  <p:tag name="KSO_WM_UNIT_TYPE" val="l_h_f"/>
-  <p:tag name="KSO_WM_UNIT_INDEX" val="1_4_1"/>
-  <p:tag name="KSO_WM_UNIT_ID" val="custom160106_17*l_h_f*1_4_1"/>
-  <p:tag name="KSO_WM_UNIT_CLEAR" val="1"/>
-  <p:tag name="KSO_WM_UNIT_LAYERLEVEL" val="1_1_1"/>
-  <p:tag name="KSO_WM_UNIT_VALUE" val="44"/>
-  <p:tag name="KSO_WM_UNIT_HIGHLIGHT" val="0"/>
-  <p:tag name="KSO_WM_UNIT_COMPATIBLE" val="0"/>
-  <p:tag name="KSO_WM_UNIT_PRESET_TEXT_INDEX" val="3"/>
-  <p:tag name="KSO_WM_UNIT_PRESET_TEXT_LEN" val="24"/>
-  <p:tag name="KSO_WM_DIAGRAM_GROUP_CODE" val="l1-2"/>
-</p:tagLst>
-</file>
-
-<file path=ppt/tags/tag91.xml><?xml version="1.0" encoding="utf-8"?>
-<p:tagLst xmlns:a="http://schemas.openxmlformats.org/drawingml/2006/main" xmlns:r="http://schemas.openxmlformats.org/officeDocument/2006/relationships" xmlns:p="http://schemas.openxmlformats.org/presentationml/2006/main">
-  <p:tag name="KSO_WM_TAG_VERSION" val="1.0"/>
-  <p:tag name="KSO_WM_BEAUTIFY_FLAG" val="#wm#"/>
-  <p:tag name="KSO_WM_TEMPLATE_CATEGORY" val="custom"/>
-  <p:tag name="KSO_WM_TEMPLATE_INDEX" val="160106"/>
-  <p:tag name="MH" val="20150923164903"/>
-  <p:tag name="MH_LIBRARY" val="GRAPHIC"/>
-  <p:tag name="MH_TYPE" val="SubTitle"/>
-  <p:tag name="MH_ORDER" val="3"/>
-  <p:tag name="KSO_WM_UNIT_TYPE" val="l_h_f"/>
-  <p:tag name="KSO_WM_UNIT_INDEX" val="1_3_1"/>
-  <p:tag name="KSO_WM_UNIT_ID" val="custom160106_17*l_h_f*1_3_1"/>
-  <p:tag name="KSO_WM_UNIT_CLEAR" val="1"/>
-  <p:tag name="KSO_WM_UNIT_LAYERLEVEL" val="1_1_1"/>
-  <p:tag name="KSO_WM_UNIT_VALUE" val="44"/>
-  <p:tag name="KSO_WM_UNIT_HIGHLIGHT" val="0"/>
-  <p:tag name="KSO_WM_UNIT_COMPATIBLE" val="0"/>
-  <p:tag name="KSO_WM_UNIT_PRESET_TEXT_INDEX" val="3"/>
-  <p:tag name="KSO_WM_UNIT_PRESET_TEXT_LEN" val="24"/>
-  <p:tag name="KSO_WM_DIAGRAM_GROUP_CODE" val="l1-2"/>
-</p:tagLst>
-</file>
-
-<file path=ppt/tags/tag92.xml><?xml version="1.0" encoding="utf-8"?>
-<p:tagLst xmlns:a="http://schemas.openxmlformats.org/drawingml/2006/main" xmlns:r="http://schemas.openxmlformats.org/officeDocument/2006/relationships" xmlns:p="http://schemas.openxmlformats.org/presentationml/2006/main">
-  <p:tag name="KSO_WM_TAG_VERSION" val="1.0"/>
-  <p:tag name="KSO_WM_BEAUTIFY_FLAG" val="#wm#"/>
-  <p:tag name="KSO_WM_TEMPLATE_CATEGORY" val="custom"/>
-  <p:tag name="KSO_WM_TEMPLATE_INDEX" val="160106"/>
-  <p:tag name="MH" val="20150923164903"/>
-  <p:tag name="MH_LIBRARY" val="GRAPHIC"/>
-  <p:tag name="MH_TYPE" val="Other"/>
-  <p:tag name="MH_ORDER" val="14"/>
-  <p:tag name="KSO_WM_UNIT_TYPE" val="l_i"/>
-  <p:tag name="KSO_WM_UNIT_INDEX" val="1_5"/>
-  <p:tag name="KSO_WM_UNIT_ID" val="custom160106_17*l_i*1_5"/>
-  <p:tag name="KSO_WM_UNIT_CLEAR" val="1"/>
-  <p:tag name="KSO_WM_UNIT_LAYERLEVEL" val="1_1"/>
-  <p:tag name="KSO_WM_DIAGRAM_GROUP_CODE" val="l1-2"/>
-</p:tagLst>
-</file>
-
-<file path=ppt/tags/tag93.xml><?xml version="1.0" encoding="utf-8"?>
-<p:tagLst xmlns:a="http://schemas.openxmlformats.org/drawingml/2006/main" xmlns:r="http://schemas.openxmlformats.org/officeDocument/2006/relationships" xmlns:p="http://schemas.openxmlformats.org/presentationml/2006/main">
-  <p:tag name="KSO_WM_TAG_VERSION" val="1.0"/>
-  <p:tag name="KSO_WM_BEAUTIFY_FLAG" val="#wm#"/>
-  <p:tag name="KSO_WM_TEMPLATE_CATEGORY" val="custom"/>
-  <p:tag name="KSO_WM_TEMPLATE_INDEX" val="160106"/>
-  <p:tag name="MH" val="20150923164903"/>
-  <p:tag name="MH_LIBRARY" val="GRAPHIC"/>
-  <p:tag name="MH_TYPE" val="Other"/>
-  <p:tag name="MH_ORDER" val="15"/>
-  <p:tag name="KSO_WM_UNIT_TYPE" val="l_i"/>
-  <p:tag name="KSO_WM_UNIT_INDEX" val="1_6"/>
-  <p:tag name="KSO_WM_UNIT_ID" val="custom160106_17*l_i*1_6"/>
-  <p:tag name="KSO_WM_UNIT_CLEAR" val="1"/>
-  <p:tag name="KSO_WM_UNIT_LAYERLEVEL" val="1_1"/>
-  <p:tag name="KSO_WM_DIAGRAM_GROUP_CODE" val="l1-2"/>
-</p:tagLst>
-</file>
-
-<file path=ppt/tags/tag94.xml><?xml version="1.0" encoding="utf-8"?>
-<p:tagLst xmlns:a="http://schemas.openxmlformats.org/drawingml/2006/main" xmlns:r="http://schemas.openxmlformats.org/officeDocument/2006/relationships" xmlns:p="http://schemas.openxmlformats.org/presentationml/2006/main">
-  <p:tag name="KSO_WM_TAG_VERSION" val="1.0"/>
-  <p:tag name="KSO_WM_BEAUTIFY_FLAG" val="#wm#"/>
-  <p:tag name="KSO_WM_TEMPLATE_CATEGORY" val="custom"/>
-  <p:tag name="KSO_WM_TEMPLATE_INDEX" val="160106"/>
-  <p:tag name="MH" val="20150923164903"/>
-  <p:tag name="MH_LIBRARY" val="GRAPHIC"/>
-  <p:tag name="MH_TYPE" val="SubTitle"/>
-  <p:tag name="MH_ORDER" val="2"/>
-  <p:tag name="KSO_WM_UNIT_TYPE" val="l_h_f"/>
-  <p:tag name="KSO_WM_UNIT_INDEX" val="1_2_1"/>
-  <p:tag name="KSO_WM_UNIT_ID" val="custom160106_17*l_h_f*1_2_1"/>
-  <p:tag name="KSO_WM_UNIT_CLEAR" val="1"/>
-  <p:tag name="KSO_WM_UNIT_LAYERLEVEL" val="1_1_1"/>
-  <p:tag name="KSO_WM_UNIT_VALUE" val="44"/>
-  <p:tag name="KSO_WM_UNIT_HIGHLIGHT" val="0"/>
-  <p:tag name="KSO_WM_UNIT_COMPATIBLE" val="0"/>
-  <p:tag name="KSO_WM_UNIT_PRESET_TEXT_INDEX" val="3"/>
-  <p:tag name="KSO_WM_UNIT_PRESET_TEXT_LEN" val="24"/>
-  <p:tag name="KSO_WM_DIAGRAM_GROUP_CODE" val="l1-2"/>
-</p:tagLst>
-</file>
-
-<file path=ppt/tags/tag95.xml><?xml version="1.0" encoding="utf-8"?>
-<p:tagLst xmlns:a="http://schemas.openxmlformats.org/drawingml/2006/main" xmlns:r="http://schemas.openxmlformats.org/officeDocument/2006/relationships" xmlns:p="http://schemas.openxmlformats.org/presentationml/2006/main">
-  <p:tag name="KSO_WM_TAG_VERSION" val="1.0"/>
-  <p:tag name="KSO_WM_BEAUTIFY_FLAG" val="#wm#"/>
-  <p:tag name="KSO_WM_TEMPLATE_CATEGORY" val="custom"/>
-  <p:tag name="KSO_WM_TEMPLATE_INDEX" val="160106"/>
-  <p:tag name="MH" val="20150923164903"/>
-  <p:tag name="MH_LIBRARY" val="GRAPHIC"/>
-  <p:tag name="MH_TYPE" val="Other"/>
-  <p:tag name="MH_ORDER" val="11"/>
-  <p:tag name="KSO_WM_UNIT_TYPE" val="l_i"/>
-  <p:tag name="KSO_WM_UNIT_INDEX" val="1_3"/>
-  <p:tag name="KSO_WM_UNIT_ID" val="custom160106_17*l_i*1_3"/>
-  <p:tag name="KSO_WM_UNIT_CLEAR" val="1"/>
-  <p:tag name="KSO_WM_UNIT_LAYERLEVEL" val="1_1"/>
-  <p:tag name="KSO_WM_DIAGRAM_GROUP_CODE" val="l1-2"/>
-</p:tagLst>
-</file>
-
-<file path=ppt/tags/tag96.xml><?xml version="1.0" encoding="utf-8"?>
-<p:tagLst xmlns:a="http://schemas.openxmlformats.org/drawingml/2006/main" xmlns:r="http://schemas.openxmlformats.org/officeDocument/2006/relationships" xmlns:p="http://schemas.openxmlformats.org/presentationml/2006/main">
-  <p:tag name="KSO_WM_TAG_VERSION" val="1.0"/>
-  <p:tag name="KSO_WM_BEAUTIFY_FLAG" val="#wm#"/>
-  <p:tag name="KSO_WM_TEMPLATE_CATEGORY" val="custom"/>
-  <p:tag name="KSO_WM_TEMPLATE_INDEX" val="160106"/>
-  <p:tag name="MH" val="20150923164903"/>
-  <p:tag name="MH_LIBRARY" val="GRAPHIC"/>
-  <p:tag name="MH_TYPE" val="Other"/>
-  <p:tag name="MH_ORDER" val="12"/>
-  <p:tag name="KSO_WM_UNIT_TYPE" val="l_i"/>
-  <p:tag name="KSO_WM_UNIT_INDEX" val="1_4"/>
-  <p:tag name="KSO_WM_UNIT_ID" val="custom160106_17*l_i*1_4"/>
-  <p:tag name="KSO_WM_UNIT_CLEAR" val="1"/>
-  <p:tag name="KSO_WM_UNIT_LAYERLEVEL" val="1_1"/>
-  <p:tag name="KSO_WM_DIAGRAM_GROUP_CODE" val="l1-2"/>
-</p:tagLst>
-</file>
-
-<file path=ppt/tags/tag97.xml><?xml version="1.0" encoding="utf-8"?>
-<p:tagLst xmlns:a="http://schemas.openxmlformats.org/drawingml/2006/main" xmlns:r="http://schemas.openxmlformats.org/officeDocument/2006/relationships" xmlns:p="http://schemas.openxmlformats.org/presentationml/2006/main">
-  <p:tag name="KSO_WM_TAG_VERSION" val="1.0"/>
-  <p:tag name="KSO_WM_BEAUTIFY_FLAG" val="#wm#"/>
-  <p:tag name="KSO_WM_TEMPLATE_CATEGORY" val="custom"/>
-  <p:tag name="KSO_WM_TEMPLATE_INDEX" val="160106"/>
-  <p:tag name="MH" val="20150923164903"/>
-  <p:tag name="MH_LIBRARY" val="GRAPHIC"/>
-  <p:tag name="MH_TYPE" val="SubTitle"/>
-  <p:tag name="MH_ORDER" val="1"/>
-  <p:tag name="KSO_WM_UNIT_TYPE" val="l_h_f"/>
-  <p:tag name="KSO_WM_UNIT_INDEX" val="1_1_1"/>
-  <p:tag name="KSO_WM_UNIT_ID" val="custom160106_17*l_h_f*1_1_1"/>
-  <p:tag name="KSO_WM_UNIT_CLEAR" val="1"/>
-  <p:tag name="KSO_WM_UNIT_LAYERLEVEL" val="1_1_1"/>
-  <p:tag name="KSO_WM_UNIT_VALUE" val="44"/>
-  <p:tag name="KSO_WM_UNIT_HIGHLIGHT" val="0"/>
-  <p:tag name="KSO_WM_UNIT_COMPATIBLE" val="0"/>
-  <p:tag name="KSO_WM_UNIT_PRESET_TEXT_INDEX" val="3"/>
-  <p:tag name="KSO_WM_UNIT_PRESET_TEXT_LEN" val="24"/>
-  <p:tag name="KSO_WM_DIAGRAM_GROUP_CODE" val="l1-2"/>
-</p:tagLst>
-</file>
-
-<file path=ppt/tags/tag98.xml><?xml version="1.0" encoding="utf-8"?>
-<p:tagLst xmlns:a="http://schemas.openxmlformats.org/drawingml/2006/main" xmlns:r="http://schemas.openxmlformats.org/officeDocument/2006/relationships" xmlns:p="http://schemas.openxmlformats.org/presentationml/2006/main">
-  <p:tag name="KSO_WM_TAG_VERSION" val="1.0"/>
-  <p:tag name="KSO_WM_BEAUTIFY_FLAG" val="#wm#"/>
-  <p:tag name="KSO_WM_TEMPLATE_CATEGORY" val="custom"/>
-  <p:tag name="KSO_WM_TEMPLATE_INDEX" val="160106"/>
-  <p:tag name="MH" val="20150923164903"/>
-  <p:tag name="MH_LIBRARY" val="GRAPHIC"/>
-  <p:tag name="MH_TYPE" val="Other"/>
-  <p:tag name="MH_ORDER" val="2"/>
-  <p:tag name="KSO_WM_UNIT_TYPE" val="l_i"/>
-  <p:tag name="KSO_WM_UNIT_INDEX" val="1_1"/>
-  <p:tag name="KSO_WM_UNIT_ID" val="custom160106_17*l_i*1_1"/>
-  <p:tag name="KSO_WM_UNIT_CLEAR" val="1"/>
-  <p:tag name="KSO_WM_UNIT_LAYERLEVEL" val="1_1"/>
-  <p:tag name="KSO_WM_DIAGRAM_GROUP_CODE" val="l1-2"/>
-</p:tagLst>
-</file>
-
-<file path=ppt/tags/tag99.xml><?xml version="1.0" encoding="utf-8"?>
-<p:tagLst xmlns:a="http://schemas.openxmlformats.org/drawingml/2006/main" xmlns:r="http://schemas.openxmlformats.org/officeDocument/2006/relationships" xmlns:p="http://schemas.openxmlformats.org/presentationml/2006/main">
-  <p:tag name="KSO_WM_TAG_VERSION" val="1.0"/>
-  <p:tag name="KSO_WM_BEAUTIFY_FLAG" val="#wm#"/>
-  <p:tag name="KSO_WM_TEMPLATE_CATEGORY" val="custom"/>
-  <p:tag name="KSO_WM_TEMPLATE_INDEX" val="160106"/>
-  <p:tag name="MH" val="20150923164903"/>
-  <p:tag name="MH_LIBRARY" val="GRAPHIC"/>
-  <p:tag name="MH_TYPE" val="Other"/>
-  <p:tag name="MH_ORDER" val="3"/>
-  <p:tag name="KSO_WM_UNIT_TYPE" val="l_i"/>
-  <p:tag name="KSO_WM_UNIT_INDEX" val="1_2"/>
-  <p:tag name="KSO_WM_UNIT_ID" val="custom160106_17*l_i*1_2"/>
-  <p:tag name="KSO_WM_UNIT_CLEAR" val="1"/>
-  <p:tag name="KSO_WM_UNIT_LAYERLEVEL" val="1_1"/>
-  <p:tag name="KSO_WM_DIAGRAM_GROUP_CODE" val="l1-2"/>
 </p:tagLst>
 </file>
 

--- a/17.5/橙子.pptx
+++ b/17.5/橙子.pptx
@@ -6,7 +6,7 @@
     <p:sldMasterId id="2147483659" r:id="rId2"/>
   </p:sldMasterIdLst>
   <p:notesMasterIdLst>
-    <p:notesMasterId r:id="rId33"/>
+    <p:notesMasterId r:id="rId32"/>
   </p:notesMasterIdLst>
   <p:sldIdLst>
     <p:sldId id="256" r:id="rId3"/>
@@ -14,31 +14,30 @@
     <p:sldId id="284" r:id="rId5"/>
     <p:sldId id="297" r:id="rId6"/>
     <p:sldId id="295" r:id="rId7"/>
-    <p:sldId id="294" r:id="rId8"/>
-    <p:sldId id="296" r:id="rId9"/>
-    <p:sldId id="292" r:id="rId10"/>
-    <p:sldId id="298" r:id="rId11"/>
-    <p:sldId id="299" r:id="rId12"/>
-    <p:sldId id="300" r:id="rId13"/>
-    <p:sldId id="293" r:id="rId14"/>
-    <p:sldId id="301" r:id="rId15"/>
-    <p:sldId id="290" r:id="rId16"/>
-    <p:sldId id="291" r:id="rId17"/>
-    <p:sldId id="285" r:id="rId18"/>
-    <p:sldId id="288" r:id="rId19"/>
-    <p:sldId id="281" r:id="rId20"/>
-    <p:sldId id="268" r:id="rId21"/>
-    <p:sldId id="264" r:id="rId22"/>
-    <p:sldId id="266" r:id="rId23"/>
-    <p:sldId id="265" r:id="rId24"/>
-    <p:sldId id="270" r:id="rId25"/>
-    <p:sldId id="271" r:id="rId26"/>
-    <p:sldId id="274" r:id="rId27"/>
-    <p:sldId id="273" r:id="rId28"/>
-    <p:sldId id="278" r:id="rId29"/>
-    <p:sldId id="279" r:id="rId30"/>
-    <p:sldId id="280" r:id="rId31"/>
-    <p:sldId id="289" r:id="rId32"/>
+    <p:sldId id="296" r:id="rId8"/>
+    <p:sldId id="292" r:id="rId9"/>
+    <p:sldId id="298" r:id="rId10"/>
+    <p:sldId id="299" r:id="rId11"/>
+    <p:sldId id="300" r:id="rId12"/>
+    <p:sldId id="293" r:id="rId13"/>
+    <p:sldId id="301" r:id="rId14"/>
+    <p:sldId id="290" r:id="rId15"/>
+    <p:sldId id="291" r:id="rId16"/>
+    <p:sldId id="285" r:id="rId17"/>
+    <p:sldId id="288" r:id="rId18"/>
+    <p:sldId id="281" r:id="rId19"/>
+    <p:sldId id="268" r:id="rId20"/>
+    <p:sldId id="264" r:id="rId21"/>
+    <p:sldId id="266" r:id="rId22"/>
+    <p:sldId id="265" r:id="rId23"/>
+    <p:sldId id="270" r:id="rId24"/>
+    <p:sldId id="271" r:id="rId25"/>
+    <p:sldId id="274" r:id="rId26"/>
+    <p:sldId id="273" r:id="rId27"/>
+    <p:sldId id="278" r:id="rId28"/>
+    <p:sldId id="279" r:id="rId29"/>
+    <p:sldId id="280" r:id="rId30"/>
+    <p:sldId id="289" r:id="rId31"/>
   </p:sldIdLst>
   <p:sldSz cx="12192000" cy="6858000"/>
   <p:notesSz cx="6858000" cy="9144000"/>
@@ -238,7 +237,7 @@
           <a:p>
             <a:fld id="{767369CF-4879-410E-A830-FF63F0E8E616}" type="datetimeFigureOut">
               <a:rPr lang="zh-CN" altLang="en-US" smtClean="0"/>
-              <a:t>2019/1/3</a:t>
+              <a:t>2019/1/4</a:t>
             </a:fld>
             <a:endParaRPr lang="zh-CN" altLang="en-US"/>
           </a:p>
@@ -663,7 +662,7 @@
     </p:spTree>
     <p:extLst>
       <p:ext uri="{BB962C8B-B14F-4D97-AF65-F5344CB8AC3E}">
-        <p14:creationId xmlns:p14="http://schemas.microsoft.com/office/powerpoint/2010/main" val="952584703"/>
+        <p14:creationId xmlns:p14="http://schemas.microsoft.com/office/powerpoint/2010/main" val="1210160944"/>
       </p:ext>
     </p:extLst>
   </p:cSld>
@@ -747,7 +746,7 @@
     </p:spTree>
     <p:extLst>
       <p:ext uri="{BB962C8B-B14F-4D97-AF65-F5344CB8AC3E}">
-        <p14:creationId xmlns:p14="http://schemas.microsoft.com/office/powerpoint/2010/main" val="1210160944"/>
+        <p14:creationId xmlns:p14="http://schemas.microsoft.com/office/powerpoint/2010/main" val="4012838015"/>
       </p:ext>
     </p:extLst>
   </p:cSld>
@@ -831,7 +830,7 @@
     </p:spTree>
     <p:extLst>
       <p:ext uri="{BB962C8B-B14F-4D97-AF65-F5344CB8AC3E}">
-        <p14:creationId xmlns:p14="http://schemas.microsoft.com/office/powerpoint/2010/main" val="4012838015"/>
+        <p14:creationId xmlns:p14="http://schemas.microsoft.com/office/powerpoint/2010/main" val="4249103444"/>
       </p:ext>
     </p:extLst>
   </p:cSld>
@@ -915,7 +914,7 @@
     </p:spTree>
     <p:extLst>
       <p:ext uri="{BB962C8B-B14F-4D97-AF65-F5344CB8AC3E}">
-        <p14:creationId xmlns:p14="http://schemas.microsoft.com/office/powerpoint/2010/main" val="4249103444"/>
+        <p14:creationId xmlns:p14="http://schemas.microsoft.com/office/powerpoint/2010/main" val="3468536495"/>
       </p:ext>
     </p:extLst>
   </p:cSld>
@@ -999,7 +998,7 @@
     </p:spTree>
     <p:extLst>
       <p:ext uri="{BB962C8B-B14F-4D97-AF65-F5344CB8AC3E}">
-        <p14:creationId xmlns:p14="http://schemas.microsoft.com/office/powerpoint/2010/main" val="3468536495"/>
+        <p14:creationId xmlns:p14="http://schemas.microsoft.com/office/powerpoint/2010/main" val="2526841430"/>
       </p:ext>
     </p:extLst>
   </p:cSld>
@@ -1072,7 +1071,7 @@
           <a:bodyPr/>
           <a:lstStyle/>
           <a:p>
-            <a:fld id="{8B8BE235-F15E-488C-BF5A-F80F5EF86DE2}" type="slidenum">
+            <a:fld id="{64E73910-F208-4636-A090-B1B04B1D62DC}" type="slidenum">
               <a:rPr lang="zh-CN" altLang="en-US" smtClean="0"/>
               <a:t>16</a:t>
             </a:fld>
@@ -1083,7 +1082,7 @@
     </p:spTree>
     <p:extLst>
       <p:ext uri="{BB962C8B-B14F-4D97-AF65-F5344CB8AC3E}">
-        <p14:creationId xmlns:p14="http://schemas.microsoft.com/office/powerpoint/2010/main" val="2526841430"/>
+        <p14:creationId xmlns:p14="http://schemas.microsoft.com/office/powerpoint/2010/main" val="613833178"/>
       </p:ext>
     </p:extLst>
   </p:cSld>
@@ -1156,7 +1155,7 @@
           <a:bodyPr/>
           <a:lstStyle/>
           <a:p>
-            <a:fld id="{64E73910-F208-4636-A090-B1B04B1D62DC}" type="slidenum">
+            <a:fld id="{8B8BE235-F15E-488C-BF5A-F80F5EF86DE2}" type="slidenum">
               <a:rPr lang="zh-CN" altLang="en-US" smtClean="0"/>
               <a:t>17</a:t>
             </a:fld>
@@ -1167,7 +1166,7 @@
     </p:spTree>
     <p:extLst>
       <p:ext uri="{BB962C8B-B14F-4D97-AF65-F5344CB8AC3E}">
-        <p14:creationId xmlns:p14="http://schemas.microsoft.com/office/powerpoint/2010/main" val="613833178"/>
+        <p14:creationId xmlns:p14="http://schemas.microsoft.com/office/powerpoint/2010/main" val="1190649412"/>
       </p:ext>
     </p:extLst>
   </p:cSld>
@@ -1251,7 +1250,7 @@
     </p:spTree>
     <p:extLst>
       <p:ext uri="{BB962C8B-B14F-4D97-AF65-F5344CB8AC3E}">
-        <p14:creationId xmlns:p14="http://schemas.microsoft.com/office/powerpoint/2010/main" val="1190649412"/>
+        <p14:creationId xmlns:p14="http://schemas.microsoft.com/office/powerpoint/2010/main" val="2385263199"/>
       </p:ext>
     </p:extLst>
   </p:cSld>
@@ -1335,7 +1334,7 @@
     </p:spTree>
     <p:extLst>
       <p:ext uri="{BB962C8B-B14F-4D97-AF65-F5344CB8AC3E}">
-        <p14:creationId xmlns:p14="http://schemas.microsoft.com/office/powerpoint/2010/main" val="2385263199"/>
+        <p14:creationId xmlns:p14="http://schemas.microsoft.com/office/powerpoint/2010/main" val="3179654728"/>
       </p:ext>
     </p:extLst>
   </p:cSld>
@@ -1419,7 +1418,7 @@
     </p:spTree>
     <p:extLst>
       <p:ext uri="{BB962C8B-B14F-4D97-AF65-F5344CB8AC3E}">
-        <p14:creationId xmlns:p14="http://schemas.microsoft.com/office/powerpoint/2010/main" val="3179654728"/>
+        <p14:creationId xmlns:p14="http://schemas.microsoft.com/office/powerpoint/2010/main" val="1836330398"/>
       </p:ext>
     </p:extLst>
   </p:cSld>
@@ -1587,7 +1586,7 @@
     </p:spTree>
     <p:extLst>
       <p:ext uri="{BB962C8B-B14F-4D97-AF65-F5344CB8AC3E}">
-        <p14:creationId xmlns:p14="http://schemas.microsoft.com/office/powerpoint/2010/main" val="1836330398"/>
+        <p14:creationId xmlns:p14="http://schemas.microsoft.com/office/powerpoint/2010/main" val="417955524"/>
       </p:ext>
     </p:extLst>
   </p:cSld>
@@ -1616,19 +1615,36 @@
       </p:grpSpPr>
       <p:sp>
         <p:nvSpPr>
-          <p:cNvPr id="2" name="幻灯片图像占位符 1"/>
+          <p:cNvPr id="4098" name="幻灯片图像占位符 1"/>
           <p:cNvSpPr>
-            <a:spLocks noGrp="1" noRot="1" noChangeAspect="1"/>
+            <a:spLocks noGrp="1" noRot="1" noChangeAspect="1" noTextEdit="1"/>
           </p:cNvSpPr>
           <p:nvPr>
             <p:ph type="sldImg"/>
           </p:nvPr>
         </p:nvSpPr>
-        <p:spPr/>
+        <p:spPr bwMode="auto">
+          <a:noFill/>
+          <a:ln>
+            <a:solidFill>
+              <a:srgbClr val="000000"/>
+            </a:solidFill>
+            <a:miter lim="800000"/>
+          </a:ln>
+          <a:extLst>
+            <a:ext uri="{909E8E84-426E-40DD-AFC4-6F175D3DCCD1}">
+              <a14:hiddenFill xmlns:a14="http://schemas.microsoft.com/office/drawing/2010/main">
+                <a:solidFill>
+                  <a:srgbClr val="FFFFFF"/>
+                </a:solidFill>
+              </a14:hiddenFill>
+            </a:ext>
+          </a:extLst>
+        </p:spPr>
       </p:sp>
       <p:sp>
         <p:nvSpPr>
-          <p:cNvPr id="3" name="备注占位符 2"/>
+          <p:cNvPr id="4099" name="备注占位符 2"/>
           <p:cNvSpPr>
             <a:spLocks noGrp="1"/>
           </p:cNvSpPr>
@@ -1636,42 +1652,199 @@
             <p:ph type="body" idx="1"/>
           </p:nvPr>
         </p:nvSpPr>
-        <p:spPr/>
+        <p:spPr bwMode="auto">
+          <a:noFill/>
+          <a:extLst>
+            <a:ext uri="{909E8E84-426E-40DD-AFC4-6F175D3DCCD1}">
+              <a14:hiddenFill xmlns:a14="http://schemas.microsoft.com/office/drawing/2010/main">
+                <a:solidFill>
+                  <a:srgbClr val="FFFFFF"/>
+                </a:solidFill>
+              </a14:hiddenFill>
+            </a:ext>
+            <a:ext uri="{91240B29-F687-4F45-9708-019B960494DF}">
+              <a14:hiddenLine xmlns:a14="http://schemas.microsoft.com/office/drawing/2010/main" w="9525">
+                <a:solidFill>
+                  <a:srgbClr val="000000"/>
+                </a:solidFill>
+                <a:miter lim="800000"/>
+                <a:headEnd/>
+                <a:tailEnd/>
+              </a14:hiddenLine>
+            </a:ext>
+          </a:extLst>
+        </p:spPr>
         <p:txBody>
-          <a:bodyPr/>
+          <a:bodyPr wrap="square" numCol="1" anchor="t" anchorCtr="0" compatLnSpc="1"/>
           <a:lstStyle/>
           <a:p>
+            <a:pPr eaLnBrk="1" hangingPunct="1">
+              <a:spcBef>
+                <a:spcPct val="0"/>
+              </a:spcBef>
+            </a:pPr>
             <a:endParaRPr lang="zh-CN" altLang="en-US"/>
           </a:p>
         </p:txBody>
       </p:sp>
       <p:sp>
         <p:nvSpPr>
-          <p:cNvPr id="4" name="灯片编号占位符 3"/>
+          <p:cNvPr id="4100" name="灯片编号占位符 3"/>
           <p:cNvSpPr>
             <a:spLocks noGrp="1"/>
           </p:cNvSpPr>
           <p:nvPr>
-            <p:ph type="sldNum" sz="quarter" idx="10"/>
+            <p:ph type="sldNum" sz="quarter" idx="5"/>
           </p:nvPr>
         </p:nvSpPr>
-        <p:spPr/>
+        <p:spPr bwMode="auto">
+          <a:noFill/>
+          <a:extLst>
+            <a:ext uri="{909E8E84-426E-40DD-AFC4-6F175D3DCCD1}">
+              <a14:hiddenFill xmlns:a14="http://schemas.microsoft.com/office/drawing/2010/main">
+                <a:solidFill>
+                  <a:srgbClr val="FFFFFF"/>
+                </a:solidFill>
+              </a14:hiddenFill>
+            </a:ext>
+            <a:ext uri="{91240B29-F687-4F45-9708-019B960494DF}">
+              <a14:hiddenLine xmlns:a14="http://schemas.microsoft.com/office/drawing/2010/main" w="9525">
+                <a:solidFill>
+                  <a:srgbClr val="000000"/>
+                </a:solidFill>
+                <a:miter lim="800000"/>
+                <a:headEnd/>
+                <a:tailEnd/>
+              </a14:hiddenLine>
+            </a:ext>
+          </a:extLst>
+        </p:spPr>
         <p:txBody>
           <a:bodyPr/>
-          <a:lstStyle/>
+          <a:lstStyle>
+            <a:lvl1pPr>
+              <a:defRPr>
+                <a:solidFill>
+                  <a:schemeClr val="tx1"/>
+                </a:solidFill>
+                <a:latin typeface="Arial Narrow" pitchFamily="34" charset="0"/>
+                <a:ea typeface="宋体" pitchFamily="2" charset="-122"/>
+              </a:defRPr>
+            </a:lvl1pPr>
+            <a:lvl2pPr marL="742950" indent="-285750">
+              <a:defRPr>
+                <a:solidFill>
+                  <a:schemeClr val="tx1"/>
+                </a:solidFill>
+                <a:latin typeface="Arial Narrow" pitchFamily="34" charset="0"/>
+                <a:ea typeface="宋体" pitchFamily="2" charset="-122"/>
+              </a:defRPr>
+            </a:lvl2pPr>
+            <a:lvl3pPr marL="1143000" indent="-228600">
+              <a:defRPr>
+                <a:solidFill>
+                  <a:schemeClr val="tx1"/>
+                </a:solidFill>
+                <a:latin typeface="Arial Narrow" pitchFamily="34" charset="0"/>
+                <a:ea typeface="宋体" pitchFamily="2" charset="-122"/>
+              </a:defRPr>
+            </a:lvl3pPr>
+            <a:lvl4pPr marL="1600200" indent="-228600">
+              <a:defRPr>
+                <a:solidFill>
+                  <a:schemeClr val="tx1"/>
+                </a:solidFill>
+                <a:latin typeface="Arial Narrow" pitchFamily="34" charset="0"/>
+                <a:ea typeface="宋体" pitchFamily="2" charset="-122"/>
+              </a:defRPr>
+            </a:lvl4pPr>
+            <a:lvl5pPr marL="2057400" indent="-228600">
+              <a:defRPr>
+                <a:solidFill>
+                  <a:schemeClr val="tx1"/>
+                </a:solidFill>
+                <a:latin typeface="Arial Narrow" pitchFamily="34" charset="0"/>
+                <a:ea typeface="宋体" pitchFamily="2" charset="-122"/>
+              </a:defRPr>
+            </a:lvl5pPr>
+            <a:lvl6pPr marL="2514600" indent="-228600" eaLnBrk="0" fontAlgn="base" hangingPunct="0">
+              <a:spcBef>
+                <a:spcPct val="0"/>
+              </a:spcBef>
+              <a:spcAft>
+                <a:spcPct val="0"/>
+              </a:spcAft>
+              <a:defRPr>
+                <a:solidFill>
+                  <a:schemeClr val="tx1"/>
+                </a:solidFill>
+                <a:latin typeface="Arial Narrow" pitchFamily="34" charset="0"/>
+                <a:ea typeface="宋体" pitchFamily="2" charset="-122"/>
+              </a:defRPr>
+            </a:lvl6pPr>
+            <a:lvl7pPr marL="2971800" indent="-228600" eaLnBrk="0" fontAlgn="base" hangingPunct="0">
+              <a:spcBef>
+                <a:spcPct val="0"/>
+              </a:spcBef>
+              <a:spcAft>
+                <a:spcPct val="0"/>
+              </a:spcAft>
+              <a:defRPr>
+                <a:solidFill>
+                  <a:schemeClr val="tx1"/>
+                </a:solidFill>
+                <a:latin typeface="Arial Narrow" pitchFamily="34" charset="0"/>
+                <a:ea typeface="宋体" pitchFamily="2" charset="-122"/>
+              </a:defRPr>
+            </a:lvl7pPr>
+            <a:lvl8pPr marL="3429000" indent="-228600" eaLnBrk="0" fontAlgn="base" hangingPunct="0">
+              <a:spcBef>
+                <a:spcPct val="0"/>
+              </a:spcBef>
+              <a:spcAft>
+                <a:spcPct val="0"/>
+              </a:spcAft>
+              <a:defRPr>
+                <a:solidFill>
+                  <a:schemeClr val="tx1"/>
+                </a:solidFill>
+                <a:latin typeface="Arial Narrow" pitchFamily="34" charset="0"/>
+                <a:ea typeface="宋体" pitchFamily="2" charset="-122"/>
+              </a:defRPr>
+            </a:lvl8pPr>
+            <a:lvl9pPr marL="3886200" indent="-228600" eaLnBrk="0" fontAlgn="base" hangingPunct="0">
+              <a:spcBef>
+                <a:spcPct val="0"/>
+              </a:spcBef>
+              <a:spcAft>
+                <a:spcPct val="0"/>
+              </a:spcAft>
+              <a:defRPr>
+                <a:solidFill>
+                  <a:schemeClr val="tx1"/>
+                </a:solidFill>
+                <a:latin typeface="Arial Narrow" pitchFamily="34" charset="0"/>
+                <a:ea typeface="宋体" pitchFamily="2" charset="-122"/>
+              </a:defRPr>
+            </a:lvl9pPr>
+          </a:lstStyle>
           <a:p>
-            <a:fld id="{8B8BE235-F15E-488C-BF5A-F80F5EF86DE2}" type="slidenum">
-              <a:rPr lang="zh-CN" altLang="en-US" smtClean="0"/>
+            <a:fld id="{0B610A01-1951-44F0-ABEF-895F898CD238}" type="slidenum">
+              <a:rPr lang="zh-CN" altLang="en-US" smtClean="0">
+                <a:latin typeface="Calibri" pitchFamily="34" charset="0"/>
+              </a:rPr>
               <a:t>22</a:t>
             </a:fld>
-            <a:endParaRPr lang="zh-CN" altLang="en-US"/>
+            <a:endParaRPr lang="zh-CN" altLang="en-US">
+              <a:latin typeface="Calibri" pitchFamily="34" charset="0"/>
+            </a:endParaRPr>
           </a:p>
         </p:txBody>
       </p:sp>
     </p:spTree>
     <p:extLst>
       <p:ext uri="{BB962C8B-B14F-4D97-AF65-F5344CB8AC3E}">
-        <p14:creationId xmlns:p14="http://schemas.microsoft.com/office/powerpoint/2010/main" val="417955524"/>
+        <p14:creationId xmlns:p14="http://schemas.microsoft.com/office/powerpoint/2010/main" val="422031363"/>
       </p:ext>
     </p:extLst>
   </p:cSld>
@@ -1929,7 +2102,7 @@
     </p:spTree>
     <p:extLst>
       <p:ext uri="{BB962C8B-B14F-4D97-AF65-F5344CB8AC3E}">
-        <p14:creationId xmlns:p14="http://schemas.microsoft.com/office/powerpoint/2010/main" val="422031363"/>
+        <p14:creationId xmlns:p14="http://schemas.microsoft.com/office/powerpoint/2010/main" val="1124320774"/>
       </p:ext>
     </p:extLst>
   </p:cSld>
@@ -1958,36 +2131,19 @@
       </p:grpSpPr>
       <p:sp>
         <p:nvSpPr>
-          <p:cNvPr id="4098" name="幻灯片图像占位符 1"/>
+          <p:cNvPr id="2" name="幻灯片图像占位符 1"/>
           <p:cNvSpPr>
-            <a:spLocks noGrp="1" noRot="1" noChangeAspect="1" noTextEdit="1"/>
+            <a:spLocks noGrp="1" noRot="1" noChangeAspect="1"/>
           </p:cNvSpPr>
           <p:nvPr>
             <p:ph type="sldImg"/>
           </p:nvPr>
         </p:nvSpPr>
-        <p:spPr bwMode="auto">
-          <a:noFill/>
-          <a:ln>
-            <a:solidFill>
-              <a:srgbClr val="000000"/>
-            </a:solidFill>
-            <a:miter lim="800000"/>
-          </a:ln>
-          <a:extLst>
-            <a:ext uri="{909E8E84-426E-40DD-AFC4-6F175D3DCCD1}">
-              <a14:hiddenFill xmlns:a14="http://schemas.microsoft.com/office/drawing/2010/main">
-                <a:solidFill>
-                  <a:srgbClr val="FFFFFF"/>
-                </a:solidFill>
-              </a14:hiddenFill>
-            </a:ext>
-          </a:extLst>
-        </p:spPr>
+        <p:spPr/>
       </p:sp>
       <p:sp>
         <p:nvSpPr>
-          <p:cNvPr id="4099" name="备注占位符 2"/>
+          <p:cNvPr id="3" name="备注占位符 2"/>
           <p:cNvSpPr>
             <a:spLocks noGrp="1"/>
           </p:cNvSpPr>
@@ -1995,199 +2151,42 @@
             <p:ph type="body" idx="1"/>
           </p:nvPr>
         </p:nvSpPr>
-        <p:spPr bwMode="auto">
-          <a:noFill/>
-          <a:extLst>
-            <a:ext uri="{909E8E84-426E-40DD-AFC4-6F175D3DCCD1}">
-              <a14:hiddenFill xmlns:a14="http://schemas.microsoft.com/office/drawing/2010/main">
-                <a:solidFill>
-                  <a:srgbClr val="FFFFFF"/>
-                </a:solidFill>
-              </a14:hiddenFill>
-            </a:ext>
-            <a:ext uri="{91240B29-F687-4F45-9708-019B960494DF}">
-              <a14:hiddenLine xmlns:a14="http://schemas.microsoft.com/office/drawing/2010/main" w="9525">
-                <a:solidFill>
-                  <a:srgbClr val="000000"/>
-                </a:solidFill>
-                <a:miter lim="800000"/>
-                <a:headEnd/>
-                <a:tailEnd/>
-              </a14:hiddenLine>
-            </a:ext>
-          </a:extLst>
-        </p:spPr>
+        <p:spPr/>
         <p:txBody>
-          <a:bodyPr wrap="square" numCol="1" anchor="t" anchorCtr="0" compatLnSpc="1"/>
+          <a:bodyPr/>
           <a:lstStyle/>
           <a:p>
-            <a:pPr eaLnBrk="1" hangingPunct="1">
-              <a:spcBef>
-                <a:spcPct val="0"/>
-              </a:spcBef>
-            </a:pPr>
             <a:endParaRPr lang="zh-CN" altLang="en-US"/>
           </a:p>
         </p:txBody>
       </p:sp>
       <p:sp>
         <p:nvSpPr>
-          <p:cNvPr id="4100" name="灯片编号占位符 3"/>
+          <p:cNvPr id="4" name="灯片编号占位符 3"/>
           <p:cNvSpPr>
             <a:spLocks noGrp="1"/>
           </p:cNvSpPr>
           <p:nvPr>
-            <p:ph type="sldNum" sz="quarter" idx="5"/>
+            <p:ph type="sldNum" sz="quarter" idx="10"/>
           </p:nvPr>
         </p:nvSpPr>
-        <p:spPr bwMode="auto">
-          <a:noFill/>
-          <a:extLst>
-            <a:ext uri="{909E8E84-426E-40DD-AFC4-6F175D3DCCD1}">
-              <a14:hiddenFill xmlns:a14="http://schemas.microsoft.com/office/drawing/2010/main">
-                <a:solidFill>
-                  <a:srgbClr val="FFFFFF"/>
-                </a:solidFill>
-              </a14:hiddenFill>
-            </a:ext>
-            <a:ext uri="{91240B29-F687-4F45-9708-019B960494DF}">
-              <a14:hiddenLine xmlns:a14="http://schemas.microsoft.com/office/drawing/2010/main" w="9525">
-                <a:solidFill>
-                  <a:srgbClr val="000000"/>
-                </a:solidFill>
-                <a:miter lim="800000"/>
-                <a:headEnd/>
-                <a:tailEnd/>
-              </a14:hiddenLine>
-            </a:ext>
-          </a:extLst>
-        </p:spPr>
+        <p:spPr/>
         <p:txBody>
           <a:bodyPr/>
-          <a:lstStyle>
-            <a:lvl1pPr>
-              <a:defRPr>
-                <a:solidFill>
-                  <a:schemeClr val="tx1"/>
-                </a:solidFill>
-                <a:latin typeface="Arial Narrow" pitchFamily="34" charset="0"/>
-                <a:ea typeface="宋体" pitchFamily="2" charset="-122"/>
-              </a:defRPr>
-            </a:lvl1pPr>
-            <a:lvl2pPr marL="742950" indent="-285750">
-              <a:defRPr>
-                <a:solidFill>
-                  <a:schemeClr val="tx1"/>
-                </a:solidFill>
-                <a:latin typeface="Arial Narrow" pitchFamily="34" charset="0"/>
-                <a:ea typeface="宋体" pitchFamily="2" charset="-122"/>
-              </a:defRPr>
-            </a:lvl2pPr>
-            <a:lvl3pPr marL="1143000" indent="-228600">
-              <a:defRPr>
-                <a:solidFill>
-                  <a:schemeClr val="tx1"/>
-                </a:solidFill>
-                <a:latin typeface="Arial Narrow" pitchFamily="34" charset="0"/>
-                <a:ea typeface="宋体" pitchFamily="2" charset="-122"/>
-              </a:defRPr>
-            </a:lvl3pPr>
-            <a:lvl4pPr marL="1600200" indent="-228600">
-              <a:defRPr>
-                <a:solidFill>
-                  <a:schemeClr val="tx1"/>
-                </a:solidFill>
-                <a:latin typeface="Arial Narrow" pitchFamily="34" charset="0"/>
-                <a:ea typeface="宋体" pitchFamily="2" charset="-122"/>
-              </a:defRPr>
-            </a:lvl4pPr>
-            <a:lvl5pPr marL="2057400" indent="-228600">
-              <a:defRPr>
-                <a:solidFill>
-                  <a:schemeClr val="tx1"/>
-                </a:solidFill>
-                <a:latin typeface="Arial Narrow" pitchFamily="34" charset="0"/>
-                <a:ea typeface="宋体" pitchFamily="2" charset="-122"/>
-              </a:defRPr>
-            </a:lvl5pPr>
-            <a:lvl6pPr marL="2514600" indent="-228600" eaLnBrk="0" fontAlgn="base" hangingPunct="0">
-              <a:spcBef>
-                <a:spcPct val="0"/>
-              </a:spcBef>
-              <a:spcAft>
-                <a:spcPct val="0"/>
-              </a:spcAft>
-              <a:defRPr>
-                <a:solidFill>
-                  <a:schemeClr val="tx1"/>
-                </a:solidFill>
-                <a:latin typeface="Arial Narrow" pitchFamily="34" charset="0"/>
-                <a:ea typeface="宋体" pitchFamily="2" charset="-122"/>
-              </a:defRPr>
-            </a:lvl6pPr>
-            <a:lvl7pPr marL="2971800" indent="-228600" eaLnBrk="0" fontAlgn="base" hangingPunct="0">
-              <a:spcBef>
-                <a:spcPct val="0"/>
-              </a:spcBef>
-              <a:spcAft>
-                <a:spcPct val="0"/>
-              </a:spcAft>
-              <a:defRPr>
-                <a:solidFill>
-                  <a:schemeClr val="tx1"/>
-                </a:solidFill>
-                <a:latin typeface="Arial Narrow" pitchFamily="34" charset="0"/>
-                <a:ea typeface="宋体" pitchFamily="2" charset="-122"/>
-              </a:defRPr>
-            </a:lvl7pPr>
-            <a:lvl8pPr marL="3429000" indent="-228600" eaLnBrk="0" fontAlgn="base" hangingPunct="0">
-              <a:spcBef>
-                <a:spcPct val="0"/>
-              </a:spcBef>
-              <a:spcAft>
-                <a:spcPct val="0"/>
-              </a:spcAft>
-              <a:defRPr>
-                <a:solidFill>
-                  <a:schemeClr val="tx1"/>
-                </a:solidFill>
-                <a:latin typeface="Arial Narrow" pitchFamily="34" charset="0"/>
-                <a:ea typeface="宋体" pitchFamily="2" charset="-122"/>
-              </a:defRPr>
-            </a:lvl8pPr>
-            <a:lvl9pPr marL="3886200" indent="-228600" eaLnBrk="0" fontAlgn="base" hangingPunct="0">
-              <a:spcBef>
-                <a:spcPct val="0"/>
-              </a:spcBef>
-              <a:spcAft>
-                <a:spcPct val="0"/>
-              </a:spcAft>
-              <a:defRPr>
-                <a:solidFill>
-                  <a:schemeClr val="tx1"/>
-                </a:solidFill>
-                <a:latin typeface="Arial Narrow" pitchFamily="34" charset="0"/>
-                <a:ea typeface="宋体" pitchFamily="2" charset="-122"/>
-              </a:defRPr>
-            </a:lvl9pPr>
-          </a:lstStyle>
+          <a:lstStyle/>
           <a:p>
-            <a:fld id="{0B610A01-1951-44F0-ABEF-895F898CD238}" type="slidenum">
-              <a:rPr lang="zh-CN" altLang="en-US" smtClean="0">
-                <a:latin typeface="Calibri" pitchFamily="34" charset="0"/>
-              </a:rPr>
+            <a:fld id="{8B8BE235-F15E-488C-BF5A-F80F5EF86DE2}" type="slidenum">
+              <a:rPr lang="zh-CN" altLang="en-US" smtClean="0"/>
               <a:t>24</a:t>
             </a:fld>
-            <a:endParaRPr lang="zh-CN" altLang="en-US">
-              <a:latin typeface="Calibri" pitchFamily="34" charset="0"/>
-            </a:endParaRPr>
+            <a:endParaRPr lang="zh-CN" altLang="en-US"/>
           </a:p>
         </p:txBody>
       </p:sp>
     </p:spTree>
     <p:extLst>
       <p:ext uri="{BB962C8B-B14F-4D97-AF65-F5344CB8AC3E}">
-        <p14:creationId xmlns:p14="http://schemas.microsoft.com/office/powerpoint/2010/main" val="1124320774"/>
+        <p14:creationId xmlns:p14="http://schemas.microsoft.com/office/powerpoint/2010/main" val="3367557595"/>
       </p:ext>
     </p:extLst>
   </p:cSld>
@@ -2271,7 +2270,7 @@
     </p:spTree>
     <p:extLst>
       <p:ext uri="{BB962C8B-B14F-4D97-AF65-F5344CB8AC3E}">
-        <p14:creationId xmlns:p14="http://schemas.microsoft.com/office/powerpoint/2010/main" val="3367557595"/>
+        <p14:creationId xmlns:p14="http://schemas.microsoft.com/office/powerpoint/2010/main" val="3858585461"/>
       </p:ext>
     </p:extLst>
   </p:cSld>
@@ -2282,8 +2281,16 @@
 </file>
 
 <file path=ppt/notesSlides/notesSlide25.xml><?xml version="1.0" encoding="utf-8"?>
-<p:notes xmlns:a="http://schemas.openxmlformats.org/drawingml/2006/main" xmlns:r="http://schemas.openxmlformats.org/officeDocument/2006/relationships" xmlns:p="http://schemas.openxmlformats.org/presentationml/2006/main">
+<p:notes xmlns:a="http://schemas.openxmlformats.org/drawingml/2006/main" xmlns:r="http://schemas.openxmlformats.org/officeDocument/2006/relationships" xmlns:p="http://schemas.openxmlformats.org/presentationml/2006/main" showMasterSp="0">
   <p:cSld>
+    <p:bg bwMode="auto">
+      <p:bgPr>
+        <a:solidFill>
+          <a:srgbClr val="FFFFFF"/>
+        </a:solidFill>
+        <a:effectLst/>
+      </p:bgPr>
+    </p:bg>
     <p:spTree>
       <p:nvGrpSpPr>
         <p:cNvPr id="1" name=""/>
@@ -2300,9 +2307,9 @@
       </p:grpSpPr>
       <p:sp>
         <p:nvSpPr>
-          <p:cNvPr id="2" name="幻灯片图像占位符 1"/>
+          <p:cNvPr id="4098" name="幻灯片图像占位符 1"/>
           <p:cNvSpPr>
-            <a:spLocks noGrp="1" noRot="1" noChangeAspect="1"/>
+            <a:spLocks noGrp="1" noRot="1" noChangeAspect="1" noTextEdit="1"/>
           </p:cNvSpPr>
           <p:nvPr>
             <p:ph type="sldImg"/>
@@ -2312,7 +2319,7 @@
       </p:sp>
       <p:sp>
         <p:nvSpPr>
-          <p:cNvPr id="3" name="备注占位符 2"/>
+          <p:cNvPr id="4099" name="备注占位符 2"/>
           <p:cNvSpPr>
             <a:spLocks noGrp="1"/>
           </p:cNvSpPr>
@@ -2320,47 +2327,211 @@
             <p:ph type="body" idx="1"/>
           </p:nvPr>
         </p:nvSpPr>
-        <p:spPr/>
+        <p:spPr>
+          <a:noFill/>
+          <a:extLst>
+            <a:ext uri="{91240B29-F687-4F45-9708-019B960494DF}">
+              <a14:hiddenLine xmlns:a14="http://schemas.microsoft.com/office/drawing/2010/main" w="12700">
+                <a:solidFill>
+                  <a:srgbClr val="000000"/>
+                </a:solidFill>
+                <a:miter lim="800000"/>
+                <a:headEnd/>
+                <a:tailEnd/>
+              </a14:hiddenLine>
+            </a:ext>
+          </a:extLst>
+        </p:spPr>
         <p:txBody>
-          <a:bodyPr/>
+          <a:bodyPr anchor="t"/>
           <a:lstStyle/>
           <a:p>
+            <a:pPr eaLnBrk="1" hangingPunct="1">
+              <a:spcBef>
+                <a:spcPct val="0"/>
+              </a:spcBef>
+            </a:pPr>
             <a:endParaRPr lang="zh-CN" altLang="en-US"/>
           </a:p>
         </p:txBody>
       </p:sp>
       <p:sp>
         <p:nvSpPr>
-          <p:cNvPr id="4" name="灯片编号占位符 3"/>
-          <p:cNvSpPr>
-            <a:spLocks noGrp="1"/>
+          <p:cNvPr id="4100" name="灯片编号占位符 3"/>
+          <p:cNvSpPr txBox="1">
+            <a:spLocks noGrp="1" noChangeArrowheads="1"/>
           </p:cNvSpPr>
-          <p:nvPr>
-            <p:ph type="sldNum" sz="quarter" idx="10"/>
-          </p:nvPr>
+          <p:nvPr/>
         </p:nvSpPr>
-        <p:spPr/>
+        <p:spPr bwMode="auto">
+          <a:xfrm>
+            <a:off x="3884613" y="8685213"/>
+            <a:ext cx="2971800" cy="458787"/>
+          </a:xfrm>
+          <a:prstGeom prst="rect">
+            <a:avLst/>
+          </a:prstGeom>
+          <a:noFill/>
+          <a:ln>
+            <a:noFill/>
+          </a:ln>
+          <a:extLst>
+            <a:ext uri="{909E8E84-426E-40DD-AFC4-6F175D3DCCD1}">
+              <a14:hiddenFill xmlns:a14="http://schemas.microsoft.com/office/drawing/2010/main">
+                <a:solidFill>
+                  <a:srgbClr val="FFFFFF"/>
+                </a:solidFill>
+              </a14:hiddenFill>
+            </a:ext>
+            <a:ext uri="{91240B29-F687-4F45-9708-019B960494DF}">
+              <a14:hiddenLine xmlns:a14="http://schemas.microsoft.com/office/drawing/2010/main" w="9525">
+                <a:solidFill>
+                  <a:srgbClr val="000000"/>
+                </a:solidFill>
+                <a:miter lim="800000"/>
+                <a:headEnd/>
+                <a:tailEnd/>
+              </a14:hiddenLine>
+            </a:ext>
+          </a:extLst>
+        </p:spPr>
         <p:txBody>
-          <a:bodyPr/>
-          <a:lstStyle/>
+          <a:bodyPr anchor="b"/>
+          <a:lstStyle>
+            <a:lvl1pPr>
+              <a:defRPr>
+                <a:solidFill>
+                  <a:schemeClr val="tx1"/>
+                </a:solidFill>
+                <a:latin typeface="Arial Narrow" pitchFamily="34" charset="0"/>
+                <a:ea typeface="微软雅黑" pitchFamily="34" charset="-122"/>
+              </a:defRPr>
+            </a:lvl1pPr>
+            <a:lvl2pPr marL="742950" indent="-285750">
+              <a:defRPr>
+                <a:solidFill>
+                  <a:schemeClr val="tx1"/>
+                </a:solidFill>
+                <a:latin typeface="Arial Narrow" pitchFamily="34" charset="0"/>
+                <a:ea typeface="微软雅黑" pitchFamily="34" charset="-122"/>
+              </a:defRPr>
+            </a:lvl2pPr>
+            <a:lvl3pPr marL="1143000" indent="-228600">
+              <a:defRPr>
+                <a:solidFill>
+                  <a:schemeClr val="tx1"/>
+                </a:solidFill>
+                <a:latin typeface="Arial Narrow" pitchFamily="34" charset="0"/>
+                <a:ea typeface="微软雅黑" pitchFamily="34" charset="-122"/>
+              </a:defRPr>
+            </a:lvl3pPr>
+            <a:lvl4pPr marL="1600200" indent="-228600">
+              <a:defRPr>
+                <a:solidFill>
+                  <a:schemeClr val="tx1"/>
+                </a:solidFill>
+                <a:latin typeface="Arial Narrow" pitchFamily="34" charset="0"/>
+                <a:ea typeface="微软雅黑" pitchFamily="34" charset="-122"/>
+              </a:defRPr>
+            </a:lvl4pPr>
+            <a:lvl5pPr marL="2057400" indent="-228600">
+              <a:defRPr>
+                <a:solidFill>
+                  <a:schemeClr val="tx1"/>
+                </a:solidFill>
+                <a:latin typeface="Arial Narrow" pitchFamily="34" charset="0"/>
+                <a:ea typeface="微软雅黑" pitchFamily="34" charset="-122"/>
+              </a:defRPr>
+            </a:lvl5pPr>
+            <a:lvl6pPr marL="2514600" indent="-228600" eaLnBrk="0" fontAlgn="base" hangingPunct="0">
+              <a:spcBef>
+                <a:spcPct val="0"/>
+              </a:spcBef>
+              <a:spcAft>
+                <a:spcPct val="0"/>
+              </a:spcAft>
+              <a:defRPr>
+                <a:solidFill>
+                  <a:schemeClr val="tx1"/>
+                </a:solidFill>
+                <a:latin typeface="Arial Narrow" pitchFamily="34" charset="0"/>
+                <a:ea typeface="微软雅黑" pitchFamily="34" charset="-122"/>
+              </a:defRPr>
+            </a:lvl6pPr>
+            <a:lvl7pPr marL="2971800" indent="-228600" eaLnBrk="0" fontAlgn="base" hangingPunct="0">
+              <a:spcBef>
+                <a:spcPct val="0"/>
+              </a:spcBef>
+              <a:spcAft>
+                <a:spcPct val="0"/>
+              </a:spcAft>
+              <a:defRPr>
+                <a:solidFill>
+                  <a:schemeClr val="tx1"/>
+                </a:solidFill>
+                <a:latin typeface="Arial Narrow" pitchFamily="34" charset="0"/>
+                <a:ea typeface="微软雅黑" pitchFamily="34" charset="-122"/>
+              </a:defRPr>
+            </a:lvl7pPr>
+            <a:lvl8pPr marL="3429000" indent="-228600" eaLnBrk="0" fontAlgn="base" hangingPunct="0">
+              <a:spcBef>
+                <a:spcPct val="0"/>
+              </a:spcBef>
+              <a:spcAft>
+                <a:spcPct val="0"/>
+              </a:spcAft>
+              <a:defRPr>
+                <a:solidFill>
+                  <a:schemeClr val="tx1"/>
+                </a:solidFill>
+                <a:latin typeface="Arial Narrow" pitchFamily="34" charset="0"/>
+                <a:ea typeface="微软雅黑" pitchFamily="34" charset="-122"/>
+              </a:defRPr>
+            </a:lvl8pPr>
+            <a:lvl9pPr marL="3886200" indent="-228600" eaLnBrk="0" fontAlgn="base" hangingPunct="0">
+              <a:spcBef>
+                <a:spcPct val="0"/>
+              </a:spcBef>
+              <a:spcAft>
+                <a:spcPct val="0"/>
+              </a:spcAft>
+              <a:defRPr>
+                <a:solidFill>
+                  <a:schemeClr val="tx1"/>
+                </a:solidFill>
+                <a:latin typeface="Arial Narrow" pitchFamily="34" charset="0"/>
+                <a:ea typeface="微软雅黑" pitchFamily="34" charset="-122"/>
+              </a:defRPr>
+            </a:lvl9pPr>
+          </a:lstStyle>
           <a:p>
-            <a:fld id="{8B8BE235-F15E-488C-BF5A-F80F5EF86DE2}" type="slidenum">
-              <a:rPr lang="zh-CN" altLang="en-US" smtClean="0"/>
+            <a:pPr algn="r" eaLnBrk="1" hangingPunct="1">
+              <a:buFont typeface="Arial" pitchFamily="34" charset="0"/>
+              <a:buNone/>
+            </a:pPr>
+            <a:fld id="{ECD77998-AC11-4625-8DA3-C3C184EA56FF}" type="slidenum">
+              <a:rPr lang="zh-CN" altLang="en-US" sz="1200">
+                <a:latin typeface="Calibri" pitchFamily="34" charset="0"/>
+                <a:ea typeface="宋体" pitchFamily="2" charset="-122"/>
+              </a:rPr>
               <a:t>26</a:t>
             </a:fld>
-            <a:endParaRPr lang="zh-CN" altLang="en-US"/>
+            <a:endParaRPr lang="zh-CN" altLang="en-US" sz="1200">
+              <a:latin typeface="Calibri" pitchFamily="34" charset="0"/>
+              <a:ea typeface="宋体" pitchFamily="2" charset="-122"/>
+            </a:endParaRPr>
           </a:p>
         </p:txBody>
       </p:sp>
     </p:spTree>
     <p:extLst>
       <p:ext uri="{BB962C8B-B14F-4D97-AF65-F5344CB8AC3E}">
-        <p14:creationId xmlns:p14="http://schemas.microsoft.com/office/powerpoint/2010/main" val="3858585461"/>
+        <p14:creationId xmlns:p14="http://schemas.microsoft.com/office/powerpoint/2010/main" val="754652545"/>
       </p:ext>
     </p:extLst>
   </p:cSld>
   <p:clrMapOvr>
-    <a:masterClrMapping/>
+    <a:overrideClrMapping bg1="lt1" tx1="dk1" bg2="lt2" tx2="dk2" accent1="accent1" accent2="accent2" accent3="accent3" accent4="accent4" accent5="accent5" accent6="accent6" hlink="hlink" folHlink="folHlink"/>
   </p:clrMapOvr>
 </p:notes>
 </file>
@@ -2594,268 +2765,12 @@
               <a:buFont typeface="Arial" pitchFamily="34" charset="0"/>
               <a:buNone/>
             </a:pPr>
-            <a:fld id="{ECD77998-AC11-4625-8DA3-C3C184EA56FF}" type="slidenum">
+            <a:fld id="{73CC0ADB-6765-4863-B08F-7BEBE28F3E87}" type="slidenum">
               <a:rPr lang="zh-CN" altLang="en-US" sz="1200">
                 <a:latin typeface="Calibri" pitchFamily="34" charset="0"/>
                 <a:ea typeface="宋体" pitchFamily="2" charset="-122"/>
               </a:rPr>
               <a:t>27</a:t>
-            </a:fld>
-            <a:endParaRPr lang="zh-CN" altLang="en-US" sz="1200">
-              <a:latin typeface="Calibri" pitchFamily="34" charset="0"/>
-              <a:ea typeface="宋体" pitchFamily="2" charset="-122"/>
-            </a:endParaRPr>
-          </a:p>
-        </p:txBody>
-      </p:sp>
-    </p:spTree>
-    <p:extLst>
-      <p:ext uri="{BB962C8B-B14F-4D97-AF65-F5344CB8AC3E}">
-        <p14:creationId xmlns:p14="http://schemas.microsoft.com/office/powerpoint/2010/main" val="754652545"/>
-      </p:ext>
-    </p:extLst>
-  </p:cSld>
-  <p:clrMapOvr>
-    <a:overrideClrMapping bg1="lt1" tx1="dk1" bg2="lt2" tx2="dk2" accent1="accent1" accent2="accent2" accent3="accent3" accent4="accent4" accent5="accent5" accent6="accent6" hlink="hlink" folHlink="folHlink"/>
-  </p:clrMapOvr>
-</p:notes>
-</file>
-
-<file path=ppt/notesSlides/notesSlide27.xml><?xml version="1.0" encoding="utf-8"?>
-<p:notes xmlns:a="http://schemas.openxmlformats.org/drawingml/2006/main" xmlns:r="http://schemas.openxmlformats.org/officeDocument/2006/relationships" xmlns:p="http://schemas.openxmlformats.org/presentationml/2006/main" showMasterSp="0">
-  <p:cSld>
-    <p:bg bwMode="auto">
-      <p:bgPr>
-        <a:solidFill>
-          <a:srgbClr val="FFFFFF"/>
-        </a:solidFill>
-        <a:effectLst/>
-      </p:bgPr>
-    </p:bg>
-    <p:spTree>
-      <p:nvGrpSpPr>
-        <p:cNvPr id="1" name=""/>
-        <p:cNvGrpSpPr/>
-        <p:nvPr/>
-      </p:nvGrpSpPr>
-      <p:grpSpPr>
-        <a:xfrm>
-          <a:off x="0" y="0"/>
-          <a:ext cx="0" cy="0"/>
-          <a:chOff x="0" y="0"/>
-          <a:chExt cx="0" cy="0"/>
-        </a:xfrm>
-      </p:grpSpPr>
-      <p:sp>
-        <p:nvSpPr>
-          <p:cNvPr id="4098" name="幻灯片图像占位符 1"/>
-          <p:cNvSpPr>
-            <a:spLocks noGrp="1" noRot="1" noChangeAspect="1" noTextEdit="1"/>
-          </p:cNvSpPr>
-          <p:nvPr>
-            <p:ph type="sldImg"/>
-          </p:nvPr>
-        </p:nvSpPr>
-        <p:spPr/>
-      </p:sp>
-      <p:sp>
-        <p:nvSpPr>
-          <p:cNvPr id="4099" name="备注占位符 2"/>
-          <p:cNvSpPr>
-            <a:spLocks noGrp="1"/>
-          </p:cNvSpPr>
-          <p:nvPr>
-            <p:ph type="body" idx="1"/>
-          </p:nvPr>
-        </p:nvSpPr>
-        <p:spPr>
-          <a:noFill/>
-          <a:extLst>
-            <a:ext uri="{91240B29-F687-4F45-9708-019B960494DF}">
-              <a14:hiddenLine xmlns:a14="http://schemas.microsoft.com/office/drawing/2010/main" w="12700">
-                <a:solidFill>
-                  <a:srgbClr val="000000"/>
-                </a:solidFill>
-                <a:miter lim="800000"/>
-                <a:headEnd/>
-                <a:tailEnd/>
-              </a14:hiddenLine>
-            </a:ext>
-          </a:extLst>
-        </p:spPr>
-        <p:txBody>
-          <a:bodyPr anchor="t"/>
-          <a:lstStyle/>
-          <a:p>
-            <a:pPr eaLnBrk="1" hangingPunct="1">
-              <a:spcBef>
-                <a:spcPct val="0"/>
-              </a:spcBef>
-            </a:pPr>
-            <a:endParaRPr lang="zh-CN" altLang="en-US"/>
-          </a:p>
-        </p:txBody>
-      </p:sp>
-      <p:sp>
-        <p:nvSpPr>
-          <p:cNvPr id="4100" name="灯片编号占位符 3"/>
-          <p:cNvSpPr txBox="1">
-            <a:spLocks noGrp="1" noChangeArrowheads="1"/>
-          </p:cNvSpPr>
-          <p:nvPr/>
-        </p:nvSpPr>
-        <p:spPr bwMode="auto">
-          <a:xfrm>
-            <a:off x="3884613" y="8685213"/>
-            <a:ext cx="2971800" cy="458787"/>
-          </a:xfrm>
-          <a:prstGeom prst="rect">
-            <a:avLst/>
-          </a:prstGeom>
-          <a:noFill/>
-          <a:ln>
-            <a:noFill/>
-          </a:ln>
-          <a:extLst>
-            <a:ext uri="{909E8E84-426E-40DD-AFC4-6F175D3DCCD1}">
-              <a14:hiddenFill xmlns:a14="http://schemas.microsoft.com/office/drawing/2010/main">
-                <a:solidFill>
-                  <a:srgbClr val="FFFFFF"/>
-                </a:solidFill>
-              </a14:hiddenFill>
-            </a:ext>
-            <a:ext uri="{91240B29-F687-4F45-9708-019B960494DF}">
-              <a14:hiddenLine xmlns:a14="http://schemas.microsoft.com/office/drawing/2010/main" w="9525">
-                <a:solidFill>
-                  <a:srgbClr val="000000"/>
-                </a:solidFill>
-                <a:miter lim="800000"/>
-                <a:headEnd/>
-                <a:tailEnd/>
-              </a14:hiddenLine>
-            </a:ext>
-          </a:extLst>
-        </p:spPr>
-        <p:txBody>
-          <a:bodyPr anchor="b"/>
-          <a:lstStyle>
-            <a:lvl1pPr>
-              <a:defRPr>
-                <a:solidFill>
-                  <a:schemeClr val="tx1"/>
-                </a:solidFill>
-                <a:latin typeface="Arial Narrow" pitchFamily="34" charset="0"/>
-                <a:ea typeface="微软雅黑" pitchFamily="34" charset="-122"/>
-              </a:defRPr>
-            </a:lvl1pPr>
-            <a:lvl2pPr marL="742950" indent="-285750">
-              <a:defRPr>
-                <a:solidFill>
-                  <a:schemeClr val="tx1"/>
-                </a:solidFill>
-                <a:latin typeface="Arial Narrow" pitchFamily="34" charset="0"/>
-                <a:ea typeface="微软雅黑" pitchFamily="34" charset="-122"/>
-              </a:defRPr>
-            </a:lvl2pPr>
-            <a:lvl3pPr marL="1143000" indent="-228600">
-              <a:defRPr>
-                <a:solidFill>
-                  <a:schemeClr val="tx1"/>
-                </a:solidFill>
-                <a:latin typeface="Arial Narrow" pitchFamily="34" charset="0"/>
-                <a:ea typeface="微软雅黑" pitchFamily="34" charset="-122"/>
-              </a:defRPr>
-            </a:lvl3pPr>
-            <a:lvl4pPr marL="1600200" indent="-228600">
-              <a:defRPr>
-                <a:solidFill>
-                  <a:schemeClr val="tx1"/>
-                </a:solidFill>
-                <a:latin typeface="Arial Narrow" pitchFamily="34" charset="0"/>
-                <a:ea typeface="微软雅黑" pitchFamily="34" charset="-122"/>
-              </a:defRPr>
-            </a:lvl4pPr>
-            <a:lvl5pPr marL="2057400" indent="-228600">
-              <a:defRPr>
-                <a:solidFill>
-                  <a:schemeClr val="tx1"/>
-                </a:solidFill>
-                <a:latin typeface="Arial Narrow" pitchFamily="34" charset="0"/>
-                <a:ea typeface="微软雅黑" pitchFamily="34" charset="-122"/>
-              </a:defRPr>
-            </a:lvl5pPr>
-            <a:lvl6pPr marL="2514600" indent="-228600" eaLnBrk="0" fontAlgn="base" hangingPunct="0">
-              <a:spcBef>
-                <a:spcPct val="0"/>
-              </a:spcBef>
-              <a:spcAft>
-                <a:spcPct val="0"/>
-              </a:spcAft>
-              <a:defRPr>
-                <a:solidFill>
-                  <a:schemeClr val="tx1"/>
-                </a:solidFill>
-                <a:latin typeface="Arial Narrow" pitchFamily="34" charset="0"/>
-                <a:ea typeface="微软雅黑" pitchFamily="34" charset="-122"/>
-              </a:defRPr>
-            </a:lvl6pPr>
-            <a:lvl7pPr marL="2971800" indent="-228600" eaLnBrk="0" fontAlgn="base" hangingPunct="0">
-              <a:spcBef>
-                <a:spcPct val="0"/>
-              </a:spcBef>
-              <a:spcAft>
-                <a:spcPct val="0"/>
-              </a:spcAft>
-              <a:defRPr>
-                <a:solidFill>
-                  <a:schemeClr val="tx1"/>
-                </a:solidFill>
-                <a:latin typeface="Arial Narrow" pitchFamily="34" charset="0"/>
-                <a:ea typeface="微软雅黑" pitchFamily="34" charset="-122"/>
-              </a:defRPr>
-            </a:lvl7pPr>
-            <a:lvl8pPr marL="3429000" indent="-228600" eaLnBrk="0" fontAlgn="base" hangingPunct="0">
-              <a:spcBef>
-                <a:spcPct val="0"/>
-              </a:spcBef>
-              <a:spcAft>
-                <a:spcPct val="0"/>
-              </a:spcAft>
-              <a:defRPr>
-                <a:solidFill>
-                  <a:schemeClr val="tx1"/>
-                </a:solidFill>
-                <a:latin typeface="Arial Narrow" pitchFamily="34" charset="0"/>
-                <a:ea typeface="微软雅黑" pitchFamily="34" charset="-122"/>
-              </a:defRPr>
-            </a:lvl8pPr>
-            <a:lvl9pPr marL="3886200" indent="-228600" eaLnBrk="0" fontAlgn="base" hangingPunct="0">
-              <a:spcBef>
-                <a:spcPct val="0"/>
-              </a:spcBef>
-              <a:spcAft>
-                <a:spcPct val="0"/>
-              </a:spcAft>
-              <a:defRPr>
-                <a:solidFill>
-                  <a:schemeClr val="tx1"/>
-                </a:solidFill>
-                <a:latin typeface="Arial Narrow" pitchFamily="34" charset="0"/>
-                <a:ea typeface="微软雅黑" pitchFamily="34" charset="-122"/>
-              </a:defRPr>
-            </a:lvl9pPr>
-          </a:lstStyle>
-          <a:p>
-            <a:pPr algn="r" eaLnBrk="1" hangingPunct="1">
-              <a:buFont typeface="Arial" pitchFamily="34" charset="0"/>
-              <a:buNone/>
-            </a:pPr>
-            <a:fld id="{73CC0ADB-6765-4863-B08F-7BEBE28F3E87}" type="slidenum">
-              <a:rPr lang="zh-CN" altLang="en-US" sz="1200">
-                <a:latin typeface="Calibri" pitchFamily="34" charset="0"/>
-                <a:ea typeface="宋体" pitchFamily="2" charset="-122"/>
-              </a:rPr>
-              <a:t>28</a:t>
             </a:fld>
             <a:endParaRPr lang="zh-CN" altLang="en-US" sz="1200">
               <a:latin typeface="Calibri" pitchFamily="34" charset="0"/>
@@ -2877,7 +2792,7 @@
 </p:notes>
 </file>
 
-<file path=ppt/notesSlides/notesSlide28.xml><?xml version="1.0" encoding="utf-8"?>
+<file path=ppt/notesSlides/notesSlide27.xml><?xml version="1.0" encoding="utf-8"?>
 <p:notes xmlns:a="http://schemas.openxmlformats.org/drawingml/2006/main" xmlns:r="http://schemas.openxmlformats.org/officeDocument/2006/relationships" xmlns:p="http://schemas.openxmlformats.org/presentationml/2006/main">
   <p:cSld>
     <p:spTree>
@@ -3123,7 +3038,7 @@
                 <a:latin typeface="Calibri" pitchFamily="34" charset="0"/>
                 <a:ea typeface="宋体" pitchFamily="2" charset="-122"/>
               </a:rPr>
-              <a:t>29</a:t>
+              <a:t>28</a:t>
             </a:fld>
             <a:endParaRPr lang="zh-CN" altLang="en-US">
               <a:latin typeface="Calibri" pitchFamily="34" charset="0"/>
@@ -3387,7 +3302,7 @@
     </p:spTree>
     <p:extLst>
       <p:ext uri="{BB962C8B-B14F-4D97-AF65-F5344CB8AC3E}">
-        <p14:creationId xmlns:p14="http://schemas.microsoft.com/office/powerpoint/2010/main" val="3716395061"/>
+        <p14:creationId xmlns:p14="http://schemas.microsoft.com/office/powerpoint/2010/main" val="1632200500"/>
       </p:ext>
     </p:extLst>
   </p:cSld>
@@ -3471,7 +3386,7 @@
     </p:spTree>
     <p:extLst>
       <p:ext uri="{BB962C8B-B14F-4D97-AF65-F5344CB8AC3E}">
-        <p14:creationId xmlns:p14="http://schemas.microsoft.com/office/powerpoint/2010/main" val="1632200500"/>
+        <p14:creationId xmlns:p14="http://schemas.microsoft.com/office/powerpoint/2010/main" val="560135155"/>
       </p:ext>
     </p:extLst>
   </p:cSld>
@@ -3555,7 +3470,7 @@
     </p:spTree>
     <p:extLst>
       <p:ext uri="{BB962C8B-B14F-4D97-AF65-F5344CB8AC3E}">
-        <p14:creationId xmlns:p14="http://schemas.microsoft.com/office/powerpoint/2010/main" val="560135155"/>
+        <p14:creationId xmlns:p14="http://schemas.microsoft.com/office/powerpoint/2010/main" val="1338441449"/>
       </p:ext>
     </p:extLst>
   </p:cSld>
@@ -3639,7 +3554,7 @@
     </p:spTree>
     <p:extLst>
       <p:ext uri="{BB962C8B-B14F-4D97-AF65-F5344CB8AC3E}">
-        <p14:creationId xmlns:p14="http://schemas.microsoft.com/office/powerpoint/2010/main" val="1338441449"/>
+        <p14:creationId xmlns:p14="http://schemas.microsoft.com/office/powerpoint/2010/main" val="3219442945"/>
       </p:ext>
     </p:extLst>
   </p:cSld>
@@ -3723,7 +3638,7 @@
     </p:spTree>
     <p:extLst>
       <p:ext uri="{BB962C8B-B14F-4D97-AF65-F5344CB8AC3E}">
-        <p14:creationId xmlns:p14="http://schemas.microsoft.com/office/powerpoint/2010/main" val="3219442945"/>
+        <p14:creationId xmlns:p14="http://schemas.microsoft.com/office/powerpoint/2010/main" val="952584703"/>
       </p:ext>
     </p:extLst>
   </p:cSld>
@@ -4378,7 +4293,7 @@
           <a:p>
             <a:fld id="{7E209CE7-C191-49CB-93DE-563C8614E8C5}" type="datetimeFigureOut">
               <a:rPr lang="zh-CN" altLang="en-US" smtClean="0"/>
-              <a:t>2019/1/3</a:t>
+              <a:t>2019/1/4</a:t>
             </a:fld>
             <a:endParaRPr lang="zh-CN" altLang="en-US"/>
           </a:p>
@@ -4468,7 +4383,7 @@
           <a:p>
             <a:fld id="{7E209CE7-C191-49CB-93DE-563C8614E8C5}" type="datetimeFigureOut">
               <a:rPr lang="zh-CN" altLang="en-US" smtClean="0"/>
-              <a:t>2019/1/3</a:t>
+              <a:t>2019/1/4</a:t>
             </a:fld>
             <a:endParaRPr lang="zh-CN" altLang="en-US"/>
           </a:p>
@@ -4782,7 +4697,7 @@
                 </a:solidFill>
               </a:rPr>
               <a:pPr/>
-              <a:t>2019/1/3</a:t>
+              <a:t>2019/1/4</a:t>
             </a:fld>
             <a:endParaRPr lang="zh-CN" altLang="en-US">
               <a:solidFill>
@@ -4982,7 +4897,7 @@
                 </a:solidFill>
               </a:rPr>
               <a:pPr/>
-              <a:t>2019/1/3</a:t>
+              <a:t>2019/1/4</a:t>
             </a:fld>
             <a:endParaRPr lang="zh-CN" altLang="en-US">
               <a:solidFill>
@@ -5259,7 +5174,7 @@
                 </a:solidFill>
               </a:rPr>
               <a:pPr/>
-              <a:t>2019/1/3</a:t>
+              <a:t>2019/1/4</a:t>
             </a:fld>
             <a:endParaRPr lang="zh-CN" altLang="en-US">
               <a:solidFill>
@@ -5576,7 +5491,7 @@
                 </a:solidFill>
               </a:rPr>
               <a:pPr/>
-              <a:t>2019/1/3</a:t>
+              <a:t>2019/1/4</a:t>
             </a:fld>
             <a:endParaRPr lang="zh-CN" altLang="en-US">
               <a:solidFill>
@@ -6027,7 +5942,7 @@
                 </a:solidFill>
               </a:rPr>
               <a:pPr/>
-              <a:t>2019/1/3</a:t>
+              <a:t>2019/1/4</a:t>
             </a:fld>
             <a:endParaRPr lang="zh-CN" altLang="en-US">
               <a:solidFill>
@@ -6176,7 +6091,7 @@
                 </a:solidFill>
               </a:rPr>
               <a:pPr/>
-              <a:t>2019/1/3</a:t>
+              <a:t>2019/1/4</a:t>
             </a:fld>
             <a:endParaRPr lang="zh-CN" altLang="en-US">
               <a:solidFill>
@@ -6303,7 +6218,7 @@
                 </a:solidFill>
               </a:rPr>
               <a:pPr/>
-              <a:t>2019/1/3</a:t>
+              <a:t>2019/1/4</a:t>
             </a:fld>
             <a:endParaRPr lang="zh-CN" altLang="en-US">
               <a:solidFill>
@@ -6610,7 +6525,7 @@
                 </a:solidFill>
               </a:rPr>
               <a:pPr/>
-              <a:t>2019/1/3</a:t>
+              <a:t>2019/1/4</a:t>
             </a:fld>
             <a:endParaRPr lang="zh-CN" altLang="en-US">
               <a:solidFill>
@@ -6894,7 +6809,7 @@
                 </a:solidFill>
               </a:rPr>
               <a:pPr/>
-              <a:t>2019/1/3</a:t>
+              <a:t>2019/1/4</a:t>
             </a:fld>
             <a:endParaRPr lang="zh-CN" altLang="en-US">
               <a:solidFill>
@@ -7472,7 +7387,7 @@
           <a:p>
             <a:fld id="{7E209CE7-C191-49CB-93DE-563C8614E8C5}" type="datetimeFigureOut">
               <a:rPr lang="zh-CN" altLang="en-US" smtClean="0"/>
-              <a:t>2019/1/3</a:t>
+              <a:t>2019/1/4</a:t>
             </a:fld>
             <a:endParaRPr lang="zh-CN" altLang="en-US"/>
           </a:p>
@@ -7642,7 +7557,7 @@
                 </a:solidFill>
               </a:rPr>
               <a:pPr/>
-              <a:t>2019/1/3</a:t>
+              <a:t>2019/1/4</a:t>
             </a:fld>
             <a:endParaRPr lang="zh-CN" altLang="en-US">
               <a:solidFill>
@@ -7852,7 +7767,7 @@
                 </a:solidFill>
               </a:rPr>
               <a:pPr/>
-              <a:t>2019/1/3</a:t>
+              <a:t>2019/1/4</a:t>
             </a:fld>
             <a:endParaRPr lang="zh-CN" altLang="en-US">
               <a:solidFill>
@@ -9093,7 +9008,7 @@
           <a:p>
             <a:fld id="{7E209CE7-C191-49CB-93DE-563C8614E8C5}" type="datetimeFigureOut">
               <a:rPr lang="zh-CN" altLang="en-US" smtClean="0"/>
-              <a:t>2019/1/3</a:t>
+              <a:t>2019/1/4</a:t>
             </a:fld>
             <a:endParaRPr lang="zh-CN" altLang="en-US"/>
           </a:p>
@@ -9843,7 +9758,7 @@
           <a:p>
             <a:fld id="{7E209CE7-C191-49CB-93DE-563C8614E8C5}" type="datetimeFigureOut">
               <a:rPr lang="zh-CN" altLang="en-US" smtClean="0"/>
-              <a:t>2019/1/3</a:t>
+              <a:t>2019/1/4</a:t>
             </a:fld>
             <a:endParaRPr lang="zh-CN" altLang="en-US"/>
           </a:p>
@@ -10370,7 +10285,7 @@
           <a:p>
             <a:fld id="{7E209CE7-C191-49CB-93DE-563C8614E8C5}" type="datetimeFigureOut">
               <a:rPr lang="zh-CN" altLang="en-US" smtClean="0"/>
-              <a:t>2019/1/3</a:t>
+              <a:t>2019/1/4</a:t>
             </a:fld>
             <a:endParaRPr lang="zh-CN" altLang="en-US"/>
           </a:p>
@@ -10591,7 +10506,7 @@
           <a:p>
             <a:fld id="{7E209CE7-C191-49CB-93DE-563C8614E8C5}" type="datetimeFigureOut">
               <a:rPr lang="zh-CN" altLang="en-US" smtClean="0"/>
-              <a:t>2019/1/3</a:t>
+              <a:t>2019/1/4</a:t>
             </a:fld>
             <a:endParaRPr lang="zh-CN" altLang="en-US"/>
           </a:p>
@@ -10775,7 +10690,7 @@
           <a:p>
             <a:fld id="{7E209CE7-C191-49CB-93DE-563C8614E8C5}" type="datetimeFigureOut">
               <a:rPr lang="zh-CN" altLang="en-US" smtClean="0"/>
-              <a:t>2019/1/3</a:t>
+              <a:t>2019/1/4</a:t>
             </a:fld>
             <a:endParaRPr lang="zh-CN" altLang="en-US"/>
           </a:p>
@@ -11029,7 +10944,7 @@
           <a:p>
             <a:fld id="{7E209CE7-C191-49CB-93DE-563C8614E8C5}" type="datetimeFigureOut">
               <a:rPr lang="zh-CN" altLang="en-US" smtClean="0"/>
-              <a:t>2019/1/3</a:t>
+              <a:t>2019/1/4</a:t>
             </a:fld>
             <a:endParaRPr lang="zh-CN" altLang="en-US"/>
           </a:p>
@@ -11249,7 +11164,7 @@
           <a:p>
             <a:fld id="{7E209CE7-C191-49CB-93DE-563C8614E8C5}" type="datetimeFigureOut">
               <a:rPr lang="zh-CN" altLang="en-US" smtClean="0"/>
-              <a:t>2019/1/3</a:t>
+              <a:t>2019/1/4</a:t>
             </a:fld>
             <a:endParaRPr lang="zh-CN" altLang="en-US"/>
           </a:p>
@@ -11479,7 +11394,7 @@
           <a:p>
             <a:fld id="{7E209CE7-C191-49CB-93DE-563C8614E8C5}" type="datetimeFigureOut">
               <a:rPr lang="zh-CN" altLang="en-US" smtClean="0"/>
-              <a:t>2019/1/3</a:t>
+              <a:t>2019/1/4</a:t>
             </a:fld>
             <a:endParaRPr lang="zh-CN" altLang="en-US"/>
           </a:p>
@@ -12099,7 +12014,7 @@
                 </a:solidFill>
               </a:rPr>
               <a:pPr/>
-              <a:t>2019/1/3</a:t>
+              <a:t>2019/1/4</a:t>
             </a:fld>
             <a:endParaRPr lang="zh-CN" altLang="en-US">
               <a:solidFill>
@@ -12613,338 +12528,6 @@
           </a:lstStyle>
           <a:p>
             <a:r>
-              <a:rPr lang="zh-CN" altLang="en-US" dirty="0"/>
-              <a:t>褚橙</a:t>
-            </a:r>
-          </a:p>
-        </p:txBody>
-      </p:sp>
-      <p:sp>
-        <p:nvSpPr>
-          <p:cNvPr id="3" name="矩形 2">
-            <a:extLst>
-              <a:ext uri="{FF2B5EF4-FFF2-40B4-BE49-F238E27FC236}">
-                <a16:creationId xmlns:a16="http://schemas.microsoft.com/office/drawing/2014/main" id="{B79919AF-B917-4910-805F-0D987D7A965C}"/>
-              </a:ext>
-            </a:extLst>
-          </p:cNvPr>
-          <p:cNvSpPr/>
-          <p:nvPr/>
-        </p:nvSpPr>
-        <p:spPr>
-          <a:xfrm>
-            <a:off x="833966" y="1465159"/>
-            <a:ext cx="10515599" cy="923330"/>
-          </a:xfrm>
-          <a:prstGeom prst="rect">
-            <a:avLst/>
-          </a:prstGeom>
-        </p:spPr>
-        <p:txBody>
-          <a:bodyPr wrap="square">
-            <a:spAutoFit/>
-          </a:bodyPr>
-          <a:lstStyle/>
-          <a:p>
-            <a:r>
-              <a:rPr lang="zh-CN" altLang="en-US" dirty="0">
-                <a:solidFill>
-                  <a:srgbClr val="2F2F2F"/>
-                </a:solidFill>
-                <a:latin typeface="-apple-system"/>
-              </a:rPr>
-              <a:t>在淘宝网上，</a:t>
-            </a:r>
-            <a:r>
-              <a:rPr lang="en-US" altLang="zh-CN" dirty="0">
-                <a:solidFill>
-                  <a:srgbClr val="2F2F2F"/>
-                </a:solidFill>
-                <a:latin typeface="-apple-system"/>
-              </a:rPr>
-              <a:t>10</a:t>
-            </a:r>
-            <a:r>
-              <a:rPr lang="zh-CN" altLang="en-US" dirty="0">
-                <a:solidFill>
-                  <a:srgbClr val="2F2F2F"/>
-                </a:solidFill>
-                <a:latin typeface="-apple-system"/>
-              </a:rPr>
-              <a:t>斤装的</a:t>
-            </a:r>
-            <a:r>
-              <a:rPr lang="en-US" altLang="zh-CN" dirty="0">
-                <a:solidFill>
-                  <a:srgbClr val="2F2F2F"/>
-                </a:solidFill>
-                <a:latin typeface="-apple-system"/>
-              </a:rPr>
-              <a:t>17.5°</a:t>
-            </a:r>
-            <a:r>
-              <a:rPr lang="zh-CN" altLang="en-US" dirty="0">
-                <a:solidFill>
-                  <a:srgbClr val="2F2F2F"/>
-                </a:solidFill>
-                <a:latin typeface="-apple-system"/>
-              </a:rPr>
-              <a:t>橙正常售价</a:t>
-            </a:r>
-            <a:r>
-              <a:rPr lang="en-US" altLang="zh-CN" dirty="0">
-                <a:solidFill>
-                  <a:srgbClr val="2F2F2F"/>
-                </a:solidFill>
-                <a:latin typeface="-apple-system"/>
-              </a:rPr>
-              <a:t>258</a:t>
-            </a:r>
-            <a:r>
-              <a:rPr lang="zh-CN" altLang="en-US" dirty="0">
-                <a:solidFill>
-                  <a:srgbClr val="2F2F2F"/>
-                </a:solidFill>
-                <a:latin typeface="-apple-system"/>
-              </a:rPr>
-              <a:t>元，促销价</a:t>
-            </a:r>
-            <a:r>
-              <a:rPr lang="en-US" altLang="zh-CN" dirty="0">
-                <a:solidFill>
-                  <a:srgbClr val="2F2F2F"/>
-                </a:solidFill>
-                <a:latin typeface="-apple-system"/>
-              </a:rPr>
-              <a:t>148</a:t>
-            </a:r>
-            <a:r>
-              <a:rPr lang="zh-CN" altLang="en-US" dirty="0">
-                <a:solidFill>
-                  <a:srgbClr val="2F2F2F"/>
-                </a:solidFill>
-                <a:latin typeface="-apple-system"/>
-              </a:rPr>
-              <a:t>元，折算下来为</a:t>
-            </a:r>
-            <a:r>
-              <a:rPr lang="en-US" altLang="zh-CN" dirty="0">
-                <a:solidFill>
-                  <a:srgbClr val="2F2F2F"/>
-                </a:solidFill>
-                <a:latin typeface="-apple-system"/>
-              </a:rPr>
-              <a:t>14.8</a:t>
-            </a:r>
-            <a:r>
-              <a:rPr lang="zh-CN" altLang="en-US" dirty="0">
-                <a:solidFill>
-                  <a:srgbClr val="2F2F2F"/>
-                </a:solidFill>
-                <a:latin typeface="-apple-system"/>
-              </a:rPr>
-              <a:t>元</a:t>
-            </a:r>
-            <a:r>
-              <a:rPr lang="en-US" altLang="zh-CN" dirty="0">
-                <a:solidFill>
-                  <a:srgbClr val="2F2F2F"/>
-                </a:solidFill>
-                <a:latin typeface="-apple-system"/>
-              </a:rPr>
-              <a:t>/</a:t>
-            </a:r>
-            <a:r>
-              <a:rPr lang="zh-CN" altLang="en-US" dirty="0">
-                <a:solidFill>
-                  <a:srgbClr val="2F2F2F"/>
-                </a:solidFill>
-                <a:latin typeface="-apple-system"/>
-              </a:rPr>
-              <a:t>斤。同期另一个靠情怀的品牌，褚橙促销价为</a:t>
-            </a:r>
-            <a:r>
-              <a:rPr lang="en-US" altLang="zh-CN" dirty="0">
-                <a:solidFill>
-                  <a:srgbClr val="2F2F2F"/>
-                </a:solidFill>
-                <a:latin typeface="-apple-system"/>
-              </a:rPr>
-              <a:t>19.8</a:t>
-            </a:r>
-            <a:r>
-              <a:rPr lang="zh-CN" altLang="en-US" dirty="0">
-                <a:solidFill>
-                  <a:srgbClr val="2F2F2F"/>
-                </a:solidFill>
-                <a:latin typeface="-apple-system"/>
-              </a:rPr>
-              <a:t>元</a:t>
-            </a:r>
-            <a:r>
-              <a:rPr lang="en-US" altLang="zh-CN" dirty="0">
-                <a:solidFill>
-                  <a:srgbClr val="2F2F2F"/>
-                </a:solidFill>
-                <a:latin typeface="-apple-system"/>
-              </a:rPr>
-              <a:t>/</a:t>
-            </a:r>
-            <a:r>
-              <a:rPr lang="zh-CN" altLang="en-US" dirty="0">
-                <a:solidFill>
-                  <a:srgbClr val="2F2F2F"/>
-                </a:solidFill>
-                <a:latin typeface="-apple-system"/>
-              </a:rPr>
-              <a:t>斤，而其它普通赣州脐橙，淘宝普遍价只为</a:t>
-            </a:r>
-            <a:r>
-              <a:rPr lang="en-US" altLang="zh-CN" dirty="0">
-                <a:solidFill>
-                  <a:srgbClr val="2F2F2F"/>
-                </a:solidFill>
-                <a:latin typeface="-apple-system"/>
-              </a:rPr>
-              <a:t>6</a:t>
-            </a:r>
-            <a:r>
-              <a:rPr lang="zh-CN" altLang="en-US" dirty="0">
-                <a:solidFill>
-                  <a:srgbClr val="2F2F2F"/>
-                </a:solidFill>
-                <a:latin typeface="-apple-system"/>
-              </a:rPr>
-              <a:t>元</a:t>
-            </a:r>
-            <a:r>
-              <a:rPr lang="en-US" altLang="zh-CN" dirty="0">
-                <a:solidFill>
-                  <a:srgbClr val="2F2F2F"/>
-                </a:solidFill>
-                <a:latin typeface="-apple-system"/>
-              </a:rPr>
-              <a:t>/</a:t>
-            </a:r>
-            <a:r>
-              <a:rPr lang="zh-CN" altLang="en-US" dirty="0">
-                <a:solidFill>
-                  <a:srgbClr val="2F2F2F"/>
-                </a:solidFill>
-                <a:latin typeface="-apple-system"/>
-              </a:rPr>
-              <a:t>斤左右。</a:t>
-            </a:r>
-          </a:p>
-          <a:p>
-            <a:r>
-              <a:rPr lang="zh-CN" altLang="en-US" dirty="0">
-                <a:solidFill>
-                  <a:srgbClr val="2F2F2F"/>
-                </a:solidFill>
-                <a:latin typeface="-apple-system"/>
-              </a:rPr>
-              <a:t>超高品质带来超高溢价，想确保每个橙子的品质，现代科技和重重筛选必不可少</a:t>
-            </a:r>
-            <a:r>
-              <a:rPr lang="en-US" altLang="zh-CN" dirty="0">
-                <a:solidFill>
-                  <a:srgbClr val="2F2F2F"/>
-                </a:solidFill>
-                <a:latin typeface="-apple-system"/>
-              </a:rPr>
-              <a:t>!</a:t>
-            </a:r>
-            <a:endParaRPr lang="en-US" altLang="zh-CN" b="0" i="0" dirty="0">
-              <a:solidFill>
-                <a:srgbClr val="2F2F2F"/>
-              </a:solidFill>
-              <a:effectLst/>
-              <a:latin typeface="-apple-system"/>
-            </a:endParaRPr>
-          </a:p>
-        </p:txBody>
-      </p:sp>
-    </p:spTree>
-    <p:custDataLst>
-      <p:tags r:id="rId1"/>
-    </p:custDataLst>
-    <p:extLst>
-      <p:ext uri="{BB962C8B-B14F-4D97-AF65-F5344CB8AC3E}">
-        <p14:creationId xmlns:p14="http://schemas.microsoft.com/office/powerpoint/2010/main" val="3596879443"/>
-      </p:ext>
-    </p:extLst>
-  </p:cSld>
-  <p:clrMapOvr>
-    <a:masterClrMapping/>
-  </p:clrMapOvr>
-</p:sld>
-</file>
-
-<file path=ppt/slides/slide11.xml><?xml version="1.0" encoding="utf-8"?>
-<p:sld xmlns:a="http://schemas.openxmlformats.org/drawingml/2006/main" xmlns:r="http://schemas.openxmlformats.org/officeDocument/2006/relationships" xmlns:p="http://schemas.openxmlformats.org/presentationml/2006/main">
-  <p:cSld>
-    <p:spTree>
-      <p:nvGrpSpPr>
-        <p:cNvPr id="1" name=""/>
-        <p:cNvGrpSpPr/>
-        <p:nvPr/>
-      </p:nvGrpSpPr>
-      <p:grpSpPr>
-        <a:xfrm>
-          <a:off x="0" y="0"/>
-          <a:ext cx="0" cy="0"/>
-          <a:chOff x="0" y="0"/>
-          <a:chExt cx="0" cy="0"/>
-        </a:xfrm>
-      </p:grpSpPr>
-      <p:sp>
-        <p:nvSpPr>
-          <p:cNvPr id="7" name="文本框 6"/>
-          <p:cNvSpPr txBox="1"/>
-          <p:nvPr>
-            <p:custDataLst>
-              <p:tags r:id="rId2"/>
-            </p:custDataLst>
-          </p:nvPr>
-        </p:nvSpPr>
-        <p:spPr>
-          <a:xfrm>
-            <a:off x="833967" y="605895"/>
-            <a:ext cx="10515599" cy="717022"/>
-          </a:xfrm>
-          <a:prstGeom prst="rect">
-            <a:avLst/>
-          </a:prstGeom>
-        </p:spPr>
-        <p:txBody>
-          <a:bodyPr vert="horz" lIns="91440" tIns="45720" rIns="91440" bIns="45720" rtlCol="0" anchor="b">
-            <a:normAutofit/>
-          </a:bodyPr>
-          <a:lstStyle>
-            <a:lvl1pPr>
-              <a:lnSpc>
-                <a:spcPct val="90000"/>
-              </a:lnSpc>
-              <a:spcBef>
-                <a:spcPct val="0"/>
-              </a:spcBef>
-              <a:buNone/>
-              <a:defRPr sz="3200" b="1" i="0" baseline="0">
-                <a:solidFill>
-                  <a:schemeClr val="accent1">
-                    <a:lumMod val="75000"/>
-                  </a:schemeClr>
-                </a:solidFill>
-                <a:effectLst/>
-                <a:latin typeface="+mj-lt"/>
-                <a:ea typeface="+mj-ea"/>
-                <a:cs typeface="+mj-cs"/>
-              </a:defRPr>
-            </a:lvl1pPr>
-          </a:lstStyle>
-          <a:p>
-            <a:r>
               <a:rPr lang="en-US" altLang="zh-CN" dirty="0"/>
               <a:t>17.5°</a:t>
             </a:r>
@@ -13137,7 +12720,7 @@
 </p:sld>
 </file>
 
-<file path=ppt/slides/slide12.xml><?xml version="1.0" encoding="utf-8"?>
+<file path=ppt/slides/slide11.xml><?xml version="1.0" encoding="utf-8"?>
 <p:sld xmlns:a="http://schemas.openxmlformats.org/drawingml/2006/main" xmlns:r="http://schemas.openxmlformats.org/officeDocument/2006/relationships" xmlns:p="http://schemas.openxmlformats.org/presentationml/2006/main">
   <p:cSld>
     <p:spTree>
@@ -13319,7 +12902,7 @@
 </p:sld>
 </file>
 
-<file path=ppt/slides/slide13.xml><?xml version="1.0" encoding="utf-8"?>
+<file path=ppt/slides/slide12.xml><?xml version="1.0" encoding="utf-8"?>
 <p:sld xmlns:a="http://schemas.openxmlformats.org/drawingml/2006/main" xmlns:r="http://schemas.openxmlformats.org/officeDocument/2006/relationships" xmlns:p="http://schemas.openxmlformats.org/presentationml/2006/main">
   <p:cSld>
     <p:spTree>
@@ -13406,7 +12989,7 @@
 </p:sld>
 </file>
 
-<file path=ppt/slides/slide14.xml><?xml version="1.0" encoding="utf-8"?>
+<file path=ppt/slides/slide13.xml><?xml version="1.0" encoding="utf-8"?>
 <p:sld xmlns:a="http://schemas.openxmlformats.org/drawingml/2006/main" xmlns:r="http://schemas.openxmlformats.org/officeDocument/2006/relationships" xmlns:p="http://schemas.openxmlformats.org/presentationml/2006/main">
   <p:cSld>
     <p:spTree>
@@ -13552,7 +13135,7 @@
 </p:sld>
 </file>
 
-<file path=ppt/slides/slide15.xml><?xml version="1.0" encoding="utf-8"?>
+<file path=ppt/slides/slide14.xml><?xml version="1.0" encoding="utf-8"?>
 <p:sld xmlns:a="http://schemas.openxmlformats.org/drawingml/2006/main" xmlns:r="http://schemas.openxmlformats.org/officeDocument/2006/relationships" xmlns:p="http://schemas.openxmlformats.org/presentationml/2006/main">
   <p:cSld>
     <p:spTree>
@@ -13645,7 +13228,7 @@
 </p:sld>
 </file>
 
-<file path=ppt/slides/slide16.xml><?xml version="1.0" encoding="utf-8"?>
+<file path=ppt/slides/slide15.xml><?xml version="1.0" encoding="utf-8"?>
 <p:sld xmlns:a="http://schemas.openxmlformats.org/drawingml/2006/main" xmlns:r="http://schemas.openxmlformats.org/officeDocument/2006/relationships" xmlns:p="http://schemas.openxmlformats.org/presentationml/2006/main">
   <p:cSld>
     <p:spTree>
@@ -13908,7 +13491,7 @@
 </p:sld>
 </file>
 
-<file path=ppt/slides/slide17.xml><?xml version="1.0" encoding="utf-8"?>
+<file path=ppt/slides/slide16.xml><?xml version="1.0" encoding="utf-8"?>
 <p:sld xmlns:a="http://schemas.openxmlformats.org/drawingml/2006/main" xmlns:r="http://schemas.openxmlformats.org/officeDocument/2006/relationships" xmlns:p="http://schemas.openxmlformats.org/presentationml/2006/main">
   <p:cSld>
     <p:spTree>
@@ -14221,7 +13804,7 @@
 </p:sld>
 </file>
 
-<file path=ppt/slides/slide18.xml><?xml version="1.0" encoding="utf-8"?>
+<file path=ppt/slides/slide17.xml><?xml version="1.0" encoding="utf-8"?>
 <p:sld xmlns:a="http://schemas.openxmlformats.org/drawingml/2006/main" xmlns:r="http://schemas.openxmlformats.org/officeDocument/2006/relationships" xmlns:p="http://schemas.openxmlformats.org/presentationml/2006/main">
   <p:cSld>
     <p:spTree>
@@ -14325,7 +13908,7 @@
 </p:sld>
 </file>
 
-<file path=ppt/slides/slide19.xml><?xml version="1.0" encoding="utf-8"?>
+<file path=ppt/slides/slide18.xml><?xml version="1.0" encoding="utf-8"?>
 <p:sld xmlns:a="http://schemas.openxmlformats.org/drawingml/2006/main" xmlns:r="http://schemas.openxmlformats.org/officeDocument/2006/relationships" xmlns:p="http://schemas.openxmlformats.org/presentationml/2006/main">
   <p:cSld>
     <p:spTree>
@@ -18457,105 +18040,7 @@
 </p:sld>
 </file>
 
-<file path=ppt/slides/slide2.xml><?xml version="1.0" encoding="utf-8"?>
-<p:sld xmlns:a="http://schemas.openxmlformats.org/drawingml/2006/main" xmlns:r="http://schemas.openxmlformats.org/officeDocument/2006/relationships" xmlns:p="http://schemas.openxmlformats.org/presentationml/2006/main">
-  <p:cSld>
-    <p:spTree>
-      <p:nvGrpSpPr>
-        <p:cNvPr id="1" name=""/>
-        <p:cNvGrpSpPr/>
-        <p:nvPr/>
-      </p:nvGrpSpPr>
-      <p:grpSpPr>
-        <a:xfrm>
-          <a:off x="0" y="0"/>
-          <a:ext cx="0" cy="0"/>
-          <a:chOff x="0" y="0"/>
-          <a:chExt cx="0" cy="0"/>
-        </a:xfrm>
-      </p:grpSpPr>
-      <p:sp>
-        <p:nvSpPr>
-          <p:cNvPr id="4" name="矩形 3">
-            <a:extLst>
-              <a:ext uri="{FF2B5EF4-FFF2-40B4-BE49-F238E27FC236}">
-                <a16:creationId xmlns:a16="http://schemas.microsoft.com/office/drawing/2014/main" id="{677C4603-1CD8-42D2-877D-16D2ED8D18D8}"/>
-              </a:ext>
-            </a:extLst>
-          </p:cNvPr>
-          <p:cNvSpPr/>
-          <p:nvPr/>
-        </p:nvSpPr>
-        <p:spPr>
-          <a:xfrm>
-            <a:off x="695609" y="474630"/>
-            <a:ext cx="4519250" cy="369332"/>
-          </a:xfrm>
-          <a:prstGeom prst="rect">
-            <a:avLst/>
-          </a:prstGeom>
-        </p:spPr>
-        <p:txBody>
-          <a:bodyPr wrap="none">
-            <a:spAutoFit/>
-          </a:bodyPr>
-          <a:lstStyle/>
-          <a:p>
-            <a:r>
-              <a:rPr lang="en-US" dirty="0"/>
-              <a:t>https://www.sohu.com/a/206358256_213117</a:t>
-            </a:r>
-          </a:p>
-        </p:txBody>
-      </p:sp>
-      <p:sp>
-        <p:nvSpPr>
-          <p:cNvPr id="5" name="矩形 4">
-            <a:extLst>
-              <a:ext uri="{FF2B5EF4-FFF2-40B4-BE49-F238E27FC236}">
-                <a16:creationId xmlns:a16="http://schemas.microsoft.com/office/drawing/2014/main" id="{AE8DEF5A-E0C4-4ACC-8CA9-616BF7C95FD8}"/>
-              </a:ext>
-            </a:extLst>
-          </p:cNvPr>
-          <p:cNvSpPr/>
-          <p:nvPr/>
-        </p:nvSpPr>
-        <p:spPr>
-          <a:xfrm>
-            <a:off x="695609" y="938456"/>
-            <a:ext cx="4519250" cy="369332"/>
-          </a:xfrm>
-          <a:prstGeom prst="rect">
-            <a:avLst/>
-          </a:prstGeom>
-        </p:spPr>
-        <p:txBody>
-          <a:bodyPr wrap="none">
-            <a:spAutoFit/>
-          </a:bodyPr>
-          <a:lstStyle/>
-          <a:p>
-            <a:r>
-              <a:rPr lang="en-US" dirty="0"/>
-              <a:t>https://www.sohu.com/a/213497180_210139</a:t>
-            </a:r>
-          </a:p>
-        </p:txBody>
-      </p:sp>
-    </p:spTree>
-    <p:extLst>
-      <p:ext uri="{BB962C8B-B14F-4D97-AF65-F5344CB8AC3E}">
-        <p14:creationId xmlns:p14="http://schemas.microsoft.com/office/powerpoint/2010/main" val="3819984326"/>
-      </p:ext>
-    </p:extLst>
-  </p:cSld>
-  <p:clrMapOvr>
-    <a:masterClrMapping/>
-  </p:clrMapOvr>
-</p:sld>
-</file>
-
-<file path=ppt/slides/slide20.xml><?xml version="1.0" encoding="utf-8"?>
+<file path=ppt/slides/slide19.xml><?xml version="1.0" encoding="utf-8"?>
 <p:sld xmlns:a="http://schemas.openxmlformats.org/drawingml/2006/main" xmlns:r="http://schemas.openxmlformats.org/officeDocument/2006/relationships" xmlns:p="http://schemas.openxmlformats.org/presentationml/2006/main">
   <p:cSld>
     <p:spTree>
@@ -23495,7 +22980,105 @@
 </p:sld>
 </file>
 
-<file path=ppt/slides/slide21.xml><?xml version="1.0" encoding="utf-8"?>
+<file path=ppt/slides/slide2.xml><?xml version="1.0" encoding="utf-8"?>
+<p:sld xmlns:a="http://schemas.openxmlformats.org/drawingml/2006/main" xmlns:r="http://schemas.openxmlformats.org/officeDocument/2006/relationships" xmlns:p="http://schemas.openxmlformats.org/presentationml/2006/main">
+  <p:cSld>
+    <p:spTree>
+      <p:nvGrpSpPr>
+        <p:cNvPr id="1" name=""/>
+        <p:cNvGrpSpPr/>
+        <p:nvPr/>
+      </p:nvGrpSpPr>
+      <p:grpSpPr>
+        <a:xfrm>
+          <a:off x="0" y="0"/>
+          <a:ext cx="0" cy="0"/>
+          <a:chOff x="0" y="0"/>
+          <a:chExt cx="0" cy="0"/>
+        </a:xfrm>
+      </p:grpSpPr>
+      <p:sp>
+        <p:nvSpPr>
+          <p:cNvPr id="4" name="矩形 3">
+            <a:extLst>
+              <a:ext uri="{FF2B5EF4-FFF2-40B4-BE49-F238E27FC236}">
+                <a16:creationId xmlns:a16="http://schemas.microsoft.com/office/drawing/2014/main" id="{677C4603-1CD8-42D2-877D-16D2ED8D18D8}"/>
+              </a:ext>
+            </a:extLst>
+          </p:cNvPr>
+          <p:cNvSpPr/>
+          <p:nvPr/>
+        </p:nvSpPr>
+        <p:spPr>
+          <a:xfrm>
+            <a:off x="695609" y="474630"/>
+            <a:ext cx="4519250" cy="369332"/>
+          </a:xfrm>
+          <a:prstGeom prst="rect">
+            <a:avLst/>
+          </a:prstGeom>
+        </p:spPr>
+        <p:txBody>
+          <a:bodyPr wrap="none">
+            <a:spAutoFit/>
+          </a:bodyPr>
+          <a:lstStyle/>
+          <a:p>
+            <a:r>
+              <a:rPr lang="en-US" dirty="0"/>
+              <a:t>https://www.sohu.com/a/206358256_213117</a:t>
+            </a:r>
+          </a:p>
+        </p:txBody>
+      </p:sp>
+      <p:sp>
+        <p:nvSpPr>
+          <p:cNvPr id="5" name="矩形 4">
+            <a:extLst>
+              <a:ext uri="{FF2B5EF4-FFF2-40B4-BE49-F238E27FC236}">
+                <a16:creationId xmlns:a16="http://schemas.microsoft.com/office/drawing/2014/main" id="{AE8DEF5A-E0C4-4ACC-8CA9-616BF7C95FD8}"/>
+              </a:ext>
+            </a:extLst>
+          </p:cNvPr>
+          <p:cNvSpPr/>
+          <p:nvPr/>
+        </p:nvSpPr>
+        <p:spPr>
+          <a:xfrm>
+            <a:off x="695609" y="938456"/>
+            <a:ext cx="4519250" cy="369332"/>
+          </a:xfrm>
+          <a:prstGeom prst="rect">
+            <a:avLst/>
+          </a:prstGeom>
+        </p:spPr>
+        <p:txBody>
+          <a:bodyPr wrap="none">
+            <a:spAutoFit/>
+          </a:bodyPr>
+          <a:lstStyle/>
+          <a:p>
+            <a:r>
+              <a:rPr lang="en-US" dirty="0"/>
+              <a:t>https://www.sohu.com/a/213497180_210139</a:t>
+            </a:r>
+          </a:p>
+        </p:txBody>
+      </p:sp>
+    </p:spTree>
+    <p:extLst>
+      <p:ext uri="{BB962C8B-B14F-4D97-AF65-F5344CB8AC3E}">
+        <p14:creationId xmlns:p14="http://schemas.microsoft.com/office/powerpoint/2010/main" val="3819984326"/>
+      </p:ext>
+    </p:extLst>
+  </p:cSld>
+  <p:clrMapOvr>
+    <a:masterClrMapping/>
+  </p:clrMapOvr>
+</p:sld>
+</file>
+
+<file path=ppt/slides/slide20.xml><?xml version="1.0" encoding="utf-8"?>
 <p:sld xmlns:a="http://schemas.openxmlformats.org/drawingml/2006/main" xmlns:r="http://schemas.openxmlformats.org/officeDocument/2006/relationships" xmlns:p="http://schemas.openxmlformats.org/presentationml/2006/main">
   <p:cSld>
     <p:spTree>
@@ -29162,7 +28745,7 @@
 </p:sld>
 </file>
 
-<file path=ppt/slides/slide22.xml><?xml version="1.0" encoding="utf-8"?>
+<file path=ppt/slides/slide21.xml><?xml version="1.0" encoding="utf-8"?>
 <p:sld xmlns:a="http://schemas.openxmlformats.org/drawingml/2006/main" xmlns:r="http://schemas.openxmlformats.org/officeDocument/2006/relationships" xmlns:p="http://schemas.openxmlformats.org/presentationml/2006/main">
   <p:cSld>
     <p:spTree>
@@ -36792,7 +36375,7 @@
 </p:sld>
 </file>
 
-<file path=ppt/slides/slide23.xml><?xml version="1.0" encoding="utf-8"?>
+<file path=ppt/slides/slide22.xml><?xml version="1.0" encoding="utf-8"?>
 <p:sld xmlns:a="http://schemas.openxmlformats.org/drawingml/2006/main" xmlns:r="http://schemas.openxmlformats.org/officeDocument/2006/relationships" xmlns:p="http://schemas.openxmlformats.org/presentationml/2006/main">
   <p:cSld>
     <p:spTree>
@@ -36885,7 +36468,7 @@
 </p:sld>
 </file>
 
-<file path=ppt/slides/slide24.xml><?xml version="1.0" encoding="utf-8"?>
+<file path=ppt/slides/slide23.xml><?xml version="1.0" encoding="utf-8"?>
 <p:sld xmlns:a="http://schemas.openxmlformats.org/drawingml/2006/main" xmlns:r="http://schemas.openxmlformats.org/officeDocument/2006/relationships" xmlns:p="http://schemas.openxmlformats.org/presentationml/2006/main">
   <p:cSld>
     <p:spTree>
@@ -37019,7 +36602,7 @@
 </p:sld>
 </file>
 
-<file path=ppt/slides/slide25.xml><?xml version="1.0" encoding="utf-8"?>
+<file path=ppt/slides/slide24.xml><?xml version="1.0" encoding="utf-8"?>
 <p:sld xmlns:a="http://schemas.openxmlformats.org/drawingml/2006/main" xmlns:r="http://schemas.openxmlformats.org/officeDocument/2006/relationships" xmlns:p="http://schemas.openxmlformats.org/presentationml/2006/main">
   <p:cSld>
     <p:spTree>
@@ -38560,7 +38143,7 @@
 </p:sld>
 </file>
 
-<file path=ppt/slides/slide26.xml><?xml version="1.0" encoding="utf-8"?>
+<file path=ppt/slides/slide25.xml><?xml version="1.0" encoding="utf-8"?>
 <p:sld xmlns:a="http://schemas.openxmlformats.org/drawingml/2006/main" xmlns:r="http://schemas.openxmlformats.org/officeDocument/2006/relationships" xmlns:p="http://schemas.openxmlformats.org/presentationml/2006/main">
   <p:cSld>
     <p:spTree>
@@ -40397,7 +39980,7 @@
 </p:sld>
 </file>
 
-<file path=ppt/slides/slide27.xml><?xml version="1.0" encoding="utf-8"?>
+<file path=ppt/slides/slide26.xml><?xml version="1.0" encoding="utf-8"?>
 <p:sld xmlns:a="http://schemas.openxmlformats.org/drawingml/2006/main" xmlns:r="http://schemas.openxmlformats.org/officeDocument/2006/relationships" xmlns:p="http://schemas.openxmlformats.org/presentationml/2006/main">
   <p:cSld>
     <p:spTree>
@@ -41502,7 +41085,7 @@
 </p:sld>
 </file>
 
-<file path=ppt/slides/slide28.xml><?xml version="1.0" encoding="utf-8"?>
+<file path=ppt/slides/slide27.xml><?xml version="1.0" encoding="utf-8"?>
 <p:sld xmlns:a="http://schemas.openxmlformats.org/drawingml/2006/main" xmlns:r="http://schemas.openxmlformats.org/officeDocument/2006/relationships" xmlns:p="http://schemas.openxmlformats.org/presentationml/2006/main">
   <p:cSld>
     <p:spTree>
@@ -42390,7 +41973,7 @@
 </p:sld>
 </file>
 
-<file path=ppt/slides/slide29.xml><?xml version="1.0" encoding="utf-8"?>
+<file path=ppt/slides/slide28.xml><?xml version="1.0" encoding="utf-8"?>
 <p:sld xmlns:a="http://schemas.openxmlformats.org/drawingml/2006/main" xmlns:r="http://schemas.openxmlformats.org/officeDocument/2006/relationships" xmlns:p="http://schemas.openxmlformats.org/presentationml/2006/main">
   <p:cSld>
     <p:spTree>
@@ -45926,88 +45509,7 @@
 </p:sld>
 </file>
 
-<file path=ppt/slides/slide3.xml><?xml version="1.0" encoding="utf-8"?>
-<p:sld xmlns:a="http://schemas.openxmlformats.org/drawingml/2006/main" xmlns:r="http://schemas.openxmlformats.org/officeDocument/2006/relationships" xmlns:p="http://schemas.openxmlformats.org/presentationml/2006/main">
-  <p:cSld>
-    <p:spTree>
-      <p:nvGrpSpPr>
-        <p:cNvPr id="1" name=""/>
-        <p:cNvGrpSpPr/>
-        <p:nvPr/>
-      </p:nvGrpSpPr>
-      <p:grpSpPr>
-        <a:xfrm>
-          <a:off x="0" y="0"/>
-          <a:ext cx="0" cy="0"/>
-          <a:chOff x="0" y="0"/>
-          <a:chExt cx="0" cy="0"/>
-        </a:xfrm>
-      </p:grpSpPr>
-      <p:sp>
-        <p:nvSpPr>
-          <p:cNvPr id="7" name="文本框 6"/>
-          <p:cNvSpPr txBox="1"/>
-          <p:nvPr>
-            <p:custDataLst>
-              <p:tags r:id="rId2"/>
-            </p:custDataLst>
-          </p:nvPr>
-        </p:nvSpPr>
-        <p:spPr>
-          <a:xfrm>
-            <a:off x="833967" y="605895"/>
-            <a:ext cx="10515599" cy="717022"/>
-          </a:xfrm>
-          <a:prstGeom prst="rect">
-            <a:avLst/>
-          </a:prstGeom>
-        </p:spPr>
-        <p:txBody>
-          <a:bodyPr vert="horz" lIns="91440" tIns="45720" rIns="91440" bIns="45720" rtlCol="0" anchor="b">
-            <a:normAutofit/>
-          </a:bodyPr>
-          <a:lstStyle>
-            <a:lvl1pPr>
-              <a:lnSpc>
-                <a:spcPct val="90000"/>
-              </a:lnSpc>
-              <a:spcBef>
-                <a:spcPct val="0"/>
-              </a:spcBef>
-              <a:buNone/>
-              <a:defRPr sz="3200" b="1" i="0" baseline="0">
-                <a:solidFill>
-                  <a:schemeClr val="accent1">
-                    <a:lumMod val="75000"/>
-                  </a:schemeClr>
-                </a:solidFill>
-                <a:effectLst/>
-                <a:latin typeface="+mj-lt"/>
-                <a:ea typeface="+mj-ea"/>
-                <a:cs typeface="+mj-cs"/>
-              </a:defRPr>
-            </a:lvl1pPr>
-          </a:lstStyle>
-          <a:p>
-            <a:r>
-              <a:rPr lang="zh-CN" altLang="en-US" dirty="0"/>
-              <a:t>橙子的种类</a:t>
-            </a:r>
-          </a:p>
-        </p:txBody>
-      </p:sp>
-    </p:spTree>
-    <p:custDataLst>
-      <p:tags r:id="rId1"/>
-    </p:custDataLst>
-  </p:cSld>
-  <p:clrMapOvr>
-    <a:masterClrMapping/>
-  </p:clrMapOvr>
-</p:sld>
-</file>
-
-<file path=ppt/slides/slide30.xml><?xml version="1.0" encoding="utf-8"?>
+<file path=ppt/slides/slide29.xml><?xml version="1.0" encoding="utf-8"?>
 <p:sld xmlns:a="http://schemas.openxmlformats.org/drawingml/2006/main" xmlns:r="http://schemas.openxmlformats.org/officeDocument/2006/relationships" xmlns:p="http://schemas.openxmlformats.org/presentationml/2006/main">
   <p:cSld>
     <p:spTree>
@@ -47263,6 +46765,122 @@
 </p:sld>
 </file>
 
+<file path=ppt/slides/slide3.xml><?xml version="1.0" encoding="utf-8"?>
+<p:sld xmlns:a="http://schemas.openxmlformats.org/drawingml/2006/main" xmlns:r="http://schemas.openxmlformats.org/officeDocument/2006/relationships" xmlns:p="http://schemas.openxmlformats.org/presentationml/2006/main">
+  <p:cSld>
+    <p:spTree>
+      <p:nvGrpSpPr>
+        <p:cNvPr id="1" name=""/>
+        <p:cNvGrpSpPr/>
+        <p:nvPr/>
+      </p:nvGrpSpPr>
+      <p:grpSpPr>
+        <a:xfrm>
+          <a:off x="0" y="0"/>
+          <a:ext cx="0" cy="0"/>
+          <a:chOff x="0" y="0"/>
+          <a:chExt cx="0" cy="0"/>
+        </a:xfrm>
+      </p:grpSpPr>
+      <p:sp>
+        <p:nvSpPr>
+          <p:cNvPr id="7" name="文本框 6"/>
+          <p:cNvSpPr txBox="1"/>
+          <p:nvPr>
+            <p:custDataLst>
+              <p:tags r:id="rId2"/>
+            </p:custDataLst>
+          </p:nvPr>
+        </p:nvSpPr>
+        <p:spPr>
+          <a:xfrm>
+            <a:off x="833967" y="605895"/>
+            <a:ext cx="10515599" cy="717022"/>
+          </a:xfrm>
+          <a:prstGeom prst="rect">
+            <a:avLst/>
+          </a:prstGeom>
+        </p:spPr>
+        <p:txBody>
+          <a:bodyPr vert="horz" lIns="91440" tIns="45720" rIns="91440" bIns="45720" rtlCol="0" anchor="b">
+            <a:normAutofit/>
+          </a:bodyPr>
+          <a:lstStyle>
+            <a:lvl1pPr>
+              <a:lnSpc>
+                <a:spcPct val="90000"/>
+              </a:lnSpc>
+              <a:spcBef>
+                <a:spcPct val="0"/>
+              </a:spcBef>
+              <a:buNone/>
+              <a:defRPr sz="3200" b="1" i="0" baseline="0">
+                <a:solidFill>
+                  <a:schemeClr val="accent1">
+                    <a:lumMod val="75000"/>
+                  </a:schemeClr>
+                </a:solidFill>
+                <a:effectLst/>
+                <a:latin typeface="+mj-lt"/>
+                <a:ea typeface="+mj-ea"/>
+                <a:cs typeface="+mj-cs"/>
+              </a:defRPr>
+            </a:lvl1pPr>
+          </a:lstStyle>
+          <a:p>
+            <a:r>
+              <a:rPr lang="zh-CN" altLang="en-US" dirty="0"/>
+              <a:t>橙子的种类</a:t>
+            </a:r>
+          </a:p>
+        </p:txBody>
+      </p:sp>
+      <p:sp>
+        <p:nvSpPr>
+          <p:cNvPr id="2" name="矩形 1">
+            <a:extLst>
+              <a:ext uri="{FF2B5EF4-FFF2-40B4-BE49-F238E27FC236}">
+                <a16:creationId xmlns:a16="http://schemas.microsoft.com/office/drawing/2014/main" id="{702C89E8-369D-4F45-AC51-F9602FD6148D}"/>
+              </a:ext>
+            </a:extLst>
+          </p:cNvPr>
+          <p:cNvSpPr/>
+          <p:nvPr/>
+        </p:nvSpPr>
+        <p:spPr>
+          <a:xfrm>
+            <a:off x="1609960" y="1521551"/>
+            <a:ext cx="1338828" cy="369332"/>
+          </a:xfrm>
+          <a:prstGeom prst="rect">
+            <a:avLst/>
+          </a:prstGeom>
+        </p:spPr>
+        <p:txBody>
+          <a:bodyPr wrap="none">
+            <a:spAutoFit/>
+          </a:bodyPr>
+          <a:lstStyle/>
+          <a:p>
+            <a:r>
+              <a:rPr lang="en-US" dirty="0" err="1"/>
+              <a:t>纽荷尔脐橙</a:t>
+            </a:r>
+            <a:endParaRPr lang="en-US" dirty="0"/>
+          </a:p>
+        </p:txBody>
+      </p:sp>
+    </p:spTree>
+    <p:custDataLst>
+      <p:tags r:id="rId1"/>
+    </p:custDataLst>
+  </p:cSld>
+  <p:clrMapOvr>
+    <a:masterClrMapping/>
+  </p:clrMapOvr>
+</p:sld>
+</file>
+
 <file path=ppt/slides/slide4.xml><?xml version="1.0" encoding="utf-8"?>
 <p:sld xmlns:a="http://schemas.openxmlformats.org/drawingml/2006/main" xmlns:r="http://schemas.openxmlformats.org/officeDocument/2006/relationships" xmlns:p="http://schemas.openxmlformats.org/presentationml/2006/main">
   <p:cSld>
@@ -48064,92 +47682,6 @@
       </p:grpSpPr>
       <p:sp>
         <p:nvSpPr>
-          <p:cNvPr id="7" name="文本框 6"/>
-          <p:cNvSpPr txBox="1"/>
-          <p:nvPr>
-            <p:custDataLst>
-              <p:tags r:id="rId2"/>
-            </p:custDataLst>
-          </p:nvPr>
-        </p:nvSpPr>
-        <p:spPr>
-          <a:xfrm>
-            <a:off x="833967" y="605895"/>
-            <a:ext cx="10515599" cy="717022"/>
-          </a:xfrm>
-          <a:prstGeom prst="rect">
-            <a:avLst/>
-          </a:prstGeom>
-        </p:spPr>
-        <p:txBody>
-          <a:bodyPr vert="horz" lIns="91440" tIns="45720" rIns="91440" bIns="45720" rtlCol="0" anchor="b">
-            <a:normAutofit/>
-          </a:bodyPr>
-          <a:lstStyle>
-            <a:lvl1pPr>
-              <a:lnSpc>
-                <a:spcPct val="90000"/>
-              </a:lnSpc>
-              <a:spcBef>
-                <a:spcPct val="0"/>
-              </a:spcBef>
-              <a:buNone/>
-              <a:defRPr sz="3200" b="1" i="0" baseline="0">
-                <a:solidFill>
-                  <a:schemeClr val="accent1">
-                    <a:lumMod val="75000"/>
-                  </a:schemeClr>
-                </a:solidFill>
-                <a:effectLst/>
-                <a:latin typeface="+mj-lt"/>
-                <a:ea typeface="+mj-ea"/>
-                <a:cs typeface="+mj-cs"/>
-              </a:defRPr>
-            </a:lvl1pPr>
-          </a:lstStyle>
-          <a:p>
-            <a:r>
-              <a:rPr lang="zh-CN" altLang="en-US" dirty="0"/>
-              <a:t>糖酸比怎么测算</a:t>
-            </a:r>
-          </a:p>
-        </p:txBody>
-      </p:sp>
-    </p:spTree>
-    <p:custDataLst>
-      <p:tags r:id="rId1"/>
-    </p:custDataLst>
-    <p:extLst>
-      <p:ext uri="{BB962C8B-B14F-4D97-AF65-F5344CB8AC3E}">
-        <p14:creationId xmlns:p14="http://schemas.microsoft.com/office/powerpoint/2010/main" val="1478136744"/>
-      </p:ext>
-    </p:extLst>
-  </p:cSld>
-  <p:clrMapOvr>
-    <a:masterClrMapping/>
-  </p:clrMapOvr>
-</p:sld>
-</file>
-
-<file path=ppt/slides/slide7.xml><?xml version="1.0" encoding="utf-8"?>
-<p:sld xmlns:a="http://schemas.openxmlformats.org/drawingml/2006/main" xmlns:r="http://schemas.openxmlformats.org/officeDocument/2006/relationships" xmlns:p="http://schemas.openxmlformats.org/presentationml/2006/main">
-  <p:cSld>
-    <p:spTree>
-      <p:nvGrpSpPr>
-        <p:cNvPr id="1" name=""/>
-        <p:cNvGrpSpPr/>
-        <p:nvPr/>
-      </p:nvGrpSpPr>
-      <p:grpSpPr>
-        <a:xfrm>
-          <a:off x="0" y="0"/>
-          <a:ext cx="0" cy="0"/>
-          <a:chOff x="0" y="0"/>
-          <a:chExt cx="0" cy="0"/>
-        </a:xfrm>
-      </p:grpSpPr>
-      <p:sp>
-        <p:nvSpPr>
           <p:cNvPr id="3" name="文本框 2"/>
           <p:cNvSpPr txBox="1"/>
           <p:nvPr>
@@ -48671,7 +48203,7 @@
 </p:sld>
 </file>
 
-<file path=ppt/slides/slide8.xml><?xml version="1.0" encoding="utf-8"?>
+<file path=ppt/slides/slide7.xml><?xml version="1.0" encoding="utf-8"?>
 <p:sld xmlns:a="http://schemas.openxmlformats.org/drawingml/2006/main" xmlns:r="http://schemas.openxmlformats.org/officeDocument/2006/relationships" xmlns:p="http://schemas.openxmlformats.org/presentationml/2006/main">
   <p:cSld>
     <p:spTree>
@@ -48817,7 +48349,7 @@
 </p:sld>
 </file>
 
-<file path=ppt/slides/slide9.xml><?xml version="1.0" encoding="utf-8"?>
+<file path=ppt/slides/slide8.xml><?xml version="1.0" encoding="utf-8"?>
 <p:sld xmlns:a="http://schemas.openxmlformats.org/drawingml/2006/main" xmlns:r="http://schemas.openxmlformats.org/officeDocument/2006/relationships" xmlns:p="http://schemas.openxmlformats.org/presentationml/2006/main">
   <p:cSld>
     <p:spTree>
@@ -48903,6 +48435,338 @@
 </p:sld>
 </file>
 
+<file path=ppt/slides/slide9.xml><?xml version="1.0" encoding="utf-8"?>
+<p:sld xmlns:a="http://schemas.openxmlformats.org/drawingml/2006/main" xmlns:r="http://schemas.openxmlformats.org/officeDocument/2006/relationships" xmlns:p="http://schemas.openxmlformats.org/presentationml/2006/main">
+  <p:cSld>
+    <p:spTree>
+      <p:nvGrpSpPr>
+        <p:cNvPr id="1" name=""/>
+        <p:cNvGrpSpPr/>
+        <p:nvPr/>
+      </p:nvGrpSpPr>
+      <p:grpSpPr>
+        <a:xfrm>
+          <a:off x="0" y="0"/>
+          <a:ext cx="0" cy="0"/>
+          <a:chOff x="0" y="0"/>
+          <a:chExt cx="0" cy="0"/>
+        </a:xfrm>
+      </p:grpSpPr>
+      <p:sp>
+        <p:nvSpPr>
+          <p:cNvPr id="7" name="文本框 6"/>
+          <p:cNvSpPr txBox="1"/>
+          <p:nvPr>
+            <p:custDataLst>
+              <p:tags r:id="rId2"/>
+            </p:custDataLst>
+          </p:nvPr>
+        </p:nvSpPr>
+        <p:spPr>
+          <a:xfrm>
+            <a:off x="833967" y="605895"/>
+            <a:ext cx="10515599" cy="717022"/>
+          </a:xfrm>
+          <a:prstGeom prst="rect">
+            <a:avLst/>
+          </a:prstGeom>
+        </p:spPr>
+        <p:txBody>
+          <a:bodyPr vert="horz" lIns="91440" tIns="45720" rIns="91440" bIns="45720" rtlCol="0" anchor="b">
+            <a:normAutofit/>
+          </a:bodyPr>
+          <a:lstStyle>
+            <a:lvl1pPr>
+              <a:lnSpc>
+                <a:spcPct val="90000"/>
+              </a:lnSpc>
+              <a:spcBef>
+                <a:spcPct val="0"/>
+              </a:spcBef>
+              <a:buNone/>
+              <a:defRPr sz="3200" b="1" i="0" baseline="0">
+                <a:solidFill>
+                  <a:schemeClr val="accent1">
+                    <a:lumMod val="75000"/>
+                  </a:schemeClr>
+                </a:solidFill>
+                <a:effectLst/>
+                <a:latin typeface="+mj-lt"/>
+                <a:ea typeface="+mj-ea"/>
+                <a:cs typeface="+mj-cs"/>
+              </a:defRPr>
+            </a:lvl1pPr>
+          </a:lstStyle>
+          <a:p>
+            <a:r>
+              <a:rPr lang="zh-CN" altLang="en-US" dirty="0"/>
+              <a:t>褚橙</a:t>
+            </a:r>
+          </a:p>
+        </p:txBody>
+      </p:sp>
+      <p:sp>
+        <p:nvSpPr>
+          <p:cNvPr id="3" name="矩形 2">
+            <a:extLst>
+              <a:ext uri="{FF2B5EF4-FFF2-40B4-BE49-F238E27FC236}">
+                <a16:creationId xmlns:a16="http://schemas.microsoft.com/office/drawing/2014/main" id="{B79919AF-B917-4910-805F-0D987D7A965C}"/>
+              </a:ext>
+            </a:extLst>
+          </p:cNvPr>
+          <p:cNvSpPr/>
+          <p:nvPr/>
+        </p:nvSpPr>
+        <p:spPr>
+          <a:xfrm>
+            <a:off x="833966" y="1465159"/>
+            <a:ext cx="10515599" cy="923330"/>
+          </a:xfrm>
+          <a:prstGeom prst="rect">
+            <a:avLst/>
+          </a:prstGeom>
+        </p:spPr>
+        <p:txBody>
+          <a:bodyPr wrap="square">
+            <a:spAutoFit/>
+          </a:bodyPr>
+          <a:lstStyle/>
+          <a:p>
+            <a:r>
+              <a:rPr lang="zh-CN" altLang="en-US" dirty="0">
+                <a:solidFill>
+                  <a:srgbClr val="2F2F2F"/>
+                </a:solidFill>
+                <a:latin typeface="-apple-system"/>
+              </a:rPr>
+              <a:t>在淘宝网上，</a:t>
+            </a:r>
+            <a:r>
+              <a:rPr lang="en-US" altLang="zh-CN" dirty="0">
+                <a:solidFill>
+                  <a:srgbClr val="2F2F2F"/>
+                </a:solidFill>
+                <a:latin typeface="-apple-system"/>
+              </a:rPr>
+              <a:t>10</a:t>
+            </a:r>
+            <a:r>
+              <a:rPr lang="zh-CN" altLang="en-US" dirty="0">
+                <a:solidFill>
+                  <a:srgbClr val="2F2F2F"/>
+                </a:solidFill>
+                <a:latin typeface="-apple-system"/>
+              </a:rPr>
+              <a:t>斤装的</a:t>
+            </a:r>
+            <a:r>
+              <a:rPr lang="en-US" altLang="zh-CN" dirty="0">
+                <a:solidFill>
+                  <a:srgbClr val="2F2F2F"/>
+                </a:solidFill>
+                <a:latin typeface="-apple-system"/>
+              </a:rPr>
+              <a:t>17.5°</a:t>
+            </a:r>
+            <a:r>
+              <a:rPr lang="zh-CN" altLang="en-US" dirty="0">
+                <a:solidFill>
+                  <a:srgbClr val="2F2F2F"/>
+                </a:solidFill>
+                <a:latin typeface="-apple-system"/>
+              </a:rPr>
+              <a:t>橙正常售价</a:t>
+            </a:r>
+            <a:r>
+              <a:rPr lang="en-US" altLang="zh-CN" dirty="0">
+                <a:solidFill>
+                  <a:srgbClr val="2F2F2F"/>
+                </a:solidFill>
+                <a:latin typeface="-apple-system"/>
+              </a:rPr>
+              <a:t>258</a:t>
+            </a:r>
+            <a:r>
+              <a:rPr lang="zh-CN" altLang="en-US" dirty="0">
+                <a:solidFill>
+                  <a:srgbClr val="2F2F2F"/>
+                </a:solidFill>
+                <a:latin typeface="-apple-system"/>
+              </a:rPr>
+              <a:t>元，促销价</a:t>
+            </a:r>
+            <a:r>
+              <a:rPr lang="en-US" altLang="zh-CN" dirty="0">
+                <a:solidFill>
+                  <a:srgbClr val="2F2F2F"/>
+                </a:solidFill>
+                <a:latin typeface="-apple-system"/>
+              </a:rPr>
+              <a:t>148</a:t>
+            </a:r>
+            <a:r>
+              <a:rPr lang="zh-CN" altLang="en-US" dirty="0">
+                <a:solidFill>
+                  <a:srgbClr val="2F2F2F"/>
+                </a:solidFill>
+                <a:latin typeface="-apple-system"/>
+              </a:rPr>
+              <a:t>元，折算下来为</a:t>
+            </a:r>
+            <a:r>
+              <a:rPr lang="en-US" altLang="zh-CN" dirty="0">
+                <a:solidFill>
+                  <a:srgbClr val="2F2F2F"/>
+                </a:solidFill>
+                <a:latin typeface="-apple-system"/>
+              </a:rPr>
+              <a:t>14.8</a:t>
+            </a:r>
+            <a:r>
+              <a:rPr lang="zh-CN" altLang="en-US" dirty="0">
+                <a:solidFill>
+                  <a:srgbClr val="2F2F2F"/>
+                </a:solidFill>
+                <a:latin typeface="-apple-system"/>
+              </a:rPr>
+              <a:t>元</a:t>
+            </a:r>
+            <a:r>
+              <a:rPr lang="en-US" altLang="zh-CN" dirty="0">
+                <a:solidFill>
+                  <a:srgbClr val="2F2F2F"/>
+                </a:solidFill>
+                <a:latin typeface="-apple-system"/>
+              </a:rPr>
+              <a:t>/</a:t>
+            </a:r>
+            <a:r>
+              <a:rPr lang="zh-CN" altLang="en-US" dirty="0">
+                <a:solidFill>
+                  <a:srgbClr val="2F2F2F"/>
+                </a:solidFill>
+                <a:latin typeface="-apple-system"/>
+              </a:rPr>
+              <a:t>斤。同期另一个靠情怀的品牌，褚橙促销价为</a:t>
+            </a:r>
+            <a:r>
+              <a:rPr lang="en-US" altLang="zh-CN" dirty="0">
+                <a:solidFill>
+                  <a:srgbClr val="2F2F2F"/>
+                </a:solidFill>
+                <a:latin typeface="-apple-system"/>
+              </a:rPr>
+              <a:t>19.8</a:t>
+            </a:r>
+            <a:r>
+              <a:rPr lang="zh-CN" altLang="en-US" dirty="0">
+                <a:solidFill>
+                  <a:srgbClr val="2F2F2F"/>
+                </a:solidFill>
+                <a:latin typeface="-apple-system"/>
+              </a:rPr>
+              <a:t>元</a:t>
+            </a:r>
+            <a:r>
+              <a:rPr lang="en-US" altLang="zh-CN" dirty="0">
+                <a:solidFill>
+                  <a:srgbClr val="2F2F2F"/>
+                </a:solidFill>
+                <a:latin typeface="-apple-system"/>
+              </a:rPr>
+              <a:t>/</a:t>
+            </a:r>
+            <a:r>
+              <a:rPr lang="zh-CN" altLang="en-US" dirty="0">
+                <a:solidFill>
+                  <a:srgbClr val="2F2F2F"/>
+                </a:solidFill>
+                <a:latin typeface="-apple-system"/>
+              </a:rPr>
+              <a:t>斤，而其它普通赣州脐橙，淘宝普遍价只为</a:t>
+            </a:r>
+            <a:r>
+              <a:rPr lang="en-US" altLang="zh-CN" dirty="0">
+                <a:solidFill>
+                  <a:srgbClr val="2F2F2F"/>
+                </a:solidFill>
+                <a:latin typeface="-apple-system"/>
+              </a:rPr>
+              <a:t>6</a:t>
+            </a:r>
+            <a:r>
+              <a:rPr lang="zh-CN" altLang="en-US" dirty="0">
+                <a:solidFill>
+                  <a:srgbClr val="2F2F2F"/>
+                </a:solidFill>
+                <a:latin typeface="-apple-system"/>
+              </a:rPr>
+              <a:t>元</a:t>
+            </a:r>
+            <a:r>
+              <a:rPr lang="en-US" altLang="zh-CN" dirty="0">
+                <a:solidFill>
+                  <a:srgbClr val="2F2F2F"/>
+                </a:solidFill>
+                <a:latin typeface="-apple-system"/>
+              </a:rPr>
+              <a:t>/</a:t>
+            </a:r>
+            <a:r>
+              <a:rPr lang="zh-CN" altLang="en-US" dirty="0">
+                <a:solidFill>
+                  <a:srgbClr val="2F2F2F"/>
+                </a:solidFill>
+                <a:latin typeface="-apple-system"/>
+              </a:rPr>
+              <a:t>斤左右。</a:t>
+            </a:r>
+          </a:p>
+          <a:p>
+            <a:r>
+              <a:rPr lang="zh-CN" altLang="en-US" dirty="0">
+                <a:solidFill>
+                  <a:srgbClr val="2F2F2F"/>
+                </a:solidFill>
+                <a:latin typeface="-apple-system"/>
+              </a:rPr>
+              <a:t>超高品质带来超高溢价，想确保每个橙子的品质，现代科技和重重筛选必不可少</a:t>
+            </a:r>
+            <a:r>
+              <a:rPr lang="en-US" altLang="zh-CN" dirty="0">
+                <a:solidFill>
+                  <a:srgbClr val="2F2F2F"/>
+                </a:solidFill>
+                <a:latin typeface="-apple-system"/>
+              </a:rPr>
+              <a:t>!</a:t>
+            </a:r>
+            <a:endParaRPr lang="en-US" altLang="zh-CN" b="0" i="0" dirty="0">
+              <a:solidFill>
+                <a:srgbClr val="2F2F2F"/>
+              </a:solidFill>
+              <a:effectLst/>
+              <a:latin typeface="-apple-system"/>
+            </a:endParaRPr>
+          </a:p>
+        </p:txBody>
+      </p:sp>
+    </p:spTree>
+    <p:custDataLst>
+      <p:tags r:id="rId1"/>
+    </p:custDataLst>
+    <p:extLst>
+      <p:ext uri="{BB962C8B-B14F-4D97-AF65-F5344CB8AC3E}">
+        <p14:creationId xmlns:p14="http://schemas.microsoft.com/office/powerpoint/2010/main" val="3596879443"/>
+      </p:ext>
+    </p:extLst>
+  </p:cSld>
+  <p:clrMapOvr>
+    <a:masterClrMapping/>
+  </p:clrMapOvr>
+</p:sld>
+</file>
+
 <file path=ppt/tags/tag1.xml><?xml version="1.0" encoding="utf-8"?>
 <p:tagLst xmlns:a="http://schemas.openxmlformats.org/drawingml/2006/main" xmlns:r="http://schemas.openxmlformats.org/officeDocument/2006/relationships" xmlns:p="http://schemas.openxmlformats.org/presentationml/2006/main">
   <p:tag name="MH" val="20150923165736"/>
@@ -48924,41 +48788,6 @@
 <p:tagLst xmlns:a="http://schemas.openxmlformats.org/drawingml/2006/main" xmlns:r="http://schemas.openxmlformats.org/officeDocument/2006/relationships" xmlns:p="http://schemas.openxmlformats.org/presentationml/2006/main">
   <p:tag name="KSO_WM_TAG_VERSION" val="1.0"/>
   <p:tag name="KSO_WM_BEAUTIFY_FLAG" val="#wm#"/>
-  <p:tag name="KSO_WM_UNIT_TYPE" val="i"/>
-  <p:tag name="KSO_WM_UNIT_ID" val="custom160106_17*i*28"/>
-  <p:tag name="KSO_WM_TEMPLATE_CATEGORY" val="custom"/>
-  <p:tag name="KSO_WM_TEMPLATE_INDEX" val="160106"/>
-</p:tagLst>
-</file>
-
-<file path=ppt/tags/tag101.xml><?xml version="1.0" encoding="utf-8"?>
-<p:tagLst xmlns:a="http://schemas.openxmlformats.org/drawingml/2006/main" xmlns:r="http://schemas.openxmlformats.org/officeDocument/2006/relationships" xmlns:p="http://schemas.openxmlformats.org/presentationml/2006/main">
-  <p:tag name="KSO_WM_TAG_VERSION" val="1.0"/>
-  <p:tag name="KSO_WM_BEAUTIFY_FLAG" val="#wm#"/>
-  <p:tag name="KSO_WM_TEMPLATE_CATEGORY" val="custom"/>
-  <p:tag name="KSO_WM_TEMPLATE_INDEX" val="160106"/>
-  <p:tag name="MH" val="20150923164903"/>
-  <p:tag name="MH_LIBRARY" val="GRAPHIC"/>
-  <p:tag name="MH_TYPE" val="PageTitle"/>
-  <p:tag name="MH_ORDER" val="PageTitle"/>
-  <p:tag name="KSO_WM_UNIT_TYPE" val="a"/>
-  <p:tag name="KSO_WM_UNIT_INDEX" val="1"/>
-  <p:tag name="KSO_WM_UNIT_ID" val="custom160106_17*a*1"/>
-  <p:tag name="KSO_WM_UNIT_CLEAR" val="1"/>
-  <p:tag name="KSO_WM_UNIT_LAYERLEVEL" val="1"/>
-  <p:tag name="KSO_WM_UNIT_VALUE" val="29"/>
-  <p:tag name="KSO_WM_UNIT_ISCONTENTSTITLE" val="0"/>
-  <p:tag name="KSO_WM_UNIT_HIGHLIGHT" val="0"/>
-  <p:tag name="KSO_WM_UNIT_COMPATIBLE" val="0"/>
-  <p:tag name="KSO_WM_UNIT_PRESET_TEXT_INDEX" val="3"/>
-  <p:tag name="KSO_WM_UNIT_PRESET_TEXT_LEN" val="17"/>
-</p:tagLst>
-</file>
-
-<file path=ppt/tags/tag102.xml><?xml version="1.0" encoding="utf-8"?>
-<p:tagLst xmlns:a="http://schemas.openxmlformats.org/drawingml/2006/main" xmlns:r="http://schemas.openxmlformats.org/officeDocument/2006/relationships" xmlns:p="http://schemas.openxmlformats.org/presentationml/2006/main">
-  <p:tag name="KSO_WM_TAG_VERSION" val="1.0"/>
-  <p:tag name="KSO_WM_BEAUTIFY_FLAG" val="#wm#"/>
   <p:tag name="KSO_WM_TEMPLATE_CATEGORY" val="custom"/>
   <p:tag name="KSO_WM_TEMPLATE_INDEX" val="160106"/>
   <p:tag name="MH" val="20150923164903"/>
@@ -48974,7 +48803,7 @@
 </p:tagLst>
 </file>
 
-<file path=ppt/tags/tag103.xml><?xml version="1.0" encoding="utf-8"?>
+<file path=ppt/tags/tag101.xml><?xml version="1.0" encoding="utf-8"?>
 <p:tagLst xmlns:a="http://schemas.openxmlformats.org/drawingml/2006/main" xmlns:r="http://schemas.openxmlformats.org/officeDocument/2006/relationships" xmlns:p="http://schemas.openxmlformats.org/presentationml/2006/main">
   <p:tag name="KSO_WM_TAG_VERSION" val="1.0"/>
   <p:tag name="KSO_WM_BEAUTIFY_FLAG" val="#wm#"/>
@@ -48993,7 +48822,7 @@
 </p:tagLst>
 </file>
 
-<file path=ppt/tags/tag104.xml><?xml version="1.0" encoding="utf-8"?>
+<file path=ppt/tags/tag102.xml><?xml version="1.0" encoding="utf-8"?>
 <p:tagLst xmlns:a="http://schemas.openxmlformats.org/drawingml/2006/main" xmlns:r="http://schemas.openxmlformats.org/officeDocument/2006/relationships" xmlns:p="http://schemas.openxmlformats.org/presentationml/2006/main">
   <p:tag name="KSO_WM_TAG_VERSION" val="1.0"/>
   <p:tag name="KSO_WM_BEAUTIFY_FLAG" val="#wm#"/>
@@ -49017,7 +48846,7 @@
 </p:tagLst>
 </file>
 
-<file path=ppt/tags/tag105.xml><?xml version="1.0" encoding="utf-8"?>
+<file path=ppt/tags/tag103.xml><?xml version="1.0" encoding="utf-8"?>
 <p:tagLst xmlns:a="http://schemas.openxmlformats.org/drawingml/2006/main" xmlns:r="http://schemas.openxmlformats.org/officeDocument/2006/relationships" xmlns:p="http://schemas.openxmlformats.org/presentationml/2006/main">
   <p:tag name="KSO_WM_TAG_VERSION" val="1.0"/>
   <p:tag name="KSO_WM_BEAUTIFY_FLAG" val="#wm#"/>
@@ -49036,7 +48865,7 @@
 </p:tagLst>
 </file>
 
-<file path=ppt/tags/tag106.xml><?xml version="1.0" encoding="utf-8"?>
+<file path=ppt/tags/tag104.xml><?xml version="1.0" encoding="utf-8"?>
 <p:tagLst xmlns:a="http://schemas.openxmlformats.org/drawingml/2006/main" xmlns:r="http://schemas.openxmlformats.org/officeDocument/2006/relationships" xmlns:p="http://schemas.openxmlformats.org/presentationml/2006/main">
   <p:tag name="KSO_WM_TAG_VERSION" val="1.0"/>
   <p:tag name="KSO_WM_BEAUTIFY_FLAG" val="#wm#"/>
@@ -49055,7 +48884,7 @@
 </p:tagLst>
 </file>
 
-<file path=ppt/tags/tag107.xml><?xml version="1.0" encoding="utf-8"?>
+<file path=ppt/tags/tag105.xml><?xml version="1.0" encoding="utf-8"?>
 <p:tagLst xmlns:a="http://schemas.openxmlformats.org/drawingml/2006/main" xmlns:r="http://schemas.openxmlformats.org/officeDocument/2006/relationships" xmlns:p="http://schemas.openxmlformats.org/presentationml/2006/main">
   <p:tag name="KSO_WM_TAG_VERSION" val="1.0"/>
   <p:tag name="KSO_WM_BEAUTIFY_FLAG" val="#wm#"/>
@@ -49079,7 +48908,7 @@
 </p:tagLst>
 </file>
 
-<file path=ppt/tags/tag108.xml><?xml version="1.0" encoding="utf-8"?>
+<file path=ppt/tags/tag106.xml><?xml version="1.0" encoding="utf-8"?>
 <p:tagLst xmlns:a="http://schemas.openxmlformats.org/drawingml/2006/main" xmlns:r="http://schemas.openxmlformats.org/officeDocument/2006/relationships" xmlns:p="http://schemas.openxmlformats.org/presentationml/2006/main">
   <p:tag name="KSO_WM_TAG_VERSION" val="1.0"/>
   <p:tag name="KSO_WM_BEAUTIFY_FLAG" val="#wm#"/>
@@ -49103,7 +48932,7 @@
 </p:tagLst>
 </file>
 
-<file path=ppt/tags/tag109.xml><?xml version="1.0" encoding="utf-8"?>
+<file path=ppt/tags/tag107.xml><?xml version="1.0" encoding="utf-8"?>
 <p:tagLst xmlns:a="http://schemas.openxmlformats.org/drawingml/2006/main" xmlns:r="http://schemas.openxmlformats.org/officeDocument/2006/relationships" xmlns:p="http://schemas.openxmlformats.org/presentationml/2006/main">
   <p:tag name="KSO_WM_TAG_VERSION" val="1.0"/>
   <p:tag name="KSO_WM_BEAUTIFY_FLAG" val="#wm#"/>
@@ -49122,15 +48951,7 @@
 </p:tagLst>
 </file>
 
-<file path=ppt/tags/tag11.xml><?xml version="1.0" encoding="utf-8"?>
-<p:tagLst xmlns:a="http://schemas.openxmlformats.org/drawingml/2006/main" xmlns:r="http://schemas.openxmlformats.org/officeDocument/2006/relationships" xmlns:p="http://schemas.openxmlformats.org/presentationml/2006/main">
-  <p:tag name="MH" val="20150923171423"/>
-  <p:tag name="MH_LIBRARY" val="GRAPHIC"/>
-  <p:tag name="MH_ORDER" val="Rectangle 29"/>
-</p:tagLst>
-</file>
-
-<file path=ppt/tags/tag110.xml><?xml version="1.0" encoding="utf-8"?>
+<file path=ppt/tags/tag108.xml><?xml version="1.0" encoding="utf-8"?>
 <p:tagLst xmlns:a="http://schemas.openxmlformats.org/drawingml/2006/main" xmlns:r="http://schemas.openxmlformats.org/officeDocument/2006/relationships" xmlns:p="http://schemas.openxmlformats.org/presentationml/2006/main">
   <p:tag name="KSO_WM_TAG_VERSION" val="1.0"/>
   <p:tag name="KSO_WM_BEAUTIFY_FLAG" val="#wm#"/>
@@ -49149,7 +48970,7 @@
 </p:tagLst>
 </file>
 
-<file path=ppt/tags/tag111.xml><?xml version="1.0" encoding="utf-8"?>
+<file path=ppt/tags/tag109.xml><?xml version="1.0" encoding="utf-8"?>
 <p:tagLst xmlns:a="http://schemas.openxmlformats.org/drawingml/2006/main" xmlns:r="http://schemas.openxmlformats.org/officeDocument/2006/relationships" xmlns:p="http://schemas.openxmlformats.org/presentationml/2006/main">
   <p:tag name="KSO_WM_TAG_VERSION" val="1.0"/>
   <p:tag name="KSO_WM_BEAUTIFY_FLAG" val="#wm#"/>
@@ -49173,7 +48994,15 @@
 </p:tagLst>
 </file>
 
-<file path=ppt/tags/tag112.xml><?xml version="1.0" encoding="utf-8"?>
+<file path=ppt/tags/tag11.xml><?xml version="1.0" encoding="utf-8"?>
+<p:tagLst xmlns:a="http://schemas.openxmlformats.org/drawingml/2006/main" xmlns:r="http://schemas.openxmlformats.org/officeDocument/2006/relationships" xmlns:p="http://schemas.openxmlformats.org/presentationml/2006/main">
+  <p:tag name="MH" val="20150923171423"/>
+  <p:tag name="MH_LIBRARY" val="GRAPHIC"/>
+  <p:tag name="MH_ORDER" val="Rectangle 29"/>
+</p:tagLst>
+</file>
+
+<file path=ppt/tags/tag110.xml><?xml version="1.0" encoding="utf-8"?>
 <p:tagLst xmlns:a="http://schemas.openxmlformats.org/drawingml/2006/main" xmlns:r="http://schemas.openxmlformats.org/officeDocument/2006/relationships" xmlns:p="http://schemas.openxmlformats.org/presentationml/2006/main">
   <p:tag name="KSO_WM_TAG_VERSION" val="1.0"/>
   <p:tag name="KSO_WM_BEAUTIFY_FLAG" val="#wm#"/>
@@ -49192,7 +49021,7 @@
 </p:tagLst>
 </file>
 
-<file path=ppt/tags/tag113.xml><?xml version="1.0" encoding="utf-8"?>
+<file path=ppt/tags/tag111.xml><?xml version="1.0" encoding="utf-8"?>
 <p:tagLst xmlns:a="http://schemas.openxmlformats.org/drawingml/2006/main" xmlns:r="http://schemas.openxmlformats.org/officeDocument/2006/relationships" xmlns:p="http://schemas.openxmlformats.org/presentationml/2006/main">
   <p:tag name="KSO_WM_TAG_VERSION" val="1.0"/>
   <p:tag name="KSO_WM_BEAUTIFY_FLAG" val="#wm#"/>
@@ -49211,7 +49040,7 @@
 </p:tagLst>
 </file>
 
-<file path=ppt/tags/tag114.xml><?xml version="1.0" encoding="utf-8"?>
+<file path=ppt/tags/tag112.xml><?xml version="1.0" encoding="utf-8"?>
 <p:tagLst xmlns:a="http://schemas.openxmlformats.org/drawingml/2006/main" xmlns:r="http://schemas.openxmlformats.org/officeDocument/2006/relationships" xmlns:p="http://schemas.openxmlformats.org/presentationml/2006/main">
   <p:tag name="KSO_WM_TAG_VERSION" val="1.0"/>
   <p:tag name="KSO_WM_BEAUTIFY_FLAG" val="#wm#"/>
@@ -49235,7 +49064,7 @@
 </p:tagLst>
 </file>
 
-<file path=ppt/tags/tag115.xml><?xml version="1.0" encoding="utf-8"?>
+<file path=ppt/tags/tag113.xml><?xml version="1.0" encoding="utf-8"?>
 <p:tagLst xmlns:a="http://schemas.openxmlformats.org/drawingml/2006/main" xmlns:r="http://schemas.openxmlformats.org/officeDocument/2006/relationships" xmlns:p="http://schemas.openxmlformats.org/presentationml/2006/main">
   <p:tag name="KSO_WM_TAG_VERSION" val="1.0"/>
   <p:tag name="KSO_WM_BEAUTIFY_FLAG" val="#wm#"/>
@@ -49254,7 +49083,7 @@
 </p:tagLst>
 </file>
 
-<file path=ppt/tags/tag116.xml><?xml version="1.0" encoding="utf-8"?>
+<file path=ppt/tags/tag114.xml><?xml version="1.0" encoding="utf-8"?>
 <p:tagLst xmlns:a="http://schemas.openxmlformats.org/drawingml/2006/main" xmlns:r="http://schemas.openxmlformats.org/officeDocument/2006/relationships" xmlns:p="http://schemas.openxmlformats.org/presentationml/2006/main">
   <p:tag name="KSO_WM_TAG_VERSION" val="1.0"/>
   <p:tag name="KSO_WM_BEAUTIFY_FLAG" val="#wm#"/>
@@ -49273,7 +49102,7 @@
 </p:tagLst>
 </file>
 
-<file path=ppt/tags/tag117.xml><?xml version="1.0" encoding="utf-8"?>
+<file path=ppt/tags/tag115.xml><?xml version="1.0" encoding="utf-8"?>
 <p:tagLst xmlns:a="http://schemas.openxmlformats.org/drawingml/2006/main" xmlns:r="http://schemas.openxmlformats.org/officeDocument/2006/relationships" xmlns:p="http://schemas.openxmlformats.org/presentationml/2006/main">
   <p:tag name="MH_TYPE" val="#NeiR#"/>
   <p:tag name="MH_NUMBER" val="6"/>
@@ -49297,7 +49126,7 @@
 </p:tagLst>
 </file>
 
-<file path=ppt/tags/tag118.xml><?xml version="1.0" encoding="utf-8"?>
+<file path=ppt/tags/tag116.xml><?xml version="1.0" encoding="utf-8"?>
 <p:tagLst xmlns:a="http://schemas.openxmlformats.org/drawingml/2006/main" xmlns:r="http://schemas.openxmlformats.org/officeDocument/2006/relationships" xmlns:p="http://schemas.openxmlformats.org/presentationml/2006/main">
   <p:tag name="KSO_WM_TAG_VERSION" val="1.0"/>
   <p:tag name="KSO_WM_BEAUTIFY_FLAG" val="#wm#"/>
@@ -49308,12 +49137,34 @@
 </p:tagLst>
 </file>
 
+<file path=ppt/tags/tag117.xml><?xml version="1.0" encoding="utf-8"?>
+<p:tagLst xmlns:a="http://schemas.openxmlformats.org/drawingml/2006/main" xmlns:r="http://schemas.openxmlformats.org/officeDocument/2006/relationships" xmlns:p="http://schemas.openxmlformats.org/presentationml/2006/main">
+  <p:tag name="KSO_WM_TAG_VERSION" val="1.0"/>
+  <p:tag name="KSO_WM_BEAUTIFY_FLAG" val="#wm#"/>
+  <p:tag name="KSO_WM_UNIT_TYPE" val="i"/>
+  <p:tag name="KSO_WM_UNIT_ID" val="custom160106_18*i*7"/>
+  <p:tag name="KSO_WM_TEMPLATE_CATEGORY" val="custom"/>
+  <p:tag name="KSO_WM_TEMPLATE_INDEX" val="160106"/>
+</p:tagLst>
+</file>
+
+<file path=ppt/tags/tag118.xml><?xml version="1.0" encoding="utf-8"?>
+<p:tagLst xmlns:a="http://schemas.openxmlformats.org/drawingml/2006/main" xmlns:r="http://schemas.openxmlformats.org/officeDocument/2006/relationships" xmlns:p="http://schemas.openxmlformats.org/presentationml/2006/main">
+  <p:tag name="KSO_WM_TAG_VERSION" val="1.0"/>
+  <p:tag name="KSO_WM_BEAUTIFY_FLAG" val="#wm#"/>
+  <p:tag name="KSO_WM_UNIT_TYPE" val="i"/>
+  <p:tag name="KSO_WM_UNIT_ID" val="custom160106_18*i*14"/>
+  <p:tag name="KSO_WM_TEMPLATE_CATEGORY" val="custom"/>
+  <p:tag name="KSO_WM_TEMPLATE_INDEX" val="160106"/>
+</p:tagLst>
+</file>
+
 <file path=ppt/tags/tag119.xml><?xml version="1.0" encoding="utf-8"?>
 <p:tagLst xmlns:a="http://schemas.openxmlformats.org/drawingml/2006/main" xmlns:r="http://schemas.openxmlformats.org/officeDocument/2006/relationships" xmlns:p="http://schemas.openxmlformats.org/presentationml/2006/main">
   <p:tag name="KSO_WM_TAG_VERSION" val="1.0"/>
   <p:tag name="KSO_WM_BEAUTIFY_FLAG" val="#wm#"/>
   <p:tag name="KSO_WM_UNIT_TYPE" val="i"/>
-  <p:tag name="KSO_WM_UNIT_ID" val="custom160106_18*i*7"/>
+  <p:tag name="KSO_WM_UNIT_ID" val="custom160106_18*i*21"/>
   <p:tag name="KSO_WM_TEMPLATE_CATEGORY" val="custom"/>
   <p:tag name="KSO_WM_TEMPLATE_INDEX" val="160106"/>
 </p:tagLst>
@@ -49332,7 +49183,7 @@
   <p:tag name="KSO_WM_TAG_VERSION" val="1.0"/>
   <p:tag name="KSO_WM_BEAUTIFY_FLAG" val="#wm#"/>
   <p:tag name="KSO_WM_UNIT_TYPE" val="i"/>
-  <p:tag name="KSO_WM_UNIT_ID" val="custom160106_18*i*14"/>
+  <p:tag name="KSO_WM_UNIT_ID" val="custom160106_18*i*28"/>
   <p:tag name="KSO_WM_TEMPLATE_CATEGORY" val="custom"/>
   <p:tag name="KSO_WM_TEMPLATE_INDEX" val="160106"/>
 </p:tagLst>
@@ -49343,35 +49194,13 @@
   <p:tag name="KSO_WM_TAG_VERSION" val="1.0"/>
   <p:tag name="KSO_WM_BEAUTIFY_FLAG" val="#wm#"/>
   <p:tag name="KSO_WM_UNIT_TYPE" val="i"/>
-  <p:tag name="KSO_WM_UNIT_ID" val="custom160106_18*i*21"/>
+  <p:tag name="KSO_WM_UNIT_ID" val="custom160106_18*i*35"/>
   <p:tag name="KSO_WM_TEMPLATE_CATEGORY" val="custom"/>
   <p:tag name="KSO_WM_TEMPLATE_INDEX" val="160106"/>
 </p:tagLst>
 </file>
 
 <file path=ppt/tags/tag122.xml><?xml version="1.0" encoding="utf-8"?>
-<p:tagLst xmlns:a="http://schemas.openxmlformats.org/drawingml/2006/main" xmlns:r="http://schemas.openxmlformats.org/officeDocument/2006/relationships" xmlns:p="http://schemas.openxmlformats.org/presentationml/2006/main">
-  <p:tag name="KSO_WM_TAG_VERSION" val="1.0"/>
-  <p:tag name="KSO_WM_BEAUTIFY_FLAG" val="#wm#"/>
-  <p:tag name="KSO_WM_UNIT_TYPE" val="i"/>
-  <p:tag name="KSO_WM_UNIT_ID" val="custom160106_18*i*28"/>
-  <p:tag name="KSO_WM_TEMPLATE_CATEGORY" val="custom"/>
-  <p:tag name="KSO_WM_TEMPLATE_INDEX" val="160106"/>
-</p:tagLst>
-</file>
-
-<file path=ppt/tags/tag123.xml><?xml version="1.0" encoding="utf-8"?>
-<p:tagLst xmlns:a="http://schemas.openxmlformats.org/drawingml/2006/main" xmlns:r="http://schemas.openxmlformats.org/officeDocument/2006/relationships" xmlns:p="http://schemas.openxmlformats.org/presentationml/2006/main">
-  <p:tag name="KSO_WM_TAG_VERSION" val="1.0"/>
-  <p:tag name="KSO_WM_BEAUTIFY_FLAG" val="#wm#"/>
-  <p:tag name="KSO_WM_UNIT_TYPE" val="i"/>
-  <p:tag name="KSO_WM_UNIT_ID" val="custom160106_18*i*35"/>
-  <p:tag name="KSO_WM_TEMPLATE_CATEGORY" val="custom"/>
-  <p:tag name="KSO_WM_TEMPLATE_INDEX" val="160106"/>
-</p:tagLst>
-</file>
-
-<file path=ppt/tags/tag124.xml><?xml version="1.0" encoding="utf-8"?>
 <p:tagLst xmlns:a="http://schemas.openxmlformats.org/drawingml/2006/main" xmlns:r="http://schemas.openxmlformats.org/officeDocument/2006/relationships" xmlns:p="http://schemas.openxmlformats.org/presentationml/2006/main">
   <p:tag name="KSO_WM_TAG_VERSION" val="1.0"/>
   <p:tag name="KSO_WM_BEAUTIFY_FLAG" val="#wm#"/>
@@ -49395,7 +49224,7 @@
 </p:tagLst>
 </file>
 
-<file path=ppt/tags/tag125.xml><?xml version="1.0" encoding="utf-8"?>
+<file path=ppt/tags/tag123.xml><?xml version="1.0" encoding="utf-8"?>
 <p:tagLst xmlns:a="http://schemas.openxmlformats.org/drawingml/2006/main" xmlns:r="http://schemas.openxmlformats.org/officeDocument/2006/relationships" xmlns:p="http://schemas.openxmlformats.org/presentationml/2006/main">
   <p:tag name="KSO_WM_TAG_VERSION" val="1.0"/>
   <p:tag name="KSO_WM_BEAUTIFY_FLAG" val="#wm#"/>
@@ -49414,7 +49243,7 @@
 </p:tagLst>
 </file>
 
-<file path=ppt/tags/tag126.xml><?xml version="1.0" encoding="utf-8"?>
+<file path=ppt/tags/tag124.xml><?xml version="1.0" encoding="utf-8"?>
 <p:tagLst xmlns:a="http://schemas.openxmlformats.org/drawingml/2006/main" xmlns:r="http://schemas.openxmlformats.org/officeDocument/2006/relationships" xmlns:p="http://schemas.openxmlformats.org/presentationml/2006/main">
   <p:tag name="KSO_WM_TAG_VERSION" val="1.0"/>
   <p:tag name="KSO_WM_BEAUTIFY_FLAG" val="#wm#"/>
@@ -49433,7 +49262,7 @@
 </p:tagLst>
 </file>
 
-<file path=ppt/tags/tag127.xml><?xml version="1.0" encoding="utf-8"?>
+<file path=ppt/tags/tag125.xml><?xml version="1.0" encoding="utf-8"?>
 <p:tagLst xmlns:a="http://schemas.openxmlformats.org/drawingml/2006/main" xmlns:r="http://schemas.openxmlformats.org/officeDocument/2006/relationships" xmlns:p="http://schemas.openxmlformats.org/presentationml/2006/main">
   <p:tag name="KSO_WM_TAG_VERSION" val="1.0"/>
   <p:tag name="KSO_WM_BEAUTIFY_FLAG" val="#wm#"/>
@@ -49457,7 +49286,7 @@
 </p:tagLst>
 </file>
 
-<file path=ppt/tags/tag128.xml><?xml version="1.0" encoding="utf-8"?>
+<file path=ppt/tags/tag126.xml><?xml version="1.0" encoding="utf-8"?>
 <p:tagLst xmlns:a="http://schemas.openxmlformats.org/drawingml/2006/main" xmlns:r="http://schemas.openxmlformats.org/officeDocument/2006/relationships" xmlns:p="http://schemas.openxmlformats.org/presentationml/2006/main">
   <p:tag name="KSO_WM_TAG_VERSION" val="1.0"/>
   <p:tag name="KSO_WM_BEAUTIFY_FLAG" val="#wm#"/>
@@ -49476,7 +49305,7 @@
 </p:tagLst>
 </file>
 
-<file path=ppt/tags/tag129.xml><?xml version="1.0" encoding="utf-8"?>
+<file path=ppt/tags/tag127.xml><?xml version="1.0" encoding="utf-8"?>
 <p:tagLst xmlns:a="http://schemas.openxmlformats.org/drawingml/2006/main" xmlns:r="http://schemas.openxmlformats.org/officeDocument/2006/relationships" xmlns:p="http://schemas.openxmlformats.org/presentationml/2006/main">
   <p:tag name="KSO_WM_TAG_VERSION" val="1.0"/>
   <p:tag name="KSO_WM_BEAUTIFY_FLAG" val="#wm#"/>
@@ -49495,15 +49324,7 @@
 </p:tagLst>
 </file>
 
-<file path=ppt/tags/tag13.xml><?xml version="1.0" encoding="utf-8"?>
-<p:tagLst xmlns:a="http://schemas.openxmlformats.org/drawingml/2006/main" xmlns:r="http://schemas.openxmlformats.org/officeDocument/2006/relationships" xmlns:p="http://schemas.openxmlformats.org/presentationml/2006/main">
-  <p:tag name="MH" val="20150923171423"/>
-  <p:tag name="MH_LIBRARY" val="GRAPHIC"/>
-  <p:tag name="MH_ORDER" val="Oval 33"/>
-</p:tagLst>
-</file>
-
-<file path=ppt/tags/tag130.xml><?xml version="1.0" encoding="utf-8"?>
+<file path=ppt/tags/tag128.xml><?xml version="1.0" encoding="utf-8"?>
 <p:tagLst xmlns:a="http://schemas.openxmlformats.org/drawingml/2006/main" xmlns:r="http://schemas.openxmlformats.org/officeDocument/2006/relationships" xmlns:p="http://schemas.openxmlformats.org/presentationml/2006/main">
   <p:tag name="KSO_WM_TAG_VERSION" val="1.0"/>
   <p:tag name="KSO_WM_BEAUTIFY_FLAG" val="#wm#"/>
@@ -49527,7 +49348,7 @@
 </p:tagLst>
 </file>
 
-<file path=ppt/tags/tag131.xml><?xml version="1.0" encoding="utf-8"?>
+<file path=ppt/tags/tag129.xml><?xml version="1.0" encoding="utf-8"?>
 <p:tagLst xmlns:a="http://schemas.openxmlformats.org/drawingml/2006/main" xmlns:r="http://schemas.openxmlformats.org/officeDocument/2006/relationships" xmlns:p="http://schemas.openxmlformats.org/presentationml/2006/main">
   <p:tag name="KSO_WM_TAG_VERSION" val="1.0"/>
   <p:tag name="KSO_WM_BEAUTIFY_FLAG" val="#wm#"/>
@@ -49546,7 +49367,15 @@
 </p:tagLst>
 </file>
 
-<file path=ppt/tags/tag132.xml><?xml version="1.0" encoding="utf-8"?>
+<file path=ppt/tags/tag13.xml><?xml version="1.0" encoding="utf-8"?>
+<p:tagLst xmlns:a="http://schemas.openxmlformats.org/drawingml/2006/main" xmlns:r="http://schemas.openxmlformats.org/officeDocument/2006/relationships" xmlns:p="http://schemas.openxmlformats.org/presentationml/2006/main">
+  <p:tag name="MH" val="20150923171423"/>
+  <p:tag name="MH_LIBRARY" val="GRAPHIC"/>
+  <p:tag name="MH_ORDER" val="Oval 33"/>
+</p:tagLst>
+</file>
+
+<file path=ppt/tags/tag130.xml><?xml version="1.0" encoding="utf-8"?>
 <p:tagLst xmlns:a="http://schemas.openxmlformats.org/drawingml/2006/main" xmlns:r="http://schemas.openxmlformats.org/officeDocument/2006/relationships" xmlns:p="http://schemas.openxmlformats.org/presentationml/2006/main">
   <p:tag name="KSO_WM_TAG_VERSION" val="1.0"/>
   <p:tag name="KSO_WM_BEAUTIFY_FLAG" val="#wm#"/>
@@ -49565,7 +49394,7 @@
 </p:tagLst>
 </file>
 
-<file path=ppt/tags/tag133.xml><?xml version="1.0" encoding="utf-8"?>
+<file path=ppt/tags/tag131.xml><?xml version="1.0" encoding="utf-8"?>
 <p:tagLst xmlns:a="http://schemas.openxmlformats.org/drawingml/2006/main" xmlns:r="http://schemas.openxmlformats.org/officeDocument/2006/relationships" xmlns:p="http://schemas.openxmlformats.org/presentationml/2006/main">
   <p:tag name="KSO_WM_TAG_VERSION" val="1.0"/>
   <p:tag name="KSO_WM_BEAUTIFY_FLAG" val="#wm#"/>
@@ -49589,7 +49418,7 @@
 </p:tagLst>
 </file>
 
-<file path=ppt/tags/tag134.xml><?xml version="1.0" encoding="utf-8"?>
+<file path=ppt/tags/tag132.xml><?xml version="1.0" encoding="utf-8"?>
 <p:tagLst xmlns:a="http://schemas.openxmlformats.org/drawingml/2006/main" xmlns:r="http://schemas.openxmlformats.org/officeDocument/2006/relationships" xmlns:p="http://schemas.openxmlformats.org/presentationml/2006/main">
   <p:tag name="KSO_WM_TAG_VERSION" val="1.0"/>
   <p:tag name="KSO_WM_BEAUTIFY_FLAG" val="#wm#"/>
@@ -49613,7 +49442,7 @@
 </p:tagLst>
 </file>
 
-<file path=ppt/tags/tag135.xml><?xml version="1.0" encoding="utf-8"?>
+<file path=ppt/tags/tag133.xml><?xml version="1.0" encoding="utf-8"?>
 <p:tagLst xmlns:a="http://schemas.openxmlformats.org/drawingml/2006/main" xmlns:r="http://schemas.openxmlformats.org/officeDocument/2006/relationships" xmlns:p="http://schemas.openxmlformats.org/presentationml/2006/main">
   <p:tag name="KSO_WM_TAG_VERSION" val="1.0"/>
   <p:tag name="KSO_WM_BEAUTIFY_FLAG" val="#wm#"/>
@@ -49632,7 +49461,7 @@
 </p:tagLst>
 </file>
 
-<file path=ppt/tags/tag136.xml><?xml version="1.0" encoding="utf-8"?>
+<file path=ppt/tags/tag134.xml><?xml version="1.0" encoding="utf-8"?>
 <p:tagLst xmlns:a="http://schemas.openxmlformats.org/drawingml/2006/main" xmlns:r="http://schemas.openxmlformats.org/officeDocument/2006/relationships" xmlns:p="http://schemas.openxmlformats.org/presentationml/2006/main">
   <p:tag name="KSO_WM_TAG_VERSION" val="1.0"/>
   <p:tag name="KSO_WM_BEAUTIFY_FLAG" val="#wm#"/>
@@ -49651,7 +49480,7 @@
 </p:tagLst>
 </file>
 
-<file path=ppt/tags/tag137.xml><?xml version="1.0" encoding="utf-8"?>
+<file path=ppt/tags/tag135.xml><?xml version="1.0" encoding="utf-8"?>
 <p:tagLst xmlns:a="http://schemas.openxmlformats.org/drawingml/2006/main" xmlns:r="http://schemas.openxmlformats.org/officeDocument/2006/relationships" xmlns:p="http://schemas.openxmlformats.org/presentationml/2006/main">
   <p:tag name="KSO_WM_TAG_VERSION" val="1.0"/>
   <p:tag name="KSO_WM_BEAUTIFY_FLAG" val="#wm#"/>
@@ -49675,7 +49504,7 @@
 </p:tagLst>
 </file>
 
-<file path=ppt/tags/tag138.xml><?xml version="1.0" encoding="utf-8"?>
+<file path=ppt/tags/tag136.xml><?xml version="1.0" encoding="utf-8"?>
 <p:tagLst xmlns:a="http://schemas.openxmlformats.org/drawingml/2006/main" xmlns:r="http://schemas.openxmlformats.org/officeDocument/2006/relationships" xmlns:p="http://schemas.openxmlformats.org/presentationml/2006/main">
   <p:tag name="KSO_WM_TAG_VERSION" val="1.0"/>
   <p:tag name="KSO_WM_BEAUTIFY_FLAG" val="#wm#"/>
@@ -49694,7 +49523,7 @@
 </p:tagLst>
 </file>
 
-<file path=ppt/tags/tag139.xml><?xml version="1.0" encoding="utf-8"?>
+<file path=ppt/tags/tag137.xml><?xml version="1.0" encoding="utf-8"?>
 <p:tagLst xmlns:a="http://schemas.openxmlformats.org/drawingml/2006/main" xmlns:r="http://schemas.openxmlformats.org/officeDocument/2006/relationships" xmlns:p="http://schemas.openxmlformats.org/presentationml/2006/main">
   <p:tag name="KSO_WM_TAG_VERSION" val="1.0"/>
   <p:tag name="KSO_WM_BEAUTIFY_FLAG" val="#wm#"/>
@@ -49713,15 +49542,7 @@
 </p:tagLst>
 </file>
 
-<file path=ppt/tags/tag14.xml><?xml version="1.0" encoding="utf-8"?>
-<p:tagLst xmlns:a="http://schemas.openxmlformats.org/drawingml/2006/main" xmlns:r="http://schemas.openxmlformats.org/officeDocument/2006/relationships" xmlns:p="http://schemas.openxmlformats.org/presentationml/2006/main">
-  <p:tag name="MH" val="20150923171423"/>
-  <p:tag name="MH_LIBRARY" val="GRAPHIC"/>
-  <p:tag name="MH_ORDER" val="Oval 34"/>
-</p:tagLst>
-</file>
-
-<file path=ppt/tags/tag140.xml><?xml version="1.0" encoding="utf-8"?>
+<file path=ppt/tags/tag138.xml><?xml version="1.0" encoding="utf-8"?>
 <p:tagLst xmlns:a="http://schemas.openxmlformats.org/drawingml/2006/main" xmlns:r="http://schemas.openxmlformats.org/officeDocument/2006/relationships" xmlns:p="http://schemas.openxmlformats.org/presentationml/2006/main">
   <p:tag name="KSO_WM_TAG_VERSION" val="1.0"/>
   <p:tag name="KSO_WM_BEAUTIFY_FLAG" val="#wm#"/>
@@ -49745,7 +49566,7 @@
 </p:tagLst>
 </file>
 
-<file path=ppt/tags/tag141.xml><?xml version="1.0" encoding="utf-8"?>
+<file path=ppt/tags/tag139.xml><?xml version="1.0" encoding="utf-8"?>
 <p:tagLst xmlns:a="http://schemas.openxmlformats.org/drawingml/2006/main" xmlns:r="http://schemas.openxmlformats.org/officeDocument/2006/relationships" xmlns:p="http://schemas.openxmlformats.org/presentationml/2006/main">
   <p:tag name="KSO_WM_TAG_VERSION" val="1.0"/>
   <p:tag name="KSO_WM_BEAUTIFY_FLAG" val="#wm#"/>
@@ -49764,7 +49585,15 @@
 </p:tagLst>
 </file>
 
-<file path=ppt/tags/tag142.xml><?xml version="1.0" encoding="utf-8"?>
+<file path=ppt/tags/tag14.xml><?xml version="1.0" encoding="utf-8"?>
+<p:tagLst xmlns:a="http://schemas.openxmlformats.org/drawingml/2006/main" xmlns:r="http://schemas.openxmlformats.org/officeDocument/2006/relationships" xmlns:p="http://schemas.openxmlformats.org/presentationml/2006/main">
+  <p:tag name="MH" val="20150923171423"/>
+  <p:tag name="MH_LIBRARY" val="GRAPHIC"/>
+  <p:tag name="MH_ORDER" val="Oval 34"/>
+</p:tagLst>
+</file>
+
+<file path=ppt/tags/tag140.xml><?xml version="1.0" encoding="utf-8"?>
 <p:tagLst xmlns:a="http://schemas.openxmlformats.org/drawingml/2006/main" xmlns:r="http://schemas.openxmlformats.org/officeDocument/2006/relationships" xmlns:p="http://schemas.openxmlformats.org/presentationml/2006/main">
   <p:tag name="KSO_WM_TAG_VERSION" val="1.0"/>
   <p:tag name="KSO_WM_BEAUTIFY_FLAG" val="#wm#"/>
@@ -49783,7 +49612,7 @@
 </p:tagLst>
 </file>
 
-<file path=ppt/tags/tag143.xml><?xml version="1.0" encoding="utf-8"?>
+<file path=ppt/tags/tag141.xml><?xml version="1.0" encoding="utf-8"?>
 <p:tagLst xmlns:a="http://schemas.openxmlformats.org/drawingml/2006/main" xmlns:r="http://schemas.openxmlformats.org/officeDocument/2006/relationships" xmlns:p="http://schemas.openxmlformats.org/presentationml/2006/main">
   <p:tag name="MH_TYPE" val="#NeiR#"/>
   <p:tag name="MH_NUMBER" val="1"/>
@@ -49806,7 +49635,7 @@
 </p:tagLst>
 </file>
 
-<file path=ppt/tags/tag144.xml><?xml version="1.0" encoding="utf-8"?>
+<file path=ppt/tags/tag142.xml><?xml version="1.0" encoding="utf-8"?>
 <p:tagLst xmlns:a="http://schemas.openxmlformats.org/drawingml/2006/main" xmlns:r="http://schemas.openxmlformats.org/officeDocument/2006/relationships" xmlns:p="http://schemas.openxmlformats.org/presentationml/2006/main">
   <p:tag name="KSO_WM_TAG_VERSION" val="1.0"/>
   <p:tag name="KSO_WM_BEAUTIFY_FLAG" val="#wm#"/>
@@ -49830,7 +49659,7 @@
 </p:tagLst>
 </file>
 
-<file path=ppt/tags/tag145.xml><?xml version="1.0" encoding="utf-8"?>
+<file path=ppt/tags/tag143.xml><?xml version="1.0" encoding="utf-8"?>
 <p:tagLst xmlns:a="http://schemas.openxmlformats.org/drawingml/2006/main" xmlns:r="http://schemas.openxmlformats.org/officeDocument/2006/relationships" xmlns:p="http://schemas.openxmlformats.org/presentationml/2006/main">
   <p:tag name="KSO_WM_TAG_VERSION" val="1.0"/>
   <p:tag name="KSO_WM_BEAUTIFY_FLAG" val="#wm#"/>
@@ -49849,7 +49678,7 @@
 </p:tagLst>
 </file>
 
-<file path=ppt/tags/tag146.xml><?xml version="1.0" encoding="utf-8"?>
+<file path=ppt/tags/tag144.xml><?xml version="1.0" encoding="utf-8"?>
 <p:tagLst xmlns:a="http://schemas.openxmlformats.org/drawingml/2006/main" xmlns:r="http://schemas.openxmlformats.org/officeDocument/2006/relationships" xmlns:p="http://schemas.openxmlformats.org/presentationml/2006/main">
   <p:tag name="MH_TYPE" val="#NeiR#"/>
   <p:tag name="MH_NUMBER" val="1"/>
@@ -49872,7 +49701,7 @@
 </p:tagLst>
 </file>
 
-<file path=ppt/tags/tag147.xml><?xml version="1.0" encoding="utf-8"?>
+<file path=ppt/tags/tag145.xml><?xml version="1.0" encoding="utf-8"?>
 <p:tagLst xmlns:a="http://schemas.openxmlformats.org/drawingml/2006/main" xmlns:r="http://schemas.openxmlformats.org/officeDocument/2006/relationships" xmlns:p="http://schemas.openxmlformats.org/presentationml/2006/main">
   <p:tag name="KSO_WM_TAG_VERSION" val="1.0"/>
   <p:tag name="KSO_WM_BEAUTIFY_FLAG" val="#wm#"/>
@@ -49892,7 +49721,7 @@
 </p:tagLst>
 </file>
 
-<file path=ppt/tags/tag148.xml><?xml version="1.0" encoding="utf-8"?>
+<file path=ppt/tags/tag146.xml><?xml version="1.0" encoding="utf-8"?>
 <p:tagLst xmlns:a="http://schemas.openxmlformats.org/drawingml/2006/main" xmlns:r="http://schemas.openxmlformats.org/officeDocument/2006/relationships" xmlns:p="http://schemas.openxmlformats.org/presentationml/2006/main">
   <p:tag name="KSO_WM_TAG_VERSION" val="1.0"/>
   <p:tag name="KSO_WM_BEAUTIFY_FLAG" val="#wm#"/>
@@ -49911,7 +49740,7 @@
 </p:tagLst>
 </file>
 
-<file path=ppt/tags/tag149.xml><?xml version="1.0" encoding="utf-8"?>
+<file path=ppt/tags/tag147.xml><?xml version="1.0" encoding="utf-8"?>
 <p:tagLst xmlns:a="http://schemas.openxmlformats.org/drawingml/2006/main" xmlns:r="http://schemas.openxmlformats.org/officeDocument/2006/relationships" xmlns:p="http://schemas.openxmlformats.org/presentationml/2006/main">
   <p:tag name="KSO_WM_TAG_VERSION" val="1.0"/>
   <p:tag name="KSO_WM_BEAUTIFY_FLAG" val="#wm#"/>
@@ -49930,15 +49759,7 @@
 </p:tagLst>
 </file>
 
-<file path=ppt/tags/tag15.xml><?xml version="1.0" encoding="utf-8"?>
-<p:tagLst xmlns:a="http://schemas.openxmlformats.org/drawingml/2006/main" xmlns:r="http://schemas.openxmlformats.org/officeDocument/2006/relationships" xmlns:p="http://schemas.openxmlformats.org/presentationml/2006/main">
-  <p:tag name="MH" val="20150923171423"/>
-  <p:tag name="MH_LIBRARY" val="GRAPHIC"/>
-  <p:tag name="MH_ORDER" val="Oval 35"/>
-</p:tagLst>
-</file>
-
-<file path=ppt/tags/tag150.xml><?xml version="1.0" encoding="utf-8"?>
+<file path=ppt/tags/tag148.xml><?xml version="1.0" encoding="utf-8"?>
 <p:tagLst xmlns:a="http://schemas.openxmlformats.org/drawingml/2006/main" xmlns:r="http://schemas.openxmlformats.org/officeDocument/2006/relationships" xmlns:p="http://schemas.openxmlformats.org/presentationml/2006/main">
   <p:tag name="MH_TYPE" val="#NeiR#"/>
   <p:tag name="MH_NUMBER" val="6"/>
@@ -49962,7 +49783,7 @@
 </p:tagLst>
 </file>
 
-<file path=ppt/tags/tag151.xml><?xml version="1.0" encoding="utf-8"?>
+<file path=ppt/tags/tag149.xml><?xml version="1.0" encoding="utf-8"?>
 <p:tagLst xmlns:a="http://schemas.openxmlformats.org/drawingml/2006/main" xmlns:r="http://schemas.openxmlformats.org/officeDocument/2006/relationships" xmlns:p="http://schemas.openxmlformats.org/presentationml/2006/main">
   <p:tag name="KSO_WM_TAG_VERSION" val="1.0"/>
   <p:tag name="KSO_WM_BEAUTIFY_FLAG" val="#wm#"/>
@@ -49981,7 +49802,15 @@
 </p:tagLst>
 </file>
 
-<file path=ppt/tags/tag152.xml><?xml version="1.0" encoding="utf-8"?>
+<file path=ppt/tags/tag15.xml><?xml version="1.0" encoding="utf-8"?>
+<p:tagLst xmlns:a="http://schemas.openxmlformats.org/drawingml/2006/main" xmlns:r="http://schemas.openxmlformats.org/officeDocument/2006/relationships" xmlns:p="http://schemas.openxmlformats.org/presentationml/2006/main">
+  <p:tag name="MH" val="20150923171423"/>
+  <p:tag name="MH_LIBRARY" val="GRAPHIC"/>
+  <p:tag name="MH_ORDER" val="Oval 35"/>
+</p:tagLst>
+</file>
+
+<file path=ppt/tags/tag150.xml><?xml version="1.0" encoding="utf-8"?>
 <p:tagLst xmlns:a="http://schemas.openxmlformats.org/drawingml/2006/main" xmlns:r="http://schemas.openxmlformats.org/officeDocument/2006/relationships" xmlns:p="http://schemas.openxmlformats.org/presentationml/2006/main">
   <p:tag name="KSO_WM_TAG_VERSION" val="1.0"/>
   <p:tag name="KSO_WM_BEAUTIFY_FLAG" val="#wm#"/>
@@ -50000,7 +49829,7 @@
 </p:tagLst>
 </file>
 
-<file path=ppt/tags/tag153.xml><?xml version="1.0" encoding="utf-8"?>
+<file path=ppt/tags/tag151.xml><?xml version="1.0" encoding="utf-8"?>
 <p:tagLst xmlns:a="http://schemas.openxmlformats.org/drawingml/2006/main" xmlns:r="http://schemas.openxmlformats.org/officeDocument/2006/relationships" xmlns:p="http://schemas.openxmlformats.org/presentationml/2006/main">
   <p:tag name="KSO_WM_TAG_VERSION" val="1.0"/>
   <p:tag name="KSO_WM_BEAUTIFY_FLAG" val="#wm#"/>
@@ -50019,7 +49848,7 @@
 </p:tagLst>
 </file>
 
-<file path=ppt/tags/tag154.xml><?xml version="1.0" encoding="utf-8"?>
+<file path=ppt/tags/tag152.xml><?xml version="1.0" encoding="utf-8"?>
 <p:tagLst xmlns:a="http://schemas.openxmlformats.org/drawingml/2006/main" xmlns:r="http://schemas.openxmlformats.org/officeDocument/2006/relationships" xmlns:p="http://schemas.openxmlformats.org/presentationml/2006/main">
   <p:tag name="KSO_WM_TAG_VERSION" val="1.0"/>
   <p:tag name="KSO_WM_BEAUTIFY_FLAG" val="#wm#"/>
@@ -50038,7 +49867,7 @@
 </p:tagLst>
 </file>
 
-<file path=ppt/tags/tag155.xml><?xml version="1.0" encoding="utf-8"?>
+<file path=ppt/tags/tag153.xml><?xml version="1.0" encoding="utf-8"?>
 <p:tagLst xmlns:a="http://schemas.openxmlformats.org/drawingml/2006/main" xmlns:r="http://schemas.openxmlformats.org/officeDocument/2006/relationships" xmlns:p="http://schemas.openxmlformats.org/presentationml/2006/main">
   <p:tag name="KSO_WM_TAG_VERSION" val="1.0"/>
   <p:tag name="KSO_WM_BEAUTIFY_FLAG" val="#wm#"/>
@@ -50049,7 +49878,7 @@
 </p:tagLst>
 </file>
 
-<file path=ppt/tags/tag156.xml><?xml version="1.0" encoding="utf-8"?>
+<file path=ppt/tags/tag154.xml><?xml version="1.0" encoding="utf-8"?>
 <p:tagLst xmlns:a="http://schemas.openxmlformats.org/drawingml/2006/main" xmlns:r="http://schemas.openxmlformats.org/officeDocument/2006/relationships" xmlns:p="http://schemas.openxmlformats.org/presentationml/2006/main">
   <p:tag name="KSO_WM_TAG_VERSION" val="1.0"/>
   <p:tag name="KSO_WM_BEAUTIFY_FLAG" val="#wm#"/>
@@ -50060,7 +49889,7 @@
 </p:tagLst>
 </file>
 
-<file path=ppt/tags/tag157.xml><?xml version="1.0" encoding="utf-8"?>
+<file path=ppt/tags/tag155.xml><?xml version="1.0" encoding="utf-8"?>
 <p:tagLst xmlns:a="http://schemas.openxmlformats.org/drawingml/2006/main" xmlns:r="http://schemas.openxmlformats.org/officeDocument/2006/relationships" xmlns:p="http://schemas.openxmlformats.org/presentationml/2006/main">
   <p:tag name="KSO_WM_TAG_VERSION" val="1.0"/>
   <p:tag name="KSO_WM_BEAUTIFY_FLAG" val="#wm#"/>
@@ -50071,7 +49900,7 @@
 </p:tagLst>
 </file>
 
-<file path=ppt/tags/tag158.xml><?xml version="1.0" encoding="utf-8"?>
+<file path=ppt/tags/tag156.xml><?xml version="1.0" encoding="utf-8"?>
 <p:tagLst xmlns:a="http://schemas.openxmlformats.org/drawingml/2006/main" xmlns:r="http://schemas.openxmlformats.org/officeDocument/2006/relationships" xmlns:p="http://schemas.openxmlformats.org/presentationml/2006/main">
   <p:tag name="KSO_WM_TAG_VERSION" val="1.0"/>
   <p:tag name="KSO_WM_BEAUTIFY_FLAG" val="#wm#"/>
@@ -50082,7 +49911,7 @@
 </p:tagLst>
 </file>
 
-<file path=ppt/tags/tag159.xml><?xml version="1.0" encoding="utf-8"?>
+<file path=ppt/tags/tag157.xml><?xml version="1.0" encoding="utf-8"?>
 <p:tagLst xmlns:a="http://schemas.openxmlformats.org/drawingml/2006/main" xmlns:r="http://schemas.openxmlformats.org/officeDocument/2006/relationships" xmlns:p="http://schemas.openxmlformats.org/presentationml/2006/main">
   <p:tag name="KSO_WM_TAG_VERSION" val="1.0"/>
   <p:tag name="KSO_WM_BEAUTIFY_FLAG" val="#wm#"/>
@@ -50093,15 +49922,7 @@
 </p:tagLst>
 </file>
 
-<file path=ppt/tags/tag16.xml><?xml version="1.0" encoding="utf-8"?>
-<p:tagLst xmlns:a="http://schemas.openxmlformats.org/drawingml/2006/main" xmlns:r="http://schemas.openxmlformats.org/officeDocument/2006/relationships" xmlns:p="http://schemas.openxmlformats.org/presentationml/2006/main">
-  <p:tag name="MH" val="20150923171423"/>
-  <p:tag name="MH_LIBRARY" val="GRAPHIC"/>
-  <p:tag name="MH_ORDER" val="Oval 36"/>
-</p:tagLst>
-</file>
-
-<file path=ppt/tags/tag160.xml><?xml version="1.0" encoding="utf-8"?>
+<file path=ppt/tags/tag158.xml><?xml version="1.0" encoding="utf-8"?>
 <p:tagLst xmlns:a="http://schemas.openxmlformats.org/drawingml/2006/main" xmlns:r="http://schemas.openxmlformats.org/officeDocument/2006/relationships" xmlns:p="http://schemas.openxmlformats.org/presentationml/2006/main">
   <p:tag name="KSO_WM_TAG_VERSION" val="1.0"/>
   <p:tag name="KSO_WM_BEAUTIFY_FLAG" val="#wm#"/>
@@ -50125,7 +49946,7 @@
 </p:tagLst>
 </file>
 
-<file path=ppt/tags/tag161.xml><?xml version="1.0" encoding="utf-8"?>
+<file path=ppt/tags/tag159.xml><?xml version="1.0" encoding="utf-8"?>
 <p:tagLst xmlns:a="http://schemas.openxmlformats.org/drawingml/2006/main" xmlns:r="http://schemas.openxmlformats.org/officeDocument/2006/relationships" xmlns:p="http://schemas.openxmlformats.org/presentationml/2006/main">
   <p:tag name="KSO_WM_TAG_VERSION" val="1.0"/>
   <p:tag name="KSO_WM_BEAUTIFY_FLAG" val="#wm#"/>
@@ -50144,7 +49965,15 @@
 </p:tagLst>
 </file>
 
-<file path=ppt/tags/tag162.xml><?xml version="1.0" encoding="utf-8"?>
+<file path=ppt/tags/tag16.xml><?xml version="1.0" encoding="utf-8"?>
+<p:tagLst xmlns:a="http://schemas.openxmlformats.org/drawingml/2006/main" xmlns:r="http://schemas.openxmlformats.org/officeDocument/2006/relationships" xmlns:p="http://schemas.openxmlformats.org/presentationml/2006/main">
+  <p:tag name="MH" val="20150923171423"/>
+  <p:tag name="MH_LIBRARY" val="GRAPHIC"/>
+  <p:tag name="MH_ORDER" val="Oval 36"/>
+</p:tagLst>
+</file>
+
+<file path=ppt/tags/tag160.xml><?xml version="1.0" encoding="utf-8"?>
 <p:tagLst xmlns:a="http://schemas.openxmlformats.org/drawingml/2006/main" xmlns:r="http://schemas.openxmlformats.org/officeDocument/2006/relationships" xmlns:p="http://schemas.openxmlformats.org/presentationml/2006/main">
   <p:tag name="KSO_WM_TAG_VERSION" val="1.0"/>
   <p:tag name="KSO_WM_BEAUTIFY_FLAG" val="#wm#"/>
@@ -50168,7 +49997,7 @@
 </p:tagLst>
 </file>
 
-<file path=ppt/tags/tag163.xml><?xml version="1.0" encoding="utf-8"?>
+<file path=ppt/tags/tag161.xml><?xml version="1.0" encoding="utf-8"?>
 <p:tagLst xmlns:a="http://schemas.openxmlformats.org/drawingml/2006/main" xmlns:r="http://schemas.openxmlformats.org/officeDocument/2006/relationships" xmlns:p="http://schemas.openxmlformats.org/presentationml/2006/main">
   <p:tag name="KSO_WM_TAG_VERSION" val="1.0"/>
   <p:tag name="KSO_WM_BEAUTIFY_FLAG" val="#wm#"/>
@@ -50187,7 +50016,7 @@
 </p:tagLst>
 </file>
 
-<file path=ppt/tags/tag164.xml><?xml version="1.0" encoding="utf-8"?>
+<file path=ppt/tags/tag162.xml><?xml version="1.0" encoding="utf-8"?>
 <p:tagLst xmlns:a="http://schemas.openxmlformats.org/drawingml/2006/main" xmlns:r="http://schemas.openxmlformats.org/officeDocument/2006/relationships" xmlns:p="http://schemas.openxmlformats.org/presentationml/2006/main">
   <p:tag name="KSO_WM_TAG_VERSION" val="1.0"/>
   <p:tag name="KSO_WM_BEAUTIFY_FLAG" val="#wm#"/>
@@ -50211,7 +50040,7 @@
 </p:tagLst>
 </file>
 
-<file path=ppt/tags/tag165.xml><?xml version="1.0" encoding="utf-8"?>
+<file path=ppt/tags/tag163.xml><?xml version="1.0" encoding="utf-8"?>
 <p:tagLst xmlns:a="http://schemas.openxmlformats.org/drawingml/2006/main" xmlns:r="http://schemas.openxmlformats.org/officeDocument/2006/relationships" xmlns:p="http://schemas.openxmlformats.org/presentationml/2006/main">
   <p:tag name="KSO_WM_TAG_VERSION" val="1.0"/>
   <p:tag name="KSO_WM_BEAUTIFY_FLAG" val="#wm#"/>
@@ -50230,7 +50059,7 @@
 </p:tagLst>
 </file>
 
-<file path=ppt/tags/tag166.xml><?xml version="1.0" encoding="utf-8"?>
+<file path=ppt/tags/tag164.xml><?xml version="1.0" encoding="utf-8"?>
 <p:tagLst xmlns:a="http://schemas.openxmlformats.org/drawingml/2006/main" xmlns:r="http://schemas.openxmlformats.org/officeDocument/2006/relationships" xmlns:p="http://schemas.openxmlformats.org/presentationml/2006/main">
   <p:tag name="KSO_WM_TAG_VERSION" val="1.0"/>
   <p:tag name="KSO_WM_BEAUTIFY_FLAG" val="#wm#"/>
@@ -50254,7 +50083,7 @@
 </p:tagLst>
 </file>
 
-<file path=ppt/tags/tag167.xml><?xml version="1.0" encoding="utf-8"?>
+<file path=ppt/tags/tag165.xml><?xml version="1.0" encoding="utf-8"?>
 <p:tagLst xmlns:a="http://schemas.openxmlformats.org/drawingml/2006/main" xmlns:r="http://schemas.openxmlformats.org/officeDocument/2006/relationships" xmlns:p="http://schemas.openxmlformats.org/presentationml/2006/main">
   <p:tag name="KSO_WM_TAG_VERSION" val="1.0"/>
   <p:tag name="KSO_WM_BEAUTIFY_FLAG" val="#wm#"/>
@@ -50273,7 +50102,7 @@
 </p:tagLst>
 </file>
 
-<file path=ppt/tags/tag168.xml><?xml version="1.0" encoding="utf-8"?>
+<file path=ppt/tags/tag166.xml><?xml version="1.0" encoding="utf-8"?>
 <p:tagLst xmlns:a="http://schemas.openxmlformats.org/drawingml/2006/main" xmlns:r="http://schemas.openxmlformats.org/officeDocument/2006/relationships" xmlns:p="http://schemas.openxmlformats.org/presentationml/2006/main">
   <p:tag name="KSO_WM_TAG_VERSION" val="1.0"/>
   <p:tag name="KSO_WM_BEAUTIFY_FLAG" val="#wm#"/>
@@ -50297,7 +50126,7 @@
 </p:tagLst>
 </file>
 
-<file path=ppt/tags/tag169.xml><?xml version="1.0" encoding="utf-8"?>
+<file path=ppt/tags/tag167.xml><?xml version="1.0" encoding="utf-8"?>
 <p:tagLst xmlns:a="http://schemas.openxmlformats.org/drawingml/2006/main" xmlns:r="http://schemas.openxmlformats.org/officeDocument/2006/relationships" xmlns:p="http://schemas.openxmlformats.org/presentationml/2006/main">
   <p:tag name="KSO_WM_TAG_VERSION" val="1.0"/>
   <p:tag name="KSO_WM_BEAUTIFY_FLAG" val="#wm#"/>
@@ -50316,15 +50145,7 @@
 </p:tagLst>
 </file>
 
-<file path=ppt/tags/tag17.xml><?xml version="1.0" encoding="utf-8"?>
-<p:tagLst xmlns:a="http://schemas.openxmlformats.org/drawingml/2006/main" xmlns:r="http://schemas.openxmlformats.org/officeDocument/2006/relationships" xmlns:p="http://schemas.openxmlformats.org/presentationml/2006/main">
-  <p:tag name="MH" val="20150923171423"/>
-  <p:tag name="MH_LIBRARY" val="GRAPHIC"/>
-  <p:tag name="MH_ORDER" val="Oval 37"/>
-</p:tagLst>
-</file>
-
-<file path=ppt/tags/tag170.xml><?xml version="1.0" encoding="utf-8"?>
+<file path=ppt/tags/tag168.xml><?xml version="1.0" encoding="utf-8"?>
 <p:tagLst xmlns:a="http://schemas.openxmlformats.org/drawingml/2006/main" xmlns:r="http://schemas.openxmlformats.org/officeDocument/2006/relationships" xmlns:p="http://schemas.openxmlformats.org/presentationml/2006/main">
   <p:tag name="KSO_WM_TAG_VERSION" val="1.0"/>
   <p:tag name="KSO_WM_BEAUTIFY_FLAG" val="#wm#"/>
@@ -50348,7 +50169,7 @@
 </p:tagLst>
 </file>
 
-<file path=ppt/tags/tag171.xml><?xml version="1.0" encoding="utf-8"?>
+<file path=ppt/tags/tag169.xml><?xml version="1.0" encoding="utf-8"?>
 <p:tagLst xmlns:a="http://schemas.openxmlformats.org/drawingml/2006/main" xmlns:r="http://schemas.openxmlformats.org/officeDocument/2006/relationships" xmlns:p="http://schemas.openxmlformats.org/presentationml/2006/main">
   <p:tag name="MH_TYPE" val="#NeiR#"/>
   <p:tag name="MH_NUMBER" val="6"/>
@@ -50372,7 +50193,15 @@
 </p:tagLst>
 </file>
 
-<file path=ppt/tags/tag172.xml><?xml version="1.0" encoding="utf-8"?>
+<file path=ppt/tags/tag17.xml><?xml version="1.0" encoding="utf-8"?>
+<p:tagLst xmlns:a="http://schemas.openxmlformats.org/drawingml/2006/main" xmlns:r="http://schemas.openxmlformats.org/officeDocument/2006/relationships" xmlns:p="http://schemas.openxmlformats.org/presentationml/2006/main">
+  <p:tag name="MH" val="20150923171423"/>
+  <p:tag name="MH_LIBRARY" val="GRAPHIC"/>
+  <p:tag name="MH_ORDER" val="Oval 37"/>
+</p:tagLst>
+</file>
+
+<file path=ppt/tags/tag170.xml><?xml version="1.0" encoding="utf-8"?>
 <p:tagLst xmlns:a="http://schemas.openxmlformats.org/drawingml/2006/main" xmlns:r="http://schemas.openxmlformats.org/officeDocument/2006/relationships" xmlns:p="http://schemas.openxmlformats.org/presentationml/2006/main">
   <p:tag name="KSO_WM_TAG_VERSION" val="1.0"/>
   <p:tag name="KSO_WM_BEAUTIFY_FLAG" val="#wm#"/>
@@ -50391,7 +50220,7 @@
 </p:tagLst>
 </file>
 
-<file path=ppt/tags/tag173.xml><?xml version="1.0" encoding="utf-8"?>
+<file path=ppt/tags/tag171.xml><?xml version="1.0" encoding="utf-8"?>
 <p:tagLst xmlns:a="http://schemas.openxmlformats.org/drawingml/2006/main" xmlns:r="http://schemas.openxmlformats.org/officeDocument/2006/relationships" xmlns:p="http://schemas.openxmlformats.org/presentationml/2006/main">
   <p:tag name="KSO_WM_TAG_VERSION" val="1.0"/>
   <p:tag name="KSO_WM_BEAUTIFY_FLAG" val="#wm#"/>
@@ -50410,7 +50239,7 @@
 </p:tagLst>
 </file>
 
-<file path=ppt/tags/tag174.xml><?xml version="1.0" encoding="utf-8"?>
+<file path=ppt/tags/tag172.xml><?xml version="1.0" encoding="utf-8"?>
 <p:tagLst xmlns:a="http://schemas.openxmlformats.org/drawingml/2006/main" xmlns:r="http://schemas.openxmlformats.org/officeDocument/2006/relationships" xmlns:p="http://schemas.openxmlformats.org/presentationml/2006/main">
   <p:tag name="KSO_WM_TAG_VERSION" val="1.0"/>
   <p:tag name="KSO_WM_BEAUTIFY_FLAG" val="#wm#"/>
@@ -50429,7 +50258,7 @@
 </p:tagLst>
 </file>
 
-<file path=ppt/tags/tag175.xml><?xml version="1.0" encoding="utf-8"?>
+<file path=ppt/tags/tag173.xml><?xml version="1.0" encoding="utf-8"?>
 <p:tagLst xmlns:a="http://schemas.openxmlformats.org/drawingml/2006/main" xmlns:r="http://schemas.openxmlformats.org/officeDocument/2006/relationships" xmlns:p="http://schemas.openxmlformats.org/presentationml/2006/main">
   <p:tag name="KSO_WM_TAG_VERSION" val="1.0"/>
   <p:tag name="KSO_WM_BEAUTIFY_FLAG" val="#wm#"/>
@@ -50448,7 +50277,7 @@
 </p:tagLst>
 </file>
 
-<file path=ppt/tags/tag176.xml><?xml version="1.0" encoding="utf-8"?>
+<file path=ppt/tags/tag174.xml><?xml version="1.0" encoding="utf-8"?>
 <p:tagLst xmlns:a="http://schemas.openxmlformats.org/drawingml/2006/main" xmlns:r="http://schemas.openxmlformats.org/officeDocument/2006/relationships" xmlns:p="http://schemas.openxmlformats.org/presentationml/2006/main">
   <p:tag name="KSO_WM_TAG_VERSION" val="1.0"/>
   <p:tag name="KSO_WM_BEAUTIFY_FLAG" val="#wm#"/>
@@ -50467,7 +50296,7 @@
 </p:tagLst>
 </file>
 
-<file path=ppt/tags/tag177.xml><?xml version="1.0" encoding="utf-8"?>
+<file path=ppt/tags/tag175.xml><?xml version="1.0" encoding="utf-8"?>
 <p:tagLst xmlns:a="http://schemas.openxmlformats.org/drawingml/2006/main" xmlns:r="http://schemas.openxmlformats.org/officeDocument/2006/relationships" xmlns:p="http://schemas.openxmlformats.org/presentationml/2006/main">
   <p:tag name="KSO_WM_TAG_VERSION" val="1.0"/>
   <p:tag name="KSO_WM_BEAUTIFY_FLAG" val="#wm#"/>
@@ -50478,7 +50307,7 @@
 </p:tagLst>
 </file>
 
-<file path=ppt/tags/tag178.xml><?xml version="1.0" encoding="utf-8"?>
+<file path=ppt/tags/tag176.xml><?xml version="1.0" encoding="utf-8"?>
 <p:tagLst xmlns:a="http://schemas.openxmlformats.org/drawingml/2006/main" xmlns:r="http://schemas.openxmlformats.org/officeDocument/2006/relationships" xmlns:p="http://schemas.openxmlformats.org/presentationml/2006/main">
   <p:tag name="KSO_WM_TAG_VERSION" val="1.0"/>
   <p:tag name="KSO_WM_BEAUTIFY_FLAG" val="#wm#"/>
@@ -50489,12 +50318,34 @@
 </p:tagLst>
 </file>
 
+<file path=ppt/tags/tag177.xml><?xml version="1.0" encoding="utf-8"?>
+<p:tagLst xmlns:a="http://schemas.openxmlformats.org/drawingml/2006/main" xmlns:r="http://schemas.openxmlformats.org/officeDocument/2006/relationships" xmlns:p="http://schemas.openxmlformats.org/presentationml/2006/main">
+  <p:tag name="KSO_WM_TAG_VERSION" val="1.0"/>
+  <p:tag name="KSO_WM_BEAUTIFY_FLAG" val="#wm#"/>
+  <p:tag name="KSO_WM_UNIT_TYPE" val="i"/>
+  <p:tag name="KSO_WM_UNIT_ID" val="custom160106_26*i*15"/>
+  <p:tag name="KSO_WM_TEMPLATE_CATEGORY" val="custom"/>
+  <p:tag name="KSO_WM_TEMPLATE_INDEX" val="160106"/>
+</p:tagLst>
+</file>
+
+<file path=ppt/tags/tag178.xml><?xml version="1.0" encoding="utf-8"?>
+<p:tagLst xmlns:a="http://schemas.openxmlformats.org/drawingml/2006/main" xmlns:r="http://schemas.openxmlformats.org/officeDocument/2006/relationships" xmlns:p="http://schemas.openxmlformats.org/presentationml/2006/main">
+  <p:tag name="KSO_WM_TAG_VERSION" val="1.0"/>
+  <p:tag name="KSO_WM_BEAUTIFY_FLAG" val="#wm#"/>
+  <p:tag name="KSO_WM_UNIT_TYPE" val="i"/>
+  <p:tag name="KSO_WM_UNIT_ID" val="custom160106_26*i*20"/>
+  <p:tag name="KSO_WM_TEMPLATE_CATEGORY" val="custom"/>
+  <p:tag name="KSO_WM_TEMPLATE_INDEX" val="160106"/>
+</p:tagLst>
+</file>
+
 <file path=ppt/tags/tag179.xml><?xml version="1.0" encoding="utf-8"?>
 <p:tagLst xmlns:a="http://schemas.openxmlformats.org/drawingml/2006/main" xmlns:r="http://schemas.openxmlformats.org/officeDocument/2006/relationships" xmlns:p="http://schemas.openxmlformats.org/presentationml/2006/main">
   <p:tag name="KSO_WM_TAG_VERSION" val="1.0"/>
   <p:tag name="KSO_WM_BEAUTIFY_FLAG" val="#wm#"/>
   <p:tag name="KSO_WM_UNIT_TYPE" val="i"/>
-  <p:tag name="KSO_WM_UNIT_ID" val="custom160106_26*i*15"/>
+  <p:tag name="KSO_WM_UNIT_ID" val="custom160106_26*i*25"/>
   <p:tag name="KSO_WM_TEMPLATE_CATEGORY" val="custom"/>
   <p:tag name="KSO_WM_TEMPLATE_INDEX" val="160106"/>
 </p:tagLst>
@@ -50513,35 +50364,13 @@
   <p:tag name="KSO_WM_TAG_VERSION" val="1.0"/>
   <p:tag name="KSO_WM_BEAUTIFY_FLAG" val="#wm#"/>
   <p:tag name="KSO_WM_UNIT_TYPE" val="i"/>
-  <p:tag name="KSO_WM_UNIT_ID" val="custom160106_26*i*20"/>
+  <p:tag name="KSO_WM_UNIT_ID" val="custom160106_26*i*30"/>
   <p:tag name="KSO_WM_TEMPLATE_CATEGORY" val="custom"/>
   <p:tag name="KSO_WM_TEMPLATE_INDEX" val="160106"/>
 </p:tagLst>
 </file>
 
 <file path=ppt/tags/tag181.xml><?xml version="1.0" encoding="utf-8"?>
-<p:tagLst xmlns:a="http://schemas.openxmlformats.org/drawingml/2006/main" xmlns:r="http://schemas.openxmlformats.org/officeDocument/2006/relationships" xmlns:p="http://schemas.openxmlformats.org/presentationml/2006/main">
-  <p:tag name="KSO_WM_TAG_VERSION" val="1.0"/>
-  <p:tag name="KSO_WM_BEAUTIFY_FLAG" val="#wm#"/>
-  <p:tag name="KSO_WM_UNIT_TYPE" val="i"/>
-  <p:tag name="KSO_WM_UNIT_ID" val="custom160106_26*i*25"/>
-  <p:tag name="KSO_WM_TEMPLATE_CATEGORY" val="custom"/>
-  <p:tag name="KSO_WM_TEMPLATE_INDEX" val="160106"/>
-</p:tagLst>
-</file>
-
-<file path=ppt/tags/tag182.xml><?xml version="1.0" encoding="utf-8"?>
-<p:tagLst xmlns:a="http://schemas.openxmlformats.org/drawingml/2006/main" xmlns:r="http://schemas.openxmlformats.org/officeDocument/2006/relationships" xmlns:p="http://schemas.openxmlformats.org/presentationml/2006/main">
-  <p:tag name="KSO_WM_TAG_VERSION" val="1.0"/>
-  <p:tag name="KSO_WM_BEAUTIFY_FLAG" val="#wm#"/>
-  <p:tag name="KSO_WM_UNIT_TYPE" val="i"/>
-  <p:tag name="KSO_WM_UNIT_ID" val="custom160106_26*i*30"/>
-  <p:tag name="KSO_WM_TEMPLATE_CATEGORY" val="custom"/>
-  <p:tag name="KSO_WM_TEMPLATE_INDEX" val="160106"/>
-</p:tagLst>
-</file>
-
-<file path=ppt/tags/tag183.xml><?xml version="1.0" encoding="utf-8"?>
 <p:tagLst xmlns:a="http://schemas.openxmlformats.org/drawingml/2006/main" xmlns:r="http://schemas.openxmlformats.org/officeDocument/2006/relationships" xmlns:p="http://schemas.openxmlformats.org/presentationml/2006/main">
   <p:tag name="KSO_WM_TAG_VERSION" val="1.0"/>
   <p:tag name="KSO_WM_BEAUTIFY_FLAG" val="#wm#"/>
@@ -50565,7 +50394,7 @@
 </p:tagLst>
 </file>
 
-<file path=ppt/tags/tag184.xml><?xml version="1.0" encoding="utf-8"?>
+<file path=ppt/tags/tag182.xml><?xml version="1.0" encoding="utf-8"?>
 <p:tagLst xmlns:a="http://schemas.openxmlformats.org/drawingml/2006/main" xmlns:r="http://schemas.openxmlformats.org/officeDocument/2006/relationships" xmlns:p="http://schemas.openxmlformats.org/presentationml/2006/main">
   <p:tag name="KSO_WM_TAG_VERSION" val="1.0"/>
   <p:tag name="KSO_WM_BEAUTIFY_FLAG" val="#wm#"/>
@@ -50584,7 +50413,7 @@
 </p:tagLst>
 </file>
 
-<file path=ppt/tags/tag185.xml><?xml version="1.0" encoding="utf-8"?>
+<file path=ppt/tags/tag183.xml><?xml version="1.0" encoding="utf-8"?>
 <p:tagLst xmlns:a="http://schemas.openxmlformats.org/drawingml/2006/main" xmlns:r="http://schemas.openxmlformats.org/officeDocument/2006/relationships" xmlns:p="http://schemas.openxmlformats.org/presentationml/2006/main">
   <p:tag name="KSO_WM_TAG_VERSION" val="1.0"/>
   <p:tag name="KSO_WM_BEAUTIFY_FLAG" val="#wm#"/>
@@ -50608,7 +50437,7 @@
 </p:tagLst>
 </file>
 
-<file path=ppt/tags/tag186.xml><?xml version="1.0" encoding="utf-8"?>
+<file path=ppt/tags/tag184.xml><?xml version="1.0" encoding="utf-8"?>
 <p:tagLst xmlns:a="http://schemas.openxmlformats.org/drawingml/2006/main" xmlns:r="http://schemas.openxmlformats.org/officeDocument/2006/relationships" xmlns:p="http://schemas.openxmlformats.org/presentationml/2006/main">
   <p:tag name="KSO_WM_TAG_VERSION" val="1.0"/>
   <p:tag name="KSO_WM_BEAUTIFY_FLAG" val="#wm#"/>
@@ -50627,7 +50456,7 @@
 </p:tagLst>
 </file>
 
-<file path=ppt/tags/tag187.xml><?xml version="1.0" encoding="utf-8"?>
+<file path=ppt/tags/tag185.xml><?xml version="1.0" encoding="utf-8"?>
 <p:tagLst xmlns:a="http://schemas.openxmlformats.org/drawingml/2006/main" xmlns:r="http://schemas.openxmlformats.org/officeDocument/2006/relationships" xmlns:p="http://schemas.openxmlformats.org/presentationml/2006/main">
   <p:tag name="KSO_WM_TAG_VERSION" val="1.0"/>
   <p:tag name="KSO_WM_BEAUTIFY_FLAG" val="#wm#"/>
@@ -50651,7 +50480,7 @@
 </p:tagLst>
 </file>
 
-<file path=ppt/tags/tag188.xml><?xml version="1.0" encoding="utf-8"?>
+<file path=ppt/tags/tag186.xml><?xml version="1.0" encoding="utf-8"?>
 <p:tagLst xmlns:a="http://schemas.openxmlformats.org/drawingml/2006/main" xmlns:r="http://schemas.openxmlformats.org/officeDocument/2006/relationships" xmlns:p="http://schemas.openxmlformats.org/presentationml/2006/main">
   <p:tag name="KSO_WM_TAG_VERSION" val="1.0"/>
   <p:tag name="KSO_WM_BEAUTIFY_FLAG" val="#wm#"/>
@@ -50670,7 +50499,7 @@
 </p:tagLst>
 </file>
 
-<file path=ppt/tags/tag189.xml><?xml version="1.0" encoding="utf-8"?>
+<file path=ppt/tags/tag187.xml><?xml version="1.0" encoding="utf-8"?>
 <p:tagLst xmlns:a="http://schemas.openxmlformats.org/drawingml/2006/main" xmlns:r="http://schemas.openxmlformats.org/officeDocument/2006/relationships" xmlns:p="http://schemas.openxmlformats.org/presentationml/2006/main">
   <p:tag name="KSO_WM_TAG_VERSION" val="1.0"/>
   <p:tag name="KSO_WM_BEAUTIFY_FLAG" val="#wm#"/>
@@ -50683,6 +50512,49 @@
   <p:tag name="KSO_WM_UNIT_TYPE" val="m_h_f"/>
   <p:tag name="KSO_WM_UNIT_INDEX" val="1_2_1"/>
   <p:tag name="KSO_WM_UNIT_ID" val="custom160106_26*m_h_f*1_2_1"/>
+  <p:tag name="KSO_WM_UNIT_CLEAR" val="1"/>
+  <p:tag name="KSO_WM_UNIT_LAYERLEVEL" val="1_1_1"/>
+  <p:tag name="KSO_WM_UNIT_VALUE" val="27"/>
+  <p:tag name="KSO_WM_UNIT_HIGHLIGHT" val="0"/>
+  <p:tag name="KSO_WM_UNIT_COMPATIBLE" val="0"/>
+  <p:tag name="KSO_WM_UNIT_PRESET_TEXT_INDEX" val="3"/>
+  <p:tag name="KSO_WM_UNIT_PRESET_TEXT_LEN" val="17"/>
+  <p:tag name="KSO_WM_DIAGRAM_GROUP_CODE" val="m1-1"/>
+</p:tagLst>
+</file>
+
+<file path=ppt/tags/tag188.xml><?xml version="1.0" encoding="utf-8"?>
+<p:tagLst xmlns:a="http://schemas.openxmlformats.org/drawingml/2006/main" xmlns:r="http://schemas.openxmlformats.org/officeDocument/2006/relationships" xmlns:p="http://schemas.openxmlformats.org/presentationml/2006/main">
+  <p:tag name="KSO_WM_TAG_VERSION" val="1.0"/>
+  <p:tag name="KSO_WM_BEAUTIFY_FLAG" val="#wm#"/>
+  <p:tag name="KSO_WM_TEMPLATE_CATEGORY" val="custom"/>
+  <p:tag name="KSO_WM_TEMPLATE_INDEX" val="160106"/>
+  <p:tag name="MH" val="20150923170037"/>
+  <p:tag name="MH_LIBRARY" val="GRAPHIC"/>
+  <p:tag name="MH_TYPE" val="Other"/>
+  <p:tag name="MH_ORDER" val="3"/>
+  <p:tag name="KSO_WM_UNIT_TYPE" val="m_i"/>
+  <p:tag name="KSO_WM_UNIT_INDEX" val="1_8"/>
+  <p:tag name="KSO_WM_UNIT_ID" val="custom160106_26*m_i*1_8"/>
+  <p:tag name="KSO_WM_UNIT_CLEAR" val="1"/>
+  <p:tag name="KSO_WM_UNIT_LAYERLEVEL" val="1_1"/>
+  <p:tag name="KSO_WM_DIAGRAM_GROUP_CODE" val="m1-1"/>
+</p:tagLst>
+</file>
+
+<file path=ppt/tags/tag189.xml><?xml version="1.0" encoding="utf-8"?>
+<p:tagLst xmlns:a="http://schemas.openxmlformats.org/drawingml/2006/main" xmlns:r="http://schemas.openxmlformats.org/officeDocument/2006/relationships" xmlns:p="http://schemas.openxmlformats.org/presentationml/2006/main">
+  <p:tag name="KSO_WM_TAG_VERSION" val="1.0"/>
+  <p:tag name="KSO_WM_BEAUTIFY_FLAG" val="#wm#"/>
+  <p:tag name="KSO_WM_TEMPLATE_CATEGORY" val="custom"/>
+  <p:tag name="KSO_WM_TEMPLATE_INDEX" val="160106"/>
+  <p:tag name="MH" val="20150923170037"/>
+  <p:tag name="MH_LIBRARY" val="GRAPHIC"/>
+  <p:tag name="MH_TYPE" val="SubTitle"/>
+  <p:tag name="MH_ORDER" val="5"/>
+  <p:tag name="KSO_WM_UNIT_TYPE" val="m_h_f"/>
+  <p:tag name="KSO_WM_UNIT_INDEX" val="1_5_1"/>
+  <p:tag name="KSO_WM_UNIT_ID" val="custom160106_26*m_h_f*1_5_1"/>
   <p:tag name="KSO_WM_UNIT_CLEAR" val="1"/>
   <p:tag name="KSO_WM_UNIT_LAYERLEVEL" val="1_1_1"/>
   <p:tag name="KSO_WM_UNIT_VALUE" val="27"/>
@@ -50711,49 +50583,6 @@
   <p:tag name="MH" val="20150923170037"/>
   <p:tag name="MH_LIBRARY" val="GRAPHIC"/>
   <p:tag name="MH_TYPE" val="Other"/>
-  <p:tag name="MH_ORDER" val="3"/>
-  <p:tag name="KSO_WM_UNIT_TYPE" val="m_i"/>
-  <p:tag name="KSO_WM_UNIT_INDEX" val="1_8"/>
-  <p:tag name="KSO_WM_UNIT_ID" val="custom160106_26*m_i*1_8"/>
-  <p:tag name="KSO_WM_UNIT_CLEAR" val="1"/>
-  <p:tag name="KSO_WM_UNIT_LAYERLEVEL" val="1_1"/>
-  <p:tag name="KSO_WM_DIAGRAM_GROUP_CODE" val="m1-1"/>
-</p:tagLst>
-</file>
-
-<file path=ppt/tags/tag191.xml><?xml version="1.0" encoding="utf-8"?>
-<p:tagLst xmlns:a="http://schemas.openxmlformats.org/drawingml/2006/main" xmlns:r="http://schemas.openxmlformats.org/officeDocument/2006/relationships" xmlns:p="http://schemas.openxmlformats.org/presentationml/2006/main">
-  <p:tag name="KSO_WM_TAG_VERSION" val="1.0"/>
-  <p:tag name="KSO_WM_BEAUTIFY_FLAG" val="#wm#"/>
-  <p:tag name="KSO_WM_TEMPLATE_CATEGORY" val="custom"/>
-  <p:tag name="KSO_WM_TEMPLATE_INDEX" val="160106"/>
-  <p:tag name="MH" val="20150923170037"/>
-  <p:tag name="MH_LIBRARY" val="GRAPHIC"/>
-  <p:tag name="MH_TYPE" val="SubTitle"/>
-  <p:tag name="MH_ORDER" val="5"/>
-  <p:tag name="KSO_WM_UNIT_TYPE" val="m_h_f"/>
-  <p:tag name="KSO_WM_UNIT_INDEX" val="1_5_1"/>
-  <p:tag name="KSO_WM_UNIT_ID" val="custom160106_26*m_h_f*1_5_1"/>
-  <p:tag name="KSO_WM_UNIT_CLEAR" val="1"/>
-  <p:tag name="KSO_WM_UNIT_LAYERLEVEL" val="1_1_1"/>
-  <p:tag name="KSO_WM_UNIT_VALUE" val="27"/>
-  <p:tag name="KSO_WM_UNIT_HIGHLIGHT" val="0"/>
-  <p:tag name="KSO_WM_UNIT_COMPATIBLE" val="0"/>
-  <p:tag name="KSO_WM_UNIT_PRESET_TEXT_INDEX" val="3"/>
-  <p:tag name="KSO_WM_UNIT_PRESET_TEXT_LEN" val="17"/>
-  <p:tag name="KSO_WM_DIAGRAM_GROUP_CODE" val="m1-1"/>
-</p:tagLst>
-</file>
-
-<file path=ppt/tags/tag192.xml><?xml version="1.0" encoding="utf-8"?>
-<p:tagLst xmlns:a="http://schemas.openxmlformats.org/drawingml/2006/main" xmlns:r="http://schemas.openxmlformats.org/officeDocument/2006/relationships" xmlns:p="http://schemas.openxmlformats.org/presentationml/2006/main">
-  <p:tag name="KSO_WM_TAG_VERSION" val="1.0"/>
-  <p:tag name="KSO_WM_BEAUTIFY_FLAG" val="#wm#"/>
-  <p:tag name="KSO_WM_TEMPLATE_CATEGORY" val="custom"/>
-  <p:tag name="KSO_WM_TEMPLATE_INDEX" val="160106"/>
-  <p:tag name="MH" val="20150923170037"/>
-  <p:tag name="MH_LIBRARY" val="GRAPHIC"/>
-  <p:tag name="MH_TYPE" val="Other"/>
   <p:tag name="MH_ORDER" val="2"/>
   <p:tag name="KSO_WM_UNIT_TYPE" val="m_i"/>
   <p:tag name="KSO_WM_UNIT_INDEX" val="1_7"/>
@@ -50764,7 +50593,7 @@
 </p:tagLst>
 </file>
 
-<file path=ppt/tags/tag193.xml><?xml version="1.0" encoding="utf-8"?>
+<file path=ppt/tags/tag191.xml><?xml version="1.0" encoding="utf-8"?>
 <p:tagLst xmlns:a="http://schemas.openxmlformats.org/drawingml/2006/main" xmlns:r="http://schemas.openxmlformats.org/officeDocument/2006/relationships" xmlns:p="http://schemas.openxmlformats.org/presentationml/2006/main">
   <p:tag name="KSO_WM_TAG_VERSION" val="1.0"/>
   <p:tag name="KSO_WM_BEAUTIFY_FLAG" val="#wm#"/>
@@ -50788,7 +50617,7 @@
 </p:tagLst>
 </file>
 
-<file path=ppt/tags/tag194.xml><?xml version="1.0" encoding="utf-8"?>
+<file path=ppt/tags/tag192.xml><?xml version="1.0" encoding="utf-8"?>
 <p:tagLst xmlns:a="http://schemas.openxmlformats.org/drawingml/2006/main" xmlns:r="http://schemas.openxmlformats.org/officeDocument/2006/relationships" xmlns:p="http://schemas.openxmlformats.org/presentationml/2006/main">
   <p:tag name="KSO_WM_TAG_VERSION" val="1.0"/>
   <p:tag name="KSO_WM_BEAUTIFY_FLAG" val="#wm#"/>
@@ -50807,7 +50636,7 @@
 </p:tagLst>
 </file>
 
-<file path=ppt/tags/tag195.xml><?xml version="1.0" encoding="utf-8"?>
+<file path=ppt/tags/tag193.xml><?xml version="1.0" encoding="utf-8"?>
 <p:tagLst xmlns:a="http://schemas.openxmlformats.org/drawingml/2006/main" xmlns:r="http://schemas.openxmlformats.org/officeDocument/2006/relationships" xmlns:p="http://schemas.openxmlformats.org/presentationml/2006/main">
   <p:tag name="KSO_WM_TAG_VERSION" val="1.0"/>
   <p:tag name="KSO_WM_BEAUTIFY_FLAG" val="#wm#"/>
@@ -50831,7 +50660,7 @@
 </p:tagLst>
 </file>
 
-<file path=ppt/tags/tag196.xml><?xml version="1.0" encoding="utf-8"?>
+<file path=ppt/tags/tag194.xml><?xml version="1.0" encoding="utf-8"?>
 <p:tagLst xmlns:a="http://schemas.openxmlformats.org/drawingml/2006/main" xmlns:r="http://schemas.openxmlformats.org/officeDocument/2006/relationships" xmlns:p="http://schemas.openxmlformats.org/presentationml/2006/main">
   <p:tag name="MH_TYPE" val="#NeiR#"/>
   <p:tag name="MH_NUMBER" val="1"/>
@@ -50854,7 +50683,7 @@
 </p:tagLst>
 </file>
 
-<file path=ppt/tags/tag197.xml><?xml version="1.0" encoding="utf-8"?>
+<file path=ppt/tags/tag195.xml><?xml version="1.0" encoding="utf-8"?>
 <p:tagLst xmlns:a="http://schemas.openxmlformats.org/drawingml/2006/main" xmlns:r="http://schemas.openxmlformats.org/officeDocument/2006/relationships" xmlns:p="http://schemas.openxmlformats.org/presentationml/2006/main">
   <p:tag name="MH" val="20150923170505"/>
   <p:tag name="MH_LIBRARY" val="GRAPHIC"/>
@@ -50869,7 +50698,7 @@
 </p:tagLst>
 </file>
 
-<file path=ppt/tags/tag198.xml><?xml version="1.0" encoding="utf-8"?>
+<file path=ppt/tags/tag196.xml><?xml version="1.0" encoding="utf-8"?>
 <p:tagLst xmlns:a="http://schemas.openxmlformats.org/drawingml/2006/main" xmlns:r="http://schemas.openxmlformats.org/officeDocument/2006/relationships" xmlns:p="http://schemas.openxmlformats.org/presentationml/2006/main">
   <p:tag name="MH" val="20150923170505"/>
   <p:tag name="MH_LIBRARY" val="GRAPHIC"/>
@@ -50884,7 +50713,7 @@
 </p:tagLst>
 </file>
 
-<file path=ppt/tags/tag199.xml><?xml version="1.0" encoding="utf-8"?>
+<file path=ppt/tags/tag197.xml><?xml version="1.0" encoding="utf-8"?>
 <p:tagLst xmlns:a="http://schemas.openxmlformats.org/drawingml/2006/main" xmlns:r="http://schemas.openxmlformats.org/officeDocument/2006/relationships" xmlns:p="http://schemas.openxmlformats.org/presentationml/2006/main">
   <p:tag name="KSO_WM_TAG_VERSION" val="1.0"/>
   <p:tag name="KSO_WM_BEAUTIFY_FLAG" val="#wm#"/>
@@ -50908,24 +50737,7 @@
 </p:tagLst>
 </file>
 
-<file path=ppt/tags/tag2.xml><?xml version="1.0" encoding="utf-8"?>
-<p:tagLst xmlns:a="http://schemas.openxmlformats.org/drawingml/2006/main" xmlns:r="http://schemas.openxmlformats.org/officeDocument/2006/relationships" xmlns:p="http://schemas.openxmlformats.org/presentationml/2006/main">
-  <p:tag name="MH" val="20150923171423"/>
-  <p:tag name="MH_LIBRARY" val="GRAPHIC"/>
-  <p:tag name="MH_ORDER" val="Rectangle 19"/>
-</p:tagLst>
-</file>
-
-<file path=ppt/tags/tag20.xml><?xml version="1.0" encoding="utf-8"?>
-<p:tagLst xmlns:a="http://schemas.openxmlformats.org/drawingml/2006/main" xmlns:r="http://schemas.openxmlformats.org/officeDocument/2006/relationships" xmlns:p="http://schemas.openxmlformats.org/presentationml/2006/main">
-  <p:tag name="MH" val="20150923165736"/>
-  <p:tag name="MH_LIBRARY" val="GRAPHIC"/>
-  <p:tag name="MH_TYPE" val="Other"/>
-  <p:tag name="MH_ORDER" val="211"/>
-</p:tagLst>
-</file>
-
-<file path=ppt/tags/tag200.xml><?xml version="1.0" encoding="utf-8"?>
+<file path=ppt/tags/tag198.xml><?xml version="1.0" encoding="utf-8"?>
 <p:tagLst xmlns:a="http://schemas.openxmlformats.org/drawingml/2006/main" xmlns:r="http://schemas.openxmlformats.org/officeDocument/2006/relationships" xmlns:p="http://schemas.openxmlformats.org/presentationml/2006/main">
   <p:tag name="KSO_WM_TAG_VERSION" val="1.0"/>
   <p:tag name="KSO_WM_BEAUTIFY_FLAG" val="#wm#"/>
@@ -50948,7 +50760,7 @@
 </p:tagLst>
 </file>
 
-<file path=ppt/tags/tag201.xml><?xml version="1.0" encoding="utf-8"?>
+<file path=ppt/tags/tag199.xml><?xml version="1.0" encoding="utf-8"?>
 <p:tagLst xmlns:a="http://schemas.openxmlformats.org/drawingml/2006/main" xmlns:r="http://schemas.openxmlformats.org/officeDocument/2006/relationships" xmlns:p="http://schemas.openxmlformats.org/presentationml/2006/main">
   <p:tag name="MH" val="20150923170505"/>
   <p:tag name="MH_LIBRARY" val="GRAPHIC"/>
@@ -50963,7 +50775,24 @@
 </p:tagLst>
 </file>
 
-<file path=ppt/tags/tag202.xml><?xml version="1.0" encoding="utf-8"?>
+<file path=ppt/tags/tag2.xml><?xml version="1.0" encoding="utf-8"?>
+<p:tagLst xmlns:a="http://schemas.openxmlformats.org/drawingml/2006/main" xmlns:r="http://schemas.openxmlformats.org/officeDocument/2006/relationships" xmlns:p="http://schemas.openxmlformats.org/presentationml/2006/main">
+  <p:tag name="MH" val="20150923171423"/>
+  <p:tag name="MH_LIBRARY" val="GRAPHIC"/>
+  <p:tag name="MH_ORDER" val="Rectangle 19"/>
+</p:tagLst>
+</file>
+
+<file path=ppt/tags/tag20.xml><?xml version="1.0" encoding="utf-8"?>
+<p:tagLst xmlns:a="http://schemas.openxmlformats.org/drawingml/2006/main" xmlns:r="http://schemas.openxmlformats.org/officeDocument/2006/relationships" xmlns:p="http://schemas.openxmlformats.org/presentationml/2006/main">
+  <p:tag name="MH" val="20150923165736"/>
+  <p:tag name="MH_LIBRARY" val="GRAPHIC"/>
+  <p:tag name="MH_TYPE" val="Other"/>
+  <p:tag name="MH_ORDER" val="211"/>
+</p:tagLst>
+</file>
+
+<file path=ppt/tags/tag200.xml><?xml version="1.0" encoding="utf-8"?>
 <p:tagLst xmlns:a="http://schemas.openxmlformats.org/drawingml/2006/main" xmlns:r="http://schemas.openxmlformats.org/officeDocument/2006/relationships" xmlns:p="http://schemas.openxmlformats.org/presentationml/2006/main">
   <p:tag name="MH" val="20150923170505"/>
   <p:tag name="MH_LIBRARY" val="GRAPHIC"/>
@@ -50978,7 +50807,7 @@
 </p:tagLst>
 </file>
 
-<file path=ppt/tags/tag203.xml><?xml version="1.0" encoding="utf-8"?>
+<file path=ppt/tags/tag201.xml><?xml version="1.0" encoding="utf-8"?>
 <p:tagLst xmlns:a="http://schemas.openxmlformats.org/drawingml/2006/main" xmlns:r="http://schemas.openxmlformats.org/officeDocument/2006/relationships" xmlns:p="http://schemas.openxmlformats.org/presentationml/2006/main">
   <p:tag name="MH" val="20150923170505"/>
   <p:tag name="MH_LIBRARY" val="GRAPHIC"/>
@@ -50993,7 +50822,7 @@
 </p:tagLst>
 </file>
 
-<file path=ppt/tags/tag204.xml><?xml version="1.0" encoding="utf-8"?>
+<file path=ppt/tags/tag202.xml><?xml version="1.0" encoding="utf-8"?>
 <p:tagLst xmlns:a="http://schemas.openxmlformats.org/drawingml/2006/main" xmlns:r="http://schemas.openxmlformats.org/officeDocument/2006/relationships" xmlns:p="http://schemas.openxmlformats.org/presentationml/2006/main">
   <p:tag name="KSO_WM_TAG_VERSION" val="1.0"/>
   <p:tag name="KSO_WM_BEAUTIFY_FLAG" val="#wm#"/>
@@ -51014,7 +50843,7 @@
 </p:tagLst>
 </file>
 
-<file path=ppt/tags/tag205.xml><?xml version="1.0" encoding="utf-8"?>
+<file path=ppt/tags/tag203.xml><?xml version="1.0" encoding="utf-8"?>
 <p:tagLst xmlns:a="http://schemas.openxmlformats.org/drawingml/2006/main" xmlns:r="http://schemas.openxmlformats.org/officeDocument/2006/relationships" xmlns:p="http://schemas.openxmlformats.org/presentationml/2006/main">
   <p:tag name="MH_TYPE" val="#NeiR#"/>
   <p:tag name="MH_NUMBER" val="2"/>
@@ -51037,7 +50866,7 @@
 </p:tagLst>
 </file>
 
-<file path=ppt/tags/tag206.xml><?xml version="1.0" encoding="utf-8"?>
+<file path=ppt/tags/tag204.xml><?xml version="1.0" encoding="utf-8"?>
 <p:tagLst xmlns:a="http://schemas.openxmlformats.org/drawingml/2006/main" xmlns:r="http://schemas.openxmlformats.org/officeDocument/2006/relationships" xmlns:p="http://schemas.openxmlformats.org/presentationml/2006/main">
   <p:tag name="KSO_WM_TAG_VERSION" val="1.0"/>
   <p:tag name="KSO_WM_BEAUTIFY_FLAG" val="#wm#"/>
@@ -51058,7 +50887,7 @@
 </p:tagLst>
 </file>
 
-<file path=ppt/tags/tag207.xml><?xml version="1.0" encoding="utf-8"?>
+<file path=ppt/tags/tag205.xml><?xml version="1.0" encoding="utf-8"?>
 <p:tagLst xmlns:a="http://schemas.openxmlformats.org/drawingml/2006/main" xmlns:r="http://schemas.openxmlformats.org/officeDocument/2006/relationships" xmlns:p="http://schemas.openxmlformats.org/presentationml/2006/main">
   <p:tag name="KSO_WM_TAG_VERSION" val="1.0"/>
   <p:tag name="KSO_WM_BEAUTIFY_FLAG" val="#wm#"/>
@@ -51079,7 +50908,7 @@
 </p:tagLst>
 </file>
 
-<file path=ppt/tags/tag208.xml><?xml version="1.0" encoding="utf-8"?>
+<file path=ppt/tags/tag206.xml><?xml version="1.0" encoding="utf-8"?>
 <p:tagLst xmlns:a="http://schemas.openxmlformats.org/drawingml/2006/main" xmlns:r="http://schemas.openxmlformats.org/officeDocument/2006/relationships" xmlns:p="http://schemas.openxmlformats.org/presentationml/2006/main">
   <p:tag name="KSO_WM_TAG_VERSION" val="1.0"/>
   <p:tag name="KSO_WM_BEAUTIFY_FLAG" val="#wm#"/>
@@ -51103,7 +50932,7 @@
 </p:tagLst>
 </file>
 
-<file path=ppt/tags/tag209.xml><?xml version="1.0" encoding="utf-8"?>
+<file path=ppt/tags/tag207.xml><?xml version="1.0" encoding="utf-8"?>
 <p:tagLst xmlns:a="http://schemas.openxmlformats.org/drawingml/2006/main" xmlns:r="http://schemas.openxmlformats.org/officeDocument/2006/relationships" xmlns:p="http://schemas.openxmlformats.org/presentationml/2006/main">
   <p:tag name="KSO_WM_TAG_VERSION" val="1.0"/>
   <p:tag name="KSO_WM_BEAUTIFY_FLAG" val="#wm#"/>
@@ -51126,16 +50955,7 @@
 </p:tagLst>
 </file>
 
-<file path=ppt/tags/tag21.xml><?xml version="1.0" encoding="utf-8"?>
-<p:tagLst xmlns:a="http://schemas.openxmlformats.org/drawingml/2006/main" xmlns:r="http://schemas.openxmlformats.org/officeDocument/2006/relationships" xmlns:p="http://schemas.openxmlformats.org/presentationml/2006/main">
-  <p:tag name="MH" val="20150923165736"/>
-  <p:tag name="MH_LIBRARY" val="GRAPHIC"/>
-  <p:tag name="MH_TYPE" val="Other"/>
-  <p:tag name="MH_ORDER" val="211"/>
-</p:tagLst>
-</file>
-
-<file path=ppt/tags/tag210.xml><?xml version="1.0" encoding="utf-8"?>
+<file path=ppt/tags/tag208.xml><?xml version="1.0" encoding="utf-8"?>
 <p:tagLst xmlns:a="http://schemas.openxmlformats.org/drawingml/2006/main" xmlns:r="http://schemas.openxmlformats.org/officeDocument/2006/relationships" xmlns:p="http://schemas.openxmlformats.org/presentationml/2006/main">
   <p:tag name="MH" val="20150923171331"/>
   <p:tag name="MH_LIBRARY" val="GRAPHIC"/>
@@ -51150,7 +50970,7 @@
 </p:tagLst>
 </file>
 
-<file path=ppt/tags/tag211.xml><?xml version="1.0" encoding="utf-8"?>
+<file path=ppt/tags/tag209.xml><?xml version="1.0" encoding="utf-8"?>
 <p:tagLst xmlns:a="http://schemas.openxmlformats.org/drawingml/2006/main" xmlns:r="http://schemas.openxmlformats.org/officeDocument/2006/relationships" xmlns:p="http://schemas.openxmlformats.org/presentationml/2006/main">
   <p:tag name="MH" val="20150923171331"/>
   <p:tag name="MH_LIBRARY" val="GRAPHIC"/>
@@ -51164,7 +50984,16 @@
 </p:tagLst>
 </file>
 
-<file path=ppt/tags/tag212.xml><?xml version="1.0" encoding="utf-8"?>
+<file path=ppt/tags/tag21.xml><?xml version="1.0" encoding="utf-8"?>
+<p:tagLst xmlns:a="http://schemas.openxmlformats.org/drawingml/2006/main" xmlns:r="http://schemas.openxmlformats.org/officeDocument/2006/relationships" xmlns:p="http://schemas.openxmlformats.org/presentationml/2006/main">
+  <p:tag name="MH" val="20150923165736"/>
+  <p:tag name="MH_LIBRARY" val="GRAPHIC"/>
+  <p:tag name="MH_TYPE" val="Other"/>
+  <p:tag name="MH_ORDER" val="211"/>
+</p:tagLst>
+</file>
+
+<file path=ppt/tags/tag210.xml><?xml version="1.0" encoding="utf-8"?>
 <p:tagLst xmlns:a="http://schemas.openxmlformats.org/drawingml/2006/main" xmlns:r="http://schemas.openxmlformats.org/officeDocument/2006/relationships" xmlns:p="http://schemas.openxmlformats.org/presentationml/2006/main">
   <p:tag name="MH" val="20150923171331"/>
   <p:tag name="MH_LIBRARY" val="GRAPHIC"/>
@@ -51178,7 +51007,7 @@
 </p:tagLst>
 </file>
 
-<file path=ppt/tags/tag213.xml><?xml version="1.0" encoding="utf-8"?>
+<file path=ppt/tags/tag211.xml><?xml version="1.0" encoding="utf-8"?>
 <p:tagLst xmlns:a="http://schemas.openxmlformats.org/drawingml/2006/main" xmlns:r="http://schemas.openxmlformats.org/officeDocument/2006/relationships" xmlns:p="http://schemas.openxmlformats.org/presentationml/2006/main">
   <p:tag name="MH" val="20150923171331"/>
   <p:tag name="MH_LIBRARY" val="GRAPHIC"/>
@@ -51388,43 +51217,6 @@
   <p:tag name="KSO_WM_BEAUTIFY_FLAG" val="#wm#"/>
   <p:tag name="KSO_WM_TEMPLATE_CATEGORY" val="custom"/>
   <p:tag name="KSO_WM_TEMPLATE_INDEX" val="160106"/>
-  <p:tag name="KSO_WM_UNIT_TYPE" val="a"/>
-  <p:tag name="KSO_WM_UNIT_INDEX" val="1"/>
-  <p:tag name="KSO_WM_UNIT_ID" val="custom160106_3*a*1"/>
-  <p:tag name="KSO_WM_UNIT_CLEAR" val="1"/>
-  <p:tag name="KSO_WM_UNIT_LAYERLEVEL" val="1"/>
-  <p:tag name="KSO_WM_UNIT_VALUE" val="29"/>
-  <p:tag name="KSO_WM_UNIT_ISCONTENTSTITLE" val="0"/>
-  <p:tag name="KSO_WM_UNIT_HIGHLIGHT" val="0"/>
-  <p:tag name="KSO_WM_UNIT_COMPATIBLE" val="0"/>
-  <p:tag name="KSO_WM_UNIT_PRESET_TEXT_INDEX" val="3"/>
-  <p:tag name="KSO_WM_UNIT_PRESET_TEXT_LEN" val="17"/>
-</p:tagLst>
-</file>
-
-<file path=ppt/tags/tag33.xml><?xml version="1.0" encoding="utf-8"?>
-<p:tagLst xmlns:a="http://schemas.openxmlformats.org/drawingml/2006/main" xmlns:r="http://schemas.openxmlformats.org/officeDocument/2006/relationships" xmlns:p="http://schemas.openxmlformats.org/presentationml/2006/main">
-  <p:tag name="KSO_WM_TEMPLATE_CATEGORY" val="custom"/>
-  <p:tag name="KSO_WM_TEMPLATE_INDEX" val="160106"/>
-  <p:tag name="KSO_WM_TAG_VERSION" val="1.0"/>
-  <p:tag name="KSO_WM_SLIDE_ID" val="custom160106_3"/>
-  <p:tag name="KSO_WM_SLIDE_INDEX" val="3"/>
-  <p:tag name="KSO_WM_SLIDE_ITEM_CNT" val="3"/>
-  <p:tag name="KSO_WM_SLIDE_LAYOUT" val="a_f"/>
-  <p:tag name="KSO_WM_SLIDE_LAYOUT_CNT" val="1_2"/>
-  <p:tag name="KSO_WM_SLIDE_TYPE" val="text"/>
-  <p:tag name="KSO_WM_BEAUTIFY_FLAG" val="#wm#"/>
-  <p:tag name="KSO_WM_SLIDE_POSITION" val="66*133"/>
-  <p:tag name="KSO_WM_SLIDE_SIZE" val="828*357"/>
-</p:tagLst>
-</file>
-
-<file path=ppt/tags/tag34.xml><?xml version="1.0" encoding="utf-8"?>
-<p:tagLst xmlns:a="http://schemas.openxmlformats.org/drawingml/2006/main" xmlns:r="http://schemas.openxmlformats.org/officeDocument/2006/relationships" xmlns:p="http://schemas.openxmlformats.org/presentationml/2006/main">
-  <p:tag name="KSO_WM_TAG_VERSION" val="1.0"/>
-  <p:tag name="KSO_WM_BEAUTIFY_FLAG" val="#wm#"/>
-  <p:tag name="KSO_WM_TEMPLATE_CATEGORY" val="custom"/>
-  <p:tag name="KSO_WM_TEMPLATE_INDEX" val="160106"/>
   <p:tag name="KSO_WM_UNIT_TYPE" val="f"/>
   <p:tag name="KSO_WM_UNIT_INDEX" val="2"/>
   <p:tag name="KSO_WM_UNIT_ID" val="custom160106_3*f*2"/>
@@ -51438,7 +51230,7 @@
 </p:tagLst>
 </file>
 
-<file path=ppt/tags/tag35.xml><?xml version="1.0" encoding="utf-8"?>
+<file path=ppt/tags/tag33.xml><?xml version="1.0" encoding="utf-8"?>
 <p:tagLst xmlns:a="http://schemas.openxmlformats.org/drawingml/2006/main" xmlns:r="http://schemas.openxmlformats.org/officeDocument/2006/relationships" xmlns:p="http://schemas.openxmlformats.org/presentationml/2006/main">
   <p:tag name="KSO_WM_TAG_VERSION" val="1.0"/>
   <p:tag name="KSO_WM_BEAUTIFY_FLAG" val="#wm#"/>
@@ -51454,6 +51246,43 @@
   <p:tag name="KSO_WM_UNIT_COMPATIBLE" val="0"/>
   <p:tag name="KSO_WM_UNIT_PRESET_TEXT_INDEX" val="5"/>
   <p:tag name="KSO_WM_UNIT_PRESET_TEXT_LEN" val="232"/>
+</p:tagLst>
+</file>
+
+<file path=ppt/tags/tag34.xml><?xml version="1.0" encoding="utf-8"?>
+<p:tagLst xmlns:a="http://schemas.openxmlformats.org/drawingml/2006/main" xmlns:r="http://schemas.openxmlformats.org/officeDocument/2006/relationships" xmlns:p="http://schemas.openxmlformats.org/presentationml/2006/main">
+  <p:tag name="KSO_WM_TAG_VERSION" val="1.0"/>
+  <p:tag name="KSO_WM_BEAUTIFY_FLAG" val="#wm#"/>
+  <p:tag name="KSO_WM_TEMPLATE_CATEGORY" val="custom"/>
+  <p:tag name="KSO_WM_TEMPLATE_INDEX" val="160106"/>
+  <p:tag name="KSO_WM_UNIT_TYPE" val="a"/>
+  <p:tag name="KSO_WM_UNIT_INDEX" val="1"/>
+  <p:tag name="KSO_WM_UNIT_ID" val="custom160106_3*a*1"/>
+  <p:tag name="KSO_WM_UNIT_CLEAR" val="1"/>
+  <p:tag name="KSO_WM_UNIT_LAYERLEVEL" val="1"/>
+  <p:tag name="KSO_WM_UNIT_VALUE" val="29"/>
+  <p:tag name="KSO_WM_UNIT_ISCONTENTSTITLE" val="0"/>
+  <p:tag name="KSO_WM_UNIT_HIGHLIGHT" val="0"/>
+  <p:tag name="KSO_WM_UNIT_COMPATIBLE" val="0"/>
+  <p:tag name="KSO_WM_UNIT_PRESET_TEXT_INDEX" val="3"/>
+  <p:tag name="KSO_WM_UNIT_PRESET_TEXT_LEN" val="17"/>
+</p:tagLst>
+</file>
+
+<file path=ppt/tags/tag35.xml><?xml version="1.0" encoding="utf-8"?>
+<p:tagLst xmlns:a="http://schemas.openxmlformats.org/drawingml/2006/main" xmlns:r="http://schemas.openxmlformats.org/officeDocument/2006/relationships" xmlns:p="http://schemas.openxmlformats.org/presentationml/2006/main">
+  <p:tag name="KSO_WM_TEMPLATE_CATEGORY" val="custom"/>
+  <p:tag name="KSO_WM_TEMPLATE_INDEX" val="160106"/>
+  <p:tag name="KSO_WM_TAG_VERSION" val="1.0"/>
+  <p:tag name="KSO_WM_SLIDE_ID" val="custom160106_3"/>
+  <p:tag name="KSO_WM_SLIDE_INDEX" val="3"/>
+  <p:tag name="KSO_WM_SLIDE_ITEM_CNT" val="3"/>
+  <p:tag name="KSO_WM_SLIDE_LAYOUT" val="a_f"/>
+  <p:tag name="KSO_WM_SLIDE_LAYOUT_CNT" val="1_2"/>
+  <p:tag name="KSO_WM_SLIDE_TYPE" val="text"/>
+  <p:tag name="KSO_WM_BEAUTIFY_FLAG" val="#wm#"/>
+  <p:tag name="KSO_WM_SLIDE_POSITION" val="66*133"/>
+  <p:tag name="KSO_WM_SLIDE_SIZE" val="828*357"/>
 </p:tagLst>
 </file>
 
@@ -51734,43 +51563,6 @@
 
 <file path=ppt/tags/tag50.xml><?xml version="1.0" encoding="utf-8"?>
 <p:tagLst xmlns:a="http://schemas.openxmlformats.org/drawingml/2006/main" xmlns:r="http://schemas.openxmlformats.org/officeDocument/2006/relationships" xmlns:p="http://schemas.openxmlformats.org/presentationml/2006/main">
-  <p:tag name="KSO_WM_TAG_VERSION" val="1.0"/>
-  <p:tag name="KSO_WM_BEAUTIFY_FLAG" val="#wm#"/>
-  <p:tag name="KSO_WM_TEMPLATE_CATEGORY" val="custom"/>
-  <p:tag name="KSO_WM_TEMPLATE_INDEX" val="160106"/>
-  <p:tag name="KSO_WM_UNIT_TYPE" val="a"/>
-  <p:tag name="KSO_WM_UNIT_INDEX" val="1"/>
-  <p:tag name="KSO_WM_UNIT_ID" val="custom160106_3*a*1"/>
-  <p:tag name="KSO_WM_UNIT_CLEAR" val="1"/>
-  <p:tag name="KSO_WM_UNIT_LAYERLEVEL" val="1"/>
-  <p:tag name="KSO_WM_UNIT_VALUE" val="29"/>
-  <p:tag name="KSO_WM_UNIT_ISCONTENTSTITLE" val="0"/>
-  <p:tag name="KSO_WM_UNIT_HIGHLIGHT" val="0"/>
-  <p:tag name="KSO_WM_UNIT_COMPATIBLE" val="0"/>
-  <p:tag name="KSO_WM_UNIT_PRESET_TEXT_INDEX" val="3"/>
-  <p:tag name="KSO_WM_UNIT_PRESET_TEXT_LEN" val="17"/>
-</p:tagLst>
-</file>
-
-<file path=ppt/tags/tag51.xml><?xml version="1.0" encoding="utf-8"?>
-<p:tagLst xmlns:a="http://schemas.openxmlformats.org/drawingml/2006/main" xmlns:r="http://schemas.openxmlformats.org/officeDocument/2006/relationships" xmlns:p="http://schemas.openxmlformats.org/presentationml/2006/main">
-  <p:tag name="KSO_WM_TEMPLATE_CATEGORY" val="custom"/>
-  <p:tag name="KSO_WM_TEMPLATE_INDEX" val="160106"/>
-  <p:tag name="KSO_WM_TAG_VERSION" val="1.0"/>
-  <p:tag name="KSO_WM_SLIDE_ID" val="custom160106_3"/>
-  <p:tag name="KSO_WM_SLIDE_INDEX" val="3"/>
-  <p:tag name="KSO_WM_SLIDE_ITEM_CNT" val="3"/>
-  <p:tag name="KSO_WM_SLIDE_LAYOUT" val="a_f"/>
-  <p:tag name="KSO_WM_SLIDE_LAYOUT_CNT" val="1_2"/>
-  <p:tag name="KSO_WM_SLIDE_TYPE" val="text"/>
-  <p:tag name="KSO_WM_BEAUTIFY_FLAG" val="#wm#"/>
-  <p:tag name="KSO_WM_SLIDE_POSITION" val="66*133"/>
-  <p:tag name="KSO_WM_SLIDE_SIZE" val="828*357"/>
-</p:tagLst>
-</file>
-
-<file path=ppt/tags/tag52.xml><?xml version="1.0" encoding="utf-8"?>
-<p:tagLst xmlns:a="http://schemas.openxmlformats.org/drawingml/2006/main" xmlns:r="http://schemas.openxmlformats.org/officeDocument/2006/relationships" xmlns:p="http://schemas.openxmlformats.org/presentationml/2006/main">
   <p:tag name="KSO_WM_TEMPLATE_CATEGORY" val="custom"/>
   <p:tag name="KSO_WM_TEMPLATE_INDEX" val="160106"/>
   <p:tag name="KSO_WM_TAG_VERSION" val="1.0"/>
@@ -51786,7 +51578,7 @@
 </p:tagLst>
 </file>
 
-<file path=ppt/tags/tag53.xml><?xml version="1.0" encoding="utf-8"?>
+<file path=ppt/tags/tag51.xml><?xml version="1.0" encoding="utf-8"?>
 <p:tagLst xmlns:a="http://schemas.openxmlformats.org/drawingml/2006/main" xmlns:r="http://schemas.openxmlformats.org/officeDocument/2006/relationships" xmlns:p="http://schemas.openxmlformats.org/presentationml/2006/main">
   <p:tag name="KSO_WM_TAG_VERSION" val="1.0"/>
   <p:tag name="KSO_WM_BEAUTIFY_FLAG" val="#wm#"/>
@@ -51803,7 +51595,7 @@
 </p:tagLst>
 </file>
 
-<file path=ppt/tags/tag54.xml><?xml version="1.0" encoding="utf-8"?>
+<file path=ppt/tags/tag52.xml><?xml version="1.0" encoding="utf-8"?>
 <p:tagLst xmlns:a="http://schemas.openxmlformats.org/drawingml/2006/main" xmlns:r="http://schemas.openxmlformats.org/officeDocument/2006/relationships" xmlns:p="http://schemas.openxmlformats.org/presentationml/2006/main">
   <p:tag name="KSO_WM_TAG_VERSION" val="1.0"/>
   <p:tag name="KSO_WM_BEAUTIFY_FLAG" val="#wm#"/>
@@ -51822,7 +51614,7 @@
 </p:tagLst>
 </file>
 
-<file path=ppt/tags/tag55.xml><?xml version="1.0" encoding="utf-8"?>
+<file path=ppt/tags/tag53.xml><?xml version="1.0" encoding="utf-8"?>
 <p:tagLst xmlns:a="http://schemas.openxmlformats.org/drawingml/2006/main" xmlns:r="http://schemas.openxmlformats.org/officeDocument/2006/relationships" xmlns:p="http://schemas.openxmlformats.org/presentationml/2006/main">
   <p:tag name="KSO_WM_TAG_VERSION" val="1.0"/>
   <p:tag name="KSO_WM_BEAUTIFY_FLAG" val="#wm#"/>
@@ -51842,7 +51634,7 @@
 </p:tagLst>
 </file>
 
-<file path=ppt/tags/tag56.xml><?xml version="1.0" encoding="utf-8"?>
+<file path=ppt/tags/tag54.xml><?xml version="1.0" encoding="utf-8"?>
 <p:tagLst xmlns:a="http://schemas.openxmlformats.org/drawingml/2006/main" xmlns:r="http://schemas.openxmlformats.org/officeDocument/2006/relationships" xmlns:p="http://schemas.openxmlformats.org/presentationml/2006/main">
   <p:tag name="KSO_WM_TEMPLATE_CATEGORY" val="custom"/>
   <p:tag name="KSO_WM_TEMPLATE_INDEX" val="160106"/>
@@ -51859,7 +51651,7 @@
 </p:tagLst>
 </file>
 
-<file path=ppt/tags/tag57.xml><?xml version="1.0" encoding="utf-8"?>
+<file path=ppt/tags/tag55.xml><?xml version="1.0" encoding="utf-8"?>
 <p:tagLst xmlns:a="http://schemas.openxmlformats.org/drawingml/2006/main" xmlns:r="http://schemas.openxmlformats.org/officeDocument/2006/relationships" xmlns:p="http://schemas.openxmlformats.org/presentationml/2006/main">
   <p:tag name="KSO_WM_TAG_VERSION" val="1.0"/>
   <p:tag name="KSO_WM_BEAUTIFY_FLAG" val="#wm#"/>
@@ -51876,7 +51668,7 @@
 </p:tagLst>
 </file>
 
-<file path=ppt/tags/tag58.xml><?xml version="1.0" encoding="utf-8"?>
+<file path=ppt/tags/tag56.xml><?xml version="1.0" encoding="utf-8"?>
 <p:tagLst xmlns:a="http://schemas.openxmlformats.org/drawingml/2006/main" xmlns:r="http://schemas.openxmlformats.org/officeDocument/2006/relationships" xmlns:p="http://schemas.openxmlformats.org/presentationml/2006/main">
   <p:tag name="KSO_WM_TAG_VERSION" val="1.0"/>
   <p:tag name="KSO_WM_BEAUTIFY_FLAG" val="#wm#"/>
@@ -51896,7 +51688,7 @@
 </p:tagLst>
 </file>
 
-<file path=ppt/tags/tag59.xml><?xml version="1.0" encoding="utf-8"?>
+<file path=ppt/tags/tag57.xml><?xml version="1.0" encoding="utf-8"?>
 <p:tagLst xmlns:a="http://schemas.openxmlformats.org/drawingml/2006/main" xmlns:r="http://schemas.openxmlformats.org/officeDocument/2006/relationships" xmlns:p="http://schemas.openxmlformats.org/presentationml/2006/main">
   <p:tag name="KSO_WM_TAG_VERSION" val="1.0"/>
   <p:tag name="KSO_WM_BEAUTIFY_FLAG" val="#wm#"/>
@@ -51915,15 +51707,7 @@
 </p:tagLst>
 </file>
 
-<file path=ppt/tags/tag6.xml><?xml version="1.0" encoding="utf-8"?>
-<p:tagLst xmlns:a="http://schemas.openxmlformats.org/drawingml/2006/main" xmlns:r="http://schemas.openxmlformats.org/officeDocument/2006/relationships" xmlns:p="http://schemas.openxmlformats.org/presentationml/2006/main">
-  <p:tag name="MH" val="20150923171423"/>
-  <p:tag name="MH_LIBRARY" val="GRAPHIC"/>
-  <p:tag name="MH_ORDER" val="Rectangle 24"/>
-</p:tagLst>
-</file>
-
-<file path=ppt/tags/tag60.xml><?xml version="1.0" encoding="utf-8"?>
+<file path=ppt/tags/tag58.xml><?xml version="1.0" encoding="utf-8"?>
 <p:tagLst xmlns:a="http://schemas.openxmlformats.org/drawingml/2006/main" xmlns:r="http://schemas.openxmlformats.org/officeDocument/2006/relationships" xmlns:p="http://schemas.openxmlformats.org/presentationml/2006/main">
   <p:tag name="MH" val="20150923171423"/>
   <p:tag name="MH_LIBRARY" val="GRAPHIC"/>
@@ -51940,7 +51724,7 @@
 </p:tagLst>
 </file>
 
-<file path=ppt/tags/tag61.xml><?xml version="1.0" encoding="utf-8"?>
+<file path=ppt/tags/tag59.xml><?xml version="1.0" encoding="utf-8"?>
 <p:tagLst xmlns:a="http://schemas.openxmlformats.org/drawingml/2006/main" xmlns:r="http://schemas.openxmlformats.org/officeDocument/2006/relationships" xmlns:p="http://schemas.openxmlformats.org/presentationml/2006/main">
   <p:tag name="KSO_WM_TAG_VERSION" val="1.0"/>
   <p:tag name="KSO_WM_BEAUTIFY_FLAG" val="#wm#"/>
@@ -51961,7 +51745,15 @@
 </p:tagLst>
 </file>
 
-<file path=ppt/tags/tag62.xml><?xml version="1.0" encoding="utf-8"?>
+<file path=ppt/tags/tag6.xml><?xml version="1.0" encoding="utf-8"?>
+<p:tagLst xmlns:a="http://schemas.openxmlformats.org/drawingml/2006/main" xmlns:r="http://schemas.openxmlformats.org/officeDocument/2006/relationships" xmlns:p="http://schemas.openxmlformats.org/presentationml/2006/main">
+  <p:tag name="MH" val="20150923171423"/>
+  <p:tag name="MH_LIBRARY" val="GRAPHIC"/>
+  <p:tag name="MH_ORDER" val="Rectangle 24"/>
+</p:tagLst>
+</file>
+
+<file path=ppt/tags/tag60.xml><?xml version="1.0" encoding="utf-8"?>
 <p:tagLst xmlns:a="http://schemas.openxmlformats.org/drawingml/2006/main" xmlns:r="http://schemas.openxmlformats.org/officeDocument/2006/relationships" xmlns:p="http://schemas.openxmlformats.org/presentationml/2006/main">
   <p:tag name="KSO_WM_TAG_VERSION" val="1.0"/>
   <p:tag name="KSO_WM_BEAUTIFY_FLAG" val="#wm#"/>
@@ -51981,7 +51773,7 @@
 </p:tagLst>
 </file>
 
-<file path=ppt/tags/tag63.xml><?xml version="1.0" encoding="utf-8"?>
+<file path=ppt/tags/tag61.xml><?xml version="1.0" encoding="utf-8"?>
 <p:tagLst xmlns:a="http://schemas.openxmlformats.org/drawingml/2006/main" xmlns:r="http://schemas.openxmlformats.org/officeDocument/2006/relationships" xmlns:p="http://schemas.openxmlformats.org/presentationml/2006/main">
   <p:tag name="MH_TYPE" val="#NeiR#"/>
   <p:tag name="MH_NUMBER" val="6"/>
@@ -52005,7 +51797,7 @@
 </p:tagLst>
 </file>
 
-<file path=ppt/tags/tag64.xml><?xml version="1.0" encoding="utf-8"?>
+<file path=ppt/tags/tag62.xml><?xml version="1.0" encoding="utf-8"?>
 <p:tagLst xmlns:a="http://schemas.openxmlformats.org/drawingml/2006/main" xmlns:r="http://schemas.openxmlformats.org/officeDocument/2006/relationships" xmlns:p="http://schemas.openxmlformats.org/presentationml/2006/main">
   <p:tag name="KSO_WM_TAG_VERSION" val="1.0"/>
   <p:tag name="KSO_WM_BEAUTIFY_FLAG" val="#wm#"/>
@@ -52016,7 +51808,7 @@
 </p:tagLst>
 </file>
 
-<file path=ppt/tags/tag65.xml><?xml version="1.0" encoding="utf-8"?>
+<file path=ppt/tags/tag63.xml><?xml version="1.0" encoding="utf-8"?>
 <p:tagLst xmlns:a="http://schemas.openxmlformats.org/drawingml/2006/main" xmlns:r="http://schemas.openxmlformats.org/officeDocument/2006/relationships" xmlns:p="http://schemas.openxmlformats.org/presentationml/2006/main">
   <p:tag name="KSO_WM_TAG_VERSION" val="1.0"/>
   <p:tag name="KSO_WM_BEAUTIFY_FLAG" val="#wm#"/>
@@ -52027,7 +51819,7 @@
 </p:tagLst>
 </file>
 
-<file path=ppt/tags/tag66.xml><?xml version="1.0" encoding="utf-8"?>
+<file path=ppt/tags/tag64.xml><?xml version="1.0" encoding="utf-8"?>
 <p:tagLst xmlns:a="http://schemas.openxmlformats.org/drawingml/2006/main" xmlns:r="http://schemas.openxmlformats.org/officeDocument/2006/relationships" xmlns:p="http://schemas.openxmlformats.org/presentationml/2006/main">
   <p:tag name="KSO_WM_TAG_VERSION" val="1.0"/>
   <p:tag name="KSO_WM_BEAUTIFY_FLAG" val="#wm#"/>
@@ -52038,7 +51830,7 @@
 </p:tagLst>
 </file>
 
-<file path=ppt/tags/tag67.xml><?xml version="1.0" encoding="utf-8"?>
+<file path=ppt/tags/tag65.xml><?xml version="1.0" encoding="utf-8"?>
 <p:tagLst xmlns:a="http://schemas.openxmlformats.org/drawingml/2006/main" xmlns:r="http://schemas.openxmlformats.org/officeDocument/2006/relationships" xmlns:p="http://schemas.openxmlformats.org/presentationml/2006/main">
   <p:tag name="KSO_WM_TAG_VERSION" val="1.0"/>
   <p:tag name="KSO_WM_BEAUTIFY_FLAG" val="#wm#"/>
@@ -52062,7 +51854,7 @@
 </p:tagLst>
 </file>
 
-<file path=ppt/tags/tag68.xml><?xml version="1.0" encoding="utf-8"?>
+<file path=ppt/tags/tag66.xml><?xml version="1.0" encoding="utf-8"?>
 <p:tagLst xmlns:a="http://schemas.openxmlformats.org/drawingml/2006/main" xmlns:r="http://schemas.openxmlformats.org/officeDocument/2006/relationships" xmlns:p="http://schemas.openxmlformats.org/presentationml/2006/main">
   <p:tag name="KSO_WM_TAG_VERSION" val="1.0"/>
   <p:tag name="KSO_WM_BEAUTIFY_FLAG" val="#wm#"/>
@@ -52086,7 +51878,7 @@
 </p:tagLst>
 </file>
 
-<file path=ppt/tags/tag69.xml><?xml version="1.0" encoding="utf-8"?>
+<file path=ppt/tags/tag67.xml><?xml version="1.0" encoding="utf-8"?>
 <p:tagLst xmlns:a="http://schemas.openxmlformats.org/drawingml/2006/main" xmlns:r="http://schemas.openxmlformats.org/officeDocument/2006/relationships" xmlns:p="http://schemas.openxmlformats.org/presentationml/2006/main">
   <p:tag name="KSO_WM_TAG_VERSION" val="1.0"/>
   <p:tag name="KSO_WM_BEAUTIFY_FLAG" val="#wm#"/>
@@ -52105,15 +51897,7 @@
 </p:tagLst>
 </file>
 
-<file path=ppt/tags/tag7.xml><?xml version="1.0" encoding="utf-8"?>
-<p:tagLst xmlns:a="http://schemas.openxmlformats.org/drawingml/2006/main" xmlns:r="http://schemas.openxmlformats.org/officeDocument/2006/relationships" xmlns:p="http://schemas.openxmlformats.org/presentationml/2006/main">
-  <p:tag name="MH" val="20150923171423"/>
-  <p:tag name="MH_LIBRARY" val="GRAPHIC"/>
-  <p:tag name="MH_ORDER" val="Rectangle 25"/>
-</p:tagLst>
-</file>
-
-<file path=ppt/tags/tag70.xml><?xml version="1.0" encoding="utf-8"?>
+<file path=ppt/tags/tag68.xml><?xml version="1.0" encoding="utf-8"?>
 <p:tagLst xmlns:a="http://schemas.openxmlformats.org/drawingml/2006/main" xmlns:r="http://schemas.openxmlformats.org/officeDocument/2006/relationships" xmlns:p="http://schemas.openxmlformats.org/presentationml/2006/main">
   <p:tag name="KSO_WM_TAG_VERSION" val="1.0"/>
   <p:tag name="KSO_WM_BEAUTIFY_FLAG" val="#wm#"/>
@@ -52128,7 +51912,7 @@
 </p:tagLst>
 </file>
 
-<file path=ppt/tags/tag71.xml><?xml version="1.0" encoding="utf-8"?>
+<file path=ppt/tags/tag69.xml><?xml version="1.0" encoding="utf-8"?>
 <p:tagLst xmlns:a="http://schemas.openxmlformats.org/drawingml/2006/main" xmlns:r="http://schemas.openxmlformats.org/officeDocument/2006/relationships" xmlns:p="http://schemas.openxmlformats.org/presentationml/2006/main">
   <p:tag name="KSO_WM_TAG_VERSION" val="1.0"/>
   <p:tag name="KSO_WM_BEAUTIFY_FLAG" val="#wm#"/>
@@ -52152,7 +51936,15 @@
 </p:tagLst>
 </file>
 
-<file path=ppt/tags/tag72.xml><?xml version="1.0" encoding="utf-8"?>
+<file path=ppt/tags/tag7.xml><?xml version="1.0" encoding="utf-8"?>
+<p:tagLst xmlns:a="http://schemas.openxmlformats.org/drawingml/2006/main" xmlns:r="http://schemas.openxmlformats.org/officeDocument/2006/relationships" xmlns:p="http://schemas.openxmlformats.org/presentationml/2006/main">
+  <p:tag name="MH" val="20150923171423"/>
+  <p:tag name="MH_LIBRARY" val="GRAPHIC"/>
+  <p:tag name="MH_ORDER" val="Rectangle 25"/>
+</p:tagLst>
+</file>
+
+<file path=ppt/tags/tag70.xml><?xml version="1.0" encoding="utf-8"?>
 <p:tagLst xmlns:a="http://schemas.openxmlformats.org/drawingml/2006/main" xmlns:r="http://schemas.openxmlformats.org/officeDocument/2006/relationships" xmlns:p="http://schemas.openxmlformats.org/presentationml/2006/main">
   <p:tag name="KSO_WM_TAG_VERSION" val="1.0"/>
   <p:tag name="KSO_WM_BEAUTIFY_FLAG" val="#wm#"/>
@@ -52171,7 +51963,7 @@
 </p:tagLst>
 </file>
 
-<file path=ppt/tags/tag73.xml><?xml version="1.0" encoding="utf-8"?>
+<file path=ppt/tags/tag71.xml><?xml version="1.0" encoding="utf-8"?>
 <p:tagLst xmlns:a="http://schemas.openxmlformats.org/drawingml/2006/main" xmlns:r="http://schemas.openxmlformats.org/officeDocument/2006/relationships" xmlns:p="http://schemas.openxmlformats.org/presentationml/2006/main">
   <p:tag name="KSO_WM_TAG_VERSION" val="1.0"/>
   <p:tag name="KSO_WM_BEAUTIFY_FLAG" val="#wm#"/>
@@ -52190,7 +51982,7 @@
 </p:tagLst>
 </file>
 
-<file path=ppt/tags/tag74.xml><?xml version="1.0" encoding="utf-8"?>
+<file path=ppt/tags/tag72.xml><?xml version="1.0" encoding="utf-8"?>
 <p:tagLst xmlns:a="http://schemas.openxmlformats.org/drawingml/2006/main" xmlns:r="http://schemas.openxmlformats.org/officeDocument/2006/relationships" xmlns:p="http://schemas.openxmlformats.org/presentationml/2006/main">
   <p:tag name="KSO_WM_TAG_VERSION" val="1.0"/>
   <p:tag name="KSO_WM_BEAUTIFY_FLAG" val="#wm#"/>
@@ -52214,7 +52006,7 @@
 </p:tagLst>
 </file>
 
-<file path=ppt/tags/tag75.xml><?xml version="1.0" encoding="utf-8"?>
+<file path=ppt/tags/tag73.xml><?xml version="1.0" encoding="utf-8"?>
 <p:tagLst xmlns:a="http://schemas.openxmlformats.org/drawingml/2006/main" xmlns:r="http://schemas.openxmlformats.org/officeDocument/2006/relationships" xmlns:p="http://schemas.openxmlformats.org/presentationml/2006/main">
   <p:tag name="KSO_WM_TAG_VERSION" val="1.0"/>
   <p:tag name="KSO_WM_BEAUTIFY_FLAG" val="#wm#"/>
@@ -52233,7 +52025,7 @@
 </p:tagLst>
 </file>
 
-<file path=ppt/tags/tag76.xml><?xml version="1.0" encoding="utf-8"?>
+<file path=ppt/tags/tag74.xml><?xml version="1.0" encoding="utf-8"?>
 <p:tagLst xmlns:a="http://schemas.openxmlformats.org/drawingml/2006/main" xmlns:r="http://schemas.openxmlformats.org/officeDocument/2006/relationships" xmlns:p="http://schemas.openxmlformats.org/presentationml/2006/main">
   <p:tag name="KSO_WM_TAG_VERSION" val="1.0"/>
   <p:tag name="KSO_WM_BEAUTIFY_FLAG" val="#wm#"/>
@@ -52252,7 +52044,7 @@
 </p:tagLst>
 </file>
 
-<file path=ppt/tags/tag77.xml><?xml version="1.0" encoding="utf-8"?>
+<file path=ppt/tags/tag75.xml><?xml version="1.0" encoding="utf-8"?>
 <p:tagLst xmlns:a="http://schemas.openxmlformats.org/drawingml/2006/main" xmlns:r="http://schemas.openxmlformats.org/officeDocument/2006/relationships" xmlns:p="http://schemas.openxmlformats.org/presentationml/2006/main">
   <p:tag name="MH_TYPE" val="#NeiR#"/>
   <p:tag name="MH_NUMBER" val="6"/>
@@ -52276,7 +52068,7 @@
 </p:tagLst>
 </file>
 
-<file path=ppt/tags/tag78.xml><?xml version="1.0" encoding="utf-8"?>
+<file path=ppt/tags/tag76.xml><?xml version="1.0" encoding="utf-8"?>
 <p:tagLst xmlns:a="http://schemas.openxmlformats.org/drawingml/2006/main" xmlns:r="http://schemas.openxmlformats.org/officeDocument/2006/relationships" xmlns:p="http://schemas.openxmlformats.org/presentationml/2006/main">
   <p:tag name="KSO_WM_TAG_VERSION" val="1.0"/>
   <p:tag name="KSO_WM_BEAUTIFY_FLAG" val="#wm#"/>
@@ -52287,12 +52079,34 @@
 </p:tagLst>
 </file>
 
+<file path=ppt/tags/tag77.xml><?xml version="1.0" encoding="utf-8"?>
+<p:tagLst xmlns:a="http://schemas.openxmlformats.org/drawingml/2006/main" xmlns:r="http://schemas.openxmlformats.org/officeDocument/2006/relationships" xmlns:p="http://schemas.openxmlformats.org/presentationml/2006/main">
+  <p:tag name="KSO_WM_TAG_VERSION" val="1.0"/>
+  <p:tag name="KSO_WM_BEAUTIFY_FLAG" val="#wm#"/>
+  <p:tag name="KSO_WM_UNIT_TYPE" val="i"/>
+  <p:tag name="KSO_WM_UNIT_ID" val="custom160106_16*i*7"/>
+  <p:tag name="KSO_WM_TEMPLATE_CATEGORY" val="custom"/>
+  <p:tag name="KSO_WM_TEMPLATE_INDEX" val="160106"/>
+</p:tagLst>
+</file>
+
+<file path=ppt/tags/tag78.xml><?xml version="1.0" encoding="utf-8"?>
+<p:tagLst xmlns:a="http://schemas.openxmlformats.org/drawingml/2006/main" xmlns:r="http://schemas.openxmlformats.org/officeDocument/2006/relationships" xmlns:p="http://schemas.openxmlformats.org/presentationml/2006/main">
+  <p:tag name="KSO_WM_TAG_VERSION" val="1.0"/>
+  <p:tag name="KSO_WM_BEAUTIFY_FLAG" val="#wm#"/>
+  <p:tag name="KSO_WM_UNIT_TYPE" val="i"/>
+  <p:tag name="KSO_WM_UNIT_ID" val="custom160106_16*i*14"/>
+  <p:tag name="KSO_WM_TEMPLATE_CATEGORY" val="custom"/>
+  <p:tag name="KSO_WM_TEMPLATE_INDEX" val="160106"/>
+</p:tagLst>
+</file>
+
 <file path=ppt/tags/tag79.xml><?xml version="1.0" encoding="utf-8"?>
 <p:tagLst xmlns:a="http://schemas.openxmlformats.org/drawingml/2006/main" xmlns:r="http://schemas.openxmlformats.org/officeDocument/2006/relationships" xmlns:p="http://schemas.openxmlformats.org/presentationml/2006/main">
   <p:tag name="KSO_WM_TAG_VERSION" val="1.0"/>
   <p:tag name="KSO_WM_BEAUTIFY_FLAG" val="#wm#"/>
   <p:tag name="KSO_WM_UNIT_TYPE" val="i"/>
-  <p:tag name="KSO_WM_UNIT_ID" val="custom160106_16*i*7"/>
+  <p:tag name="KSO_WM_UNIT_ID" val="custom160106_16*i*21"/>
   <p:tag name="KSO_WM_TEMPLATE_CATEGORY" val="custom"/>
   <p:tag name="KSO_WM_TEMPLATE_INDEX" val="160106"/>
 </p:tagLst>
@@ -52307,28 +52121,6 @@
 </file>
 
 <file path=ppt/tags/tag80.xml><?xml version="1.0" encoding="utf-8"?>
-<p:tagLst xmlns:a="http://schemas.openxmlformats.org/drawingml/2006/main" xmlns:r="http://schemas.openxmlformats.org/officeDocument/2006/relationships" xmlns:p="http://schemas.openxmlformats.org/presentationml/2006/main">
-  <p:tag name="KSO_WM_TAG_VERSION" val="1.0"/>
-  <p:tag name="KSO_WM_BEAUTIFY_FLAG" val="#wm#"/>
-  <p:tag name="KSO_WM_UNIT_TYPE" val="i"/>
-  <p:tag name="KSO_WM_UNIT_ID" val="custom160106_16*i*14"/>
-  <p:tag name="KSO_WM_TEMPLATE_CATEGORY" val="custom"/>
-  <p:tag name="KSO_WM_TEMPLATE_INDEX" val="160106"/>
-</p:tagLst>
-</file>
-
-<file path=ppt/tags/tag81.xml><?xml version="1.0" encoding="utf-8"?>
-<p:tagLst xmlns:a="http://schemas.openxmlformats.org/drawingml/2006/main" xmlns:r="http://schemas.openxmlformats.org/officeDocument/2006/relationships" xmlns:p="http://schemas.openxmlformats.org/presentationml/2006/main">
-  <p:tag name="KSO_WM_TAG_VERSION" val="1.0"/>
-  <p:tag name="KSO_WM_BEAUTIFY_FLAG" val="#wm#"/>
-  <p:tag name="KSO_WM_UNIT_TYPE" val="i"/>
-  <p:tag name="KSO_WM_UNIT_ID" val="custom160106_16*i*21"/>
-  <p:tag name="KSO_WM_TEMPLATE_CATEGORY" val="custom"/>
-  <p:tag name="KSO_WM_TEMPLATE_INDEX" val="160106"/>
-</p:tagLst>
-</file>
-
-<file path=ppt/tags/tag82.xml><?xml version="1.0" encoding="utf-8"?>
 <p:tagLst xmlns:a="http://schemas.openxmlformats.org/drawingml/2006/main" xmlns:r="http://schemas.openxmlformats.org/officeDocument/2006/relationships" xmlns:p="http://schemas.openxmlformats.org/presentationml/2006/main">
   <p:tag name="KSO_WM_TAG_VERSION" val="1.0"/>
   <p:tag name="KSO_WM_BEAUTIFY_FLAG" val="#wm#"/>
@@ -52352,7 +52144,7 @@
 </p:tagLst>
 </file>
 
-<file path=ppt/tags/tag83.xml><?xml version="1.0" encoding="utf-8"?>
+<file path=ppt/tags/tag81.xml><?xml version="1.0" encoding="utf-8"?>
 <p:tagLst xmlns:a="http://schemas.openxmlformats.org/drawingml/2006/main" xmlns:r="http://schemas.openxmlformats.org/officeDocument/2006/relationships" xmlns:p="http://schemas.openxmlformats.org/presentationml/2006/main">
   <p:tag name="KSO_WM_TAG_VERSION" val="1.0"/>
   <p:tag name="KSO_WM_BEAUTIFY_FLAG" val="#wm#"/>
@@ -52376,7 +52168,7 @@
 </p:tagLst>
 </file>
 
-<file path=ppt/tags/tag84.xml><?xml version="1.0" encoding="utf-8"?>
+<file path=ppt/tags/tag82.xml><?xml version="1.0" encoding="utf-8"?>
 <p:tagLst xmlns:a="http://schemas.openxmlformats.org/drawingml/2006/main" xmlns:r="http://schemas.openxmlformats.org/officeDocument/2006/relationships" xmlns:p="http://schemas.openxmlformats.org/presentationml/2006/main">
   <p:tag name="KSO_WM_TAG_VERSION" val="1.0"/>
   <p:tag name="KSO_WM_BEAUTIFY_FLAG" val="#wm#"/>
@@ -52395,7 +52187,7 @@
 </p:tagLst>
 </file>
 
-<file path=ppt/tags/tag85.xml><?xml version="1.0" encoding="utf-8"?>
+<file path=ppt/tags/tag83.xml><?xml version="1.0" encoding="utf-8"?>
 <p:tagLst xmlns:a="http://schemas.openxmlformats.org/drawingml/2006/main" xmlns:r="http://schemas.openxmlformats.org/officeDocument/2006/relationships" xmlns:p="http://schemas.openxmlformats.org/presentationml/2006/main">
   <p:tag name="KSO_WM_TAG_VERSION" val="1.0"/>
   <p:tag name="KSO_WM_BEAUTIFY_FLAG" val="#wm#"/>
@@ -52410,7 +52202,7 @@
 </p:tagLst>
 </file>
 
-<file path=ppt/tags/tag86.xml><?xml version="1.0" encoding="utf-8"?>
+<file path=ppt/tags/tag84.xml><?xml version="1.0" encoding="utf-8"?>
 <p:tagLst xmlns:a="http://schemas.openxmlformats.org/drawingml/2006/main" xmlns:r="http://schemas.openxmlformats.org/officeDocument/2006/relationships" xmlns:p="http://schemas.openxmlformats.org/presentationml/2006/main">
   <p:tag name="KSO_WM_TAG_VERSION" val="1.0"/>
   <p:tag name="KSO_WM_BEAUTIFY_FLAG" val="#wm#"/>
@@ -52434,7 +52226,7 @@
 </p:tagLst>
 </file>
 
-<file path=ppt/tags/tag87.xml><?xml version="1.0" encoding="utf-8"?>
+<file path=ppt/tags/tag85.xml><?xml version="1.0" encoding="utf-8"?>
 <p:tagLst xmlns:a="http://schemas.openxmlformats.org/drawingml/2006/main" xmlns:r="http://schemas.openxmlformats.org/officeDocument/2006/relationships" xmlns:p="http://schemas.openxmlformats.org/presentationml/2006/main">
   <p:tag name="KSO_WM_TAG_VERSION" val="1.0"/>
   <p:tag name="KSO_WM_BEAUTIFY_FLAG" val="#wm#"/>
@@ -52453,7 +52245,7 @@
 </p:tagLst>
 </file>
 
-<file path=ppt/tags/tag88.xml><?xml version="1.0" encoding="utf-8"?>
+<file path=ppt/tags/tag86.xml><?xml version="1.0" encoding="utf-8"?>
 <p:tagLst xmlns:a="http://schemas.openxmlformats.org/drawingml/2006/main" xmlns:r="http://schemas.openxmlformats.org/officeDocument/2006/relationships" xmlns:p="http://schemas.openxmlformats.org/presentationml/2006/main">
   <p:tag name="KSO_WM_TAG_VERSION" val="1.0"/>
   <p:tag name="KSO_WM_BEAUTIFY_FLAG" val="#wm#"/>
@@ -52468,7 +52260,7 @@
 </p:tagLst>
 </file>
 
-<file path=ppt/tags/tag89.xml><?xml version="1.0" encoding="utf-8"?>
+<file path=ppt/tags/tag87.xml><?xml version="1.0" encoding="utf-8"?>
 <p:tagLst xmlns:a="http://schemas.openxmlformats.org/drawingml/2006/main" xmlns:r="http://schemas.openxmlformats.org/officeDocument/2006/relationships" xmlns:p="http://schemas.openxmlformats.org/presentationml/2006/main">
   <p:tag name="KSO_WM_TAG_VERSION" val="1.0"/>
   <p:tag name="KSO_WM_BEAUTIFY_FLAG" val="#wm#"/>
@@ -52492,15 +52284,7 @@
 </p:tagLst>
 </file>
 
-<file path=ppt/tags/tag9.xml><?xml version="1.0" encoding="utf-8"?>
-<p:tagLst xmlns:a="http://schemas.openxmlformats.org/drawingml/2006/main" xmlns:r="http://schemas.openxmlformats.org/officeDocument/2006/relationships" xmlns:p="http://schemas.openxmlformats.org/presentationml/2006/main">
-  <p:tag name="MH" val="20150923171423"/>
-  <p:tag name="MH_LIBRARY" val="GRAPHIC"/>
-  <p:tag name="MH_ORDER" val="Rectangle 27"/>
-</p:tagLst>
-</file>
-
-<file path=ppt/tags/tag90.xml><?xml version="1.0" encoding="utf-8"?>
+<file path=ppt/tags/tag88.xml><?xml version="1.0" encoding="utf-8"?>
 <p:tagLst xmlns:a="http://schemas.openxmlformats.org/drawingml/2006/main" xmlns:r="http://schemas.openxmlformats.org/officeDocument/2006/relationships" xmlns:p="http://schemas.openxmlformats.org/presentationml/2006/main">
   <p:tag name="KSO_WM_TAG_VERSION" val="1.0"/>
   <p:tag name="KSO_WM_BEAUTIFY_FLAG" val="#wm#"/>
@@ -52519,7 +52303,7 @@
 </p:tagLst>
 </file>
 
-<file path=ppt/tags/tag91.xml><?xml version="1.0" encoding="utf-8"?>
+<file path=ppt/tags/tag89.xml><?xml version="1.0" encoding="utf-8"?>
 <p:tagLst xmlns:a="http://schemas.openxmlformats.org/drawingml/2006/main" xmlns:r="http://schemas.openxmlformats.org/officeDocument/2006/relationships" xmlns:p="http://schemas.openxmlformats.org/presentationml/2006/main">
   <p:tag name="KSO_WM_TAG_VERSION" val="1.0"/>
   <p:tag name="KSO_WM_BEAUTIFY_FLAG" val="#wm#"/>
@@ -52538,7 +52322,15 @@
 </p:tagLst>
 </file>
 
-<file path=ppt/tags/tag92.xml><?xml version="1.0" encoding="utf-8"?>
+<file path=ppt/tags/tag9.xml><?xml version="1.0" encoding="utf-8"?>
+<p:tagLst xmlns:a="http://schemas.openxmlformats.org/drawingml/2006/main" xmlns:r="http://schemas.openxmlformats.org/officeDocument/2006/relationships" xmlns:p="http://schemas.openxmlformats.org/presentationml/2006/main">
+  <p:tag name="MH" val="20150923171423"/>
+  <p:tag name="MH_LIBRARY" val="GRAPHIC"/>
+  <p:tag name="MH_ORDER" val="Rectangle 27"/>
+</p:tagLst>
+</file>
+
+<file path=ppt/tags/tag90.xml><?xml version="1.0" encoding="utf-8"?>
 <p:tagLst xmlns:a="http://schemas.openxmlformats.org/drawingml/2006/main" xmlns:r="http://schemas.openxmlformats.org/officeDocument/2006/relationships" xmlns:p="http://schemas.openxmlformats.org/presentationml/2006/main">
   <p:tag name="KSO_WM_TAG_VERSION" val="1.0"/>
   <p:tag name="KSO_WM_BEAUTIFY_FLAG" val="#wm#"/>
@@ -52562,7 +52354,7 @@
 </p:tagLst>
 </file>
 
-<file path=ppt/tags/tag93.xml><?xml version="1.0" encoding="utf-8"?>
+<file path=ppt/tags/tag91.xml><?xml version="1.0" encoding="utf-8"?>
 <p:tagLst xmlns:a="http://schemas.openxmlformats.org/drawingml/2006/main" xmlns:r="http://schemas.openxmlformats.org/officeDocument/2006/relationships" xmlns:p="http://schemas.openxmlformats.org/presentationml/2006/main">
   <p:tag name="KSO_WM_TAG_VERSION" val="1.0"/>
   <p:tag name="KSO_WM_BEAUTIFY_FLAG" val="#wm#"/>
@@ -52581,7 +52373,7 @@
 </p:tagLst>
 </file>
 
-<file path=ppt/tags/tag94.xml><?xml version="1.0" encoding="utf-8"?>
+<file path=ppt/tags/tag92.xml><?xml version="1.0" encoding="utf-8"?>
 <p:tagLst xmlns:a="http://schemas.openxmlformats.org/drawingml/2006/main" xmlns:r="http://schemas.openxmlformats.org/officeDocument/2006/relationships" xmlns:p="http://schemas.openxmlformats.org/presentationml/2006/main">
   <p:tag name="KSO_WM_TAG_VERSION" val="1.0"/>
   <p:tag name="KSO_WM_BEAUTIFY_FLAG" val="#wm#"/>
@@ -52600,7 +52392,7 @@
 </p:tagLst>
 </file>
 
-<file path=ppt/tags/tag95.xml><?xml version="1.0" encoding="utf-8"?>
+<file path=ppt/tags/tag93.xml><?xml version="1.0" encoding="utf-8"?>
 <p:tagLst xmlns:a="http://schemas.openxmlformats.org/drawingml/2006/main" xmlns:r="http://schemas.openxmlformats.org/officeDocument/2006/relationships" xmlns:p="http://schemas.openxmlformats.org/presentationml/2006/main">
   <p:tag name="MH_TYPE" val="#NeiR#"/>
   <p:tag name="MH_NUMBER" val="6"/>
@@ -52624,7 +52416,7 @@
 </p:tagLst>
 </file>
 
-<file path=ppt/tags/tag96.xml><?xml version="1.0" encoding="utf-8"?>
+<file path=ppt/tags/tag94.xml><?xml version="1.0" encoding="utf-8"?>
 <p:tagLst xmlns:a="http://schemas.openxmlformats.org/drawingml/2006/main" xmlns:r="http://schemas.openxmlformats.org/officeDocument/2006/relationships" xmlns:p="http://schemas.openxmlformats.org/presentationml/2006/main">
   <p:tag name="KSO_WM_TAG_VERSION" val="1.0"/>
   <p:tag name="KSO_WM_BEAUTIFY_FLAG" val="#wm#"/>
@@ -52635,7 +52427,7 @@
 </p:tagLst>
 </file>
 
-<file path=ppt/tags/tag97.xml><?xml version="1.0" encoding="utf-8"?>
+<file path=ppt/tags/tag95.xml><?xml version="1.0" encoding="utf-8"?>
 <p:tagLst xmlns:a="http://schemas.openxmlformats.org/drawingml/2006/main" xmlns:r="http://schemas.openxmlformats.org/officeDocument/2006/relationships" xmlns:p="http://schemas.openxmlformats.org/presentationml/2006/main">
   <p:tag name="KSO_WM_TAG_VERSION" val="1.0"/>
   <p:tag name="KSO_WM_BEAUTIFY_FLAG" val="#wm#"/>
@@ -52646,7 +52438,7 @@
 </p:tagLst>
 </file>
 
-<file path=ppt/tags/tag98.xml><?xml version="1.0" encoding="utf-8"?>
+<file path=ppt/tags/tag96.xml><?xml version="1.0" encoding="utf-8"?>
 <p:tagLst xmlns:a="http://schemas.openxmlformats.org/drawingml/2006/main" xmlns:r="http://schemas.openxmlformats.org/officeDocument/2006/relationships" xmlns:p="http://schemas.openxmlformats.org/presentationml/2006/main">
   <p:tag name="KSO_WM_TAG_VERSION" val="1.0"/>
   <p:tag name="KSO_WM_BEAUTIFY_FLAG" val="#wm#"/>
@@ -52657,7 +52449,7 @@
 </p:tagLst>
 </file>
 
-<file path=ppt/tags/tag99.xml><?xml version="1.0" encoding="utf-8"?>
+<file path=ppt/tags/tag97.xml><?xml version="1.0" encoding="utf-8"?>
 <p:tagLst xmlns:a="http://schemas.openxmlformats.org/drawingml/2006/main" xmlns:r="http://schemas.openxmlformats.org/officeDocument/2006/relationships" xmlns:p="http://schemas.openxmlformats.org/presentationml/2006/main">
   <p:tag name="KSO_WM_TAG_VERSION" val="1.0"/>
   <p:tag name="KSO_WM_BEAUTIFY_FLAG" val="#wm#"/>
@@ -52665,6 +52457,41 @@
   <p:tag name="KSO_WM_UNIT_ID" val="custom160106_17*i*21"/>
   <p:tag name="KSO_WM_TEMPLATE_CATEGORY" val="custom"/>
   <p:tag name="KSO_WM_TEMPLATE_INDEX" val="160106"/>
+</p:tagLst>
+</file>
+
+<file path=ppt/tags/tag98.xml><?xml version="1.0" encoding="utf-8"?>
+<p:tagLst xmlns:a="http://schemas.openxmlformats.org/drawingml/2006/main" xmlns:r="http://schemas.openxmlformats.org/officeDocument/2006/relationships" xmlns:p="http://schemas.openxmlformats.org/presentationml/2006/main">
+  <p:tag name="KSO_WM_TAG_VERSION" val="1.0"/>
+  <p:tag name="KSO_WM_BEAUTIFY_FLAG" val="#wm#"/>
+  <p:tag name="KSO_WM_UNIT_TYPE" val="i"/>
+  <p:tag name="KSO_WM_UNIT_ID" val="custom160106_17*i*28"/>
+  <p:tag name="KSO_WM_TEMPLATE_CATEGORY" val="custom"/>
+  <p:tag name="KSO_WM_TEMPLATE_INDEX" val="160106"/>
+</p:tagLst>
+</file>
+
+<file path=ppt/tags/tag99.xml><?xml version="1.0" encoding="utf-8"?>
+<p:tagLst xmlns:a="http://schemas.openxmlformats.org/drawingml/2006/main" xmlns:r="http://schemas.openxmlformats.org/officeDocument/2006/relationships" xmlns:p="http://schemas.openxmlformats.org/presentationml/2006/main">
+  <p:tag name="KSO_WM_TAG_VERSION" val="1.0"/>
+  <p:tag name="KSO_WM_BEAUTIFY_FLAG" val="#wm#"/>
+  <p:tag name="KSO_WM_TEMPLATE_CATEGORY" val="custom"/>
+  <p:tag name="KSO_WM_TEMPLATE_INDEX" val="160106"/>
+  <p:tag name="MH" val="20150923164903"/>
+  <p:tag name="MH_LIBRARY" val="GRAPHIC"/>
+  <p:tag name="MH_TYPE" val="PageTitle"/>
+  <p:tag name="MH_ORDER" val="PageTitle"/>
+  <p:tag name="KSO_WM_UNIT_TYPE" val="a"/>
+  <p:tag name="KSO_WM_UNIT_INDEX" val="1"/>
+  <p:tag name="KSO_WM_UNIT_ID" val="custom160106_17*a*1"/>
+  <p:tag name="KSO_WM_UNIT_CLEAR" val="1"/>
+  <p:tag name="KSO_WM_UNIT_LAYERLEVEL" val="1"/>
+  <p:tag name="KSO_WM_UNIT_VALUE" val="29"/>
+  <p:tag name="KSO_WM_UNIT_ISCONTENTSTITLE" val="0"/>
+  <p:tag name="KSO_WM_UNIT_HIGHLIGHT" val="0"/>
+  <p:tag name="KSO_WM_UNIT_COMPATIBLE" val="0"/>
+  <p:tag name="KSO_WM_UNIT_PRESET_TEXT_INDEX" val="3"/>
+  <p:tag name="KSO_WM_UNIT_PRESET_TEXT_LEN" val="17"/>
 </p:tagLst>
 </file>
 
